--- a/FW/Thanh/nodejs/nodejs.pptx
+++ b/FW/Thanh/nodejs/nodejs.pptx
@@ -227,7 +227,7 @@
           <a:p>
             <a:fld id="{BE921E71-55FB-4F70-BA64-7E87629B9540}" type="datetimeFigureOut">
               <a:rPr lang="en-US" smtClean="0"/>
-              <a:t>8/4/2020</a:t>
+              <a:t>8/23/2020</a:t>
             </a:fld>
             <a:endParaRPr lang="en-US"/>
           </a:p>
@@ -3234,7 +3234,7 @@
           <a:p>
             <a:fld id="{6D9FEF56-C5D4-4D87-B961-211842A8ECEA}" type="datetime1">
               <a:rPr lang="en-US" smtClean="0"/>
-              <a:t>8/4/2020</a:t>
+              <a:t>8/23/2020</a:t>
             </a:fld>
             <a:endParaRPr lang="en-US"/>
           </a:p>
@@ -3656,13 +3656,13 @@
   <p:clrMapOvr>
     <a:masterClrMapping/>
   </p:clrMapOvr>
-  <mc:AlternateContent xmlns:mc="http://schemas.openxmlformats.org/markup-compatibility/2006">
-    <mc:Choice xmlns:p15="http://schemas.microsoft.com/office/powerpoint/2012/main" Requires="p15">
+  <mc:AlternateContent xmlns:mc="http://schemas.openxmlformats.org/markup-compatibility/2006" xmlns:p15="http://schemas.microsoft.com/office/powerpoint/2012/main">
+    <mc:Choice Requires="p15">
       <p:transition xmlns:p14="http://schemas.microsoft.com/office/powerpoint/2010/main" spd="slow" p14:dur="1250">
         <p15:prstTrans prst="peelOff"/>
       </p:transition>
     </mc:Choice>
-    <mc:Fallback>
+    <mc:Fallback xmlns="">
       <p:transition spd="slow">
         <p:fade/>
       </p:transition>
@@ -3709,8 +3709,9 @@
           <a:lstStyle/>
           <a:p>
             <a:r>
-              <a:rPr lang="en-US" b="1">
-                <a:latin typeface="Times New Roman" panose="02020603050405020304" pitchFamily="18" charset="0"/>
+              <a:rPr lang="en-US" sz="3000" b="1" dirty="0">
+                <a:latin typeface="Segoe UI Black" panose="020B0A02040204020203" pitchFamily="34" charset="0"/>
+                <a:ea typeface="Segoe UI Black" panose="020B0A02040204020203" pitchFamily="34" charset="0"/>
                 <a:cs typeface="Times New Roman" panose="02020603050405020304" pitchFamily="18" charset="0"/>
               </a:rPr>
               <a:t>TẠO SERVER ĐƠN GIẢN SỬ DỤNG HTTP</a:t>
@@ -3741,27 +3742,126 @@
           <a:lstStyle/>
           <a:p>
             <a:r>
-              <a:rPr lang="en-US" sz="2200" b="1">
-                <a:latin typeface="Times New Roman" panose="02020603050405020304" pitchFamily="18" charset="0"/>
-                <a:cs typeface="Times New Roman" panose="02020603050405020304" pitchFamily="18" charset="0"/>
-              </a:rPr>
-              <a:t>Bước 2: Khởi tạo server</a:t>
-            </a:r>
-          </a:p>
-          <a:p>
-            <a:r>
-              <a:rPr lang="en-US" sz="2200">
-                <a:latin typeface="Times New Roman" panose="02020603050405020304" pitchFamily="18" charset="0"/>
-                <a:cs typeface="Times New Roman" panose="02020603050405020304" pitchFamily="18" charset="0"/>
-              </a:rPr>
-              <a:t>Chúng ta sử dụng hàm</a:t>
-            </a:r>
-            <a:r>
-              <a:rPr lang="en-US" sz="2200" i="1">
-                <a:latin typeface="Times New Roman" panose="02020603050405020304" pitchFamily="18" charset="0"/>
-                <a:cs typeface="Times New Roman" panose="02020603050405020304" pitchFamily="18" charset="0"/>
-              </a:rPr>
-              <a:t>:http.createServer(function(request, response)</a:t>
+              <a:rPr lang="en-US" b="1" dirty="0" err="1">
+                <a:latin typeface="Segoe UI Black" panose="020B0A02040204020203" pitchFamily="34" charset="0"/>
+                <a:ea typeface="Segoe UI Black" panose="020B0A02040204020203" pitchFamily="34" charset="0"/>
+                <a:cs typeface="Times New Roman" panose="02020603050405020304" pitchFamily="18" charset="0"/>
+              </a:rPr>
+              <a:t>Bước</a:t>
+            </a:r>
+            <a:r>
+              <a:rPr lang="en-US" b="1" dirty="0">
+                <a:latin typeface="Segoe UI Black" panose="020B0A02040204020203" pitchFamily="34" charset="0"/>
+                <a:ea typeface="Segoe UI Black" panose="020B0A02040204020203" pitchFamily="34" charset="0"/>
+                <a:cs typeface="Times New Roman" panose="02020603050405020304" pitchFamily="18" charset="0"/>
+              </a:rPr>
+              <a:t> 2: </a:t>
+            </a:r>
+            <a:r>
+              <a:rPr lang="en-US" b="1" dirty="0" err="1">
+                <a:latin typeface="Segoe UI Black" panose="020B0A02040204020203" pitchFamily="34" charset="0"/>
+                <a:ea typeface="Segoe UI Black" panose="020B0A02040204020203" pitchFamily="34" charset="0"/>
+                <a:cs typeface="Times New Roman" panose="02020603050405020304" pitchFamily="18" charset="0"/>
+              </a:rPr>
+              <a:t>Khởi</a:t>
+            </a:r>
+            <a:r>
+              <a:rPr lang="en-US" b="1" dirty="0">
+                <a:latin typeface="Segoe UI Black" panose="020B0A02040204020203" pitchFamily="34" charset="0"/>
+                <a:ea typeface="Segoe UI Black" panose="020B0A02040204020203" pitchFamily="34" charset="0"/>
+                <a:cs typeface="Times New Roman" panose="02020603050405020304" pitchFamily="18" charset="0"/>
+              </a:rPr>
+              <a:t> </a:t>
+            </a:r>
+            <a:r>
+              <a:rPr lang="en-US" b="1" dirty="0" err="1">
+                <a:latin typeface="Segoe UI Black" panose="020B0A02040204020203" pitchFamily="34" charset="0"/>
+                <a:ea typeface="Segoe UI Black" panose="020B0A02040204020203" pitchFamily="34" charset="0"/>
+                <a:cs typeface="Times New Roman" panose="02020603050405020304" pitchFamily="18" charset="0"/>
+              </a:rPr>
+              <a:t>tạo</a:t>
+            </a:r>
+            <a:r>
+              <a:rPr lang="en-US" b="1" dirty="0">
+                <a:latin typeface="Segoe UI Black" panose="020B0A02040204020203" pitchFamily="34" charset="0"/>
+                <a:ea typeface="Segoe UI Black" panose="020B0A02040204020203" pitchFamily="34" charset="0"/>
+                <a:cs typeface="Times New Roman" panose="02020603050405020304" pitchFamily="18" charset="0"/>
+              </a:rPr>
+              <a:t> server</a:t>
+            </a:r>
+          </a:p>
+          <a:p>
+            <a:r>
+              <a:rPr lang="en-US" dirty="0" err="1">
+                <a:latin typeface="Segoe UI Black" panose="020B0A02040204020203" pitchFamily="34" charset="0"/>
+                <a:ea typeface="Segoe UI Black" panose="020B0A02040204020203" pitchFamily="34" charset="0"/>
+                <a:cs typeface="Times New Roman" panose="02020603050405020304" pitchFamily="18" charset="0"/>
+              </a:rPr>
+              <a:t>Chúng</a:t>
+            </a:r>
+            <a:r>
+              <a:rPr lang="en-US" dirty="0">
+                <a:latin typeface="Segoe UI Black" panose="020B0A02040204020203" pitchFamily="34" charset="0"/>
+                <a:ea typeface="Segoe UI Black" panose="020B0A02040204020203" pitchFamily="34" charset="0"/>
+                <a:cs typeface="Times New Roman" panose="02020603050405020304" pitchFamily="18" charset="0"/>
+              </a:rPr>
+              <a:t> ta </a:t>
+            </a:r>
+            <a:r>
+              <a:rPr lang="en-US" dirty="0" err="1">
+                <a:latin typeface="Segoe UI Black" panose="020B0A02040204020203" pitchFamily="34" charset="0"/>
+                <a:ea typeface="Segoe UI Black" panose="020B0A02040204020203" pitchFamily="34" charset="0"/>
+                <a:cs typeface="Times New Roman" panose="02020603050405020304" pitchFamily="18" charset="0"/>
+              </a:rPr>
+              <a:t>sử</a:t>
+            </a:r>
+            <a:r>
+              <a:rPr lang="en-US" dirty="0">
+                <a:latin typeface="Segoe UI Black" panose="020B0A02040204020203" pitchFamily="34" charset="0"/>
+                <a:ea typeface="Segoe UI Black" panose="020B0A02040204020203" pitchFamily="34" charset="0"/>
+                <a:cs typeface="Times New Roman" panose="02020603050405020304" pitchFamily="18" charset="0"/>
+              </a:rPr>
+              <a:t> </a:t>
+            </a:r>
+            <a:r>
+              <a:rPr lang="en-US" dirty="0" err="1">
+                <a:latin typeface="Segoe UI Black" panose="020B0A02040204020203" pitchFamily="34" charset="0"/>
+                <a:ea typeface="Segoe UI Black" panose="020B0A02040204020203" pitchFamily="34" charset="0"/>
+                <a:cs typeface="Times New Roman" panose="02020603050405020304" pitchFamily="18" charset="0"/>
+              </a:rPr>
+              <a:t>dụng</a:t>
+            </a:r>
+            <a:r>
+              <a:rPr lang="en-US" dirty="0">
+                <a:latin typeface="Segoe UI Black" panose="020B0A02040204020203" pitchFamily="34" charset="0"/>
+                <a:ea typeface="Segoe UI Black" panose="020B0A02040204020203" pitchFamily="34" charset="0"/>
+                <a:cs typeface="Times New Roman" panose="02020603050405020304" pitchFamily="18" charset="0"/>
+              </a:rPr>
+              <a:t> </a:t>
+            </a:r>
+            <a:r>
+              <a:rPr lang="en-US" dirty="0" err="1">
+                <a:latin typeface="Segoe UI Black" panose="020B0A02040204020203" pitchFamily="34" charset="0"/>
+                <a:ea typeface="Segoe UI Black" panose="020B0A02040204020203" pitchFamily="34" charset="0"/>
+                <a:cs typeface="Times New Roman" panose="02020603050405020304" pitchFamily="18" charset="0"/>
+              </a:rPr>
+              <a:t>hàm</a:t>
+            </a:r>
+            <a:r>
+              <a:rPr lang="en-US" i="1" dirty="0" err="1">
+                <a:latin typeface="Segoe UI Black" panose="020B0A02040204020203" pitchFamily="34" charset="0"/>
+                <a:ea typeface="Segoe UI Black" panose="020B0A02040204020203" pitchFamily="34" charset="0"/>
+                <a:cs typeface="Times New Roman" panose="02020603050405020304" pitchFamily="18" charset="0"/>
+              </a:rPr>
+              <a:t>:http.createServer</a:t>
+            </a:r>
+            <a:r>
+              <a:rPr lang="en-US" i="1" dirty="0">
+                <a:latin typeface="Segoe UI Black" panose="020B0A02040204020203" pitchFamily="34" charset="0"/>
+                <a:ea typeface="Segoe UI Black" panose="020B0A02040204020203" pitchFamily="34" charset="0"/>
+                <a:cs typeface="Times New Roman" panose="02020603050405020304" pitchFamily="18" charset="0"/>
+              </a:rPr>
+              <a:t>(function(request, response)</a:t>
             </a:r>
           </a:p>
           <a:p>
@@ -3770,11 +3870,108 @@
               <a:buChar char="•"/>
             </a:pPr>
             <a:r>
-              <a:rPr lang="en-US" sz="2200">
-                <a:latin typeface="Times New Roman" panose="02020603050405020304" pitchFamily="18" charset="0"/>
-                <a:cs typeface="Times New Roman" panose="02020603050405020304" pitchFamily="18" charset="0"/>
-              </a:rPr>
-              <a:t>Request: lưu trữ thông tin gửi lên của request</a:t>
+              <a:rPr lang="en-US" sz="1600" dirty="0">
+                <a:latin typeface="Segoe UI Black" panose="020B0A02040204020203" pitchFamily="34" charset="0"/>
+                <a:ea typeface="Segoe UI Black" panose="020B0A02040204020203" pitchFamily="34" charset="0"/>
+                <a:cs typeface="Times New Roman" panose="02020603050405020304" pitchFamily="18" charset="0"/>
+              </a:rPr>
+              <a:t>Request: </a:t>
+            </a:r>
+            <a:r>
+              <a:rPr lang="en-US" sz="1600" dirty="0" err="1">
+                <a:latin typeface="Segoe UI Black" panose="020B0A02040204020203" pitchFamily="34" charset="0"/>
+                <a:ea typeface="Segoe UI Black" panose="020B0A02040204020203" pitchFamily="34" charset="0"/>
+                <a:cs typeface="Times New Roman" panose="02020603050405020304" pitchFamily="18" charset="0"/>
+              </a:rPr>
+              <a:t>lưu</a:t>
+            </a:r>
+            <a:r>
+              <a:rPr lang="en-US" sz="1600" dirty="0">
+                <a:latin typeface="Segoe UI Black" panose="020B0A02040204020203" pitchFamily="34" charset="0"/>
+                <a:ea typeface="Segoe UI Black" panose="020B0A02040204020203" pitchFamily="34" charset="0"/>
+                <a:cs typeface="Times New Roman" panose="02020603050405020304" pitchFamily="18" charset="0"/>
+              </a:rPr>
+              <a:t> </a:t>
+            </a:r>
+            <a:r>
+              <a:rPr lang="en-US" sz="1600" dirty="0" err="1">
+                <a:latin typeface="Segoe UI Black" panose="020B0A02040204020203" pitchFamily="34" charset="0"/>
+                <a:ea typeface="Segoe UI Black" panose="020B0A02040204020203" pitchFamily="34" charset="0"/>
+                <a:cs typeface="Times New Roman" panose="02020603050405020304" pitchFamily="18" charset="0"/>
+              </a:rPr>
+              <a:t>trữ</a:t>
+            </a:r>
+            <a:r>
+              <a:rPr lang="en-US" sz="1600" dirty="0">
+                <a:latin typeface="Segoe UI Black" panose="020B0A02040204020203" pitchFamily="34" charset="0"/>
+                <a:ea typeface="Segoe UI Black" panose="020B0A02040204020203" pitchFamily="34" charset="0"/>
+                <a:cs typeface="Times New Roman" panose="02020603050405020304" pitchFamily="18" charset="0"/>
+              </a:rPr>
+              <a:t> </a:t>
+            </a:r>
+            <a:r>
+              <a:rPr lang="en-US" sz="1600" dirty="0" err="1">
+                <a:latin typeface="Segoe UI Black" panose="020B0A02040204020203" pitchFamily="34" charset="0"/>
+                <a:ea typeface="Segoe UI Black" panose="020B0A02040204020203" pitchFamily="34" charset="0"/>
+                <a:cs typeface="Times New Roman" panose="02020603050405020304" pitchFamily="18" charset="0"/>
+              </a:rPr>
+              <a:t>thông</a:t>
+            </a:r>
+            <a:r>
+              <a:rPr lang="en-US" sz="1600" dirty="0">
+                <a:latin typeface="Segoe UI Black" panose="020B0A02040204020203" pitchFamily="34" charset="0"/>
+                <a:ea typeface="Segoe UI Black" panose="020B0A02040204020203" pitchFamily="34" charset="0"/>
+                <a:cs typeface="Times New Roman" panose="02020603050405020304" pitchFamily="18" charset="0"/>
+              </a:rPr>
+              <a:t> tin </a:t>
+            </a:r>
+            <a:r>
+              <a:rPr lang="en-US" sz="1600" dirty="0" err="1">
+                <a:latin typeface="Segoe UI Black" panose="020B0A02040204020203" pitchFamily="34" charset="0"/>
+                <a:ea typeface="Segoe UI Black" panose="020B0A02040204020203" pitchFamily="34" charset="0"/>
+                <a:cs typeface="Times New Roman" panose="02020603050405020304" pitchFamily="18" charset="0"/>
+              </a:rPr>
+              <a:t>gửi</a:t>
+            </a:r>
+            <a:r>
+              <a:rPr lang="en-US" sz="1600" dirty="0">
+                <a:latin typeface="Segoe UI Black" panose="020B0A02040204020203" pitchFamily="34" charset="0"/>
+                <a:ea typeface="Segoe UI Black" panose="020B0A02040204020203" pitchFamily="34" charset="0"/>
+                <a:cs typeface="Times New Roman" panose="02020603050405020304" pitchFamily="18" charset="0"/>
+              </a:rPr>
+              <a:t> </a:t>
+            </a:r>
+            <a:r>
+              <a:rPr lang="en-US" sz="1600" dirty="0" err="1">
+                <a:latin typeface="Segoe UI Black" panose="020B0A02040204020203" pitchFamily="34" charset="0"/>
+                <a:ea typeface="Segoe UI Black" panose="020B0A02040204020203" pitchFamily="34" charset="0"/>
+                <a:cs typeface="Times New Roman" panose="02020603050405020304" pitchFamily="18" charset="0"/>
+              </a:rPr>
+              <a:t>lên</a:t>
+            </a:r>
+            <a:r>
+              <a:rPr lang="en-US" sz="1600" dirty="0">
+                <a:latin typeface="Segoe UI Black" panose="020B0A02040204020203" pitchFamily="34" charset="0"/>
+                <a:ea typeface="Segoe UI Black" panose="020B0A02040204020203" pitchFamily="34" charset="0"/>
+                <a:cs typeface="Times New Roman" panose="02020603050405020304" pitchFamily="18" charset="0"/>
+              </a:rPr>
+              <a:t> </a:t>
+            </a:r>
+            <a:r>
+              <a:rPr lang="en-US" sz="1600" dirty="0" err="1">
+                <a:latin typeface="Segoe UI Black" panose="020B0A02040204020203" pitchFamily="34" charset="0"/>
+                <a:ea typeface="Segoe UI Black" panose="020B0A02040204020203" pitchFamily="34" charset="0"/>
+                <a:cs typeface="Times New Roman" panose="02020603050405020304" pitchFamily="18" charset="0"/>
+              </a:rPr>
+              <a:t>của</a:t>
+            </a:r>
+            <a:r>
+              <a:rPr lang="en-US" sz="1600" dirty="0">
+                <a:latin typeface="Segoe UI Black" panose="020B0A02040204020203" pitchFamily="34" charset="0"/>
+                <a:ea typeface="Segoe UI Black" panose="020B0A02040204020203" pitchFamily="34" charset="0"/>
+                <a:cs typeface="Times New Roman" panose="02020603050405020304" pitchFamily="18" charset="0"/>
+              </a:rPr>
+              <a:t> request</a:t>
             </a:r>
           </a:p>
           <a:p>
@@ -3783,115 +3980,549 @@
               <a:buChar char="•"/>
             </a:pPr>
             <a:r>
-              <a:rPr lang="en-US" sz="2200">
-                <a:latin typeface="Times New Roman" panose="02020603050405020304" pitchFamily="18" charset="0"/>
-                <a:cs typeface="Times New Roman" panose="02020603050405020304" pitchFamily="18" charset="0"/>
-              </a:rPr>
-              <a:t>Response: lưu trữ các thông tin trả về cho client</a:t>
-            </a:r>
-          </a:p>
-          <a:p>
-            <a:r>
-              <a:rPr lang="en-US" sz="2400">
-                <a:latin typeface="Times New Roman" panose="02020603050405020304" pitchFamily="18" charset="0"/>
-                <a:cs typeface="Times New Roman" panose="02020603050405020304" pitchFamily="18" charset="0"/>
-              </a:rPr>
-              <a:t>Sau đó kiểm tra URL truy cập phải trang server.html không:</a:t>
-            </a:r>
-            <a:endParaRPr lang="en-US" sz="2200">
-              <a:latin typeface="Times New Roman" panose="02020603050405020304" pitchFamily="18" charset="0"/>
+              <a:rPr lang="en-US" sz="1600" dirty="0">
+                <a:latin typeface="Segoe UI Black" panose="020B0A02040204020203" pitchFamily="34" charset="0"/>
+                <a:ea typeface="Segoe UI Black" panose="020B0A02040204020203" pitchFamily="34" charset="0"/>
+                <a:cs typeface="Times New Roman" panose="02020603050405020304" pitchFamily="18" charset="0"/>
+              </a:rPr>
+              <a:t>Response: </a:t>
+            </a:r>
+            <a:r>
+              <a:rPr lang="en-US" sz="1600" dirty="0" err="1">
+                <a:latin typeface="Segoe UI Black" panose="020B0A02040204020203" pitchFamily="34" charset="0"/>
+                <a:ea typeface="Segoe UI Black" panose="020B0A02040204020203" pitchFamily="34" charset="0"/>
+                <a:cs typeface="Times New Roman" panose="02020603050405020304" pitchFamily="18" charset="0"/>
+              </a:rPr>
+              <a:t>lưu</a:t>
+            </a:r>
+            <a:r>
+              <a:rPr lang="en-US" sz="1600" dirty="0">
+                <a:latin typeface="Segoe UI Black" panose="020B0A02040204020203" pitchFamily="34" charset="0"/>
+                <a:ea typeface="Segoe UI Black" panose="020B0A02040204020203" pitchFamily="34" charset="0"/>
+                <a:cs typeface="Times New Roman" panose="02020603050405020304" pitchFamily="18" charset="0"/>
+              </a:rPr>
+              <a:t> </a:t>
+            </a:r>
+            <a:r>
+              <a:rPr lang="en-US" sz="1600" dirty="0" err="1">
+                <a:latin typeface="Segoe UI Black" panose="020B0A02040204020203" pitchFamily="34" charset="0"/>
+                <a:ea typeface="Segoe UI Black" panose="020B0A02040204020203" pitchFamily="34" charset="0"/>
+                <a:cs typeface="Times New Roman" panose="02020603050405020304" pitchFamily="18" charset="0"/>
+              </a:rPr>
+              <a:t>trữ</a:t>
+            </a:r>
+            <a:r>
+              <a:rPr lang="en-US" sz="1600" dirty="0">
+                <a:latin typeface="Segoe UI Black" panose="020B0A02040204020203" pitchFamily="34" charset="0"/>
+                <a:ea typeface="Segoe UI Black" panose="020B0A02040204020203" pitchFamily="34" charset="0"/>
+                <a:cs typeface="Times New Roman" panose="02020603050405020304" pitchFamily="18" charset="0"/>
+              </a:rPr>
+              <a:t> </a:t>
+            </a:r>
+            <a:r>
+              <a:rPr lang="en-US" sz="1600" dirty="0" err="1">
+                <a:latin typeface="Segoe UI Black" panose="020B0A02040204020203" pitchFamily="34" charset="0"/>
+                <a:ea typeface="Segoe UI Black" panose="020B0A02040204020203" pitchFamily="34" charset="0"/>
+                <a:cs typeface="Times New Roman" panose="02020603050405020304" pitchFamily="18" charset="0"/>
+              </a:rPr>
+              <a:t>các</a:t>
+            </a:r>
+            <a:r>
+              <a:rPr lang="en-US" sz="1600" dirty="0">
+                <a:latin typeface="Segoe UI Black" panose="020B0A02040204020203" pitchFamily="34" charset="0"/>
+                <a:ea typeface="Segoe UI Black" panose="020B0A02040204020203" pitchFamily="34" charset="0"/>
+                <a:cs typeface="Times New Roman" panose="02020603050405020304" pitchFamily="18" charset="0"/>
+              </a:rPr>
+              <a:t> </a:t>
+            </a:r>
+            <a:r>
+              <a:rPr lang="en-US" sz="1600" dirty="0" err="1">
+                <a:latin typeface="Segoe UI Black" panose="020B0A02040204020203" pitchFamily="34" charset="0"/>
+                <a:ea typeface="Segoe UI Black" panose="020B0A02040204020203" pitchFamily="34" charset="0"/>
+                <a:cs typeface="Times New Roman" panose="02020603050405020304" pitchFamily="18" charset="0"/>
+              </a:rPr>
+              <a:t>thông</a:t>
+            </a:r>
+            <a:r>
+              <a:rPr lang="en-US" sz="1600" dirty="0">
+                <a:latin typeface="Segoe UI Black" panose="020B0A02040204020203" pitchFamily="34" charset="0"/>
+                <a:ea typeface="Segoe UI Black" panose="020B0A02040204020203" pitchFamily="34" charset="0"/>
+                <a:cs typeface="Times New Roman" panose="02020603050405020304" pitchFamily="18" charset="0"/>
+              </a:rPr>
+              <a:t> tin </a:t>
+            </a:r>
+            <a:r>
+              <a:rPr lang="en-US" sz="1600" dirty="0" err="1">
+                <a:latin typeface="Segoe UI Black" panose="020B0A02040204020203" pitchFamily="34" charset="0"/>
+                <a:ea typeface="Segoe UI Black" panose="020B0A02040204020203" pitchFamily="34" charset="0"/>
+                <a:cs typeface="Times New Roman" panose="02020603050405020304" pitchFamily="18" charset="0"/>
+              </a:rPr>
+              <a:t>trả</a:t>
+            </a:r>
+            <a:r>
+              <a:rPr lang="en-US" sz="1600" dirty="0">
+                <a:latin typeface="Segoe UI Black" panose="020B0A02040204020203" pitchFamily="34" charset="0"/>
+                <a:ea typeface="Segoe UI Black" panose="020B0A02040204020203" pitchFamily="34" charset="0"/>
+                <a:cs typeface="Times New Roman" panose="02020603050405020304" pitchFamily="18" charset="0"/>
+              </a:rPr>
+              <a:t> </a:t>
+            </a:r>
+            <a:r>
+              <a:rPr lang="en-US" sz="1600" dirty="0" err="1">
+                <a:latin typeface="Segoe UI Black" panose="020B0A02040204020203" pitchFamily="34" charset="0"/>
+                <a:ea typeface="Segoe UI Black" panose="020B0A02040204020203" pitchFamily="34" charset="0"/>
+                <a:cs typeface="Times New Roman" panose="02020603050405020304" pitchFamily="18" charset="0"/>
+              </a:rPr>
+              <a:t>về</a:t>
+            </a:r>
+            <a:r>
+              <a:rPr lang="en-US" sz="1600" dirty="0">
+                <a:latin typeface="Segoe UI Black" panose="020B0A02040204020203" pitchFamily="34" charset="0"/>
+                <a:ea typeface="Segoe UI Black" panose="020B0A02040204020203" pitchFamily="34" charset="0"/>
+                <a:cs typeface="Times New Roman" panose="02020603050405020304" pitchFamily="18" charset="0"/>
+              </a:rPr>
+              <a:t> </a:t>
+            </a:r>
+            <a:r>
+              <a:rPr lang="en-US" sz="1600" dirty="0" err="1">
+                <a:latin typeface="Segoe UI Black" panose="020B0A02040204020203" pitchFamily="34" charset="0"/>
+                <a:ea typeface="Segoe UI Black" panose="020B0A02040204020203" pitchFamily="34" charset="0"/>
+                <a:cs typeface="Times New Roman" panose="02020603050405020304" pitchFamily="18" charset="0"/>
+              </a:rPr>
+              <a:t>cho</a:t>
+            </a:r>
+            <a:r>
+              <a:rPr lang="en-US" sz="1600" dirty="0">
+                <a:latin typeface="Segoe UI Black" panose="020B0A02040204020203" pitchFamily="34" charset="0"/>
+                <a:ea typeface="Segoe UI Black" panose="020B0A02040204020203" pitchFamily="34" charset="0"/>
+                <a:cs typeface="Times New Roman" panose="02020603050405020304" pitchFamily="18" charset="0"/>
+              </a:rPr>
+              <a:t> client</a:t>
+            </a:r>
+          </a:p>
+          <a:p>
+            <a:r>
+              <a:rPr lang="en-US" dirty="0">
+                <a:latin typeface="Segoe UI Black" panose="020B0A02040204020203" pitchFamily="34" charset="0"/>
+                <a:ea typeface="Segoe UI Black" panose="020B0A02040204020203" pitchFamily="34" charset="0"/>
+                <a:cs typeface="Times New Roman" panose="02020603050405020304" pitchFamily="18" charset="0"/>
+              </a:rPr>
+              <a:t>Sau </a:t>
+            </a:r>
+            <a:r>
+              <a:rPr lang="en-US" dirty="0" err="1">
+                <a:latin typeface="Segoe UI Black" panose="020B0A02040204020203" pitchFamily="34" charset="0"/>
+                <a:ea typeface="Segoe UI Black" panose="020B0A02040204020203" pitchFamily="34" charset="0"/>
+                <a:cs typeface="Times New Roman" panose="02020603050405020304" pitchFamily="18" charset="0"/>
+              </a:rPr>
+              <a:t>đó</a:t>
+            </a:r>
+            <a:r>
+              <a:rPr lang="en-US" dirty="0">
+                <a:latin typeface="Segoe UI Black" panose="020B0A02040204020203" pitchFamily="34" charset="0"/>
+                <a:ea typeface="Segoe UI Black" panose="020B0A02040204020203" pitchFamily="34" charset="0"/>
+                <a:cs typeface="Times New Roman" panose="02020603050405020304" pitchFamily="18" charset="0"/>
+              </a:rPr>
+              <a:t> </a:t>
+            </a:r>
+            <a:r>
+              <a:rPr lang="en-US" dirty="0" err="1">
+                <a:latin typeface="Segoe UI Black" panose="020B0A02040204020203" pitchFamily="34" charset="0"/>
+                <a:ea typeface="Segoe UI Black" panose="020B0A02040204020203" pitchFamily="34" charset="0"/>
+                <a:cs typeface="Times New Roman" panose="02020603050405020304" pitchFamily="18" charset="0"/>
+              </a:rPr>
+              <a:t>kiểm</a:t>
+            </a:r>
+            <a:r>
+              <a:rPr lang="en-US" dirty="0">
+                <a:latin typeface="Segoe UI Black" panose="020B0A02040204020203" pitchFamily="34" charset="0"/>
+                <a:ea typeface="Segoe UI Black" panose="020B0A02040204020203" pitchFamily="34" charset="0"/>
+                <a:cs typeface="Times New Roman" panose="02020603050405020304" pitchFamily="18" charset="0"/>
+              </a:rPr>
+              <a:t> </a:t>
+            </a:r>
+            <a:r>
+              <a:rPr lang="en-US" dirty="0" err="1">
+                <a:latin typeface="Segoe UI Black" panose="020B0A02040204020203" pitchFamily="34" charset="0"/>
+                <a:ea typeface="Segoe UI Black" panose="020B0A02040204020203" pitchFamily="34" charset="0"/>
+                <a:cs typeface="Times New Roman" panose="02020603050405020304" pitchFamily="18" charset="0"/>
+              </a:rPr>
+              <a:t>tra</a:t>
+            </a:r>
+            <a:r>
+              <a:rPr lang="en-US" dirty="0">
+                <a:latin typeface="Segoe UI Black" panose="020B0A02040204020203" pitchFamily="34" charset="0"/>
+                <a:ea typeface="Segoe UI Black" panose="020B0A02040204020203" pitchFamily="34" charset="0"/>
+                <a:cs typeface="Times New Roman" panose="02020603050405020304" pitchFamily="18" charset="0"/>
+              </a:rPr>
+              <a:t> URL </a:t>
+            </a:r>
+            <a:r>
+              <a:rPr lang="en-US" dirty="0" err="1">
+                <a:latin typeface="Segoe UI Black" panose="020B0A02040204020203" pitchFamily="34" charset="0"/>
+                <a:ea typeface="Segoe UI Black" panose="020B0A02040204020203" pitchFamily="34" charset="0"/>
+                <a:cs typeface="Times New Roman" panose="02020603050405020304" pitchFamily="18" charset="0"/>
+              </a:rPr>
+              <a:t>truy</a:t>
+            </a:r>
+            <a:r>
+              <a:rPr lang="en-US" dirty="0">
+                <a:latin typeface="Segoe UI Black" panose="020B0A02040204020203" pitchFamily="34" charset="0"/>
+                <a:ea typeface="Segoe UI Black" panose="020B0A02040204020203" pitchFamily="34" charset="0"/>
+                <a:cs typeface="Times New Roman" panose="02020603050405020304" pitchFamily="18" charset="0"/>
+              </a:rPr>
+              <a:t> </a:t>
+            </a:r>
+            <a:r>
+              <a:rPr lang="en-US" dirty="0" err="1">
+                <a:latin typeface="Segoe UI Black" panose="020B0A02040204020203" pitchFamily="34" charset="0"/>
+                <a:ea typeface="Segoe UI Black" panose="020B0A02040204020203" pitchFamily="34" charset="0"/>
+                <a:cs typeface="Times New Roman" panose="02020603050405020304" pitchFamily="18" charset="0"/>
+              </a:rPr>
+              <a:t>cập</a:t>
+            </a:r>
+            <a:r>
+              <a:rPr lang="en-US" dirty="0">
+                <a:latin typeface="Segoe UI Black" panose="020B0A02040204020203" pitchFamily="34" charset="0"/>
+                <a:ea typeface="Segoe UI Black" panose="020B0A02040204020203" pitchFamily="34" charset="0"/>
+                <a:cs typeface="Times New Roman" panose="02020603050405020304" pitchFamily="18" charset="0"/>
+              </a:rPr>
+              <a:t> </a:t>
+            </a:r>
+            <a:r>
+              <a:rPr lang="en-US" dirty="0" err="1">
+                <a:latin typeface="Segoe UI Black" panose="020B0A02040204020203" pitchFamily="34" charset="0"/>
+                <a:ea typeface="Segoe UI Black" panose="020B0A02040204020203" pitchFamily="34" charset="0"/>
+                <a:cs typeface="Times New Roman" panose="02020603050405020304" pitchFamily="18" charset="0"/>
+              </a:rPr>
+              <a:t>phải</a:t>
+            </a:r>
+            <a:r>
+              <a:rPr lang="en-US" dirty="0">
+                <a:latin typeface="Segoe UI Black" panose="020B0A02040204020203" pitchFamily="34" charset="0"/>
+                <a:ea typeface="Segoe UI Black" panose="020B0A02040204020203" pitchFamily="34" charset="0"/>
+                <a:cs typeface="Times New Roman" panose="02020603050405020304" pitchFamily="18" charset="0"/>
+              </a:rPr>
+              <a:t> </a:t>
+            </a:r>
+            <a:r>
+              <a:rPr lang="en-US" dirty="0" err="1">
+                <a:latin typeface="Segoe UI Black" panose="020B0A02040204020203" pitchFamily="34" charset="0"/>
+                <a:ea typeface="Segoe UI Black" panose="020B0A02040204020203" pitchFamily="34" charset="0"/>
+                <a:cs typeface="Times New Roman" panose="02020603050405020304" pitchFamily="18" charset="0"/>
+              </a:rPr>
+              <a:t>trang</a:t>
+            </a:r>
+            <a:r>
+              <a:rPr lang="en-US" dirty="0">
+                <a:latin typeface="Segoe UI Black" panose="020B0A02040204020203" pitchFamily="34" charset="0"/>
+                <a:ea typeface="Segoe UI Black" panose="020B0A02040204020203" pitchFamily="34" charset="0"/>
+                <a:cs typeface="Times New Roman" panose="02020603050405020304" pitchFamily="18" charset="0"/>
+              </a:rPr>
+              <a:t> server.html </a:t>
+            </a:r>
+            <a:r>
+              <a:rPr lang="en-US" dirty="0" err="1">
+                <a:latin typeface="Segoe UI Black" panose="020B0A02040204020203" pitchFamily="34" charset="0"/>
+                <a:ea typeface="Segoe UI Black" panose="020B0A02040204020203" pitchFamily="34" charset="0"/>
+                <a:cs typeface="Times New Roman" panose="02020603050405020304" pitchFamily="18" charset="0"/>
+              </a:rPr>
+              <a:t>không</a:t>
+            </a:r>
+            <a:r>
+              <a:rPr lang="en-US" dirty="0">
+                <a:latin typeface="Segoe UI Black" panose="020B0A02040204020203" pitchFamily="34" charset="0"/>
+                <a:ea typeface="Segoe UI Black" panose="020B0A02040204020203" pitchFamily="34" charset="0"/>
+                <a:cs typeface="Times New Roman" panose="02020603050405020304" pitchFamily="18" charset="0"/>
+              </a:rPr>
+              <a:t>:</a:t>
+            </a:r>
+          </a:p>
+          <a:p>
+            <a:r>
+              <a:rPr lang="en-US" i="1" dirty="0">
+                <a:latin typeface="Segoe UI Black" panose="020B0A02040204020203" pitchFamily="34" charset="0"/>
+                <a:ea typeface="Segoe UI Black" panose="020B0A02040204020203" pitchFamily="34" charset="0"/>
+                <a:cs typeface="Times New Roman" panose="02020603050405020304" pitchFamily="18" charset="0"/>
+              </a:rPr>
+              <a:t>if (request.url == '/server.html')</a:t>
+            </a:r>
+          </a:p>
+          <a:p>
+            <a:r>
+              <a:rPr lang="en-US" i="1" dirty="0">
+                <a:latin typeface="Segoe UI Black" panose="020B0A02040204020203" pitchFamily="34" charset="0"/>
+                <a:ea typeface="Segoe UI Black" panose="020B0A02040204020203" pitchFamily="34" charset="0"/>
+                <a:cs typeface="Times New Roman" panose="02020603050405020304" pitchFamily="18" charset="0"/>
+              </a:rPr>
+              <a:t>    {</a:t>
+            </a:r>
+          </a:p>
+          <a:p>
+            <a:r>
+              <a:rPr lang="en-US" i="1" dirty="0">
+                <a:latin typeface="Segoe UI Black" panose="020B0A02040204020203" pitchFamily="34" charset="0"/>
+                <a:ea typeface="Segoe UI Black" panose="020B0A02040204020203" pitchFamily="34" charset="0"/>
+                <a:cs typeface="Times New Roman" panose="02020603050405020304" pitchFamily="18" charset="0"/>
+              </a:rPr>
+              <a:t>        </a:t>
+            </a:r>
+            <a:r>
+              <a:rPr lang="en-US" i="1" dirty="0" err="1">
+                <a:latin typeface="Segoe UI Black" panose="020B0A02040204020203" pitchFamily="34" charset="0"/>
+                <a:ea typeface="Segoe UI Black" panose="020B0A02040204020203" pitchFamily="34" charset="0"/>
+                <a:cs typeface="Times New Roman" panose="02020603050405020304" pitchFamily="18" charset="0"/>
+              </a:rPr>
+              <a:t>response.writeHead</a:t>
+            </a:r>
+            <a:r>
+              <a:rPr lang="en-US" i="1" dirty="0">
+                <a:latin typeface="Segoe UI Black" panose="020B0A02040204020203" pitchFamily="34" charset="0"/>
+                <a:ea typeface="Segoe UI Black" panose="020B0A02040204020203" pitchFamily="34" charset="0"/>
+                <a:cs typeface="Times New Roman" panose="02020603050405020304" pitchFamily="18" charset="0"/>
+              </a:rPr>
+              <a:t>(200, { //</a:t>
+            </a:r>
+            <a:r>
+              <a:rPr lang="en-US" i="1" dirty="0" err="1">
+                <a:latin typeface="Segoe UI Black" panose="020B0A02040204020203" pitchFamily="34" charset="0"/>
+                <a:ea typeface="Segoe UI Black" panose="020B0A02040204020203" pitchFamily="34" charset="0"/>
+                <a:cs typeface="Times New Roman" panose="02020603050405020304" pitchFamily="18" charset="0"/>
+              </a:rPr>
+              <a:t>kết</a:t>
+            </a:r>
+            <a:r>
+              <a:rPr lang="en-US" i="1" dirty="0">
+                <a:latin typeface="Segoe UI Black" panose="020B0A02040204020203" pitchFamily="34" charset="0"/>
+                <a:ea typeface="Segoe UI Black" panose="020B0A02040204020203" pitchFamily="34" charset="0"/>
+                <a:cs typeface="Times New Roman" panose="02020603050405020304" pitchFamily="18" charset="0"/>
+              </a:rPr>
+              <a:t> </a:t>
+            </a:r>
+            <a:r>
+              <a:rPr lang="en-US" i="1" dirty="0" err="1">
+                <a:latin typeface="Segoe UI Black" panose="020B0A02040204020203" pitchFamily="34" charset="0"/>
+                <a:ea typeface="Segoe UI Black" panose="020B0A02040204020203" pitchFamily="34" charset="0"/>
+                <a:cs typeface="Times New Roman" panose="02020603050405020304" pitchFamily="18" charset="0"/>
+              </a:rPr>
+              <a:t>nối</a:t>
+            </a:r>
+            <a:r>
+              <a:rPr lang="en-US" i="1" dirty="0">
+                <a:latin typeface="Segoe UI Black" panose="020B0A02040204020203" pitchFamily="34" charset="0"/>
+                <a:ea typeface="Segoe UI Black" panose="020B0A02040204020203" pitchFamily="34" charset="0"/>
+                <a:cs typeface="Times New Roman" panose="02020603050405020304" pitchFamily="18" charset="0"/>
+              </a:rPr>
+              <a:t> </a:t>
+            </a:r>
+            <a:r>
+              <a:rPr lang="en-US" i="1" dirty="0" err="1">
+                <a:latin typeface="Segoe UI Black" panose="020B0A02040204020203" pitchFamily="34" charset="0"/>
+                <a:ea typeface="Segoe UI Black" panose="020B0A02040204020203" pitchFamily="34" charset="0"/>
+                <a:cs typeface="Times New Roman" panose="02020603050405020304" pitchFamily="18" charset="0"/>
+              </a:rPr>
+              <a:t>thành</a:t>
+            </a:r>
+            <a:r>
+              <a:rPr lang="en-US" i="1" dirty="0">
+                <a:latin typeface="Segoe UI Black" panose="020B0A02040204020203" pitchFamily="34" charset="0"/>
+                <a:ea typeface="Segoe UI Black" panose="020B0A02040204020203" pitchFamily="34" charset="0"/>
+                <a:cs typeface="Times New Roman" panose="02020603050405020304" pitchFamily="18" charset="0"/>
+              </a:rPr>
+              <a:t> </a:t>
+            </a:r>
+            <a:r>
+              <a:rPr lang="en-US" i="1" dirty="0" err="1">
+                <a:latin typeface="Segoe UI Black" panose="020B0A02040204020203" pitchFamily="34" charset="0"/>
+                <a:ea typeface="Segoe UI Black" panose="020B0A02040204020203" pitchFamily="34" charset="0"/>
+                <a:cs typeface="Times New Roman" panose="02020603050405020304" pitchFamily="18" charset="0"/>
+              </a:rPr>
+              <a:t>công</a:t>
+            </a:r>
+            <a:r>
+              <a:rPr lang="en-US" i="1" dirty="0">
+                <a:latin typeface="Segoe UI Black" panose="020B0A02040204020203" pitchFamily="34" charset="0"/>
+                <a:ea typeface="Segoe UI Black" panose="020B0A02040204020203" pitchFamily="34" charset="0"/>
+                <a:cs typeface="Times New Roman" panose="02020603050405020304" pitchFamily="18" charset="0"/>
+              </a:rPr>
+              <a:t> </a:t>
+            </a:r>
+            <a:r>
+              <a:rPr lang="en-US" i="1" dirty="0" err="1">
+                <a:latin typeface="Segoe UI Black" panose="020B0A02040204020203" pitchFamily="34" charset="0"/>
+                <a:ea typeface="Segoe UI Black" panose="020B0A02040204020203" pitchFamily="34" charset="0"/>
+                <a:cs typeface="Times New Roman" panose="02020603050405020304" pitchFamily="18" charset="0"/>
+              </a:rPr>
+              <a:t>và</a:t>
+            </a:r>
+            <a:r>
+              <a:rPr lang="en-US" i="1" dirty="0">
+                <a:latin typeface="Segoe UI Black" panose="020B0A02040204020203" pitchFamily="34" charset="0"/>
+                <a:ea typeface="Segoe UI Black" panose="020B0A02040204020203" pitchFamily="34" charset="0"/>
+                <a:cs typeface="Times New Roman" panose="02020603050405020304" pitchFamily="18" charset="0"/>
+              </a:rPr>
+              <a:t> </a:t>
+            </a:r>
+            <a:r>
+              <a:rPr lang="en-US" i="1" dirty="0" err="1">
+                <a:latin typeface="Segoe UI Black" panose="020B0A02040204020203" pitchFamily="34" charset="0"/>
+                <a:ea typeface="Segoe UI Black" panose="020B0A02040204020203" pitchFamily="34" charset="0"/>
+                <a:cs typeface="Times New Roman" panose="02020603050405020304" pitchFamily="18" charset="0"/>
+              </a:rPr>
+              <a:t>trả</a:t>
+            </a:r>
+            <a:r>
+              <a:rPr lang="en-US" i="1" dirty="0">
+                <a:latin typeface="Segoe UI Black" panose="020B0A02040204020203" pitchFamily="34" charset="0"/>
+                <a:ea typeface="Segoe UI Black" panose="020B0A02040204020203" pitchFamily="34" charset="0"/>
+                <a:cs typeface="Times New Roman" panose="02020603050405020304" pitchFamily="18" charset="0"/>
+              </a:rPr>
+              <a:t> </a:t>
+            </a:r>
+            <a:r>
+              <a:rPr lang="en-US" i="1" dirty="0" err="1">
+                <a:latin typeface="Segoe UI Black" panose="020B0A02040204020203" pitchFamily="34" charset="0"/>
+                <a:ea typeface="Segoe UI Black" panose="020B0A02040204020203" pitchFamily="34" charset="0"/>
+                <a:cs typeface="Times New Roman" panose="02020603050405020304" pitchFamily="18" charset="0"/>
+              </a:rPr>
+              <a:t>về</a:t>
+            </a:r>
+            <a:r>
+              <a:rPr lang="en-US" i="1" dirty="0">
+                <a:latin typeface="Segoe UI Black" panose="020B0A02040204020203" pitchFamily="34" charset="0"/>
+                <a:ea typeface="Segoe UI Black" panose="020B0A02040204020203" pitchFamily="34" charset="0"/>
+                <a:cs typeface="Times New Roman" panose="02020603050405020304" pitchFamily="18" charset="0"/>
+              </a:rPr>
+              <a:t> file html</a:t>
+            </a:r>
+          </a:p>
+          <a:p>
+            <a:r>
+              <a:rPr lang="en-US" i="1" dirty="0">
+                <a:latin typeface="Segoe UI Black" panose="020B0A02040204020203" pitchFamily="34" charset="0"/>
+                <a:ea typeface="Segoe UI Black" panose="020B0A02040204020203" pitchFamily="34" charset="0"/>
+                <a:cs typeface="Times New Roman" panose="02020603050405020304" pitchFamily="18" charset="0"/>
+              </a:rPr>
+              <a:t>            "Context-type" : "text/html"</a:t>
+            </a:r>
+          </a:p>
+          <a:p>
+            <a:r>
+              <a:rPr lang="en-US" i="1" dirty="0">
+                <a:latin typeface="Segoe UI Black" panose="020B0A02040204020203" pitchFamily="34" charset="0"/>
+                <a:ea typeface="Segoe UI Black" panose="020B0A02040204020203" pitchFamily="34" charset="0"/>
+                <a:cs typeface="Times New Roman" panose="02020603050405020304" pitchFamily="18" charset="0"/>
+              </a:rPr>
+              <a:t>        });</a:t>
+            </a:r>
+          </a:p>
+          <a:p>
+            <a:r>
+              <a:rPr lang="en-US" i="1" dirty="0">
+                <a:latin typeface="Segoe UI Black" panose="020B0A02040204020203" pitchFamily="34" charset="0"/>
+                <a:ea typeface="Segoe UI Black" panose="020B0A02040204020203" pitchFamily="34" charset="0"/>
+                <a:cs typeface="Times New Roman" panose="02020603050405020304" pitchFamily="18" charset="0"/>
+              </a:rPr>
+              <a:t>        </a:t>
+            </a:r>
+            <a:r>
+              <a:rPr lang="en-US" i="1" dirty="0" err="1">
+                <a:latin typeface="Segoe UI Black" panose="020B0A02040204020203" pitchFamily="34" charset="0"/>
+                <a:ea typeface="Segoe UI Black" panose="020B0A02040204020203" pitchFamily="34" charset="0"/>
+                <a:cs typeface="Times New Roman" panose="02020603050405020304" pitchFamily="18" charset="0"/>
+              </a:rPr>
+              <a:t>fs.createReadStream</a:t>
+            </a:r>
+            <a:r>
+              <a:rPr lang="en-US" i="1" dirty="0">
+                <a:latin typeface="Segoe UI Black" panose="020B0A02040204020203" pitchFamily="34" charset="0"/>
+                <a:ea typeface="Segoe UI Black" panose="020B0A02040204020203" pitchFamily="34" charset="0"/>
+                <a:cs typeface="Times New Roman" panose="02020603050405020304" pitchFamily="18" charset="0"/>
+              </a:rPr>
+              <a:t>('./server.html').pipe(response); //</a:t>
+            </a:r>
+            <a:r>
+              <a:rPr lang="en-US" dirty="0" err="1">
+                <a:latin typeface="Segoe UI Black" panose="020B0A02040204020203" pitchFamily="34" charset="0"/>
+                <a:ea typeface="Segoe UI Black" panose="020B0A02040204020203" pitchFamily="34" charset="0"/>
+                <a:cs typeface="Times New Roman" panose="02020603050405020304" pitchFamily="18" charset="0"/>
+              </a:rPr>
+              <a:t>hiển</a:t>
+            </a:r>
+            <a:r>
+              <a:rPr lang="en-US" dirty="0">
+                <a:latin typeface="Segoe UI Black" panose="020B0A02040204020203" pitchFamily="34" charset="0"/>
+                <a:ea typeface="Segoe UI Black" panose="020B0A02040204020203" pitchFamily="34" charset="0"/>
+                <a:cs typeface="Times New Roman" panose="02020603050405020304" pitchFamily="18" charset="0"/>
+              </a:rPr>
+              <a:t> </a:t>
+            </a:r>
+            <a:r>
+              <a:rPr lang="en-US" dirty="0" err="1">
+                <a:latin typeface="Segoe UI Black" panose="020B0A02040204020203" pitchFamily="34" charset="0"/>
+                <a:ea typeface="Segoe UI Black" panose="020B0A02040204020203" pitchFamily="34" charset="0"/>
+                <a:cs typeface="Times New Roman" panose="02020603050405020304" pitchFamily="18" charset="0"/>
+              </a:rPr>
+              <a:t>thị</a:t>
+            </a:r>
+            <a:r>
+              <a:rPr lang="en-US" dirty="0">
+                <a:latin typeface="Segoe UI Black" panose="020B0A02040204020203" pitchFamily="34" charset="0"/>
+                <a:ea typeface="Segoe UI Black" panose="020B0A02040204020203" pitchFamily="34" charset="0"/>
+                <a:cs typeface="Times New Roman" panose="02020603050405020304" pitchFamily="18" charset="0"/>
+              </a:rPr>
+              <a:t> </a:t>
+            </a:r>
+            <a:r>
+              <a:rPr lang="en-US" dirty="0" err="1">
+                <a:latin typeface="Segoe UI Black" panose="020B0A02040204020203" pitchFamily="34" charset="0"/>
+                <a:ea typeface="Segoe UI Black" panose="020B0A02040204020203" pitchFamily="34" charset="0"/>
+                <a:cs typeface="Times New Roman" panose="02020603050405020304" pitchFamily="18" charset="0"/>
+              </a:rPr>
+              <a:t>thông</a:t>
+            </a:r>
+            <a:r>
+              <a:rPr lang="en-US" dirty="0">
+                <a:latin typeface="Segoe UI Black" panose="020B0A02040204020203" pitchFamily="34" charset="0"/>
+                <a:ea typeface="Segoe UI Black" panose="020B0A02040204020203" pitchFamily="34" charset="0"/>
+                <a:cs typeface="Times New Roman" panose="02020603050405020304" pitchFamily="18" charset="0"/>
+              </a:rPr>
+              <a:t> tin html</a:t>
+            </a:r>
+            <a:endParaRPr lang="en-US" i="1" dirty="0">
+              <a:latin typeface="Segoe UI Black" panose="020B0A02040204020203" pitchFamily="34" charset="0"/>
+              <a:ea typeface="Segoe UI Black" panose="020B0A02040204020203" pitchFamily="34" charset="0"/>
               <a:cs typeface="Times New Roman" panose="02020603050405020304" pitchFamily="18" charset="0"/>
             </a:endParaRPr>
           </a:p>
           <a:p>
             <a:r>
-              <a:rPr lang="en-US" sz="2200" i="1">
-                <a:latin typeface="Times New Roman" panose="02020603050405020304" pitchFamily="18" charset="0"/>
-                <a:cs typeface="Times New Roman" panose="02020603050405020304" pitchFamily="18" charset="0"/>
-              </a:rPr>
-              <a:t>if (request.url == '/server.html')</a:t>
-            </a:r>
-          </a:p>
-          <a:p>
-            <a:r>
-              <a:rPr lang="en-US" sz="2200" i="1">
-                <a:latin typeface="Times New Roman" panose="02020603050405020304" pitchFamily="18" charset="0"/>
-                <a:cs typeface="Times New Roman" panose="02020603050405020304" pitchFamily="18" charset="0"/>
-              </a:rPr>
-              <a:t>    {</a:t>
-            </a:r>
-          </a:p>
-          <a:p>
-            <a:r>
-              <a:rPr lang="en-US" sz="2200" i="1">
-                <a:latin typeface="Times New Roman" panose="02020603050405020304" pitchFamily="18" charset="0"/>
-                <a:cs typeface="Times New Roman" panose="02020603050405020304" pitchFamily="18" charset="0"/>
-              </a:rPr>
-              <a:t>        response.writeHead(200, { //kết nối thành công và trả về file html</a:t>
-            </a:r>
-          </a:p>
-          <a:p>
-            <a:r>
-              <a:rPr lang="en-US" sz="2200" i="1">
-                <a:latin typeface="Times New Roman" panose="02020603050405020304" pitchFamily="18" charset="0"/>
-                <a:cs typeface="Times New Roman" panose="02020603050405020304" pitchFamily="18" charset="0"/>
-              </a:rPr>
-              <a:t>            "Context-type" : "text/html"</a:t>
-            </a:r>
-          </a:p>
-          <a:p>
-            <a:r>
-              <a:rPr lang="en-US" sz="2200" i="1">
-                <a:latin typeface="Times New Roman" panose="02020603050405020304" pitchFamily="18" charset="0"/>
-                <a:cs typeface="Times New Roman" panose="02020603050405020304" pitchFamily="18" charset="0"/>
-              </a:rPr>
-              <a:t>        });</a:t>
-            </a:r>
-          </a:p>
-          <a:p>
-            <a:r>
-              <a:rPr lang="en-US" sz="2200" i="1">
-                <a:latin typeface="Times New Roman" panose="02020603050405020304" pitchFamily="18" charset="0"/>
-                <a:cs typeface="Times New Roman" panose="02020603050405020304" pitchFamily="18" charset="0"/>
-              </a:rPr>
-              <a:t>        fs.createReadStream('./server.html').pipe(response); //</a:t>
-            </a:r>
-            <a:r>
-              <a:rPr lang="en-US" sz="2200">
-                <a:latin typeface="Times New Roman" panose="02020603050405020304" pitchFamily="18" charset="0"/>
-                <a:cs typeface="Times New Roman" panose="02020603050405020304" pitchFamily="18" charset="0"/>
-              </a:rPr>
-              <a:t>hiển thị thông tin html</a:t>
-            </a:r>
-            <a:endParaRPr lang="en-US" sz="2200" i="1">
-              <a:latin typeface="Times New Roman" panose="02020603050405020304" pitchFamily="18" charset="0"/>
+              <a:rPr lang="en-US" i="1" dirty="0">
+                <a:latin typeface="Segoe UI Black" panose="020B0A02040204020203" pitchFamily="34" charset="0"/>
+                <a:ea typeface="Segoe UI Black" panose="020B0A02040204020203" pitchFamily="34" charset="0"/>
+                <a:cs typeface="Times New Roman" panose="02020603050405020304" pitchFamily="18" charset="0"/>
+              </a:rPr>
+              <a:t>    }</a:t>
+            </a:r>
+          </a:p>
+          <a:p>
+            <a:endParaRPr lang="en-US" dirty="0">
+              <a:latin typeface="Segoe UI Black" panose="020B0A02040204020203" pitchFamily="34" charset="0"/>
+              <a:ea typeface="Segoe UI Black" panose="020B0A02040204020203" pitchFamily="34" charset="0"/>
               <a:cs typeface="Times New Roman" panose="02020603050405020304" pitchFamily="18" charset="0"/>
             </a:endParaRPr>
           </a:p>
           <a:p>
-            <a:r>
-              <a:rPr lang="en-US" sz="2200" i="1">
-                <a:latin typeface="Times New Roman" panose="02020603050405020304" pitchFamily="18" charset="0"/>
-                <a:cs typeface="Times New Roman" panose="02020603050405020304" pitchFamily="18" charset="0"/>
-              </a:rPr>
-              <a:t>    }</a:t>
-            </a:r>
-          </a:p>
-          <a:p>
-            <a:endParaRPr lang="en-US" sz="2200">
-              <a:latin typeface="Times New Roman" panose="02020603050405020304" pitchFamily="18" charset="0"/>
+            <a:endParaRPr lang="en-US" dirty="0">
+              <a:latin typeface="Segoe UI Black" panose="020B0A02040204020203" pitchFamily="34" charset="0"/>
+              <a:ea typeface="Segoe UI Black" panose="020B0A02040204020203" pitchFamily="34" charset="0"/>
               <a:cs typeface="Times New Roman" panose="02020603050405020304" pitchFamily="18" charset="0"/>
             </a:endParaRPr>
           </a:p>
           <a:p>
-            <a:endParaRPr lang="en-US" sz="2200">
-              <a:latin typeface="Times New Roman" panose="02020603050405020304" pitchFamily="18" charset="0"/>
-              <a:cs typeface="Times New Roman" panose="02020603050405020304" pitchFamily="18" charset="0"/>
-            </a:endParaRPr>
-          </a:p>
-          <a:p>
-            <a:endParaRPr lang="en-US" sz="2200">
-              <a:latin typeface="Times New Roman" panose="02020603050405020304" pitchFamily="18" charset="0"/>
+            <a:endParaRPr lang="en-US" dirty="0">
+              <a:latin typeface="Segoe UI Black" panose="020B0A02040204020203" pitchFamily="34" charset="0"/>
+              <a:ea typeface="Segoe UI Black" panose="020B0A02040204020203" pitchFamily="34" charset="0"/>
               <a:cs typeface="Times New Roman" panose="02020603050405020304" pitchFamily="18" charset="0"/>
             </a:endParaRPr>
           </a:p>
@@ -3907,13 +4538,13 @@
   <p:clrMapOvr>
     <a:masterClrMapping/>
   </p:clrMapOvr>
-  <mc:AlternateContent xmlns:mc="http://schemas.openxmlformats.org/markup-compatibility/2006">
-    <mc:Choice xmlns:p15="http://schemas.microsoft.com/office/powerpoint/2012/main" Requires="p15">
+  <mc:AlternateContent xmlns:mc="http://schemas.openxmlformats.org/markup-compatibility/2006" xmlns:p15="http://schemas.microsoft.com/office/powerpoint/2012/main">
+    <mc:Choice Requires="p15">
       <p:transition xmlns:p14="http://schemas.microsoft.com/office/powerpoint/2010/main" spd="slow" p14:dur="1250">
         <p15:prstTrans prst="peelOff"/>
       </p:transition>
     </mc:Choice>
-    <mc:Fallback>
+    <mc:Fallback xmlns="">
       <p:transition spd="slow">
         <p:fade/>
       </p:transition>
@@ -3960,8 +4591,9 @@
           <a:lstStyle/>
           <a:p>
             <a:r>
-              <a:rPr lang="en-US" b="1">
-                <a:latin typeface="Times New Roman" panose="02020603050405020304" pitchFamily="18" charset="0"/>
+              <a:rPr lang="en-US" sz="3000" b="1" dirty="0">
+                <a:latin typeface="Segoe UI Black" panose="020B0A02040204020203" pitchFamily="34" charset="0"/>
+                <a:ea typeface="Segoe UI Black" panose="020B0A02040204020203" pitchFamily="34" charset="0"/>
                 <a:cs typeface="Times New Roman" panose="02020603050405020304" pitchFamily="18" charset="0"/>
               </a:rPr>
               <a:t>TẠO SERVER ĐƠN GIẢN SỬ DỤNG HTTP</a:t>
@@ -3992,17 +4624,123 @@
           <a:lstStyle/>
           <a:p>
             <a:r>
-              <a:rPr lang="en-US" sz="2200">
-                <a:latin typeface="Times New Roman" panose="02020603050405020304" pitchFamily="18" charset="0"/>
-                <a:cs typeface="Times New Roman" panose="02020603050405020304" pitchFamily="18" charset="0"/>
-              </a:rPr>
-              <a:t>Ngược lại thì không tìm thấy trang:</a:t>
-            </a:r>
-          </a:p>
-          <a:p>
-            <a:r>
-              <a:rPr lang="en-US" sz="2200" i="1">
-                <a:latin typeface="Times New Roman" panose="02020603050405020304" pitchFamily="18" charset="0"/>
+              <a:rPr lang="en-US" dirty="0" err="1">
+                <a:latin typeface="Segoe UI Black" panose="020B0A02040204020203" pitchFamily="34" charset="0"/>
+                <a:ea typeface="Segoe UI Black" panose="020B0A02040204020203" pitchFamily="34" charset="0"/>
+                <a:cs typeface="Times New Roman" panose="02020603050405020304" pitchFamily="18" charset="0"/>
+              </a:rPr>
+              <a:t>Ngược</a:t>
+            </a:r>
+            <a:r>
+              <a:rPr lang="en-US" dirty="0">
+                <a:latin typeface="Segoe UI Black" panose="020B0A02040204020203" pitchFamily="34" charset="0"/>
+                <a:ea typeface="Segoe UI Black" panose="020B0A02040204020203" pitchFamily="34" charset="0"/>
+                <a:cs typeface="Times New Roman" panose="02020603050405020304" pitchFamily="18" charset="0"/>
+              </a:rPr>
+              <a:t> </a:t>
+            </a:r>
+            <a:r>
+              <a:rPr lang="en-US" dirty="0" err="1">
+                <a:latin typeface="Segoe UI Black" panose="020B0A02040204020203" pitchFamily="34" charset="0"/>
+                <a:ea typeface="Segoe UI Black" panose="020B0A02040204020203" pitchFamily="34" charset="0"/>
+                <a:cs typeface="Times New Roman" panose="02020603050405020304" pitchFamily="18" charset="0"/>
+              </a:rPr>
+              <a:t>lại</a:t>
+            </a:r>
+            <a:r>
+              <a:rPr lang="en-US" dirty="0">
+                <a:latin typeface="Segoe UI Black" panose="020B0A02040204020203" pitchFamily="34" charset="0"/>
+                <a:ea typeface="Segoe UI Black" panose="020B0A02040204020203" pitchFamily="34" charset="0"/>
+                <a:cs typeface="Times New Roman" panose="02020603050405020304" pitchFamily="18" charset="0"/>
+              </a:rPr>
+              <a:t> </a:t>
+            </a:r>
+            <a:r>
+              <a:rPr lang="en-US" dirty="0" err="1">
+                <a:latin typeface="Segoe UI Black" panose="020B0A02040204020203" pitchFamily="34" charset="0"/>
+                <a:ea typeface="Segoe UI Black" panose="020B0A02040204020203" pitchFamily="34" charset="0"/>
+                <a:cs typeface="Times New Roman" panose="02020603050405020304" pitchFamily="18" charset="0"/>
+              </a:rPr>
+              <a:t>thì</a:t>
+            </a:r>
+            <a:r>
+              <a:rPr lang="en-US" dirty="0">
+                <a:latin typeface="Segoe UI Black" panose="020B0A02040204020203" pitchFamily="34" charset="0"/>
+                <a:ea typeface="Segoe UI Black" panose="020B0A02040204020203" pitchFamily="34" charset="0"/>
+                <a:cs typeface="Times New Roman" panose="02020603050405020304" pitchFamily="18" charset="0"/>
+              </a:rPr>
+              <a:t> </a:t>
+            </a:r>
+            <a:r>
+              <a:rPr lang="en-US" dirty="0" err="1">
+                <a:latin typeface="Segoe UI Black" panose="020B0A02040204020203" pitchFamily="34" charset="0"/>
+                <a:ea typeface="Segoe UI Black" panose="020B0A02040204020203" pitchFamily="34" charset="0"/>
+                <a:cs typeface="Times New Roman" panose="02020603050405020304" pitchFamily="18" charset="0"/>
+              </a:rPr>
+              <a:t>không</a:t>
+            </a:r>
+            <a:r>
+              <a:rPr lang="en-US" dirty="0">
+                <a:latin typeface="Segoe UI Black" panose="020B0A02040204020203" pitchFamily="34" charset="0"/>
+                <a:ea typeface="Segoe UI Black" panose="020B0A02040204020203" pitchFamily="34" charset="0"/>
+                <a:cs typeface="Times New Roman" panose="02020603050405020304" pitchFamily="18" charset="0"/>
+              </a:rPr>
+              <a:t> </a:t>
+            </a:r>
+            <a:r>
+              <a:rPr lang="en-US" dirty="0" err="1">
+                <a:latin typeface="Segoe UI Black" panose="020B0A02040204020203" pitchFamily="34" charset="0"/>
+                <a:ea typeface="Segoe UI Black" panose="020B0A02040204020203" pitchFamily="34" charset="0"/>
+                <a:cs typeface="Times New Roman" panose="02020603050405020304" pitchFamily="18" charset="0"/>
+              </a:rPr>
+              <a:t>tìm</a:t>
+            </a:r>
+            <a:r>
+              <a:rPr lang="en-US" dirty="0">
+                <a:latin typeface="Segoe UI Black" panose="020B0A02040204020203" pitchFamily="34" charset="0"/>
+                <a:ea typeface="Segoe UI Black" panose="020B0A02040204020203" pitchFamily="34" charset="0"/>
+                <a:cs typeface="Times New Roman" panose="02020603050405020304" pitchFamily="18" charset="0"/>
+              </a:rPr>
+              <a:t> </a:t>
+            </a:r>
+            <a:r>
+              <a:rPr lang="en-US" dirty="0" err="1">
+                <a:latin typeface="Segoe UI Black" panose="020B0A02040204020203" pitchFamily="34" charset="0"/>
+                <a:ea typeface="Segoe UI Black" panose="020B0A02040204020203" pitchFamily="34" charset="0"/>
+                <a:cs typeface="Times New Roman" panose="02020603050405020304" pitchFamily="18" charset="0"/>
+              </a:rPr>
+              <a:t>thấy</a:t>
+            </a:r>
+            <a:r>
+              <a:rPr lang="en-US" dirty="0">
+                <a:latin typeface="Segoe UI Black" panose="020B0A02040204020203" pitchFamily="34" charset="0"/>
+                <a:ea typeface="Segoe UI Black" panose="020B0A02040204020203" pitchFamily="34" charset="0"/>
+                <a:cs typeface="Times New Roman" panose="02020603050405020304" pitchFamily="18" charset="0"/>
+              </a:rPr>
+              <a:t> </a:t>
+            </a:r>
+            <a:r>
+              <a:rPr lang="en-US" dirty="0" err="1">
+                <a:latin typeface="Segoe UI Black" panose="020B0A02040204020203" pitchFamily="34" charset="0"/>
+                <a:ea typeface="Segoe UI Black" panose="020B0A02040204020203" pitchFamily="34" charset="0"/>
+                <a:cs typeface="Times New Roman" panose="02020603050405020304" pitchFamily="18" charset="0"/>
+              </a:rPr>
+              <a:t>trang</a:t>
+            </a:r>
+            <a:r>
+              <a:rPr lang="en-US" dirty="0">
+                <a:latin typeface="Segoe UI Black" panose="020B0A02040204020203" pitchFamily="34" charset="0"/>
+                <a:ea typeface="Segoe UI Black" panose="020B0A02040204020203" pitchFamily="34" charset="0"/>
+                <a:cs typeface="Times New Roman" panose="02020603050405020304" pitchFamily="18" charset="0"/>
+              </a:rPr>
+              <a:t>:</a:t>
+            </a:r>
+          </a:p>
+          <a:p>
+            <a:r>
+              <a:rPr lang="en-US" i="1" dirty="0">
+                <a:latin typeface="Segoe UI Black" panose="020B0A02040204020203" pitchFamily="34" charset="0"/>
+                <a:ea typeface="Segoe UI Black" panose="020B0A02040204020203" pitchFamily="34" charset="0"/>
                 <a:cs typeface="Times New Roman" panose="02020603050405020304" pitchFamily="18" charset="0"/>
               </a:rPr>
               <a:t>else </a:t>
@@ -4010,8 +4748,9 @@
           </a:p>
           <a:p>
             <a:r>
-              <a:rPr lang="en-US" sz="2200" i="1">
-                <a:latin typeface="Times New Roman" panose="02020603050405020304" pitchFamily="18" charset="0"/>
+              <a:rPr lang="en-US" i="1" dirty="0">
+                <a:latin typeface="Segoe UI Black" panose="020B0A02040204020203" pitchFamily="34" charset="0"/>
+                <a:ea typeface="Segoe UI Black" panose="020B0A02040204020203" pitchFamily="34" charset="0"/>
                 <a:cs typeface="Times New Roman" panose="02020603050405020304" pitchFamily="18" charset="0"/>
               </a:rPr>
               <a:t>    {</a:t>
@@ -4019,28 +4758,128 @@
           </a:p>
           <a:p>
             <a:r>
-              <a:rPr lang="en-US" sz="2200" i="1">
-                <a:latin typeface="Times New Roman" panose="02020603050405020304" pitchFamily="18" charset="0"/>
-                <a:cs typeface="Times New Roman" panose="02020603050405020304" pitchFamily="18" charset="0"/>
-              </a:rPr>
-              <a:t>        response.writeHead(404, { //</a:t>
-            </a:r>
-            <a:r>
-              <a:rPr lang="en-US" sz="2200">
-                <a:latin typeface="Times New Roman" panose="02020603050405020304" pitchFamily="18" charset="0"/>
-                <a:cs typeface="Times New Roman" panose="02020603050405020304" pitchFamily="18" charset="0"/>
-              </a:rPr>
-              <a:t>báo kết nối không thành công</a:t>
-            </a:r>
-            <a:endParaRPr lang="en-US" sz="2200" i="1">
-              <a:latin typeface="Times New Roman" panose="02020603050405020304" pitchFamily="18" charset="0"/>
+              <a:rPr lang="en-US" i="1" dirty="0">
+                <a:latin typeface="Segoe UI Black" panose="020B0A02040204020203" pitchFamily="34" charset="0"/>
+                <a:ea typeface="Segoe UI Black" panose="020B0A02040204020203" pitchFamily="34" charset="0"/>
+                <a:cs typeface="Times New Roman" panose="02020603050405020304" pitchFamily="18" charset="0"/>
+              </a:rPr>
+              <a:t>        </a:t>
+            </a:r>
+            <a:r>
+              <a:rPr lang="en-US" i="1" dirty="0" err="1">
+                <a:latin typeface="Segoe UI Black" panose="020B0A02040204020203" pitchFamily="34" charset="0"/>
+                <a:ea typeface="Segoe UI Black" panose="020B0A02040204020203" pitchFamily="34" charset="0"/>
+                <a:cs typeface="Times New Roman" panose="02020603050405020304" pitchFamily="18" charset="0"/>
+              </a:rPr>
+              <a:t>response.writeHead</a:t>
+            </a:r>
+            <a:r>
+              <a:rPr lang="en-US" i="1" dirty="0">
+                <a:latin typeface="Segoe UI Black" panose="020B0A02040204020203" pitchFamily="34" charset="0"/>
+                <a:ea typeface="Segoe UI Black" panose="020B0A02040204020203" pitchFamily="34" charset="0"/>
+                <a:cs typeface="Times New Roman" panose="02020603050405020304" pitchFamily="18" charset="0"/>
+              </a:rPr>
+              <a:t>(404, { //</a:t>
+            </a:r>
+            <a:r>
+              <a:rPr lang="en-US" dirty="0" err="1">
+                <a:latin typeface="Segoe UI Black" panose="020B0A02040204020203" pitchFamily="34" charset="0"/>
+                <a:ea typeface="Segoe UI Black" panose="020B0A02040204020203" pitchFamily="34" charset="0"/>
+                <a:cs typeface="Times New Roman" panose="02020603050405020304" pitchFamily="18" charset="0"/>
+              </a:rPr>
+              <a:t>báo</a:t>
+            </a:r>
+            <a:r>
+              <a:rPr lang="en-US" dirty="0">
+                <a:latin typeface="Segoe UI Black" panose="020B0A02040204020203" pitchFamily="34" charset="0"/>
+                <a:ea typeface="Segoe UI Black" panose="020B0A02040204020203" pitchFamily="34" charset="0"/>
+                <a:cs typeface="Times New Roman" panose="02020603050405020304" pitchFamily="18" charset="0"/>
+              </a:rPr>
+              <a:t> </a:t>
+            </a:r>
+            <a:r>
+              <a:rPr lang="en-US" dirty="0" err="1">
+                <a:latin typeface="Segoe UI Black" panose="020B0A02040204020203" pitchFamily="34" charset="0"/>
+                <a:ea typeface="Segoe UI Black" panose="020B0A02040204020203" pitchFamily="34" charset="0"/>
+                <a:cs typeface="Times New Roman" panose="02020603050405020304" pitchFamily="18" charset="0"/>
+              </a:rPr>
+              <a:t>kết</a:t>
+            </a:r>
+            <a:r>
+              <a:rPr lang="en-US" dirty="0">
+                <a:latin typeface="Segoe UI Black" panose="020B0A02040204020203" pitchFamily="34" charset="0"/>
+                <a:ea typeface="Segoe UI Black" panose="020B0A02040204020203" pitchFamily="34" charset="0"/>
+                <a:cs typeface="Times New Roman" panose="02020603050405020304" pitchFamily="18" charset="0"/>
+              </a:rPr>
+              <a:t> </a:t>
+            </a:r>
+            <a:r>
+              <a:rPr lang="en-US" dirty="0" err="1">
+                <a:latin typeface="Segoe UI Black" panose="020B0A02040204020203" pitchFamily="34" charset="0"/>
+                <a:ea typeface="Segoe UI Black" panose="020B0A02040204020203" pitchFamily="34" charset="0"/>
+                <a:cs typeface="Times New Roman" panose="02020603050405020304" pitchFamily="18" charset="0"/>
+              </a:rPr>
+              <a:t>nối</a:t>
+            </a:r>
+            <a:r>
+              <a:rPr lang="en-US" dirty="0">
+                <a:latin typeface="Segoe UI Black" panose="020B0A02040204020203" pitchFamily="34" charset="0"/>
+                <a:ea typeface="Segoe UI Black" panose="020B0A02040204020203" pitchFamily="34" charset="0"/>
+                <a:cs typeface="Times New Roman" panose="02020603050405020304" pitchFamily="18" charset="0"/>
+              </a:rPr>
+              <a:t> </a:t>
+            </a:r>
+            <a:r>
+              <a:rPr lang="en-US" dirty="0" err="1">
+                <a:latin typeface="Segoe UI Black" panose="020B0A02040204020203" pitchFamily="34" charset="0"/>
+                <a:ea typeface="Segoe UI Black" panose="020B0A02040204020203" pitchFamily="34" charset="0"/>
+                <a:cs typeface="Times New Roman" panose="02020603050405020304" pitchFamily="18" charset="0"/>
+              </a:rPr>
+              <a:t>không</a:t>
+            </a:r>
+            <a:r>
+              <a:rPr lang="en-US" dirty="0">
+                <a:latin typeface="Segoe UI Black" panose="020B0A02040204020203" pitchFamily="34" charset="0"/>
+                <a:ea typeface="Segoe UI Black" panose="020B0A02040204020203" pitchFamily="34" charset="0"/>
+                <a:cs typeface="Times New Roman" panose="02020603050405020304" pitchFamily="18" charset="0"/>
+              </a:rPr>
+              <a:t> </a:t>
+            </a:r>
+            <a:r>
+              <a:rPr lang="en-US" dirty="0" err="1">
+                <a:latin typeface="Segoe UI Black" panose="020B0A02040204020203" pitchFamily="34" charset="0"/>
+                <a:ea typeface="Segoe UI Black" panose="020B0A02040204020203" pitchFamily="34" charset="0"/>
+                <a:cs typeface="Times New Roman" panose="02020603050405020304" pitchFamily="18" charset="0"/>
+              </a:rPr>
+              <a:t>thành</a:t>
+            </a:r>
+            <a:r>
+              <a:rPr lang="en-US" dirty="0">
+                <a:latin typeface="Segoe UI Black" panose="020B0A02040204020203" pitchFamily="34" charset="0"/>
+                <a:ea typeface="Segoe UI Black" panose="020B0A02040204020203" pitchFamily="34" charset="0"/>
+                <a:cs typeface="Times New Roman" panose="02020603050405020304" pitchFamily="18" charset="0"/>
+              </a:rPr>
+              <a:t> </a:t>
+            </a:r>
+            <a:r>
+              <a:rPr lang="en-US" dirty="0" err="1">
+                <a:latin typeface="Segoe UI Black" panose="020B0A02040204020203" pitchFamily="34" charset="0"/>
+                <a:ea typeface="Segoe UI Black" panose="020B0A02040204020203" pitchFamily="34" charset="0"/>
+                <a:cs typeface="Times New Roman" panose="02020603050405020304" pitchFamily="18" charset="0"/>
+              </a:rPr>
+              <a:t>công</a:t>
+            </a:r>
+            <a:endParaRPr lang="en-US" i="1" dirty="0">
+              <a:latin typeface="Segoe UI Black" panose="020B0A02040204020203" pitchFamily="34" charset="0"/>
+              <a:ea typeface="Segoe UI Black" panose="020B0A02040204020203" pitchFamily="34" charset="0"/>
               <a:cs typeface="Times New Roman" panose="02020603050405020304" pitchFamily="18" charset="0"/>
             </a:endParaRPr>
           </a:p>
           <a:p>
             <a:r>
-              <a:rPr lang="en-US" sz="2200" i="1">
-                <a:latin typeface="Times New Roman" panose="02020603050405020304" pitchFamily="18" charset="0"/>
+              <a:rPr lang="en-US" i="1" dirty="0">
+                <a:latin typeface="Segoe UI Black" panose="020B0A02040204020203" pitchFamily="34" charset="0"/>
+                <a:ea typeface="Segoe UI Black" panose="020B0A02040204020203" pitchFamily="34" charset="0"/>
                 <a:cs typeface="Times New Roman" panose="02020603050405020304" pitchFamily="18" charset="0"/>
               </a:rPr>
               <a:t>            "Context-type" : "text/plain"</a:t>
@@ -4048,8 +4887,9 @@
           </a:p>
           <a:p>
             <a:r>
-              <a:rPr lang="en-US" sz="2200" i="1">
-                <a:latin typeface="Times New Roman" panose="02020603050405020304" pitchFamily="18" charset="0"/>
+              <a:rPr lang="en-US" i="1" dirty="0">
+                <a:latin typeface="Segoe UI Black" panose="020B0A02040204020203" pitchFamily="34" charset="0"/>
+                <a:ea typeface="Segoe UI Black" panose="020B0A02040204020203" pitchFamily="34" charset="0"/>
                 <a:cs typeface="Times New Roman" panose="02020603050405020304" pitchFamily="18" charset="0"/>
               </a:rPr>
               <a:t>        });</a:t>
@@ -4057,28 +4897,80 @@
           </a:p>
           <a:p>
             <a:r>
-              <a:rPr lang="en-US" sz="2200" i="1">
-                <a:latin typeface="Times New Roman" panose="02020603050405020304" pitchFamily="18" charset="0"/>
-                <a:cs typeface="Times New Roman" panose="02020603050405020304" pitchFamily="18" charset="0"/>
-              </a:rPr>
-              <a:t>        response.write('404 Not Found ' + request.url); //</a:t>
-            </a:r>
-            <a:r>
-              <a:rPr lang="en-US" sz="2200">
-                <a:latin typeface="Times New Roman" panose="02020603050405020304" pitchFamily="18" charset="0"/>
-                <a:cs typeface="Times New Roman" panose="02020603050405020304" pitchFamily="18" charset="0"/>
-              </a:rPr>
-              <a:t>hiển thị lỗi</a:t>
-            </a:r>
-            <a:endParaRPr lang="en-US" sz="2200" i="1">
-              <a:latin typeface="Times New Roman" panose="02020603050405020304" pitchFamily="18" charset="0"/>
+              <a:rPr lang="en-US" i="1" dirty="0">
+                <a:latin typeface="Segoe UI Black" panose="020B0A02040204020203" pitchFamily="34" charset="0"/>
+                <a:ea typeface="Segoe UI Black" panose="020B0A02040204020203" pitchFamily="34" charset="0"/>
+                <a:cs typeface="Times New Roman" panose="02020603050405020304" pitchFamily="18" charset="0"/>
+              </a:rPr>
+              <a:t>        </a:t>
+            </a:r>
+            <a:r>
+              <a:rPr lang="en-US" i="1" dirty="0" err="1">
+                <a:latin typeface="Segoe UI Black" panose="020B0A02040204020203" pitchFamily="34" charset="0"/>
+                <a:ea typeface="Segoe UI Black" panose="020B0A02040204020203" pitchFamily="34" charset="0"/>
+                <a:cs typeface="Times New Roman" panose="02020603050405020304" pitchFamily="18" charset="0"/>
+              </a:rPr>
+              <a:t>response.write</a:t>
+            </a:r>
+            <a:r>
+              <a:rPr lang="en-US" i="1" dirty="0">
+                <a:latin typeface="Segoe UI Black" panose="020B0A02040204020203" pitchFamily="34" charset="0"/>
+                <a:ea typeface="Segoe UI Black" panose="020B0A02040204020203" pitchFamily="34" charset="0"/>
+                <a:cs typeface="Times New Roman" panose="02020603050405020304" pitchFamily="18" charset="0"/>
+              </a:rPr>
+              <a:t>('404 Not Found ' + request.url); //</a:t>
+            </a:r>
+            <a:r>
+              <a:rPr lang="en-US" dirty="0" err="1">
+                <a:latin typeface="Segoe UI Black" panose="020B0A02040204020203" pitchFamily="34" charset="0"/>
+                <a:ea typeface="Segoe UI Black" panose="020B0A02040204020203" pitchFamily="34" charset="0"/>
+                <a:cs typeface="Times New Roman" panose="02020603050405020304" pitchFamily="18" charset="0"/>
+              </a:rPr>
+              <a:t>hiển</a:t>
+            </a:r>
+            <a:r>
+              <a:rPr lang="en-US" dirty="0">
+                <a:latin typeface="Segoe UI Black" panose="020B0A02040204020203" pitchFamily="34" charset="0"/>
+                <a:ea typeface="Segoe UI Black" panose="020B0A02040204020203" pitchFamily="34" charset="0"/>
+                <a:cs typeface="Times New Roman" panose="02020603050405020304" pitchFamily="18" charset="0"/>
+              </a:rPr>
+              <a:t> </a:t>
+            </a:r>
+            <a:r>
+              <a:rPr lang="en-US" dirty="0" err="1">
+                <a:latin typeface="Segoe UI Black" panose="020B0A02040204020203" pitchFamily="34" charset="0"/>
+                <a:ea typeface="Segoe UI Black" panose="020B0A02040204020203" pitchFamily="34" charset="0"/>
+                <a:cs typeface="Times New Roman" panose="02020603050405020304" pitchFamily="18" charset="0"/>
+              </a:rPr>
+              <a:t>thị</a:t>
+            </a:r>
+            <a:r>
+              <a:rPr lang="en-US" dirty="0">
+                <a:latin typeface="Segoe UI Black" panose="020B0A02040204020203" pitchFamily="34" charset="0"/>
+                <a:ea typeface="Segoe UI Black" panose="020B0A02040204020203" pitchFamily="34" charset="0"/>
+                <a:cs typeface="Times New Roman" panose="02020603050405020304" pitchFamily="18" charset="0"/>
+              </a:rPr>
+              <a:t> </a:t>
+            </a:r>
+            <a:r>
+              <a:rPr lang="en-US" dirty="0" err="1">
+                <a:latin typeface="Segoe UI Black" panose="020B0A02040204020203" pitchFamily="34" charset="0"/>
+                <a:ea typeface="Segoe UI Black" panose="020B0A02040204020203" pitchFamily="34" charset="0"/>
+                <a:cs typeface="Times New Roman" panose="02020603050405020304" pitchFamily="18" charset="0"/>
+              </a:rPr>
+              <a:t>lỗi</a:t>
+            </a:r>
+            <a:endParaRPr lang="en-US" i="1" dirty="0">
+              <a:latin typeface="Segoe UI Black" panose="020B0A02040204020203" pitchFamily="34" charset="0"/>
+              <a:ea typeface="Segoe UI Black" panose="020B0A02040204020203" pitchFamily="34" charset="0"/>
               <a:cs typeface="Times New Roman" panose="02020603050405020304" pitchFamily="18" charset="0"/>
             </a:endParaRPr>
           </a:p>
           <a:p>
             <a:r>
-              <a:rPr lang="en-US" sz="2200" i="1">
-                <a:latin typeface="Times New Roman" panose="02020603050405020304" pitchFamily="18" charset="0"/>
+              <a:rPr lang="en-US" i="1" dirty="0">
+                <a:latin typeface="Segoe UI Black" panose="020B0A02040204020203" pitchFamily="34" charset="0"/>
+                <a:ea typeface="Segoe UI Black" panose="020B0A02040204020203" pitchFamily="34" charset="0"/>
                 <a:cs typeface="Times New Roman" panose="02020603050405020304" pitchFamily="18" charset="0"/>
               </a:rPr>
               <a:t>         </a:t>
@@ -4086,44 +4978,95 @@
           </a:p>
           <a:p>
             <a:r>
-              <a:rPr lang="en-US" sz="2200" i="1">
-                <a:latin typeface="Times New Roman" panose="02020603050405020304" pitchFamily="18" charset="0"/>
-                <a:cs typeface="Times New Roman" panose="02020603050405020304" pitchFamily="18" charset="0"/>
-              </a:rPr>
-              <a:t>        response.end();</a:t>
-            </a:r>
-            <a:r>
-              <a:rPr lang="en-US" sz="2200">
-                <a:latin typeface="Times New Roman" panose="02020603050405020304" pitchFamily="18" charset="0"/>
-                <a:cs typeface="Times New Roman" panose="02020603050405020304" pitchFamily="18" charset="0"/>
-              </a:rPr>
-              <a:t>//kết thúc</a:t>
-            </a:r>
-          </a:p>
-          <a:p>
-            <a:r>
-              <a:rPr lang="en-US" sz="2200" i="1">
-                <a:latin typeface="Times New Roman" panose="02020603050405020304" pitchFamily="18" charset="0"/>
-                <a:cs typeface="Times New Roman" panose="02020603050405020304" pitchFamily="18" charset="0"/>
-              </a:rPr>
-              <a:t>    }</a:t>
-            </a:r>
-          </a:p>
-          <a:p>
-            <a:endParaRPr lang="en-US" sz="2200">
-              <a:latin typeface="Times New Roman" panose="02020603050405020304" pitchFamily="18" charset="0"/>
+              <a:rPr lang="en-US" i="1" dirty="0">
+                <a:latin typeface="Segoe UI Black" panose="020B0A02040204020203" pitchFamily="34" charset="0"/>
+                <a:ea typeface="Segoe UI Black" panose="020B0A02040204020203" pitchFamily="34" charset="0"/>
+                <a:cs typeface="Times New Roman" panose="02020603050405020304" pitchFamily="18" charset="0"/>
+              </a:rPr>
+              <a:t>        </a:t>
+            </a:r>
+            <a:r>
+              <a:rPr lang="en-US" i="1" dirty="0" err="1">
+                <a:latin typeface="Segoe UI Black" panose="020B0A02040204020203" pitchFamily="34" charset="0"/>
+                <a:ea typeface="Segoe UI Black" panose="020B0A02040204020203" pitchFamily="34" charset="0"/>
+                <a:cs typeface="Times New Roman" panose="02020603050405020304" pitchFamily="18" charset="0"/>
+              </a:rPr>
+              <a:t>response.end</a:t>
+            </a:r>
+            <a:r>
+              <a:rPr lang="en-US" i="1" dirty="0">
+                <a:latin typeface="Segoe UI Black" panose="020B0A02040204020203" pitchFamily="34" charset="0"/>
+                <a:ea typeface="Segoe UI Black" panose="020B0A02040204020203" pitchFamily="34" charset="0"/>
+                <a:cs typeface="Times New Roman" panose="02020603050405020304" pitchFamily="18" charset="0"/>
+              </a:rPr>
+              <a:t>();</a:t>
+            </a:r>
+            <a:r>
+              <a:rPr lang="en-US" dirty="0">
+                <a:latin typeface="Segoe UI Black" panose="020B0A02040204020203" pitchFamily="34" charset="0"/>
+                <a:ea typeface="Segoe UI Black" panose="020B0A02040204020203" pitchFamily="34" charset="0"/>
+                <a:cs typeface="Times New Roman" panose="02020603050405020304" pitchFamily="18" charset="0"/>
+              </a:rPr>
+              <a:t>//</a:t>
+            </a:r>
+            <a:r>
+              <a:rPr lang="en-US" dirty="0" err="1">
+                <a:latin typeface="Segoe UI Black" panose="020B0A02040204020203" pitchFamily="34" charset="0"/>
+                <a:ea typeface="Segoe UI Black" panose="020B0A02040204020203" pitchFamily="34" charset="0"/>
+                <a:cs typeface="Times New Roman" panose="02020603050405020304" pitchFamily="18" charset="0"/>
+              </a:rPr>
+              <a:t>kết</a:t>
+            </a:r>
+            <a:r>
+              <a:rPr lang="en-US" dirty="0">
+                <a:latin typeface="Segoe UI Black" panose="020B0A02040204020203" pitchFamily="34" charset="0"/>
+                <a:ea typeface="Segoe UI Black" panose="020B0A02040204020203" pitchFamily="34" charset="0"/>
+                <a:cs typeface="Times New Roman" panose="02020603050405020304" pitchFamily="18" charset="0"/>
+              </a:rPr>
+              <a:t> </a:t>
+            </a:r>
+            <a:r>
+              <a:rPr lang="en-US" dirty="0" err="1">
+                <a:latin typeface="Segoe UI Black" panose="020B0A02040204020203" pitchFamily="34" charset="0"/>
+                <a:ea typeface="Segoe UI Black" panose="020B0A02040204020203" pitchFamily="34" charset="0"/>
+                <a:cs typeface="Times New Roman" panose="02020603050405020304" pitchFamily="18" charset="0"/>
+              </a:rPr>
+              <a:t>thúc</a:t>
+            </a:r>
+            <a:endParaRPr lang="en-US" dirty="0">
+              <a:latin typeface="Segoe UI Black" panose="020B0A02040204020203" pitchFamily="34" charset="0"/>
+              <a:ea typeface="Segoe UI Black" panose="020B0A02040204020203" pitchFamily="34" charset="0"/>
               <a:cs typeface="Times New Roman" panose="02020603050405020304" pitchFamily="18" charset="0"/>
             </a:endParaRPr>
           </a:p>
           <a:p>
-            <a:endParaRPr lang="en-US" sz="2200">
-              <a:latin typeface="Times New Roman" panose="02020603050405020304" pitchFamily="18" charset="0"/>
+            <a:r>
+              <a:rPr lang="en-US" i="1" dirty="0">
+                <a:latin typeface="Segoe UI Black" panose="020B0A02040204020203" pitchFamily="34" charset="0"/>
+                <a:ea typeface="Segoe UI Black" panose="020B0A02040204020203" pitchFamily="34" charset="0"/>
+                <a:cs typeface="Times New Roman" panose="02020603050405020304" pitchFamily="18" charset="0"/>
+              </a:rPr>
+              <a:t>    }</a:t>
+            </a:r>
+          </a:p>
+          <a:p>
+            <a:endParaRPr lang="en-US" dirty="0">
+              <a:latin typeface="Segoe UI Black" panose="020B0A02040204020203" pitchFamily="34" charset="0"/>
+              <a:ea typeface="Segoe UI Black" panose="020B0A02040204020203" pitchFamily="34" charset="0"/>
               <a:cs typeface="Times New Roman" panose="02020603050405020304" pitchFamily="18" charset="0"/>
             </a:endParaRPr>
           </a:p>
           <a:p>
-            <a:endParaRPr lang="en-US" sz="2200">
-              <a:latin typeface="Times New Roman" panose="02020603050405020304" pitchFamily="18" charset="0"/>
+            <a:endParaRPr lang="en-US" dirty="0">
+              <a:latin typeface="Segoe UI Black" panose="020B0A02040204020203" pitchFamily="34" charset="0"/>
+              <a:ea typeface="Segoe UI Black" panose="020B0A02040204020203" pitchFamily="34" charset="0"/>
+              <a:cs typeface="Times New Roman" panose="02020603050405020304" pitchFamily="18" charset="0"/>
+            </a:endParaRPr>
+          </a:p>
+          <a:p>
+            <a:endParaRPr lang="en-US" dirty="0">
+              <a:latin typeface="Segoe UI Black" panose="020B0A02040204020203" pitchFamily="34" charset="0"/>
+              <a:ea typeface="Segoe UI Black" panose="020B0A02040204020203" pitchFamily="34" charset="0"/>
               <a:cs typeface="Times New Roman" panose="02020603050405020304" pitchFamily="18" charset="0"/>
             </a:endParaRPr>
           </a:p>
@@ -4139,13 +5082,13 @@
   <p:clrMapOvr>
     <a:masterClrMapping/>
   </p:clrMapOvr>
-  <mc:AlternateContent xmlns:mc="http://schemas.openxmlformats.org/markup-compatibility/2006">
-    <mc:Choice xmlns:p15="http://schemas.microsoft.com/office/powerpoint/2012/main" Requires="p15">
+  <mc:AlternateContent xmlns:mc="http://schemas.openxmlformats.org/markup-compatibility/2006" xmlns:p15="http://schemas.microsoft.com/office/powerpoint/2012/main">
+    <mc:Choice Requires="p15">
       <p:transition xmlns:p14="http://schemas.microsoft.com/office/powerpoint/2010/main" spd="slow" p14:dur="1250">
         <p15:prstTrans prst="peelOff"/>
       </p:transition>
     </mc:Choice>
-    <mc:Fallback>
+    <mc:Fallback xmlns="">
       <p:transition spd="slow">
         <p:fade/>
       </p:transition>
@@ -4192,8 +5135,9 @@
           <a:lstStyle/>
           <a:p>
             <a:r>
-              <a:rPr lang="en-US" b="1">
-                <a:latin typeface="Times New Roman" panose="02020603050405020304" pitchFamily="18" charset="0"/>
+              <a:rPr lang="en-US" sz="3000" b="1" dirty="0">
+                <a:latin typeface="Segoe UI Black" panose="020B0A02040204020203" pitchFamily="34" charset="0"/>
+                <a:ea typeface="Segoe UI Black" panose="020B0A02040204020203" pitchFamily="34" charset="0"/>
                 <a:cs typeface="Times New Roman" panose="02020603050405020304" pitchFamily="18" charset="0"/>
               </a:rPr>
               <a:t>TẠO SERVER ĐƠN GIẢN SỬ DỤNG HTTP</a:t>
@@ -4224,35 +5168,148 @@
           <a:lstStyle/>
           <a:p>
             <a:r>
-              <a:rPr lang="en-US" sz="2200" b="1">
-                <a:latin typeface="Times New Roman" panose="02020603050405020304" pitchFamily="18" charset="0"/>
-                <a:cs typeface="Times New Roman" panose="02020603050405020304" pitchFamily="18" charset="0"/>
-              </a:rPr>
-              <a:t>Bước 3: thiết lập cổng kết nối</a:t>
-            </a:r>
-          </a:p>
-          <a:p>
-            <a:r>
-              <a:rPr lang="en-US" sz="2200" i="1">
-                <a:latin typeface="Times New Roman" panose="02020603050405020304" pitchFamily="18" charset="0"/>
-                <a:cs typeface="Times New Roman" panose="02020603050405020304" pitchFamily="18" charset="0"/>
-              </a:rPr>
-              <a:t>server.listen(3000, function(){</a:t>
-            </a:r>
-          </a:p>
-          <a:p>
-            <a:r>
-              <a:rPr lang="en-US" sz="2200" i="1">
-                <a:latin typeface="Times New Roman" panose="02020603050405020304" pitchFamily="18" charset="0"/>
-                <a:cs typeface="Times New Roman" panose="02020603050405020304" pitchFamily="18" charset="0"/>
-              </a:rPr>
-              <a:t>    console.log('Connected Successfull!');</a:t>
-            </a:r>
-          </a:p>
-          <a:p>
-            <a:r>
-              <a:rPr lang="en-US" sz="2200" i="1">
-                <a:latin typeface="Times New Roman" panose="02020603050405020304" pitchFamily="18" charset="0"/>
+              <a:rPr lang="en-US" b="1" dirty="0" err="1">
+                <a:latin typeface="Segoe UI Black" panose="020B0A02040204020203" pitchFamily="34" charset="0"/>
+                <a:ea typeface="Segoe UI Black" panose="020B0A02040204020203" pitchFamily="34" charset="0"/>
+                <a:cs typeface="Times New Roman" panose="02020603050405020304" pitchFamily="18" charset="0"/>
+              </a:rPr>
+              <a:t>Bước</a:t>
+            </a:r>
+            <a:r>
+              <a:rPr lang="en-US" b="1" dirty="0">
+                <a:latin typeface="Segoe UI Black" panose="020B0A02040204020203" pitchFamily="34" charset="0"/>
+                <a:ea typeface="Segoe UI Black" panose="020B0A02040204020203" pitchFamily="34" charset="0"/>
+                <a:cs typeface="Times New Roman" panose="02020603050405020304" pitchFamily="18" charset="0"/>
+              </a:rPr>
+              <a:t> 3: </a:t>
+            </a:r>
+            <a:r>
+              <a:rPr lang="en-US" b="1" dirty="0" err="1">
+                <a:latin typeface="Segoe UI Black" panose="020B0A02040204020203" pitchFamily="34" charset="0"/>
+                <a:ea typeface="Segoe UI Black" panose="020B0A02040204020203" pitchFamily="34" charset="0"/>
+                <a:cs typeface="Times New Roman" panose="02020603050405020304" pitchFamily="18" charset="0"/>
+              </a:rPr>
+              <a:t>thiết</a:t>
+            </a:r>
+            <a:r>
+              <a:rPr lang="en-US" b="1" dirty="0">
+                <a:latin typeface="Segoe UI Black" panose="020B0A02040204020203" pitchFamily="34" charset="0"/>
+                <a:ea typeface="Segoe UI Black" panose="020B0A02040204020203" pitchFamily="34" charset="0"/>
+                <a:cs typeface="Times New Roman" panose="02020603050405020304" pitchFamily="18" charset="0"/>
+              </a:rPr>
+              <a:t> </a:t>
+            </a:r>
+            <a:r>
+              <a:rPr lang="en-US" b="1" dirty="0" err="1">
+                <a:latin typeface="Segoe UI Black" panose="020B0A02040204020203" pitchFamily="34" charset="0"/>
+                <a:ea typeface="Segoe UI Black" panose="020B0A02040204020203" pitchFamily="34" charset="0"/>
+                <a:cs typeface="Times New Roman" panose="02020603050405020304" pitchFamily="18" charset="0"/>
+              </a:rPr>
+              <a:t>lập</a:t>
+            </a:r>
+            <a:r>
+              <a:rPr lang="en-US" b="1" dirty="0">
+                <a:latin typeface="Segoe UI Black" panose="020B0A02040204020203" pitchFamily="34" charset="0"/>
+                <a:ea typeface="Segoe UI Black" panose="020B0A02040204020203" pitchFamily="34" charset="0"/>
+                <a:cs typeface="Times New Roman" panose="02020603050405020304" pitchFamily="18" charset="0"/>
+              </a:rPr>
+              <a:t> </a:t>
+            </a:r>
+            <a:r>
+              <a:rPr lang="en-US" b="1" dirty="0" err="1">
+                <a:latin typeface="Segoe UI Black" panose="020B0A02040204020203" pitchFamily="34" charset="0"/>
+                <a:ea typeface="Segoe UI Black" panose="020B0A02040204020203" pitchFamily="34" charset="0"/>
+                <a:cs typeface="Times New Roman" panose="02020603050405020304" pitchFamily="18" charset="0"/>
+              </a:rPr>
+              <a:t>cổng</a:t>
+            </a:r>
+            <a:r>
+              <a:rPr lang="en-US" b="1" dirty="0">
+                <a:latin typeface="Segoe UI Black" panose="020B0A02040204020203" pitchFamily="34" charset="0"/>
+                <a:ea typeface="Segoe UI Black" panose="020B0A02040204020203" pitchFamily="34" charset="0"/>
+                <a:cs typeface="Times New Roman" panose="02020603050405020304" pitchFamily="18" charset="0"/>
+              </a:rPr>
+              <a:t> </a:t>
+            </a:r>
+            <a:r>
+              <a:rPr lang="en-US" b="1" dirty="0" err="1">
+                <a:latin typeface="Segoe UI Black" panose="020B0A02040204020203" pitchFamily="34" charset="0"/>
+                <a:ea typeface="Segoe UI Black" panose="020B0A02040204020203" pitchFamily="34" charset="0"/>
+                <a:cs typeface="Times New Roman" panose="02020603050405020304" pitchFamily="18" charset="0"/>
+              </a:rPr>
+              <a:t>kết</a:t>
+            </a:r>
+            <a:r>
+              <a:rPr lang="en-US" b="1" dirty="0">
+                <a:latin typeface="Segoe UI Black" panose="020B0A02040204020203" pitchFamily="34" charset="0"/>
+                <a:ea typeface="Segoe UI Black" panose="020B0A02040204020203" pitchFamily="34" charset="0"/>
+                <a:cs typeface="Times New Roman" panose="02020603050405020304" pitchFamily="18" charset="0"/>
+              </a:rPr>
+              <a:t> </a:t>
+            </a:r>
+            <a:r>
+              <a:rPr lang="en-US" b="1" dirty="0" err="1">
+                <a:latin typeface="Segoe UI Black" panose="020B0A02040204020203" pitchFamily="34" charset="0"/>
+                <a:ea typeface="Segoe UI Black" panose="020B0A02040204020203" pitchFamily="34" charset="0"/>
+                <a:cs typeface="Times New Roman" panose="02020603050405020304" pitchFamily="18" charset="0"/>
+              </a:rPr>
+              <a:t>nối</a:t>
+            </a:r>
+            <a:endParaRPr lang="en-US" b="1" dirty="0">
+              <a:latin typeface="Segoe UI Black" panose="020B0A02040204020203" pitchFamily="34" charset="0"/>
+              <a:ea typeface="Segoe UI Black" panose="020B0A02040204020203" pitchFamily="34" charset="0"/>
+              <a:cs typeface="Times New Roman" panose="02020603050405020304" pitchFamily="18" charset="0"/>
+            </a:endParaRPr>
+          </a:p>
+          <a:p>
+            <a:r>
+              <a:rPr lang="en-US" i="1" dirty="0" err="1">
+                <a:latin typeface="Segoe UI Black" panose="020B0A02040204020203" pitchFamily="34" charset="0"/>
+                <a:ea typeface="Segoe UI Black" panose="020B0A02040204020203" pitchFamily="34" charset="0"/>
+                <a:cs typeface="Times New Roman" panose="02020603050405020304" pitchFamily="18" charset="0"/>
+              </a:rPr>
+              <a:t>server.listen</a:t>
+            </a:r>
+            <a:r>
+              <a:rPr lang="en-US" i="1" dirty="0">
+                <a:latin typeface="Segoe UI Black" panose="020B0A02040204020203" pitchFamily="34" charset="0"/>
+                <a:ea typeface="Segoe UI Black" panose="020B0A02040204020203" pitchFamily="34" charset="0"/>
+                <a:cs typeface="Times New Roman" panose="02020603050405020304" pitchFamily="18" charset="0"/>
+              </a:rPr>
+              <a:t>(3000, function(){</a:t>
+            </a:r>
+          </a:p>
+          <a:p>
+            <a:r>
+              <a:rPr lang="en-US" i="1" dirty="0">
+                <a:latin typeface="Segoe UI Black" panose="020B0A02040204020203" pitchFamily="34" charset="0"/>
+                <a:ea typeface="Segoe UI Black" panose="020B0A02040204020203" pitchFamily="34" charset="0"/>
+                <a:cs typeface="Times New Roman" panose="02020603050405020304" pitchFamily="18" charset="0"/>
+              </a:rPr>
+              <a:t>    console.log('Connected </a:t>
+            </a:r>
+            <a:r>
+              <a:rPr lang="en-US" i="1" dirty="0" err="1">
+                <a:latin typeface="Segoe UI Black" panose="020B0A02040204020203" pitchFamily="34" charset="0"/>
+                <a:ea typeface="Segoe UI Black" panose="020B0A02040204020203" pitchFamily="34" charset="0"/>
+                <a:cs typeface="Times New Roman" panose="02020603050405020304" pitchFamily="18" charset="0"/>
+              </a:rPr>
+              <a:t>Successfull</a:t>
+            </a:r>
+            <a:r>
+              <a:rPr lang="en-US" i="1" dirty="0">
+                <a:latin typeface="Segoe UI Black" panose="020B0A02040204020203" pitchFamily="34" charset="0"/>
+                <a:ea typeface="Segoe UI Black" panose="020B0A02040204020203" pitchFamily="34" charset="0"/>
+                <a:cs typeface="Times New Roman" panose="02020603050405020304" pitchFamily="18" charset="0"/>
+              </a:rPr>
+              <a:t>!');</a:t>
+            </a:r>
+          </a:p>
+          <a:p>
+            <a:r>
+              <a:rPr lang="en-US" i="1" dirty="0">
+                <a:latin typeface="Segoe UI Black" panose="020B0A02040204020203" pitchFamily="34" charset="0"/>
+                <a:ea typeface="Segoe UI Black" panose="020B0A02040204020203" pitchFamily="34" charset="0"/>
                 <a:cs typeface="Times New Roman" panose="02020603050405020304" pitchFamily="18" charset="0"/>
               </a:rPr>
               <a:t>});</a:t>
@@ -4260,16 +5317,138 @@
           </a:p>
           <a:p>
             <a:r>
-              <a:rPr lang="en-US" sz="2200">
-                <a:latin typeface="Times New Roman" panose="02020603050405020304" pitchFamily="18" charset="0"/>
-                <a:cs typeface="Times New Roman" panose="02020603050405020304" pitchFamily="18" charset="0"/>
-              </a:rPr>
-              <a:t>Cổng được thiết lập ở port 3000.Server chỉ hoạt động khi ta run code.</a:t>
-            </a:r>
-          </a:p>
-          <a:p>
-            <a:endParaRPr lang="en-US" sz="2200">
-              <a:latin typeface="Times New Roman" panose="02020603050405020304" pitchFamily="18" charset="0"/>
+              <a:rPr lang="en-US" dirty="0" err="1">
+                <a:latin typeface="Segoe UI Black" panose="020B0A02040204020203" pitchFamily="34" charset="0"/>
+                <a:ea typeface="Segoe UI Black" panose="020B0A02040204020203" pitchFamily="34" charset="0"/>
+                <a:cs typeface="Times New Roman" panose="02020603050405020304" pitchFamily="18" charset="0"/>
+              </a:rPr>
+              <a:t>Cổng</a:t>
+            </a:r>
+            <a:r>
+              <a:rPr lang="en-US" dirty="0">
+                <a:latin typeface="Segoe UI Black" panose="020B0A02040204020203" pitchFamily="34" charset="0"/>
+                <a:ea typeface="Segoe UI Black" panose="020B0A02040204020203" pitchFamily="34" charset="0"/>
+                <a:cs typeface="Times New Roman" panose="02020603050405020304" pitchFamily="18" charset="0"/>
+              </a:rPr>
+              <a:t> </a:t>
+            </a:r>
+            <a:r>
+              <a:rPr lang="en-US" dirty="0" err="1">
+                <a:latin typeface="Segoe UI Black" panose="020B0A02040204020203" pitchFamily="34" charset="0"/>
+                <a:ea typeface="Segoe UI Black" panose="020B0A02040204020203" pitchFamily="34" charset="0"/>
+                <a:cs typeface="Times New Roman" panose="02020603050405020304" pitchFamily="18" charset="0"/>
+              </a:rPr>
+              <a:t>được</a:t>
+            </a:r>
+            <a:r>
+              <a:rPr lang="en-US" dirty="0">
+                <a:latin typeface="Segoe UI Black" panose="020B0A02040204020203" pitchFamily="34" charset="0"/>
+                <a:ea typeface="Segoe UI Black" panose="020B0A02040204020203" pitchFamily="34" charset="0"/>
+                <a:cs typeface="Times New Roman" panose="02020603050405020304" pitchFamily="18" charset="0"/>
+              </a:rPr>
+              <a:t> </a:t>
+            </a:r>
+            <a:r>
+              <a:rPr lang="en-US" dirty="0" err="1">
+                <a:latin typeface="Segoe UI Black" panose="020B0A02040204020203" pitchFamily="34" charset="0"/>
+                <a:ea typeface="Segoe UI Black" panose="020B0A02040204020203" pitchFamily="34" charset="0"/>
+                <a:cs typeface="Times New Roman" panose="02020603050405020304" pitchFamily="18" charset="0"/>
+              </a:rPr>
+              <a:t>thiết</a:t>
+            </a:r>
+            <a:r>
+              <a:rPr lang="en-US" dirty="0">
+                <a:latin typeface="Segoe UI Black" panose="020B0A02040204020203" pitchFamily="34" charset="0"/>
+                <a:ea typeface="Segoe UI Black" panose="020B0A02040204020203" pitchFamily="34" charset="0"/>
+                <a:cs typeface="Times New Roman" panose="02020603050405020304" pitchFamily="18" charset="0"/>
+              </a:rPr>
+              <a:t> </a:t>
+            </a:r>
+            <a:r>
+              <a:rPr lang="en-US" dirty="0" err="1">
+                <a:latin typeface="Segoe UI Black" panose="020B0A02040204020203" pitchFamily="34" charset="0"/>
+                <a:ea typeface="Segoe UI Black" panose="020B0A02040204020203" pitchFamily="34" charset="0"/>
+                <a:cs typeface="Times New Roman" panose="02020603050405020304" pitchFamily="18" charset="0"/>
+              </a:rPr>
+              <a:t>lập</a:t>
+            </a:r>
+            <a:r>
+              <a:rPr lang="en-US" dirty="0">
+                <a:latin typeface="Segoe UI Black" panose="020B0A02040204020203" pitchFamily="34" charset="0"/>
+                <a:ea typeface="Segoe UI Black" panose="020B0A02040204020203" pitchFamily="34" charset="0"/>
+                <a:cs typeface="Times New Roman" panose="02020603050405020304" pitchFamily="18" charset="0"/>
+              </a:rPr>
+              <a:t> ở port 3000.Server </a:t>
+            </a:r>
+            <a:r>
+              <a:rPr lang="en-US" dirty="0" err="1">
+                <a:latin typeface="Segoe UI Black" panose="020B0A02040204020203" pitchFamily="34" charset="0"/>
+                <a:ea typeface="Segoe UI Black" panose="020B0A02040204020203" pitchFamily="34" charset="0"/>
+                <a:cs typeface="Times New Roman" panose="02020603050405020304" pitchFamily="18" charset="0"/>
+              </a:rPr>
+              <a:t>chỉ</a:t>
+            </a:r>
+            <a:r>
+              <a:rPr lang="en-US" dirty="0">
+                <a:latin typeface="Segoe UI Black" panose="020B0A02040204020203" pitchFamily="34" charset="0"/>
+                <a:ea typeface="Segoe UI Black" panose="020B0A02040204020203" pitchFamily="34" charset="0"/>
+                <a:cs typeface="Times New Roman" panose="02020603050405020304" pitchFamily="18" charset="0"/>
+              </a:rPr>
+              <a:t> </a:t>
+            </a:r>
+            <a:r>
+              <a:rPr lang="en-US" dirty="0" err="1">
+                <a:latin typeface="Segoe UI Black" panose="020B0A02040204020203" pitchFamily="34" charset="0"/>
+                <a:ea typeface="Segoe UI Black" panose="020B0A02040204020203" pitchFamily="34" charset="0"/>
+                <a:cs typeface="Times New Roman" panose="02020603050405020304" pitchFamily="18" charset="0"/>
+              </a:rPr>
+              <a:t>hoạt</a:t>
+            </a:r>
+            <a:r>
+              <a:rPr lang="en-US" dirty="0">
+                <a:latin typeface="Segoe UI Black" panose="020B0A02040204020203" pitchFamily="34" charset="0"/>
+                <a:ea typeface="Segoe UI Black" panose="020B0A02040204020203" pitchFamily="34" charset="0"/>
+                <a:cs typeface="Times New Roman" panose="02020603050405020304" pitchFamily="18" charset="0"/>
+              </a:rPr>
+              <a:t> </a:t>
+            </a:r>
+            <a:r>
+              <a:rPr lang="en-US" dirty="0" err="1">
+                <a:latin typeface="Segoe UI Black" panose="020B0A02040204020203" pitchFamily="34" charset="0"/>
+                <a:ea typeface="Segoe UI Black" panose="020B0A02040204020203" pitchFamily="34" charset="0"/>
+                <a:cs typeface="Times New Roman" panose="02020603050405020304" pitchFamily="18" charset="0"/>
+              </a:rPr>
+              <a:t>động</a:t>
+            </a:r>
+            <a:r>
+              <a:rPr lang="en-US" dirty="0">
+                <a:latin typeface="Segoe UI Black" panose="020B0A02040204020203" pitchFamily="34" charset="0"/>
+                <a:ea typeface="Segoe UI Black" panose="020B0A02040204020203" pitchFamily="34" charset="0"/>
+                <a:cs typeface="Times New Roman" panose="02020603050405020304" pitchFamily="18" charset="0"/>
+              </a:rPr>
+              <a:t> </a:t>
+            </a:r>
+            <a:r>
+              <a:rPr lang="en-US" dirty="0" err="1">
+                <a:latin typeface="Segoe UI Black" panose="020B0A02040204020203" pitchFamily="34" charset="0"/>
+                <a:ea typeface="Segoe UI Black" panose="020B0A02040204020203" pitchFamily="34" charset="0"/>
+                <a:cs typeface="Times New Roman" panose="02020603050405020304" pitchFamily="18" charset="0"/>
+              </a:rPr>
+              <a:t>khi</a:t>
+            </a:r>
+            <a:r>
+              <a:rPr lang="en-US" dirty="0">
+                <a:latin typeface="Segoe UI Black" panose="020B0A02040204020203" pitchFamily="34" charset="0"/>
+                <a:ea typeface="Segoe UI Black" panose="020B0A02040204020203" pitchFamily="34" charset="0"/>
+                <a:cs typeface="Times New Roman" panose="02020603050405020304" pitchFamily="18" charset="0"/>
+              </a:rPr>
+              <a:t> ta run code.</a:t>
+            </a:r>
+          </a:p>
+          <a:p>
+            <a:endParaRPr lang="en-US" dirty="0">
+              <a:latin typeface="Segoe UI Black" panose="020B0A02040204020203" pitchFamily="34" charset="0"/>
+              <a:ea typeface="Segoe UI Black" panose="020B0A02040204020203" pitchFamily="34" charset="0"/>
               <a:cs typeface="Times New Roman" panose="02020603050405020304" pitchFamily="18" charset="0"/>
             </a:endParaRPr>
           </a:p>
@@ -4279,28 +5458,104 @@
               <a:buChar char="q"/>
             </a:pPr>
             <a:r>
-              <a:rPr lang="en-US" sz="2200">
-                <a:latin typeface="Times New Roman" panose="02020603050405020304" pitchFamily="18" charset="0"/>
-                <a:cs typeface="Times New Roman" panose="02020603050405020304" pitchFamily="18" charset="0"/>
-              </a:rPr>
-              <a:t>Các bạn tham khảo code trên git</a:t>
-            </a:r>
-          </a:p>
-          <a:p>
-            <a:endParaRPr lang="en-US" sz="2200">
-              <a:latin typeface="Times New Roman" panose="02020603050405020304" pitchFamily="18" charset="0"/>
+              <a:rPr lang="en-US" dirty="0" err="1">
+                <a:latin typeface="Segoe UI Black" panose="020B0A02040204020203" pitchFamily="34" charset="0"/>
+                <a:ea typeface="Segoe UI Black" panose="020B0A02040204020203" pitchFamily="34" charset="0"/>
+                <a:cs typeface="Times New Roman" panose="02020603050405020304" pitchFamily="18" charset="0"/>
+              </a:rPr>
+              <a:t>Các</a:t>
+            </a:r>
+            <a:r>
+              <a:rPr lang="en-US" dirty="0">
+                <a:latin typeface="Segoe UI Black" panose="020B0A02040204020203" pitchFamily="34" charset="0"/>
+                <a:ea typeface="Segoe UI Black" panose="020B0A02040204020203" pitchFamily="34" charset="0"/>
+                <a:cs typeface="Times New Roman" panose="02020603050405020304" pitchFamily="18" charset="0"/>
+              </a:rPr>
+              <a:t> </a:t>
+            </a:r>
+            <a:r>
+              <a:rPr lang="en-US" dirty="0" err="1">
+                <a:latin typeface="Segoe UI Black" panose="020B0A02040204020203" pitchFamily="34" charset="0"/>
+                <a:ea typeface="Segoe UI Black" panose="020B0A02040204020203" pitchFamily="34" charset="0"/>
+                <a:cs typeface="Times New Roman" panose="02020603050405020304" pitchFamily="18" charset="0"/>
+              </a:rPr>
+              <a:t>bạn</a:t>
+            </a:r>
+            <a:r>
+              <a:rPr lang="en-US" dirty="0">
+                <a:latin typeface="Segoe UI Black" panose="020B0A02040204020203" pitchFamily="34" charset="0"/>
+                <a:ea typeface="Segoe UI Black" panose="020B0A02040204020203" pitchFamily="34" charset="0"/>
+                <a:cs typeface="Times New Roman" panose="02020603050405020304" pitchFamily="18" charset="0"/>
+              </a:rPr>
+              <a:t> </a:t>
+            </a:r>
+            <a:r>
+              <a:rPr lang="en-US" dirty="0" err="1">
+                <a:latin typeface="Segoe UI Black" panose="020B0A02040204020203" pitchFamily="34" charset="0"/>
+                <a:ea typeface="Segoe UI Black" panose="020B0A02040204020203" pitchFamily="34" charset="0"/>
+                <a:cs typeface="Times New Roman" panose="02020603050405020304" pitchFamily="18" charset="0"/>
+              </a:rPr>
+              <a:t>tham</a:t>
+            </a:r>
+            <a:r>
+              <a:rPr lang="en-US" dirty="0">
+                <a:latin typeface="Segoe UI Black" panose="020B0A02040204020203" pitchFamily="34" charset="0"/>
+                <a:ea typeface="Segoe UI Black" panose="020B0A02040204020203" pitchFamily="34" charset="0"/>
+                <a:cs typeface="Times New Roman" panose="02020603050405020304" pitchFamily="18" charset="0"/>
+              </a:rPr>
+              <a:t> </a:t>
+            </a:r>
+            <a:r>
+              <a:rPr lang="en-US" dirty="0" err="1">
+                <a:latin typeface="Segoe UI Black" panose="020B0A02040204020203" pitchFamily="34" charset="0"/>
+                <a:ea typeface="Segoe UI Black" panose="020B0A02040204020203" pitchFamily="34" charset="0"/>
+                <a:cs typeface="Times New Roman" panose="02020603050405020304" pitchFamily="18" charset="0"/>
+              </a:rPr>
+              <a:t>khảo</a:t>
+            </a:r>
+            <a:r>
+              <a:rPr lang="en-US" dirty="0">
+                <a:latin typeface="Segoe UI Black" panose="020B0A02040204020203" pitchFamily="34" charset="0"/>
+                <a:ea typeface="Segoe UI Black" panose="020B0A02040204020203" pitchFamily="34" charset="0"/>
+                <a:cs typeface="Times New Roman" panose="02020603050405020304" pitchFamily="18" charset="0"/>
+              </a:rPr>
+              <a:t> code </a:t>
+            </a:r>
+            <a:r>
+              <a:rPr lang="en-US" dirty="0" err="1">
+                <a:latin typeface="Segoe UI Black" panose="020B0A02040204020203" pitchFamily="34" charset="0"/>
+                <a:ea typeface="Segoe UI Black" panose="020B0A02040204020203" pitchFamily="34" charset="0"/>
+                <a:cs typeface="Times New Roman" panose="02020603050405020304" pitchFamily="18" charset="0"/>
+              </a:rPr>
+              <a:t>trên</a:t>
+            </a:r>
+            <a:r>
+              <a:rPr lang="en-US" dirty="0">
+                <a:latin typeface="Segoe UI Black" panose="020B0A02040204020203" pitchFamily="34" charset="0"/>
+                <a:ea typeface="Segoe UI Black" panose="020B0A02040204020203" pitchFamily="34" charset="0"/>
+                <a:cs typeface="Times New Roman" panose="02020603050405020304" pitchFamily="18" charset="0"/>
+              </a:rPr>
+              <a:t> git</a:t>
+            </a:r>
+          </a:p>
+          <a:p>
+            <a:endParaRPr lang="en-US" dirty="0">
+              <a:latin typeface="Segoe UI Black" panose="020B0A02040204020203" pitchFamily="34" charset="0"/>
+              <a:ea typeface="Segoe UI Black" panose="020B0A02040204020203" pitchFamily="34" charset="0"/>
               <a:cs typeface="Times New Roman" panose="02020603050405020304" pitchFamily="18" charset="0"/>
             </a:endParaRPr>
           </a:p>
           <a:p>
-            <a:endParaRPr lang="en-US" sz="2200">
-              <a:latin typeface="Times New Roman" panose="02020603050405020304" pitchFamily="18" charset="0"/>
+            <a:endParaRPr lang="en-US" dirty="0">
+              <a:latin typeface="Segoe UI Black" panose="020B0A02040204020203" pitchFamily="34" charset="0"/>
+              <a:ea typeface="Segoe UI Black" panose="020B0A02040204020203" pitchFamily="34" charset="0"/>
               <a:cs typeface="Times New Roman" panose="02020603050405020304" pitchFamily="18" charset="0"/>
             </a:endParaRPr>
           </a:p>
           <a:p>
-            <a:endParaRPr lang="en-US" sz="2200">
-              <a:latin typeface="Times New Roman" panose="02020603050405020304" pitchFamily="18" charset="0"/>
+            <a:endParaRPr lang="en-US" dirty="0">
+              <a:latin typeface="Segoe UI Black" panose="020B0A02040204020203" pitchFamily="34" charset="0"/>
+              <a:ea typeface="Segoe UI Black" panose="020B0A02040204020203" pitchFamily="34" charset="0"/>
               <a:cs typeface="Times New Roman" panose="02020603050405020304" pitchFamily="18" charset="0"/>
             </a:endParaRPr>
           </a:p>
@@ -4316,13 +5571,13 @@
   <p:clrMapOvr>
     <a:masterClrMapping/>
   </p:clrMapOvr>
-  <mc:AlternateContent xmlns:mc="http://schemas.openxmlformats.org/markup-compatibility/2006">
-    <mc:Choice xmlns:p15="http://schemas.microsoft.com/office/powerpoint/2012/main" Requires="p15">
+  <mc:AlternateContent xmlns:mc="http://schemas.openxmlformats.org/markup-compatibility/2006" xmlns:p15="http://schemas.microsoft.com/office/powerpoint/2012/main">
+    <mc:Choice Requires="p15">
       <p:transition xmlns:p14="http://schemas.microsoft.com/office/powerpoint/2010/main" spd="slow" p14:dur="1250">
         <p15:prstTrans prst="peelOff"/>
       </p:transition>
     </mc:Choice>
-    <mc:Fallback>
+    <mc:Fallback xmlns="">
       <p:transition spd="slow">
         <p:fade/>
       </p:transition>
@@ -4369,8 +5624,9 @@
           <a:lstStyle/>
           <a:p>
             <a:r>
-              <a:rPr lang="en-US" b="1">
-                <a:latin typeface="Times New Roman" panose="02020603050405020304" pitchFamily="18" charset="0"/>
+              <a:rPr lang="en-US" sz="3000" b="1" dirty="0">
+                <a:latin typeface="Segoe UI Black" panose="020B0A02040204020203" pitchFamily="34" charset="0"/>
+                <a:ea typeface="Segoe UI Black" panose="020B0A02040204020203" pitchFamily="34" charset="0"/>
                 <a:cs typeface="Times New Roman" panose="02020603050405020304" pitchFamily="18" charset="0"/>
               </a:rPr>
               <a:t>TẠO SERVER ĐƠN GIẢN SỬ DỤNG HTTP</a:t>
@@ -4401,21 +5657,188 @@
           <a:lstStyle/>
           <a:p>
             <a:r>
-              <a:rPr lang="en-US" sz="2200">
-                <a:latin typeface="Times New Roman" panose="02020603050405020304" pitchFamily="18" charset="0"/>
-                <a:cs typeface="Times New Roman" panose="02020603050405020304" pitchFamily="18" charset="0"/>
-              </a:rPr>
-              <a:t>Run web server: tổ hợp phím ctrl+ `</a:t>
-            </a:r>
-          </a:p>
-          <a:p>
-            <a:r>
-              <a:rPr lang="en-US" sz="2200">
-                <a:latin typeface="Times New Roman" panose="02020603050405020304" pitchFamily="18" charset="0"/>
-                <a:cs typeface="Times New Roman" panose="02020603050405020304" pitchFamily="18" charset="0"/>
-              </a:rPr>
-              <a:t>Để chạy ta bấm: node Server thì server đó sẽ hoạt động</a:t>
-            </a:r>
+              <a:rPr lang="en-US" dirty="0">
+                <a:latin typeface="Segoe UI Black" panose="020B0A02040204020203" pitchFamily="34" charset="0"/>
+                <a:ea typeface="Segoe UI Black" panose="020B0A02040204020203" pitchFamily="34" charset="0"/>
+                <a:cs typeface="Times New Roman" panose="02020603050405020304" pitchFamily="18" charset="0"/>
+              </a:rPr>
+              <a:t>Run web server: </a:t>
+            </a:r>
+            <a:r>
+              <a:rPr lang="en-US" dirty="0" err="1">
+                <a:latin typeface="Segoe UI Black" panose="020B0A02040204020203" pitchFamily="34" charset="0"/>
+                <a:ea typeface="Segoe UI Black" panose="020B0A02040204020203" pitchFamily="34" charset="0"/>
+                <a:cs typeface="Times New Roman" panose="02020603050405020304" pitchFamily="18" charset="0"/>
+              </a:rPr>
+              <a:t>tổ</a:t>
+            </a:r>
+            <a:r>
+              <a:rPr lang="en-US" dirty="0">
+                <a:latin typeface="Segoe UI Black" panose="020B0A02040204020203" pitchFamily="34" charset="0"/>
+                <a:ea typeface="Segoe UI Black" panose="020B0A02040204020203" pitchFamily="34" charset="0"/>
+                <a:cs typeface="Times New Roman" panose="02020603050405020304" pitchFamily="18" charset="0"/>
+              </a:rPr>
+              <a:t> </a:t>
+            </a:r>
+            <a:r>
+              <a:rPr lang="en-US" dirty="0" err="1">
+                <a:latin typeface="Segoe UI Black" panose="020B0A02040204020203" pitchFamily="34" charset="0"/>
+                <a:ea typeface="Segoe UI Black" panose="020B0A02040204020203" pitchFamily="34" charset="0"/>
+                <a:cs typeface="Times New Roman" panose="02020603050405020304" pitchFamily="18" charset="0"/>
+              </a:rPr>
+              <a:t>hợp</a:t>
+            </a:r>
+            <a:r>
+              <a:rPr lang="en-US" dirty="0">
+                <a:latin typeface="Segoe UI Black" panose="020B0A02040204020203" pitchFamily="34" charset="0"/>
+                <a:ea typeface="Segoe UI Black" panose="020B0A02040204020203" pitchFamily="34" charset="0"/>
+                <a:cs typeface="Times New Roman" panose="02020603050405020304" pitchFamily="18" charset="0"/>
+              </a:rPr>
+              <a:t> </a:t>
+            </a:r>
+            <a:r>
+              <a:rPr lang="en-US" dirty="0" err="1">
+                <a:latin typeface="Segoe UI Black" panose="020B0A02040204020203" pitchFamily="34" charset="0"/>
+                <a:ea typeface="Segoe UI Black" panose="020B0A02040204020203" pitchFamily="34" charset="0"/>
+                <a:cs typeface="Times New Roman" panose="02020603050405020304" pitchFamily="18" charset="0"/>
+              </a:rPr>
+              <a:t>phím</a:t>
+            </a:r>
+            <a:r>
+              <a:rPr lang="en-US" dirty="0">
+                <a:latin typeface="Segoe UI Black" panose="020B0A02040204020203" pitchFamily="34" charset="0"/>
+                <a:ea typeface="Segoe UI Black" panose="020B0A02040204020203" pitchFamily="34" charset="0"/>
+                <a:cs typeface="Times New Roman" panose="02020603050405020304" pitchFamily="18" charset="0"/>
+              </a:rPr>
+              <a:t> ctrl+ `</a:t>
+            </a:r>
+          </a:p>
+          <a:p>
+            <a:r>
+              <a:rPr lang="en-US" dirty="0" err="1">
+                <a:latin typeface="Segoe UI Black" panose="020B0A02040204020203" pitchFamily="34" charset="0"/>
+                <a:ea typeface="Segoe UI Black" panose="020B0A02040204020203" pitchFamily="34" charset="0"/>
+                <a:cs typeface="Times New Roman" panose="02020603050405020304" pitchFamily="18" charset="0"/>
+              </a:rPr>
+              <a:t>Để</a:t>
+            </a:r>
+            <a:r>
+              <a:rPr lang="en-US" dirty="0">
+                <a:latin typeface="Segoe UI Black" panose="020B0A02040204020203" pitchFamily="34" charset="0"/>
+                <a:ea typeface="Segoe UI Black" panose="020B0A02040204020203" pitchFamily="34" charset="0"/>
+                <a:cs typeface="Times New Roman" panose="02020603050405020304" pitchFamily="18" charset="0"/>
+              </a:rPr>
+              <a:t> </a:t>
+            </a:r>
+            <a:r>
+              <a:rPr lang="en-US" dirty="0" err="1">
+                <a:latin typeface="Segoe UI Black" panose="020B0A02040204020203" pitchFamily="34" charset="0"/>
+                <a:ea typeface="Segoe UI Black" panose="020B0A02040204020203" pitchFamily="34" charset="0"/>
+                <a:cs typeface="Times New Roman" panose="02020603050405020304" pitchFamily="18" charset="0"/>
+              </a:rPr>
+              <a:t>chạy</a:t>
+            </a:r>
+            <a:r>
+              <a:rPr lang="en-US" dirty="0">
+                <a:latin typeface="Segoe UI Black" panose="020B0A02040204020203" pitchFamily="34" charset="0"/>
+                <a:ea typeface="Segoe UI Black" panose="020B0A02040204020203" pitchFamily="34" charset="0"/>
+                <a:cs typeface="Times New Roman" panose="02020603050405020304" pitchFamily="18" charset="0"/>
+              </a:rPr>
+              <a:t> ta </a:t>
+            </a:r>
+            <a:r>
+              <a:rPr lang="en-US" dirty="0" err="1">
+                <a:latin typeface="Segoe UI Black" panose="020B0A02040204020203" pitchFamily="34" charset="0"/>
+                <a:ea typeface="Segoe UI Black" panose="020B0A02040204020203" pitchFamily="34" charset="0"/>
+                <a:cs typeface="Times New Roman" panose="02020603050405020304" pitchFamily="18" charset="0"/>
+              </a:rPr>
+              <a:t>bấm</a:t>
+            </a:r>
+            <a:r>
+              <a:rPr lang="en-US" dirty="0">
+                <a:latin typeface="Segoe UI Black" panose="020B0A02040204020203" pitchFamily="34" charset="0"/>
+                <a:ea typeface="Segoe UI Black" panose="020B0A02040204020203" pitchFamily="34" charset="0"/>
+                <a:cs typeface="Times New Roman" panose="02020603050405020304" pitchFamily="18" charset="0"/>
+              </a:rPr>
+              <a:t>: node Server </a:t>
+            </a:r>
+            <a:r>
+              <a:rPr lang="en-US" dirty="0" err="1">
+                <a:latin typeface="Segoe UI Black" panose="020B0A02040204020203" pitchFamily="34" charset="0"/>
+                <a:ea typeface="Segoe UI Black" panose="020B0A02040204020203" pitchFamily="34" charset="0"/>
+                <a:cs typeface="Times New Roman" panose="02020603050405020304" pitchFamily="18" charset="0"/>
+              </a:rPr>
+              <a:t>thì</a:t>
+            </a:r>
+            <a:r>
+              <a:rPr lang="en-US" dirty="0">
+                <a:latin typeface="Segoe UI Black" panose="020B0A02040204020203" pitchFamily="34" charset="0"/>
+                <a:ea typeface="Segoe UI Black" panose="020B0A02040204020203" pitchFamily="34" charset="0"/>
+                <a:cs typeface="Times New Roman" panose="02020603050405020304" pitchFamily="18" charset="0"/>
+              </a:rPr>
+              <a:t> server </a:t>
+            </a:r>
+            <a:r>
+              <a:rPr lang="en-US" dirty="0" err="1">
+                <a:latin typeface="Segoe UI Black" panose="020B0A02040204020203" pitchFamily="34" charset="0"/>
+                <a:ea typeface="Segoe UI Black" panose="020B0A02040204020203" pitchFamily="34" charset="0"/>
+                <a:cs typeface="Times New Roman" panose="02020603050405020304" pitchFamily="18" charset="0"/>
+              </a:rPr>
+              <a:t>đó</a:t>
+            </a:r>
+            <a:r>
+              <a:rPr lang="en-US" dirty="0">
+                <a:latin typeface="Segoe UI Black" panose="020B0A02040204020203" pitchFamily="34" charset="0"/>
+                <a:ea typeface="Segoe UI Black" panose="020B0A02040204020203" pitchFamily="34" charset="0"/>
+                <a:cs typeface="Times New Roman" panose="02020603050405020304" pitchFamily="18" charset="0"/>
+              </a:rPr>
+              <a:t> </a:t>
+            </a:r>
+            <a:r>
+              <a:rPr lang="en-US" dirty="0" err="1">
+                <a:latin typeface="Segoe UI Black" panose="020B0A02040204020203" pitchFamily="34" charset="0"/>
+                <a:ea typeface="Segoe UI Black" panose="020B0A02040204020203" pitchFamily="34" charset="0"/>
+                <a:cs typeface="Times New Roman" panose="02020603050405020304" pitchFamily="18" charset="0"/>
+              </a:rPr>
+              <a:t>sẽ</a:t>
+            </a:r>
+            <a:r>
+              <a:rPr lang="en-US" dirty="0">
+                <a:latin typeface="Segoe UI Black" panose="020B0A02040204020203" pitchFamily="34" charset="0"/>
+                <a:ea typeface="Segoe UI Black" panose="020B0A02040204020203" pitchFamily="34" charset="0"/>
+                <a:cs typeface="Times New Roman" panose="02020603050405020304" pitchFamily="18" charset="0"/>
+              </a:rPr>
+              <a:t> </a:t>
+            </a:r>
+            <a:r>
+              <a:rPr lang="en-US" dirty="0" err="1">
+                <a:latin typeface="Segoe UI Black" panose="020B0A02040204020203" pitchFamily="34" charset="0"/>
+                <a:ea typeface="Segoe UI Black" panose="020B0A02040204020203" pitchFamily="34" charset="0"/>
+                <a:cs typeface="Times New Roman" panose="02020603050405020304" pitchFamily="18" charset="0"/>
+              </a:rPr>
+              <a:t>hoạt</a:t>
+            </a:r>
+            <a:r>
+              <a:rPr lang="en-US" dirty="0">
+                <a:latin typeface="Segoe UI Black" panose="020B0A02040204020203" pitchFamily="34" charset="0"/>
+                <a:ea typeface="Segoe UI Black" panose="020B0A02040204020203" pitchFamily="34" charset="0"/>
+                <a:cs typeface="Times New Roman" panose="02020603050405020304" pitchFamily="18" charset="0"/>
+              </a:rPr>
+              <a:t> </a:t>
+            </a:r>
+            <a:r>
+              <a:rPr lang="en-US" dirty="0" err="1">
+                <a:latin typeface="Segoe UI Black" panose="020B0A02040204020203" pitchFamily="34" charset="0"/>
+                <a:ea typeface="Segoe UI Black" panose="020B0A02040204020203" pitchFamily="34" charset="0"/>
+                <a:cs typeface="Times New Roman" panose="02020603050405020304" pitchFamily="18" charset="0"/>
+              </a:rPr>
+              <a:t>động</a:t>
+            </a:r>
+            <a:endParaRPr lang="en-US" dirty="0">
+              <a:latin typeface="Segoe UI Black" panose="020B0A02040204020203" pitchFamily="34" charset="0"/>
+              <a:ea typeface="Segoe UI Black" panose="020B0A02040204020203" pitchFamily="34" charset="0"/>
+              <a:cs typeface="Times New Roman" panose="02020603050405020304" pitchFamily="18" charset="0"/>
+            </a:endParaRPr>
           </a:p>
         </p:txBody>
       </p:sp>
@@ -4465,13 +5888,13 @@
   <p:clrMapOvr>
     <a:masterClrMapping/>
   </p:clrMapOvr>
-  <mc:AlternateContent xmlns:mc="http://schemas.openxmlformats.org/markup-compatibility/2006">
-    <mc:Choice xmlns:p15="http://schemas.microsoft.com/office/powerpoint/2012/main" Requires="p15">
+  <mc:AlternateContent xmlns:mc="http://schemas.openxmlformats.org/markup-compatibility/2006" xmlns:p15="http://schemas.microsoft.com/office/powerpoint/2012/main">
+    <mc:Choice Requires="p15">
       <p:transition xmlns:p14="http://schemas.microsoft.com/office/powerpoint/2010/main" spd="slow" p14:dur="1250">
         <p15:prstTrans prst="peelOff"/>
       </p:transition>
     </mc:Choice>
-    <mc:Fallback>
+    <mc:Fallback xmlns="">
       <p:transition spd="slow">
         <p:fade/>
       </p:transition>
@@ -4518,8 +5941,9 @@
           <a:lstStyle/>
           <a:p>
             <a:r>
-              <a:rPr lang="en-US" b="1">
-                <a:latin typeface="Times New Roman" panose="02020603050405020304" pitchFamily="18" charset="0"/>
+              <a:rPr lang="en-US" sz="3000" b="1" dirty="0">
+                <a:latin typeface="Segoe UI Black" panose="020B0A02040204020203" pitchFamily="34" charset="0"/>
+                <a:ea typeface="Segoe UI Black" panose="020B0A02040204020203" pitchFamily="34" charset="0"/>
                 <a:cs typeface="Times New Roman" panose="02020603050405020304" pitchFamily="18" charset="0"/>
               </a:rPr>
               <a:t>TẠO SERVER ĐƠN GIẢN SỬ DỤNG HTTP</a:t>
@@ -4550,20 +5974,112 @@
           <a:lstStyle/>
           <a:p>
             <a:r>
-              <a:rPr lang="en-US" sz="2200">
-                <a:latin typeface="Times New Roman" panose="02020603050405020304" pitchFamily="18" charset="0"/>
-                <a:cs typeface="Times New Roman" panose="02020603050405020304" pitchFamily="18" charset="0"/>
-              </a:rPr>
-              <a:t>Mở trình duyệt lên và nhập: </a:t>
-            </a:r>
-            <a:r>
-              <a:rPr lang="en-US" sz="2400">
+              <a:rPr lang="en-US" dirty="0" err="1">
+                <a:latin typeface="Segoe UI Black" panose="020B0A02040204020203" pitchFamily="34" charset="0"/>
+                <a:ea typeface="Segoe UI Black" panose="020B0A02040204020203" pitchFamily="34" charset="0"/>
+                <a:cs typeface="Times New Roman" panose="02020603050405020304" pitchFamily="18" charset="0"/>
+              </a:rPr>
+              <a:t>Mở</a:t>
+            </a:r>
+            <a:r>
+              <a:rPr lang="en-US" dirty="0">
+                <a:latin typeface="Segoe UI Black" panose="020B0A02040204020203" pitchFamily="34" charset="0"/>
+                <a:ea typeface="Segoe UI Black" panose="020B0A02040204020203" pitchFamily="34" charset="0"/>
+                <a:cs typeface="Times New Roman" panose="02020603050405020304" pitchFamily="18" charset="0"/>
+              </a:rPr>
+              <a:t> </a:t>
+            </a:r>
+            <a:r>
+              <a:rPr lang="en-US" dirty="0" err="1">
+                <a:latin typeface="Segoe UI Black" panose="020B0A02040204020203" pitchFamily="34" charset="0"/>
+                <a:ea typeface="Segoe UI Black" panose="020B0A02040204020203" pitchFamily="34" charset="0"/>
+                <a:cs typeface="Times New Roman" panose="02020603050405020304" pitchFamily="18" charset="0"/>
+              </a:rPr>
+              <a:t>trình</a:t>
+            </a:r>
+            <a:r>
+              <a:rPr lang="en-US" dirty="0">
+                <a:latin typeface="Segoe UI Black" panose="020B0A02040204020203" pitchFamily="34" charset="0"/>
+                <a:ea typeface="Segoe UI Black" panose="020B0A02040204020203" pitchFamily="34" charset="0"/>
+                <a:cs typeface="Times New Roman" panose="02020603050405020304" pitchFamily="18" charset="0"/>
+              </a:rPr>
+              <a:t> </a:t>
+            </a:r>
+            <a:r>
+              <a:rPr lang="en-US" dirty="0" err="1">
+                <a:latin typeface="Segoe UI Black" panose="020B0A02040204020203" pitchFamily="34" charset="0"/>
+                <a:ea typeface="Segoe UI Black" panose="020B0A02040204020203" pitchFamily="34" charset="0"/>
+                <a:cs typeface="Times New Roman" panose="02020603050405020304" pitchFamily="18" charset="0"/>
+              </a:rPr>
+              <a:t>duyệt</a:t>
+            </a:r>
+            <a:r>
+              <a:rPr lang="en-US" dirty="0">
+                <a:latin typeface="Segoe UI Black" panose="020B0A02040204020203" pitchFamily="34" charset="0"/>
+                <a:ea typeface="Segoe UI Black" panose="020B0A02040204020203" pitchFamily="34" charset="0"/>
+                <a:cs typeface="Times New Roman" panose="02020603050405020304" pitchFamily="18" charset="0"/>
+              </a:rPr>
+              <a:t> </a:t>
+            </a:r>
+            <a:r>
+              <a:rPr lang="en-US" dirty="0" err="1">
+                <a:latin typeface="Segoe UI Black" panose="020B0A02040204020203" pitchFamily="34" charset="0"/>
+                <a:ea typeface="Segoe UI Black" panose="020B0A02040204020203" pitchFamily="34" charset="0"/>
+                <a:cs typeface="Times New Roman" panose="02020603050405020304" pitchFamily="18" charset="0"/>
+              </a:rPr>
+              <a:t>lên</a:t>
+            </a:r>
+            <a:r>
+              <a:rPr lang="en-US" dirty="0">
+                <a:latin typeface="Segoe UI Black" panose="020B0A02040204020203" pitchFamily="34" charset="0"/>
+                <a:ea typeface="Segoe UI Black" panose="020B0A02040204020203" pitchFamily="34" charset="0"/>
+                <a:cs typeface="Times New Roman" panose="02020603050405020304" pitchFamily="18" charset="0"/>
+              </a:rPr>
+              <a:t> </a:t>
+            </a:r>
+            <a:r>
+              <a:rPr lang="en-US" dirty="0" err="1">
+                <a:latin typeface="Segoe UI Black" panose="020B0A02040204020203" pitchFamily="34" charset="0"/>
+                <a:ea typeface="Segoe UI Black" panose="020B0A02040204020203" pitchFamily="34" charset="0"/>
+                <a:cs typeface="Times New Roman" panose="02020603050405020304" pitchFamily="18" charset="0"/>
+              </a:rPr>
+              <a:t>và</a:t>
+            </a:r>
+            <a:r>
+              <a:rPr lang="en-US" dirty="0">
+                <a:latin typeface="Segoe UI Black" panose="020B0A02040204020203" pitchFamily="34" charset="0"/>
+                <a:ea typeface="Segoe UI Black" panose="020B0A02040204020203" pitchFamily="34" charset="0"/>
+                <a:cs typeface="Times New Roman" panose="02020603050405020304" pitchFamily="18" charset="0"/>
+              </a:rPr>
+              <a:t> </a:t>
+            </a:r>
+            <a:r>
+              <a:rPr lang="en-US" dirty="0" err="1">
+                <a:latin typeface="Segoe UI Black" panose="020B0A02040204020203" pitchFamily="34" charset="0"/>
+                <a:ea typeface="Segoe UI Black" panose="020B0A02040204020203" pitchFamily="34" charset="0"/>
+                <a:cs typeface="Times New Roman" panose="02020603050405020304" pitchFamily="18" charset="0"/>
+              </a:rPr>
+              <a:t>nhập</a:t>
+            </a:r>
+            <a:r>
+              <a:rPr lang="en-US" dirty="0">
+                <a:latin typeface="Segoe UI Black" panose="020B0A02040204020203" pitchFamily="34" charset="0"/>
+                <a:ea typeface="Segoe UI Black" panose="020B0A02040204020203" pitchFamily="34" charset="0"/>
+                <a:cs typeface="Times New Roman" panose="02020603050405020304" pitchFamily="18" charset="0"/>
+              </a:rPr>
+              <a:t>: </a:t>
+            </a:r>
+            <a:r>
+              <a:rPr lang="en-US" dirty="0">
+                <a:latin typeface="Segoe UI Black" panose="020B0A02040204020203" pitchFamily="34" charset="0"/>
+                <a:ea typeface="Segoe UI Black" panose="020B0A02040204020203" pitchFamily="34" charset="0"/>
                 <a:hlinkClick r:id="rId2"/>
               </a:rPr>
               <a:t>http://127.0.0.1:3000/server.html</a:t>
             </a:r>
-            <a:endParaRPr lang="en-US" sz="2200">
-              <a:latin typeface="Times New Roman" panose="02020603050405020304" pitchFamily="18" charset="0"/>
+            <a:endParaRPr lang="en-US" dirty="0">
+              <a:latin typeface="Segoe UI Black" panose="020B0A02040204020203" pitchFamily="34" charset="0"/>
+              <a:ea typeface="Segoe UI Black" panose="020B0A02040204020203" pitchFamily="34" charset="0"/>
               <a:cs typeface="Times New Roman" panose="02020603050405020304" pitchFamily="18" charset="0"/>
             </a:endParaRPr>
           </a:p>
@@ -4615,13 +6131,13 @@
   <p:clrMapOvr>
     <a:masterClrMapping/>
   </p:clrMapOvr>
-  <mc:AlternateContent xmlns:mc="http://schemas.openxmlformats.org/markup-compatibility/2006">
-    <mc:Choice xmlns:p15="http://schemas.microsoft.com/office/powerpoint/2012/main" Requires="p15">
+  <mc:AlternateContent xmlns:mc="http://schemas.openxmlformats.org/markup-compatibility/2006" xmlns:p15="http://schemas.microsoft.com/office/powerpoint/2012/main">
+    <mc:Choice Requires="p15">
       <p:transition xmlns:p14="http://schemas.microsoft.com/office/powerpoint/2010/main" spd="slow" p14:dur="1250">
         <p15:prstTrans prst="peelOff"/>
       </p:transition>
     </mc:Choice>
-    <mc:Fallback>
+    <mc:Fallback xmlns="">
       <p:transition spd="slow">
         <p:fade/>
       </p:transition>
@@ -4668,8 +6184,9 @@
           <a:lstStyle/>
           <a:p>
             <a:r>
-              <a:rPr lang="en-US" b="1">
-                <a:latin typeface="Times New Roman" panose="02020603050405020304" pitchFamily="18" charset="0"/>
+              <a:rPr lang="en-US" sz="3000" b="1" dirty="0">
+                <a:latin typeface="Segoe UI Black" panose="020B0A02040204020203" pitchFamily="34" charset="0"/>
+                <a:ea typeface="Segoe UI Black" panose="020B0A02040204020203" pitchFamily="34" charset="0"/>
                 <a:cs typeface="Times New Roman" panose="02020603050405020304" pitchFamily="18" charset="0"/>
               </a:rPr>
               <a:t>NODEJS XỬ LÍ GET-POST</a:t>
@@ -4700,81 +6217,274 @@
           <a:lstStyle/>
           <a:p>
             <a:r>
-              <a:rPr lang="en-US" sz="2200">
-                <a:latin typeface="Times New Roman" panose="02020603050405020304" pitchFamily="18" charset="0"/>
-                <a:cs typeface="Times New Roman" panose="02020603050405020304" pitchFamily="18" charset="0"/>
-              </a:rPr>
-              <a:t>Để xử lí </a:t>
-            </a:r>
-            <a:r>
-              <a:rPr lang="vi-VN" sz="2200">
-                <a:latin typeface="+mj-lt"/>
+              <a:rPr lang="en-US" dirty="0" err="1">
+                <a:latin typeface="Segoe UI Black" panose="020B0A02040204020203" pitchFamily="34" charset="0"/>
+                <a:ea typeface="Segoe UI Black" panose="020B0A02040204020203" pitchFamily="34" charset="0"/>
+                <a:cs typeface="Times New Roman" panose="02020603050405020304" pitchFamily="18" charset="0"/>
+              </a:rPr>
+              <a:t>Để</a:t>
+            </a:r>
+            <a:r>
+              <a:rPr lang="en-US" dirty="0">
+                <a:latin typeface="Segoe UI Black" panose="020B0A02040204020203" pitchFamily="34" charset="0"/>
+                <a:ea typeface="Segoe UI Black" panose="020B0A02040204020203" pitchFamily="34" charset="0"/>
+                <a:cs typeface="Times New Roman" panose="02020603050405020304" pitchFamily="18" charset="0"/>
+              </a:rPr>
+              <a:t> </a:t>
+            </a:r>
+            <a:r>
+              <a:rPr lang="en-US" dirty="0" err="1">
+                <a:latin typeface="Segoe UI Black" panose="020B0A02040204020203" pitchFamily="34" charset="0"/>
+                <a:ea typeface="Segoe UI Black" panose="020B0A02040204020203" pitchFamily="34" charset="0"/>
+                <a:cs typeface="Times New Roman" panose="02020603050405020304" pitchFamily="18" charset="0"/>
+              </a:rPr>
+              <a:t>xử</a:t>
+            </a:r>
+            <a:r>
+              <a:rPr lang="en-US" dirty="0">
+                <a:latin typeface="Segoe UI Black" panose="020B0A02040204020203" pitchFamily="34" charset="0"/>
+                <a:ea typeface="Segoe UI Black" panose="020B0A02040204020203" pitchFamily="34" charset="0"/>
+                <a:cs typeface="Times New Roman" panose="02020603050405020304" pitchFamily="18" charset="0"/>
+              </a:rPr>
+              <a:t> </a:t>
+            </a:r>
+            <a:r>
+              <a:rPr lang="en-US" dirty="0" err="1">
+                <a:latin typeface="Segoe UI Black" panose="020B0A02040204020203" pitchFamily="34" charset="0"/>
+                <a:ea typeface="Segoe UI Black" panose="020B0A02040204020203" pitchFamily="34" charset="0"/>
+                <a:cs typeface="Times New Roman" panose="02020603050405020304" pitchFamily="18" charset="0"/>
+              </a:rPr>
+              <a:t>lí</a:t>
+            </a:r>
+            <a:r>
+              <a:rPr lang="en-US" dirty="0">
+                <a:latin typeface="Segoe UI Black" panose="020B0A02040204020203" pitchFamily="34" charset="0"/>
+                <a:ea typeface="Segoe UI Black" panose="020B0A02040204020203" pitchFamily="34" charset="0"/>
+                <a:cs typeface="Times New Roman" panose="02020603050405020304" pitchFamily="18" charset="0"/>
+              </a:rPr>
+              <a:t> </a:t>
+            </a:r>
+            <a:r>
+              <a:rPr lang="vi-VN" dirty="0">
+                <a:latin typeface="Segoe UI Black" panose="020B0A02040204020203" pitchFamily="34" charset="0"/>
+                <a:ea typeface="Segoe UI Black" panose="020B0A02040204020203" pitchFamily="34" charset="0"/>
               </a:rPr>
               <a:t>nếu </a:t>
             </a:r>
             <a:r>
-              <a:rPr lang="en-US" sz="2200">
-                <a:latin typeface="Times New Roman" panose="02020603050405020304" pitchFamily="18" charset="0"/>
+              <a:rPr lang="en-US" dirty="0">
+                <a:latin typeface="Segoe UI Black" panose="020B0A02040204020203" pitchFamily="34" charset="0"/>
+                <a:ea typeface="Segoe UI Black" panose="020B0A02040204020203" pitchFamily="34" charset="0"/>
                 <a:cs typeface="Times New Roman" panose="02020603050405020304" pitchFamily="18" charset="0"/>
               </a:rPr>
               <a:t>client</a:t>
             </a:r>
             <a:r>
-              <a:rPr lang="en-US" sz="2200">
-                <a:latin typeface="+mj-lt"/>
-              </a:rPr>
-              <a:t> </a:t>
-            </a:r>
-            <a:r>
-              <a:rPr lang="vi-VN" sz="2200">
-                <a:latin typeface="+mj-lt"/>
+              <a:rPr lang="en-US" dirty="0">
+                <a:latin typeface="Segoe UI Black" panose="020B0A02040204020203" pitchFamily="34" charset="0"/>
+                <a:ea typeface="Segoe UI Black" panose="020B0A02040204020203" pitchFamily="34" charset="0"/>
+              </a:rPr>
+              <a:t> </a:t>
+            </a:r>
+            <a:r>
+              <a:rPr lang="vi-VN" dirty="0">
+                <a:latin typeface="Segoe UI Black" panose="020B0A02040204020203" pitchFamily="34" charset="0"/>
+                <a:ea typeface="Segoe UI Black" panose="020B0A02040204020203" pitchFamily="34" charset="0"/>
               </a:rPr>
               <a:t>muốn đăng một số dữ liệu qua trang html và mong muốn máy chủ web Node.js xử lý </a:t>
             </a:r>
             <a:r>
-              <a:rPr lang="en-US" sz="2200">
-                <a:latin typeface="Times New Roman" panose="02020603050405020304" pitchFamily="18" charset="0"/>
-                <a:cs typeface="Times New Roman" panose="02020603050405020304" pitchFamily="18" charset="0"/>
-              </a:rPr>
-              <a:t>thì </a:t>
-            </a:r>
-            <a:r>
-              <a:rPr lang="vi-VN" sz="2200">
-                <a:latin typeface="+mj-lt"/>
+              <a:rPr lang="en-US" dirty="0" err="1">
+                <a:latin typeface="Segoe UI Black" panose="020B0A02040204020203" pitchFamily="34" charset="0"/>
+                <a:ea typeface="Segoe UI Black" panose="020B0A02040204020203" pitchFamily="34" charset="0"/>
+                <a:cs typeface="Times New Roman" panose="02020603050405020304" pitchFamily="18" charset="0"/>
+              </a:rPr>
+              <a:t>thì</a:t>
+            </a:r>
+            <a:r>
+              <a:rPr lang="en-US" dirty="0">
+                <a:latin typeface="Segoe UI Black" panose="020B0A02040204020203" pitchFamily="34" charset="0"/>
+                <a:ea typeface="Segoe UI Black" panose="020B0A02040204020203" pitchFamily="34" charset="0"/>
+                <a:cs typeface="Times New Roman" panose="02020603050405020304" pitchFamily="18" charset="0"/>
+              </a:rPr>
+              <a:t> </a:t>
+            </a:r>
+            <a:r>
+              <a:rPr lang="vi-VN" dirty="0">
+                <a:latin typeface="Segoe UI Black" panose="020B0A02040204020203" pitchFamily="34" charset="0"/>
+                <a:ea typeface="Segoe UI Black" panose="020B0A02040204020203" pitchFamily="34" charset="0"/>
               </a:rPr>
               <a:t>có thể làm điều này bằng cách thực hiện kiểm tra phương thức yêu cầu</a:t>
             </a:r>
             <a:r>
-              <a:rPr lang="en-US" sz="2200">
-                <a:latin typeface="+mj-lt"/>
+              <a:rPr lang="en-US" dirty="0">
+                <a:latin typeface="Segoe UI Black" panose="020B0A02040204020203" pitchFamily="34" charset="0"/>
+                <a:ea typeface="Segoe UI Black" panose="020B0A02040204020203" pitchFamily="34" charset="0"/>
               </a:rPr>
               <a:t>:</a:t>
             </a:r>
             <a:r>
-              <a:rPr lang="vi-VN" sz="2200">
-                <a:latin typeface="+mj-lt"/>
+              <a:rPr lang="vi-VN" dirty="0">
+                <a:latin typeface="Segoe UI Black" panose="020B0A02040204020203" pitchFamily="34" charset="0"/>
+                <a:ea typeface="Segoe UI Black" panose="020B0A02040204020203" pitchFamily="34" charset="0"/>
               </a:rPr>
               <a:t> GET, POST</a:t>
             </a:r>
             <a:r>
-              <a:rPr lang="en-US" sz="2200">
-                <a:latin typeface="+mj-lt"/>
+              <a:rPr lang="en-US" dirty="0">
+                <a:latin typeface="Segoe UI Black" panose="020B0A02040204020203" pitchFamily="34" charset="0"/>
+                <a:ea typeface="Segoe UI Black" panose="020B0A02040204020203" pitchFamily="34" charset="0"/>
               </a:rPr>
               <a:t>.</a:t>
             </a:r>
           </a:p>
           <a:p>
             <a:r>
-              <a:rPr lang="en-US" sz="2200">
-                <a:latin typeface="Times New Roman" panose="02020603050405020304" pitchFamily="18" charset="0"/>
-                <a:cs typeface="Times New Roman" panose="02020603050405020304" pitchFamily="18" charset="0"/>
-              </a:rPr>
-              <a:t>Bước 1: tạo MyPage.html đơn giản gồm nhập tên và passwork</a:t>
-            </a:r>
-          </a:p>
-          <a:p>
-            <a:endParaRPr lang="en-US" sz="2200">
-              <a:latin typeface="Times New Roman" panose="02020603050405020304" pitchFamily="18" charset="0"/>
+              <a:rPr lang="en-US" dirty="0" err="1">
+                <a:latin typeface="Segoe UI Black" panose="020B0A02040204020203" pitchFamily="34" charset="0"/>
+                <a:ea typeface="Segoe UI Black" panose="020B0A02040204020203" pitchFamily="34" charset="0"/>
+                <a:cs typeface="Times New Roman" panose="02020603050405020304" pitchFamily="18" charset="0"/>
+              </a:rPr>
+              <a:t>Bước</a:t>
+            </a:r>
+            <a:r>
+              <a:rPr lang="en-US" dirty="0">
+                <a:latin typeface="Segoe UI Black" panose="020B0A02040204020203" pitchFamily="34" charset="0"/>
+                <a:ea typeface="Segoe UI Black" panose="020B0A02040204020203" pitchFamily="34" charset="0"/>
+                <a:cs typeface="Times New Roman" panose="02020603050405020304" pitchFamily="18" charset="0"/>
+              </a:rPr>
+              <a:t> 1: </a:t>
+            </a:r>
+            <a:r>
+              <a:rPr lang="en-US" dirty="0" err="1">
+                <a:latin typeface="Segoe UI Black" panose="020B0A02040204020203" pitchFamily="34" charset="0"/>
+                <a:ea typeface="Segoe UI Black" panose="020B0A02040204020203" pitchFamily="34" charset="0"/>
+                <a:cs typeface="Times New Roman" panose="02020603050405020304" pitchFamily="18" charset="0"/>
+              </a:rPr>
+              <a:t>tạo</a:t>
+            </a:r>
+            <a:r>
+              <a:rPr lang="en-US" dirty="0">
+                <a:latin typeface="Segoe UI Black" panose="020B0A02040204020203" pitchFamily="34" charset="0"/>
+                <a:ea typeface="Segoe UI Black" panose="020B0A02040204020203" pitchFamily="34" charset="0"/>
+                <a:cs typeface="Times New Roman" panose="02020603050405020304" pitchFamily="18" charset="0"/>
+              </a:rPr>
+              <a:t> MyPage.html </a:t>
+            </a:r>
+            <a:r>
+              <a:rPr lang="en-US" dirty="0" err="1">
+                <a:latin typeface="Segoe UI Black" panose="020B0A02040204020203" pitchFamily="34" charset="0"/>
+                <a:ea typeface="Segoe UI Black" panose="020B0A02040204020203" pitchFamily="34" charset="0"/>
+                <a:cs typeface="Times New Roman" panose="02020603050405020304" pitchFamily="18" charset="0"/>
+              </a:rPr>
+              <a:t>đơn</a:t>
+            </a:r>
+            <a:r>
+              <a:rPr lang="en-US" dirty="0">
+                <a:latin typeface="Segoe UI Black" panose="020B0A02040204020203" pitchFamily="34" charset="0"/>
+                <a:ea typeface="Segoe UI Black" panose="020B0A02040204020203" pitchFamily="34" charset="0"/>
+                <a:cs typeface="Times New Roman" panose="02020603050405020304" pitchFamily="18" charset="0"/>
+              </a:rPr>
+              <a:t> </a:t>
+            </a:r>
+            <a:r>
+              <a:rPr lang="en-US" dirty="0" err="1">
+                <a:latin typeface="Segoe UI Black" panose="020B0A02040204020203" pitchFamily="34" charset="0"/>
+                <a:ea typeface="Segoe UI Black" panose="020B0A02040204020203" pitchFamily="34" charset="0"/>
+                <a:cs typeface="Times New Roman" panose="02020603050405020304" pitchFamily="18" charset="0"/>
+              </a:rPr>
+              <a:t>giản</a:t>
+            </a:r>
+            <a:r>
+              <a:rPr lang="en-US" dirty="0">
+                <a:latin typeface="Segoe UI Black" panose="020B0A02040204020203" pitchFamily="34" charset="0"/>
+                <a:ea typeface="Segoe UI Black" panose="020B0A02040204020203" pitchFamily="34" charset="0"/>
+                <a:cs typeface="Times New Roman" panose="02020603050405020304" pitchFamily="18" charset="0"/>
+              </a:rPr>
+              <a:t> </a:t>
+            </a:r>
+            <a:r>
+              <a:rPr lang="en-US" dirty="0" err="1">
+                <a:latin typeface="Segoe UI Black" panose="020B0A02040204020203" pitchFamily="34" charset="0"/>
+                <a:ea typeface="Segoe UI Black" panose="020B0A02040204020203" pitchFamily="34" charset="0"/>
+                <a:cs typeface="Times New Roman" panose="02020603050405020304" pitchFamily="18" charset="0"/>
+              </a:rPr>
+              <a:t>gồm</a:t>
+            </a:r>
+            <a:r>
+              <a:rPr lang="en-US" dirty="0">
+                <a:latin typeface="Segoe UI Black" panose="020B0A02040204020203" pitchFamily="34" charset="0"/>
+                <a:ea typeface="Segoe UI Black" panose="020B0A02040204020203" pitchFamily="34" charset="0"/>
+                <a:cs typeface="Times New Roman" panose="02020603050405020304" pitchFamily="18" charset="0"/>
+              </a:rPr>
+              <a:t> </a:t>
+            </a:r>
+            <a:r>
+              <a:rPr lang="en-US" dirty="0" err="1">
+                <a:latin typeface="Segoe UI Black" panose="020B0A02040204020203" pitchFamily="34" charset="0"/>
+                <a:ea typeface="Segoe UI Black" panose="020B0A02040204020203" pitchFamily="34" charset="0"/>
+                <a:cs typeface="Times New Roman" panose="02020603050405020304" pitchFamily="18" charset="0"/>
+              </a:rPr>
+              <a:t>nhập</a:t>
+            </a:r>
+            <a:r>
+              <a:rPr lang="en-US" dirty="0">
+                <a:latin typeface="Segoe UI Black" panose="020B0A02040204020203" pitchFamily="34" charset="0"/>
+                <a:ea typeface="Segoe UI Black" panose="020B0A02040204020203" pitchFamily="34" charset="0"/>
+                <a:cs typeface="Times New Roman" panose="02020603050405020304" pitchFamily="18" charset="0"/>
+              </a:rPr>
+              <a:t> </a:t>
+            </a:r>
+            <a:r>
+              <a:rPr lang="en-US" dirty="0" err="1">
+                <a:latin typeface="Segoe UI Black" panose="020B0A02040204020203" pitchFamily="34" charset="0"/>
+                <a:ea typeface="Segoe UI Black" panose="020B0A02040204020203" pitchFamily="34" charset="0"/>
+                <a:cs typeface="Times New Roman" panose="02020603050405020304" pitchFamily="18" charset="0"/>
+              </a:rPr>
+              <a:t>tên</a:t>
+            </a:r>
+            <a:r>
+              <a:rPr lang="en-US" dirty="0">
+                <a:latin typeface="Segoe UI Black" panose="020B0A02040204020203" pitchFamily="34" charset="0"/>
+                <a:ea typeface="Segoe UI Black" panose="020B0A02040204020203" pitchFamily="34" charset="0"/>
+                <a:cs typeface="Times New Roman" panose="02020603050405020304" pitchFamily="18" charset="0"/>
+              </a:rPr>
+              <a:t> </a:t>
+            </a:r>
+            <a:r>
+              <a:rPr lang="en-US" dirty="0" err="1">
+                <a:latin typeface="Segoe UI Black" panose="020B0A02040204020203" pitchFamily="34" charset="0"/>
+                <a:ea typeface="Segoe UI Black" panose="020B0A02040204020203" pitchFamily="34" charset="0"/>
+                <a:cs typeface="Times New Roman" panose="02020603050405020304" pitchFamily="18" charset="0"/>
+              </a:rPr>
+              <a:t>và</a:t>
+            </a:r>
+            <a:r>
+              <a:rPr lang="en-US" dirty="0">
+                <a:latin typeface="Segoe UI Black" panose="020B0A02040204020203" pitchFamily="34" charset="0"/>
+                <a:ea typeface="Segoe UI Black" panose="020B0A02040204020203" pitchFamily="34" charset="0"/>
+                <a:cs typeface="Times New Roman" panose="02020603050405020304" pitchFamily="18" charset="0"/>
+              </a:rPr>
+              <a:t> </a:t>
+            </a:r>
+            <a:r>
+              <a:rPr lang="en-US" dirty="0" err="1">
+                <a:latin typeface="Segoe UI Black" panose="020B0A02040204020203" pitchFamily="34" charset="0"/>
+                <a:ea typeface="Segoe UI Black" panose="020B0A02040204020203" pitchFamily="34" charset="0"/>
+                <a:cs typeface="Times New Roman" panose="02020603050405020304" pitchFamily="18" charset="0"/>
+              </a:rPr>
+              <a:t>passwork</a:t>
+            </a:r>
+            <a:endParaRPr lang="en-US" dirty="0">
+              <a:latin typeface="Segoe UI Black" panose="020B0A02040204020203" pitchFamily="34" charset="0"/>
+              <a:ea typeface="Segoe UI Black" panose="020B0A02040204020203" pitchFamily="34" charset="0"/>
+              <a:cs typeface="Times New Roman" panose="02020603050405020304" pitchFamily="18" charset="0"/>
+            </a:endParaRPr>
+          </a:p>
+          <a:p>
+            <a:endParaRPr lang="en-US" dirty="0">
+              <a:latin typeface="Segoe UI Black" panose="020B0A02040204020203" pitchFamily="34" charset="0"/>
+              <a:ea typeface="Segoe UI Black" panose="020B0A02040204020203" pitchFamily="34" charset="0"/>
               <a:cs typeface="Times New Roman" panose="02020603050405020304" pitchFamily="18" charset="0"/>
             </a:endParaRPr>
           </a:p>
@@ -4808,8 +6518,8 @@
         </p:blipFill>
         <p:spPr>
           <a:xfrm>
-            <a:off x="3445565" y="3429000"/>
-            <a:ext cx="6096000" cy="3126615"/>
+            <a:off x="3319729" y="3152163"/>
+            <a:ext cx="6495389" cy="3331460"/>
           </a:xfrm>
           <a:prstGeom prst="rect">
             <a:avLst/>
@@ -4826,13 +6536,13 @@
   <p:clrMapOvr>
     <a:masterClrMapping/>
   </p:clrMapOvr>
-  <mc:AlternateContent xmlns:mc="http://schemas.openxmlformats.org/markup-compatibility/2006">
-    <mc:Choice xmlns:p15="http://schemas.microsoft.com/office/powerpoint/2012/main" Requires="p15">
+  <mc:AlternateContent xmlns:mc="http://schemas.openxmlformats.org/markup-compatibility/2006" xmlns:p15="http://schemas.microsoft.com/office/powerpoint/2012/main">
+    <mc:Choice Requires="p15">
       <p:transition xmlns:p14="http://schemas.microsoft.com/office/powerpoint/2010/main" spd="slow" p14:dur="1250">
         <p15:prstTrans prst="peelOff"/>
       </p:transition>
     </mc:Choice>
-    <mc:Fallback>
+    <mc:Fallback xmlns="">
       <p:transition spd="slow">
         <p:fade/>
       </p:transition>
@@ -4879,8 +6589,9 @@
           <a:lstStyle/>
           <a:p>
             <a:r>
-              <a:rPr lang="en-US" b="1">
-                <a:latin typeface="Times New Roman" panose="02020603050405020304" pitchFamily="18" charset="0"/>
+              <a:rPr lang="en-US" sz="3000" b="1" dirty="0">
+                <a:latin typeface="Segoe UI Black" panose="020B0A02040204020203" pitchFamily="34" charset="0"/>
+                <a:ea typeface="Segoe UI Black" panose="020B0A02040204020203" pitchFamily="34" charset="0"/>
                 <a:cs typeface="Times New Roman" panose="02020603050405020304" pitchFamily="18" charset="0"/>
               </a:rPr>
               <a:t>NODEJS XỬ LÍ GET-POST</a:t>
@@ -4911,11 +6622,36 @@
           <a:lstStyle/>
           <a:p>
             <a:r>
-              <a:rPr lang="en-US" sz="2200">
-                <a:latin typeface="Times New Roman" panose="02020603050405020304" pitchFamily="18" charset="0"/>
-                <a:cs typeface="Times New Roman" panose="02020603050405020304" pitchFamily="18" charset="0"/>
-              </a:rPr>
-              <a:t>Bước 2: tạo get.js</a:t>
+              <a:rPr lang="en-US" dirty="0" err="1">
+                <a:latin typeface="Segoe UI Black" panose="020B0A02040204020203" pitchFamily="34" charset="0"/>
+                <a:ea typeface="Segoe UI Black" panose="020B0A02040204020203" pitchFamily="34" charset="0"/>
+                <a:cs typeface="Times New Roman" panose="02020603050405020304" pitchFamily="18" charset="0"/>
+              </a:rPr>
+              <a:t>Bước</a:t>
+            </a:r>
+            <a:r>
+              <a:rPr lang="en-US" dirty="0">
+                <a:latin typeface="Segoe UI Black" panose="020B0A02040204020203" pitchFamily="34" charset="0"/>
+                <a:ea typeface="Segoe UI Black" panose="020B0A02040204020203" pitchFamily="34" charset="0"/>
+                <a:cs typeface="Times New Roman" panose="02020603050405020304" pitchFamily="18" charset="0"/>
+              </a:rPr>
+              <a:t> 2: </a:t>
+            </a:r>
+            <a:r>
+              <a:rPr lang="en-US" dirty="0" err="1">
+                <a:latin typeface="Segoe UI Black" panose="020B0A02040204020203" pitchFamily="34" charset="0"/>
+                <a:ea typeface="Segoe UI Black" panose="020B0A02040204020203" pitchFamily="34" charset="0"/>
+                <a:cs typeface="Times New Roman" panose="02020603050405020304" pitchFamily="18" charset="0"/>
+              </a:rPr>
+              <a:t>tạo</a:t>
+            </a:r>
+            <a:r>
+              <a:rPr lang="en-US" dirty="0">
+                <a:latin typeface="Segoe UI Black" panose="020B0A02040204020203" pitchFamily="34" charset="0"/>
+                <a:ea typeface="Segoe UI Black" panose="020B0A02040204020203" pitchFamily="34" charset="0"/>
+                <a:cs typeface="Times New Roman" panose="02020603050405020304" pitchFamily="18" charset="0"/>
+              </a:rPr>
+              <a:t> get.js</a:t>
             </a:r>
           </a:p>
           <a:p>
@@ -4924,28 +6660,204 @@
               <a:buChar char="•"/>
             </a:pPr>
             <a:r>
-              <a:rPr lang="en-US" sz="2200">
-                <a:latin typeface="Times New Roman" panose="02020603050405020304" pitchFamily="18" charset="0"/>
-                <a:cs typeface="Times New Roman" panose="02020603050405020304" pitchFamily="18" charset="0"/>
-              </a:rPr>
-              <a:t>Tạo máy chủ web và để thực hiện các thao tác tệp</a:t>
-            </a:r>
-          </a:p>
-          <a:p>
-            <a:endParaRPr lang="en-US" sz="2200">
-              <a:latin typeface="Times New Roman" panose="02020603050405020304" pitchFamily="18" charset="0"/>
+              <a:rPr lang="en-US" dirty="0" err="1">
+                <a:latin typeface="Segoe UI Black" panose="020B0A02040204020203" pitchFamily="34" charset="0"/>
+                <a:ea typeface="Segoe UI Black" panose="020B0A02040204020203" pitchFamily="34" charset="0"/>
+                <a:cs typeface="Times New Roman" panose="02020603050405020304" pitchFamily="18" charset="0"/>
+              </a:rPr>
+              <a:t>Tạo</a:t>
+            </a:r>
+            <a:r>
+              <a:rPr lang="en-US" dirty="0">
+                <a:latin typeface="Segoe UI Black" panose="020B0A02040204020203" pitchFamily="34" charset="0"/>
+                <a:ea typeface="Segoe UI Black" panose="020B0A02040204020203" pitchFamily="34" charset="0"/>
+                <a:cs typeface="Times New Roman" panose="02020603050405020304" pitchFamily="18" charset="0"/>
+              </a:rPr>
+              <a:t> </a:t>
+            </a:r>
+            <a:r>
+              <a:rPr lang="en-US" dirty="0" err="1">
+                <a:latin typeface="Segoe UI Black" panose="020B0A02040204020203" pitchFamily="34" charset="0"/>
+                <a:ea typeface="Segoe UI Black" panose="020B0A02040204020203" pitchFamily="34" charset="0"/>
+                <a:cs typeface="Times New Roman" panose="02020603050405020304" pitchFamily="18" charset="0"/>
+              </a:rPr>
+              <a:t>máy</a:t>
+            </a:r>
+            <a:r>
+              <a:rPr lang="en-US" dirty="0">
+                <a:latin typeface="Segoe UI Black" panose="020B0A02040204020203" pitchFamily="34" charset="0"/>
+                <a:ea typeface="Segoe UI Black" panose="020B0A02040204020203" pitchFamily="34" charset="0"/>
+                <a:cs typeface="Times New Roman" panose="02020603050405020304" pitchFamily="18" charset="0"/>
+              </a:rPr>
+              <a:t> </a:t>
+            </a:r>
+            <a:r>
+              <a:rPr lang="en-US" dirty="0" err="1">
+                <a:latin typeface="Segoe UI Black" panose="020B0A02040204020203" pitchFamily="34" charset="0"/>
+                <a:ea typeface="Segoe UI Black" panose="020B0A02040204020203" pitchFamily="34" charset="0"/>
+                <a:cs typeface="Times New Roman" panose="02020603050405020304" pitchFamily="18" charset="0"/>
+              </a:rPr>
+              <a:t>chủ</a:t>
+            </a:r>
+            <a:r>
+              <a:rPr lang="en-US" dirty="0">
+                <a:latin typeface="Segoe UI Black" panose="020B0A02040204020203" pitchFamily="34" charset="0"/>
+                <a:ea typeface="Segoe UI Black" panose="020B0A02040204020203" pitchFamily="34" charset="0"/>
+                <a:cs typeface="Times New Roman" panose="02020603050405020304" pitchFamily="18" charset="0"/>
+              </a:rPr>
+              <a:t> web </a:t>
+            </a:r>
+            <a:r>
+              <a:rPr lang="en-US" dirty="0" err="1">
+                <a:latin typeface="Segoe UI Black" panose="020B0A02040204020203" pitchFamily="34" charset="0"/>
+                <a:ea typeface="Segoe UI Black" panose="020B0A02040204020203" pitchFamily="34" charset="0"/>
+                <a:cs typeface="Times New Roman" panose="02020603050405020304" pitchFamily="18" charset="0"/>
+              </a:rPr>
+              <a:t>và</a:t>
+            </a:r>
+            <a:r>
+              <a:rPr lang="en-US" dirty="0">
+                <a:latin typeface="Segoe UI Black" panose="020B0A02040204020203" pitchFamily="34" charset="0"/>
+                <a:ea typeface="Segoe UI Black" panose="020B0A02040204020203" pitchFamily="34" charset="0"/>
+                <a:cs typeface="Times New Roman" panose="02020603050405020304" pitchFamily="18" charset="0"/>
+              </a:rPr>
+              <a:t> </a:t>
+            </a:r>
+            <a:r>
+              <a:rPr lang="en-US" dirty="0" err="1">
+                <a:latin typeface="Segoe UI Black" panose="020B0A02040204020203" pitchFamily="34" charset="0"/>
+                <a:ea typeface="Segoe UI Black" panose="020B0A02040204020203" pitchFamily="34" charset="0"/>
+                <a:cs typeface="Times New Roman" panose="02020603050405020304" pitchFamily="18" charset="0"/>
+              </a:rPr>
+              <a:t>để</a:t>
+            </a:r>
+            <a:r>
+              <a:rPr lang="en-US" dirty="0">
+                <a:latin typeface="Segoe UI Black" panose="020B0A02040204020203" pitchFamily="34" charset="0"/>
+                <a:ea typeface="Segoe UI Black" panose="020B0A02040204020203" pitchFamily="34" charset="0"/>
+                <a:cs typeface="Times New Roman" panose="02020603050405020304" pitchFamily="18" charset="0"/>
+              </a:rPr>
+              <a:t> </a:t>
+            </a:r>
+            <a:r>
+              <a:rPr lang="en-US" dirty="0" err="1">
+                <a:latin typeface="Segoe UI Black" panose="020B0A02040204020203" pitchFamily="34" charset="0"/>
+                <a:ea typeface="Segoe UI Black" panose="020B0A02040204020203" pitchFamily="34" charset="0"/>
+                <a:cs typeface="Times New Roman" panose="02020603050405020304" pitchFamily="18" charset="0"/>
+              </a:rPr>
+              <a:t>thực</a:t>
+            </a:r>
+            <a:r>
+              <a:rPr lang="en-US" dirty="0">
+                <a:latin typeface="Segoe UI Black" panose="020B0A02040204020203" pitchFamily="34" charset="0"/>
+                <a:ea typeface="Segoe UI Black" panose="020B0A02040204020203" pitchFamily="34" charset="0"/>
+                <a:cs typeface="Times New Roman" panose="02020603050405020304" pitchFamily="18" charset="0"/>
+              </a:rPr>
+              <a:t> </a:t>
+            </a:r>
+            <a:r>
+              <a:rPr lang="en-US" dirty="0" err="1">
+                <a:latin typeface="Segoe UI Black" panose="020B0A02040204020203" pitchFamily="34" charset="0"/>
+                <a:ea typeface="Segoe UI Black" panose="020B0A02040204020203" pitchFamily="34" charset="0"/>
+                <a:cs typeface="Times New Roman" panose="02020603050405020304" pitchFamily="18" charset="0"/>
+              </a:rPr>
+              <a:t>hiện</a:t>
+            </a:r>
+            <a:r>
+              <a:rPr lang="en-US" dirty="0">
+                <a:latin typeface="Segoe UI Black" panose="020B0A02040204020203" pitchFamily="34" charset="0"/>
+                <a:ea typeface="Segoe UI Black" panose="020B0A02040204020203" pitchFamily="34" charset="0"/>
+                <a:cs typeface="Times New Roman" panose="02020603050405020304" pitchFamily="18" charset="0"/>
+              </a:rPr>
+              <a:t> </a:t>
+            </a:r>
+            <a:r>
+              <a:rPr lang="en-US" dirty="0" err="1">
+                <a:latin typeface="Segoe UI Black" panose="020B0A02040204020203" pitchFamily="34" charset="0"/>
+                <a:ea typeface="Segoe UI Black" panose="020B0A02040204020203" pitchFamily="34" charset="0"/>
+                <a:cs typeface="Times New Roman" panose="02020603050405020304" pitchFamily="18" charset="0"/>
+              </a:rPr>
+              <a:t>các</a:t>
+            </a:r>
+            <a:r>
+              <a:rPr lang="en-US" dirty="0">
+                <a:latin typeface="Segoe UI Black" panose="020B0A02040204020203" pitchFamily="34" charset="0"/>
+                <a:ea typeface="Segoe UI Black" panose="020B0A02040204020203" pitchFamily="34" charset="0"/>
+                <a:cs typeface="Times New Roman" panose="02020603050405020304" pitchFamily="18" charset="0"/>
+              </a:rPr>
+              <a:t> </a:t>
+            </a:r>
+            <a:r>
+              <a:rPr lang="en-US" dirty="0" err="1">
+                <a:latin typeface="Segoe UI Black" panose="020B0A02040204020203" pitchFamily="34" charset="0"/>
+                <a:ea typeface="Segoe UI Black" panose="020B0A02040204020203" pitchFamily="34" charset="0"/>
+                <a:cs typeface="Times New Roman" panose="02020603050405020304" pitchFamily="18" charset="0"/>
+              </a:rPr>
+              <a:t>thao</a:t>
+            </a:r>
+            <a:r>
+              <a:rPr lang="en-US" dirty="0">
+                <a:latin typeface="Segoe UI Black" panose="020B0A02040204020203" pitchFamily="34" charset="0"/>
+                <a:ea typeface="Segoe UI Black" panose="020B0A02040204020203" pitchFamily="34" charset="0"/>
+                <a:cs typeface="Times New Roman" panose="02020603050405020304" pitchFamily="18" charset="0"/>
+              </a:rPr>
+              <a:t> </a:t>
+            </a:r>
+            <a:r>
+              <a:rPr lang="en-US" dirty="0" err="1">
+                <a:latin typeface="Segoe UI Black" panose="020B0A02040204020203" pitchFamily="34" charset="0"/>
+                <a:ea typeface="Segoe UI Black" panose="020B0A02040204020203" pitchFamily="34" charset="0"/>
+                <a:cs typeface="Times New Roman" panose="02020603050405020304" pitchFamily="18" charset="0"/>
+              </a:rPr>
+              <a:t>tác</a:t>
+            </a:r>
+            <a:r>
+              <a:rPr lang="en-US" dirty="0">
+                <a:latin typeface="Segoe UI Black" panose="020B0A02040204020203" pitchFamily="34" charset="0"/>
+                <a:ea typeface="Segoe UI Black" panose="020B0A02040204020203" pitchFamily="34" charset="0"/>
+                <a:cs typeface="Times New Roman" panose="02020603050405020304" pitchFamily="18" charset="0"/>
+              </a:rPr>
+              <a:t> </a:t>
+            </a:r>
+            <a:r>
+              <a:rPr lang="en-US" dirty="0" err="1">
+                <a:latin typeface="Segoe UI Black" panose="020B0A02040204020203" pitchFamily="34" charset="0"/>
+                <a:ea typeface="Segoe UI Black" panose="020B0A02040204020203" pitchFamily="34" charset="0"/>
+                <a:cs typeface="Times New Roman" panose="02020603050405020304" pitchFamily="18" charset="0"/>
+              </a:rPr>
+              <a:t>tệp</a:t>
+            </a:r>
+            <a:endParaRPr lang="en-US" dirty="0">
+              <a:latin typeface="Segoe UI Black" panose="020B0A02040204020203" pitchFamily="34" charset="0"/>
+              <a:ea typeface="Segoe UI Black" panose="020B0A02040204020203" pitchFamily="34" charset="0"/>
               <a:cs typeface="Times New Roman" panose="02020603050405020304" pitchFamily="18" charset="0"/>
             </a:endParaRPr>
           </a:p>
           <a:p>
-            <a:endParaRPr lang="en-US" sz="2200">
-              <a:latin typeface="Times New Roman" panose="02020603050405020304" pitchFamily="18" charset="0"/>
+            <a:endParaRPr lang="en-US" dirty="0">
+              <a:latin typeface="Segoe UI Black" panose="020B0A02040204020203" pitchFamily="34" charset="0"/>
+              <a:ea typeface="Segoe UI Black" panose="020B0A02040204020203" pitchFamily="34" charset="0"/>
               <a:cs typeface="Times New Roman" panose="02020603050405020304" pitchFamily="18" charset="0"/>
             </a:endParaRPr>
           </a:p>
           <a:p>
-            <a:endParaRPr lang="en-US" sz="2200">
-              <a:latin typeface="Times New Roman" panose="02020603050405020304" pitchFamily="18" charset="0"/>
+            <a:endParaRPr lang="en-US" dirty="0">
+              <a:latin typeface="Segoe UI Black" panose="020B0A02040204020203" pitchFamily="34" charset="0"/>
+              <a:ea typeface="Segoe UI Black" panose="020B0A02040204020203" pitchFamily="34" charset="0"/>
+              <a:cs typeface="Times New Roman" panose="02020603050405020304" pitchFamily="18" charset="0"/>
+            </a:endParaRPr>
+          </a:p>
+          <a:p>
+            <a:endParaRPr lang="en-US" dirty="0">
+              <a:latin typeface="Segoe UI Black" panose="020B0A02040204020203" pitchFamily="34" charset="0"/>
+              <a:ea typeface="Segoe UI Black" panose="020B0A02040204020203" pitchFamily="34" charset="0"/>
+              <a:cs typeface="Times New Roman" panose="02020603050405020304" pitchFamily="18" charset="0"/>
+            </a:endParaRPr>
+          </a:p>
+          <a:p>
+            <a:endParaRPr lang="en-US" dirty="0">
+              <a:latin typeface="Segoe UI Black" panose="020B0A02040204020203" pitchFamily="34" charset="0"/>
+              <a:ea typeface="Segoe UI Black" panose="020B0A02040204020203" pitchFamily="34" charset="0"/>
               <a:cs typeface="Times New Roman" panose="02020603050405020304" pitchFamily="18" charset="0"/>
             </a:endParaRPr>
           </a:p>
@@ -4955,13 +6867,15 @@
               <a:buChar char="•"/>
             </a:pPr>
             <a:r>
-              <a:rPr lang="vi-VN" sz="2200">
-                <a:latin typeface="+mj-lt"/>
+              <a:rPr lang="vi-VN" dirty="0">
+                <a:latin typeface="Segoe UI Black" panose="020B0A02040204020203" pitchFamily="34" charset="0"/>
+                <a:ea typeface="Segoe UI Black" panose="020B0A02040204020203" pitchFamily="34" charset="0"/>
               </a:rPr>
               <a:t>Đọc tệp html một cách đồng bộ để sau khi hoàn thành thao tác đọc, quá trình xử lý yêu cầu có thể được bắt đầu.</a:t>
             </a:r>
-            <a:endParaRPr lang="en-US" sz="2200">
-              <a:latin typeface="+mj-lt"/>
+            <a:endParaRPr lang="en-US" dirty="0">
+              <a:latin typeface="Segoe UI Black" panose="020B0A02040204020203" pitchFamily="34" charset="0"/>
+              <a:ea typeface="Segoe UI Black" panose="020B0A02040204020203" pitchFamily="34" charset="0"/>
               <a:cs typeface="Times New Roman" panose="02020603050405020304" pitchFamily="18" charset="0"/>
             </a:endParaRPr>
           </a:p>
@@ -5049,13 +6963,13 @@
   <p:clrMapOvr>
     <a:masterClrMapping/>
   </p:clrMapOvr>
-  <mc:AlternateContent xmlns:mc="http://schemas.openxmlformats.org/markup-compatibility/2006">
-    <mc:Choice xmlns:p15="http://schemas.microsoft.com/office/powerpoint/2012/main" Requires="p15">
+  <mc:AlternateContent xmlns:mc="http://schemas.openxmlformats.org/markup-compatibility/2006" xmlns:p15="http://schemas.microsoft.com/office/powerpoint/2012/main">
+    <mc:Choice Requires="p15">
       <p:transition xmlns:p14="http://schemas.microsoft.com/office/powerpoint/2010/main" spd="slow" p14:dur="1250">
         <p15:prstTrans prst="peelOff"/>
       </p:transition>
     </mc:Choice>
-    <mc:Fallback>
+    <mc:Fallback xmlns="">
       <p:transition spd="slow">
         <p:fade/>
       </p:transition>
@@ -5102,8 +7016,9 @@
           <a:lstStyle/>
           <a:p>
             <a:r>
-              <a:rPr lang="en-US" b="1">
-                <a:latin typeface="Times New Roman" panose="02020603050405020304" pitchFamily="18" charset="0"/>
+              <a:rPr lang="en-US" sz="3000" b="1" dirty="0">
+                <a:latin typeface="Segoe UI Black" panose="020B0A02040204020203" pitchFamily="34" charset="0"/>
+                <a:ea typeface="Segoe UI Black" panose="020B0A02040204020203" pitchFamily="34" charset="0"/>
                 <a:cs typeface="Times New Roman" panose="02020603050405020304" pitchFamily="18" charset="0"/>
               </a:rPr>
               <a:t>NODEJS XỬ LÍ GET-POST</a:t>
@@ -5138,11 +7053,324 @@
               <a:buChar char="•"/>
             </a:pPr>
             <a:r>
-              <a:rPr lang="en-US" sz="2200">
-                <a:latin typeface="Times New Roman" panose="02020603050405020304" pitchFamily="18" charset="0"/>
-                <a:cs typeface="Times New Roman" panose="02020603050405020304" pitchFamily="18" charset="0"/>
-              </a:rPr>
-              <a:t>Tạo máy chủ http để xử lí yêu cầu, đồng thời nếu phương thức yêu cầu là get thì trả về tệp html </a:t>
+              <a:rPr lang="en-US" dirty="0" err="1">
+                <a:latin typeface="Segoe UI Black" panose="020B0A02040204020203" pitchFamily="34" charset="0"/>
+                <a:ea typeface="Segoe UI Black" panose="020B0A02040204020203" pitchFamily="34" charset="0"/>
+                <a:cs typeface="Times New Roman" panose="02020603050405020304" pitchFamily="18" charset="0"/>
+              </a:rPr>
+              <a:t>Tạo</a:t>
+            </a:r>
+            <a:r>
+              <a:rPr lang="en-US" dirty="0">
+                <a:latin typeface="Segoe UI Black" panose="020B0A02040204020203" pitchFamily="34" charset="0"/>
+                <a:ea typeface="Segoe UI Black" panose="020B0A02040204020203" pitchFamily="34" charset="0"/>
+                <a:cs typeface="Times New Roman" panose="02020603050405020304" pitchFamily="18" charset="0"/>
+              </a:rPr>
+              <a:t> </a:t>
+            </a:r>
+            <a:r>
+              <a:rPr lang="en-US" dirty="0" err="1">
+                <a:latin typeface="Segoe UI Black" panose="020B0A02040204020203" pitchFamily="34" charset="0"/>
+                <a:ea typeface="Segoe UI Black" panose="020B0A02040204020203" pitchFamily="34" charset="0"/>
+                <a:cs typeface="Times New Roman" panose="02020603050405020304" pitchFamily="18" charset="0"/>
+              </a:rPr>
+              <a:t>máy</a:t>
+            </a:r>
+            <a:r>
+              <a:rPr lang="en-US" dirty="0">
+                <a:latin typeface="Segoe UI Black" panose="020B0A02040204020203" pitchFamily="34" charset="0"/>
+                <a:ea typeface="Segoe UI Black" panose="020B0A02040204020203" pitchFamily="34" charset="0"/>
+                <a:cs typeface="Times New Roman" panose="02020603050405020304" pitchFamily="18" charset="0"/>
+              </a:rPr>
+              <a:t> </a:t>
+            </a:r>
+            <a:r>
+              <a:rPr lang="en-US" dirty="0" err="1">
+                <a:latin typeface="Segoe UI Black" panose="020B0A02040204020203" pitchFamily="34" charset="0"/>
+                <a:ea typeface="Segoe UI Black" panose="020B0A02040204020203" pitchFamily="34" charset="0"/>
+                <a:cs typeface="Times New Roman" panose="02020603050405020304" pitchFamily="18" charset="0"/>
+              </a:rPr>
+              <a:t>chủ</a:t>
+            </a:r>
+            <a:r>
+              <a:rPr lang="en-US" dirty="0">
+                <a:latin typeface="Segoe UI Black" panose="020B0A02040204020203" pitchFamily="34" charset="0"/>
+                <a:ea typeface="Segoe UI Black" panose="020B0A02040204020203" pitchFamily="34" charset="0"/>
+                <a:cs typeface="Times New Roman" panose="02020603050405020304" pitchFamily="18" charset="0"/>
+              </a:rPr>
+              <a:t> http </a:t>
+            </a:r>
+            <a:r>
+              <a:rPr lang="en-US" dirty="0" err="1">
+                <a:latin typeface="Segoe UI Black" panose="020B0A02040204020203" pitchFamily="34" charset="0"/>
+                <a:ea typeface="Segoe UI Black" panose="020B0A02040204020203" pitchFamily="34" charset="0"/>
+                <a:cs typeface="Times New Roman" panose="02020603050405020304" pitchFamily="18" charset="0"/>
+              </a:rPr>
+              <a:t>để</a:t>
+            </a:r>
+            <a:r>
+              <a:rPr lang="en-US" dirty="0">
+                <a:latin typeface="Segoe UI Black" panose="020B0A02040204020203" pitchFamily="34" charset="0"/>
+                <a:ea typeface="Segoe UI Black" panose="020B0A02040204020203" pitchFamily="34" charset="0"/>
+                <a:cs typeface="Times New Roman" panose="02020603050405020304" pitchFamily="18" charset="0"/>
+              </a:rPr>
+              <a:t> </a:t>
+            </a:r>
+            <a:r>
+              <a:rPr lang="en-US" dirty="0" err="1">
+                <a:latin typeface="Segoe UI Black" panose="020B0A02040204020203" pitchFamily="34" charset="0"/>
+                <a:ea typeface="Segoe UI Black" panose="020B0A02040204020203" pitchFamily="34" charset="0"/>
+                <a:cs typeface="Times New Roman" panose="02020603050405020304" pitchFamily="18" charset="0"/>
+              </a:rPr>
+              <a:t>xử</a:t>
+            </a:r>
+            <a:r>
+              <a:rPr lang="en-US" dirty="0">
+                <a:latin typeface="Segoe UI Black" panose="020B0A02040204020203" pitchFamily="34" charset="0"/>
+                <a:ea typeface="Segoe UI Black" panose="020B0A02040204020203" pitchFamily="34" charset="0"/>
+                <a:cs typeface="Times New Roman" panose="02020603050405020304" pitchFamily="18" charset="0"/>
+              </a:rPr>
+              <a:t> </a:t>
+            </a:r>
+            <a:r>
+              <a:rPr lang="en-US" dirty="0" err="1">
+                <a:latin typeface="Segoe UI Black" panose="020B0A02040204020203" pitchFamily="34" charset="0"/>
+                <a:ea typeface="Segoe UI Black" panose="020B0A02040204020203" pitchFamily="34" charset="0"/>
+                <a:cs typeface="Times New Roman" panose="02020603050405020304" pitchFamily="18" charset="0"/>
+              </a:rPr>
+              <a:t>lí</a:t>
+            </a:r>
+            <a:r>
+              <a:rPr lang="en-US" dirty="0">
+                <a:latin typeface="Segoe UI Black" panose="020B0A02040204020203" pitchFamily="34" charset="0"/>
+                <a:ea typeface="Segoe UI Black" panose="020B0A02040204020203" pitchFamily="34" charset="0"/>
+                <a:cs typeface="Times New Roman" panose="02020603050405020304" pitchFamily="18" charset="0"/>
+              </a:rPr>
+              <a:t> </a:t>
+            </a:r>
+            <a:r>
+              <a:rPr lang="en-US" dirty="0" err="1">
+                <a:latin typeface="Segoe UI Black" panose="020B0A02040204020203" pitchFamily="34" charset="0"/>
+                <a:ea typeface="Segoe UI Black" panose="020B0A02040204020203" pitchFamily="34" charset="0"/>
+                <a:cs typeface="Times New Roman" panose="02020603050405020304" pitchFamily="18" charset="0"/>
+              </a:rPr>
+              <a:t>yêu</a:t>
+            </a:r>
+            <a:r>
+              <a:rPr lang="en-US" dirty="0">
+                <a:latin typeface="Segoe UI Black" panose="020B0A02040204020203" pitchFamily="34" charset="0"/>
+                <a:ea typeface="Segoe UI Black" panose="020B0A02040204020203" pitchFamily="34" charset="0"/>
+                <a:cs typeface="Times New Roman" panose="02020603050405020304" pitchFamily="18" charset="0"/>
+              </a:rPr>
+              <a:t> </a:t>
+            </a:r>
+            <a:r>
+              <a:rPr lang="en-US" dirty="0" err="1">
+                <a:latin typeface="Segoe UI Black" panose="020B0A02040204020203" pitchFamily="34" charset="0"/>
+                <a:ea typeface="Segoe UI Black" panose="020B0A02040204020203" pitchFamily="34" charset="0"/>
+                <a:cs typeface="Times New Roman" panose="02020603050405020304" pitchFamily="18" charset="0"/>
+              </a:rPr>
+              <a:t>cầu</a:t>
+            </a:r>
+            <a:r>
+              <a:rPr lang="en-US" dirty="0">
+                <a:latin typeface="Segoe UI Black" panose="020B0A02040204020203" pitchFamily="34" charset="0"/>
+                <a:ea typeface="Segoe UI Black" panose="020B0A02040204020203" pitchFamily="34" charset="0"/>
+                <a:cs typeface="Times New Roman" panose="02020603050405020304" pitchFamily="18" charset="0"/>
+              </a:rPr>
+              <a:t>, </a:t>
+            </a:r>
+            <a:r>
+              <a:rPr lang="en-US" dirty="0" err="1">
+                <a:latin typeface="Segoe UI Black" panose="020B0A02040204020203" pitchFamily="34" charset="0"/>
+                <a:ea typeface="Segoe UI Black" panose="020B0A02040204020203" pitchFamily="34" charset="0"/>
+                <a:cs typeface="Times New Roman" panose="02020603050405020304" pitchFamily="18" charset="0"/>
+              </a:rPr>
+              <a:t>đồng</a:t>
+            </a:r>
+            <a:r>
+              <a:rPr lang="en-US" dirty="0">
+                <a:latin typeface="Segoe UI Black" panose="020B0A02040204020203" pitchFamily="34" charset="0"/>
+                <a:ea typeface="Segoe UI Black" panose="020B0A02040204020203" pitchFamily="34" charset="0"/>
+                <a:cs typeface="Times New Roman" panose="02020603050405020304" pitchFamily="18" charset="0"/>
+              </a:rPr>
+              <a:t> </a:t>
+            </a:r>
+            <a:r>
+              <a:rPr lang="en-US" dirty="0" err="1">
+                <a:latin typeface="Segoe UI Black" panose="020B0A02040204020203" pitchFamily="34" charset="0"/>
+                <a:ea typeface="Segoe UI Black" panose="020B0A02040204020203" pitchFamily="34" charset="0"/>
+                <a:cs typeface="Times New Roman" panose="02020603050405020304" pitchFamily="18" charset="0"/>
+              </a:rPr>
+              <a:t>thời</a:t>
+            </a:r>
+            <a:r>
+              <a:rPr lang="en-US" dirty="0">
+                <a:latin typeface="Segoe UI Black" panose="020B0A02040204020203" pitchFamily="34" charset="0"/>
+                <a:ea typeface="Segoe UI Black" panose="020B0A02040204020203" pitchFamily="34" charset="0"/>
+                <a:cs typeface="Times New Roman" panose="02020603050405020304" pitchFamily="18" charset="0"/>
+              </a:rPr>
+              <a:t> </a:t>
+            </a:r>
+            <a:r>
+              <a:rPr lang="en-US" dirty="0" err="1">
+                <a:latin typeface="Segoe UI Black" panose="020B0A02040204020203" pitchFamily="34" charset="0"/>
+                <a:ea typeface="Segoe UI Black" panose="020B0A02040204020203" pitchFamily="34" charset="0"/>
+                <a:cs typeface="Times New Roman" panose="02020603050405020304" pitchFamily="18" charset="0"/>
+              </a:rPr>
+              <a:t>nếu</a:t>
+            </a:r>
+            <a:r>
+              <a:rPr lang="en-US" dirty="0">
+                <a:latin typeface="Segoe UI Black" panose="020B0A02040204020203" pitchFamily="34" charset="0"/>
+                <a:ea typeface="Segoe UI Black" panose="020B0A02040204020203" pitchFamily="34" charset="0"/>
+                <a:cs typeface="Times New Roman" panose="02020603050405020304" pitchFamily="18" charset="0"/>
+              </a:rPr>
+              <a:t> </a:t>
+            </a:r>
+            <a:r>
+              <a:rPr lang="en-US" dirty="0" err="1">
+                <a:latin typeface="Segoe UI Black" panose="020B0A02040204020203" pitchFamily="34" charset="0"/>
+                <a:ea typeface="Segoe UI Black" panose="020B0A02040204020203" pitchFamily="34" charset="0"/>
+                <a:cs typeface="Times New Roman" panose="02020603050405020304" pitchFamily="18" charset="0"/>
+              </a:rPr>
+              <a:t>phương</a:t>
+            </a:r>
+            <a:r>
+              <a:rPr lang="en-US" dirty="0">
+                <a:latin typeface="Segoe UI Black" panose="020B0A02040204020203" pitchFamily="34" charset="0"/>
+                <a:ea typeface="Segoe UI Black" panose="020B0A02040204020203" pitchFamily="34" charset="0"/>
+                <a:cs typeface="Times New Roman" panose="02020603050405020304" pitchFamily="18" charset="0"/>
+              </a:rPr>
+              <a:t> </a:t>
+            </a:r>
+            <a:r>
+              <a:rPr lang="en-US" dirty="0" err="1">
+                <a:latin typeface="Segoe UI Black" panose="020B0A02040204020203" pitchFamily="34" charset="0"/>
+                <a:ea typeface="Segoe UI Black" panose="020B0A02040204020203" pitchFamily="34" charset="0"/>
+                <a:cs typeface="Times New Roman" panose="02020603050405020304" pitchFamily="18" charset="0"/>
+              </a:rPr>
+              <a:t>thức</a:t>
+            </a:r>
+            <a:r>
+              <a:rPr lang="en-US" dirty="0">
+                <a:latin typeface="Segoe UI Black" panose="020B0A02040204020203" pitchFamily="34" charset="0"/>
+                <a:ea typeface="Segoe UI Black" panose="020B0A02040204020203" pitchFamily="34" charset="0"/>
+                <a:cs typeface="Times New Roman" panose="02020603050405020304" pitchFamily="18" charset="0"/>
+              </a:rPr>
+              <a:t> </a:t>
+            </a:r>
+            <a:r>
+              <a:rPr lang="en-US" dirty="0" err="1">
+                <a:latin typeface="Segoe UI Black" panose="020B0A02040204020203" pitchFamily="34" charset="0"/>
+                <a:ea typeface="Segoe UI Black" panose="020B0A02040204020203" pitchFamily="34" charset="0"/>
+                <a:cs typeface="Times New Roman" panose="02020603050405020304" pitchFamily="18" charset="0"/>
+              </a:rPr>
+              <a:t>yêu</a:t>
+            </a:r>
+            <a:r>
+              <a:rPr lang="en-US" dirty="0">
+                <a:latin typeface="Segoe UI Black" panose="020B0A02040204020203" pitchFamily="34" charset="0"/>
+                <a:ea typeface="Segoe UI Black" panose="020B0A02040204020203" pitchFamily="34" charset="0"/>
+                <a:cs typeface="Times New Roman" panose="02020603050405020304" pitchFamily="18" charset="0"/>
+              </a:rPr>
+              <a:t> </a:t>
+            </a:r>
+            <a:r>
+              <a:rPr lang="en-US" dirty="0" err="1">
+                <a:latin typeface="Segoe UI Black" panose="020B0A02040204020203" pitchFamily="34" charset="0"/>
+                <a:ea typeface="Segoe UI Black" panose="020B0A02040204020203" pitchFamily="34" charset="0"/>
+                <a:cs typeface="Times New Roman" panose="02020603050405020304" pitchFamily="18" charset="0"/>
+              </a:rPr>
+              <a:t>cầu</a:t>
+            </a:r>
+            <a:r>
+              <a:rPr lang="en-US" dirty="0">
+                <a:latin typeface="Segoe UI Black" panose="020B0A02040204020203" pitchFamily="34" charset="0"/>
+                <a:ea typeface="Segoe UI Black" panose="020B0A02040204020203" pitchFamily="34" charset="0"/>
+                <a:cs typeface="Times New Roman" panose="02020603050405020304" pitchFamily="18" charset="0"/>
+              </a:rPr>
+              <a:t> </a:t>
+            </a:r>
+            <a:r>
+              <a:rPr lang="en-US" dirty="0" err="1">
+                <a:latin typeface="Segoe UI Black" panose="020B0A02040204020203" pitchFamily="34" charset="0"/>
+                <a:ea typeface="Segoe UI Black" panose="020B0A02040204020203" pitchFamily="34" charset="0"/>
+                <a:cs typeface="Times New Roman" panose="02020603050405020304" pitchFamily="18" charset="0"/>
+              </a:rPr>
+              <a:t>là</a:t>
+            </a:r>
+            <a:r>
+              <a:rPr lang="en-US" dirty="0">
+                <a:latin typeface="Segoe UI Black" panose="020B0A02040204020203" pitchFamily="34" charset="0"/>
+                <a:ea typeface="Segoe UI Black" panose="020B0A02040204020203" pitchFamily="34" charset="0"/>
+                <a:cs typeface="Times New Roman" panose="02020603050405020304" pitchFamily="18" charset="0"/>
+              </a:rPr>
+              <a:t> get </a:t>
+            </a:r>
+            <a:r>
+              <a:rPr lang="en-US" dirty="0" err="1">
+                <a:latin typeface="Segoe UI Black" panose="020B0A02040204020203" pitchFamily="34" charset="0"/>
+                <a:ea typeface="Segoe UI Black" panose="020B0A02040204020203" pitchFamily="34" charset="0"/>
+                <a:cs typeface="Times New Roman" panose="02020603050405020304" pitchFamily="18" charset="0"/>
+              </a:rPr>
+              <a:t>thì</a:t>
+            </a:r>
+            <a:r>
+              <a:rPr lang="en-US" dirty="0">
+                <a:latin typeface="Segoe UI Black" panose="020B0A02040204020203" pitchFamily="34" charset="0"/>
+                <a:ea typeface="Segoe UI Black" panose="020B0A02040204020203" pitchFamily="34" charset="0"/>
+                <a:cs typeface="Times New Roman" panose="02020603050405020304" pitchFamily="18" charset="0"/>
+              </a:rPr>
+              <a:t> </a:t>
+            </a:r>
+            <a:r>
+              <a:rPr lang="en-US" dirty="0" err="1">
+                <a:latin typeface="Segoe UI Black" panose="020B0A02040204020203" pitchFamily="34" charset="0"/>
+                <a:ea typeface="Segoe UI Black" panose="020B0A02040204020203" pitchFamily="34" charset="0"/>
+                <a:cs typeface="Times New Roman" panose="02020603050405020304" pitchFamily="18" charset="0"/>
+              </a:rPr>
+              <a:t>trả</a:t>
+            </a:r>
+            <a:r>
+              <a:rPr lang="en-US" dirty="0">
+                <a:latin typeface="Segoe UI Black" panose="020B0A02040204020203" pitchFamily="34" charset="0"/>
+                <a:ea typeface="Segoe UI Black" panose="020B0A02040204020203" pitchFamily="34" charset="0"/>
+                <a:cs typeface="Times New Roman" panose="02020603050405020304" pitchFamily="18" charset="0"/>
+              </a:rPr>
+              <a:t> </a:t>
+            </a:r>
+            <a:r>
+              <a:rPr lang="en-US" dirty="0" err="1">
+                <a:latin typeface="Segoe UI Black" panose="020B0A02040204020203" pitchFamily="34" charset="0"/>
+                <a:ea typeface="Segoe UI Black" panose="020B0A02040204020203" pitchFamily="34" charset="0"/>
+                <a:cs typeface="Times New Roman" panose="02020603050405020304" pitchFamily="18" charset="0"/>
+              </a:rPr>
+              <a:t>về</a:t>
+            </a:r>
+            <a:r>
+              <a:rPr lang="en-US" dirty="0">
+                <a:latin typeface="Segoe UI Black" panose="020B0A02040204020203" pitchFamily="34" charset="0"/>
+                <a:ea typeface="Segoe UI Black" panose="020B0A02040204020203" pitchFamily="34" charset="0"/>
+                <a:cs typeface="Times New Roman" panose="02020603050405020304" pitchFamily="18" charset="0"/>
+              </a:rPr>
+              <a:t> </a:t>
+            </a:r>
+            <a:r>
+              <a:rPr lang="en-US" dirty="0" err="1">
+                <a:latin typeface="Segoe UI Black" panose="020B0A02040204020203" pitchFamily="34" charset="0"/>
+                <a:ea typeface="Segoe UI Black" panose="020B0A02040204020203" pitchFamily="34" charset="0"/>
+                <a:cs typeface="Times New Roman" panose="02020603050405020304" pitchFamily="18" charset="0"/>
+              </a:rPr>
+              <a:t>tệp</a:t>
+            </a:r>
+            <a:r>
+              <a:rPr lang="en-US" dirty="0">
+                <a:latin typeface="Segoe UI Black" panose="020B0A02040204020203" pitchFamily="34" charset="0"/>
+                <a:ea typeface="Segoe UI Black" panose="020B0A02040204020203" pitchFamily="34" charset="0"/>
+                <a:cs typeface="Times New Roman" panose="02020603050405020304" pitchFamily="18" charset="0"/>
+              </a:rPr>
+              <a:t> html </a:t>
             </a:r>
           </a:p>
           <a:p>
@@ -5150,8 +7378,9 @@
               <a:buFont typeface="Arial" panose="020B0604020202020204" pitchFamily="34" charset="0"/>
               <a:buChar char="•"/>
             </a:pPr>
-            <a:endParaRPr lang="en-US" sz="2200">
-              <a:latin typeface="Times New Roman" panose="02020603050405020304" pitchFamily="18" charset="0"/>
+            <a:endParaRPr lang="en-US" dirty="0">
+              <a:latin typeface="Segoe UI Black" panose="020B0A02040204020203" pitchFamily="34" charset="0"/>
+              <a:ea typeface="Segoe UI Black" panose="020B0A02040204020203" pitchFamily="34" charset="0"/>
               <a:cs typeface="Times New Roman" panose="02020603050405020304" pitchFamily="18" charset="0"/>
             </a:endParaRPr>
           </a:p>
@@ -5160,8 +7389,9 @@
               <a:buFont typeface="Arial" panose="020B0604020202020204" pitchFamily="34" charset="0"/>
               <a:buChar char="•"/>
             </a:pPr>
-            <a:endParaRPr lang="en-US" sz="2200">
-              <a:latin typeface="Times New Roman" panose="02020603050405020304" pitchFamily="18" charset="0"/>
+            <a:endParaRPr lang="en-US" dirty="0">
+              <a:latin typeface="Segoe UI Black" panose="020B0A02040204020203" pitchFamily="34" charset="0"/>
+              <a:ea typeface="Segoe UI Black" panose="020B0A02040204020203" pitchFamily="34" charset="0"/>
               <a:cs typeface="Times New Roman" panose="02020603050405020304" pitchFamily="18" charset="0"/>
             </a:endParaRPr>
           </a:p>
@@ -5170,8 +7400,9 @@
               <a:buFont typeface="Arial" panose="020B0604020202020204" pitchFamily="34" charset="0"/>
               <a:buChar char="•"/>
             </a:pPr>
-            <a:endParaRPr lang="en-US" sz="2200">
-              <a:latin typeface="Times New Roman" panose="02020603050405020304" pitchFamily="18" charset="0"/>
+            <a:endParaRPr lang="en-US" dirty="0">
+              <a:latin typeface="Segoe UI Black" panose="020B0A02040204020203" pitchFamily="34" charset="0"/>
+              <a:ea typeface="Segoe UI Black" panose="020B0A02040204020203" pitchFamily="34" charset="0"/>
               <a:cs typeface="Times New Roman" panose="02020603050405020304" pitchFamily="18" charset="0"/>
             </a:endParaRPr>
           </a:p>
@@ -5180,8 +7411,9 @@
               <a:buFont typeface="Arial" panose="020B0604020202020204" pitchFamily="34" charset="0"/>
               <a:buChar char="•"/>
             </a:pPr>
-            <a:endParaRPr lang="en-US" sz="2200">
-              <a:latin typeface="Times New Roman" panose="02020603050405020304" pitchFamily="18" charset="0"/>
+            <a:endParaRPr lang="en-US" dirty="0">
+              <a:latin typeface="Segoe UI Black" panose="020B0A02040204020203" pitchFamily="34" charset="0"/>
+              <a:ea typeface="Segoe UI Black" panose="020B0A02040204020203" pitchFamily="34" charset="0"/>
               <a:cs typeface="Times New Roman" panose="02020603050405020304" pitchFamily="18" charset="0"/>
             </a:endParaRPr>
           </a:p>
@@ -5191,11 +7423,436 @@
               <a:buChar char="•"/>
             </a:pPr>
             <a:r>
-              <a:rPr lang="en-US" sz="2200">
-                <a:latin typeface="Times New Roman" panose="02020603050405020304" pitchFamily="18" charset="0"/>
-                <a:cs typeface="Times New Roman" panose="02020603050405020304" pitchFamily="18" charset="0"/>
-              </a:rPr>
-              <a:t>Ngược lại, nếu phương thức là post thì đọc dữ liệu đã đăng và xử lí. Khi đọc xong sẽ hiển thị lên máy chủ và phản hồi lại client</a:t>
+              <a:rPr lang="en-US" dirty="0" err="1">
+                <a:latin typeface="Segoe UI Black" panose="020B0A02040204020203" pitchFamily="34" charset="0"/>
+                <a:ea typeface="Segoe UI Black" panose="020B0A02040204020203" pitchFamily="34" charset="0"/>
+                <a:cs typeface="Times New Roman" panose="02020603050405020304" pitchFamily="18" charset="0"/>
+              </a:rPr>
+              <a:t>Ngược</a:t>
+            </a:r>
+            <a:r>
+              <a:rPr lang="en-US" dirty="0">
+                <a:latin typeface="Segoe UI Black" panose="020B0A02040204020203" pitchFamily="34" charset="0"/>
+                <a:ea typeface="Segoe UI Black" panose="020B0A02040204020203" pitchFamily="34" charset="0"/>
+                <a:cs typeface="Times New Roman" panose="02020603050405020304" pitchFamily="18" charset="0"/>
+              </a:rPr>
+              <a:t> </a:t>
+            </a:r>
+            <a:r>
+              <a:rPr lang="en-US" dirty="0" err="1">
+                <a:latin typeface="Segoe UI Black" panose="020B0A02040204020203" pitchFamily="34" charset="0"/>
+                <a:ea typeface="Segoe UI Black" panose="020B0A02040204020203" pitchFamily="34" charset="0"/>
+                <a:cs typeface="Times New Roman" panose="02020603050405020304" pitchFamily="18" charset="0"/>
+              </a:rPr>
+              <a:t>lại</a:t>
+            </a:r>
+            <a:r>
+              <a:rPr lang="en-US" dirty="0">
+                <a:latin typeface="Segoe UI Black" panose="020B0A02040204020203" pitchFamily="34" charset="0"/>
+                <a:ea typeface="Segoe UI Black" panose="020B0A02040204020203" pitchFamily="34" charset="0"/>
+                <a:cs typeface="Times New Roman" panose="02020603050405020304" pitchFamily="18" charset="0"/>
+              </a:rPr>
+              <a:t>, </a:t>
+            </a:r>
+            <a:r>
+              <a:rPr lang="en-US" dirty="0" err="1">
+                <a:latin typeface="Segoe UI Black" panose="020B0A02040204020203" pitchFamily="34" charset="0"/>
+                <a:ea typeface="Segoe UI Black" panose="020B0A02040204020203" pitchFamily="34" charset="0"/>
+                <a:cs typeface="Times New Roman" panose="02020603050405020304" pitchFamily="18" charset="0"/>
+              </a:rPr>
+              <a:t>nếu</a:t>
+            </a:r>
+            <a:r>
+              <a:rPr lang="en-US" dirty="0">
+                <a:latin typeface="Segoe UI Black" panose="020B0A02040204020203" pitchFamily="34" charset="0"/>
+                <a:ea typeface="Segoe UI Black" panose="020B0A02040204020203" pitchFamily="34" charset="0"/>
+                <a:cs typeface="Times New Roman" panose="02020603050405020304" pitchFamily="18" charset="0"/>
+              </a:rPr>
+              <a:t> </a:t>
+            </a:r>
+            <a:r>
+              <a:rPr lang="en-US" dirty="0" err="1">
+                <a:latin typeface="Segoe UI Black" panose="020B0A02040204020203" pitchFamily="34" charset="0"/>
+                <a:ea typeface="Segoe UI Black" panose="020B0A02040204020203" pitchFamily="34" charset="0"/>
+                <a:cs typeface="Times New Roman" panose="02020603050405020304" pitchFamily="18" charset="0"/>
+              </a:rPr>
+              <a:t>phương</a:t>
+            </a:r>
+            <a:r>
+              <a:rPr lang="en-US" dirty="0">
+                <a:latin typeface="Segoe UI Black" panose="020B0A02040204020203" pitchFamily="34" charset="0"/>
+                <a:ea typeface="Segoe UI Black" panose="020B0A02040204020203" pitchFamily="34" charset="0"/>
+                <a:cs typeface="Times New Roman" panose="02020603050405020304" pitchFamily="18" charset="0"/>
+              </a:rPr>
+              <a:t> </a:t>
+            </a:r>
+            <a:r>
+              <a:rPr lang="en-US" dirty="0" err="1">
+                <a:latin typeface="Segoe UI Black" panose="020B0A02040204020203" pitchFamily="34" charset="0"/>
+                <a:ea typeface="Segoe UI Black" panose="020B0A02040204020203" pitchFamily="34" charset="0"/>
+                <a:cs typeface="Times New Roman" panose="02020603050405020304" pitchFamily="18" charset="0"/>
+              </a:rPr>
+              <a:t>thức</a:t>
+            </a:r>
+            <a:r>
+              <a:rPr lang="en-US" dirty="0">
+                <a:latin typeface="Segoe UI Black" panose="020B0A02040204020203" pitchFamily="34" charset="0"/>
+                <a:ea typeface="Segoe UI Black" panose="020B0A02040204020203" pitchFamily="34" charset="0"/>
+                <a:cs typeface="Times New Roman" panose="02020603050405020304" pitchFamily="18" charset="0"/>
+              </a:rPr>
+              <a:t> </a:t>
+            </a:r>
+            <a:r>
+              <a:rPr lang="en-US" dirty="0" err="1">
+                <a:latin typeface="Segoe UI Black" panose="020B0A02040204020203" pitchFamily="34" charset="0"/>
+                <a:ea typeface="Segoe UI Black" panose="020B0A02040204020203" pitchFamily="34" charset="0"/>
+                <a:cs typeface="Times New Roman" panose="02020603050405020304" pitchFamily="18" charset="0"/>
+              </a:rPr>
+              <a:t>là</a:t>
+            </a:r>
+            <a:r>
+              <a:rPr lang="en-US" dirty="0">
+                <a:latin typeface="Segoe UI Black" panose="020B0A02040204020203" pitchFamily="34" charset="0"/>
+                <a:ea typeface="Segoe UI Black" panose="020B0A02040204020203" pitchFamily="34" charset="0"/>
+                <a:cs typeface="Times New Roman" panose="02020603050405020304" pitchFamily="18" charset="0"/>
+              </a:rPr>
+              <a:t> post </a:t>
+            </a:r>
+            <a:r>
+              <a:rPr lang="en-US" dirty="0" err="1">
+                <a:latin typeface="Segoe UI Black" panose="020B0A02040204020203" pitchFamily="34" charset="0"/>
+                <a:ea typeface="Segoe UI Black" panose="020B0A02040204020203" pitchFamily="34" charset="0"/>
+                <a:cs typeface="Times New Roman" panose="02020603050405020304" pitchFamily="18" charset="0"/>
+              </a:rPr>
+              <a:t>thì</a:t>
+            </a:r>
+            <a:r>
+              <a:rPr lang="en-US" dirty="0">
+                <a:latin typeface="Segoe UI Black" panose="020B0A02040204020203" pitchFamily="34" charset="0"/>
+                <a:ea typeface="Segoe UI Black" panose="020B0A02040204020203" pitchFamily="34" charset="0"/>
+                <a:cs typeface="Times New Roman" panose="02020603050405020304" pitchFamily="18" charset="0"/>
+              </a:rPr>
+              <a:t> </a:t>
+            </a:r>
+            <a:r>
+              <a:rPr lang="en-US" dirty="0" err="1">
+                <a:latin typeface="Segoe UI Black" panose="020B0A02040204020203" pitchFamily="34" charset="0"/>
+                <a:ea typeface="Segoe UI Black" panose="020B0A02040204020203" pitchFamily="34" charset="0"/>
+                <a:cs typeface="Times New Roman" panose="02020603050405020304" pitchFamily="18" charset="0"/>
+              </a:rPr>
+              <a:t>đọc</a:t>
+            </a:r>
+            <a:r>
+              <a:rPr lang="en-US" dirty="0">
+                <a:latin typeface="Segoe UI Black" panose="020B0A02040204020203" pitchFamily="34" charset="0"/>
+                <a:ea typeface="Segoe UI Black" panose="020B0A02040204020203" pitchFamily="34" charset="0"/>
+                <a:cs typeface="Times New Roman" panose="02020603050405020304" pitchFamily="18" charset="0"/>
+              </a:rPr>
+              <a:t> </a:t>
+            </a:r>
+            <a:r>
+              <a:rPr lang="en-US" dirty="0" err="1">
+                <a:latin typeface="Segoe UI Black" panose="020B0A02040204020203" pitchFamily="34" charset="0"/>
+                <a:ea typeface="Segoe UI Black" panose="020B0A02040204020203" pitchFamily="34" charset="0"/>
+                <a:cs typeface="Times New Roman" panose="02020603050405020304" pitchFamily="18" charset="0"/>
+              </a:rPr>
+              <a:t>dữ</a:t>
+            </a:r>
+            <a:r>
+              <a:rPr lang="en-US" dirty="0">
+                <a:latin typeface="Segoe UI Black" panose="020B0A02040204020203" pitchFamily="34" charset="0"/>
+                <a:ea typeface="Segoe UI Black" panose="020B0A02040204020203" pitchFamily="34" charset="0"/>
+                <a:cs typeface="Times New Roman" panose="02020603050405020304" pitchFamily="18" charset="0"/>
+              </a:rPr>
+              <a:t> </a:t>
+            </a:r>
+            <a:r>
+              <a:rPr lang="en-US" dirty="0" err="1">
+                <a:latin typeface="Segoe UI Black" panose="020B0A02040204020203" pitchFamily="34" charset="0"/>
+                <a:ea typeface="Segoe UI Black" panose="020B0A02040204020203" pitchFamily="34" charset="0"/>
+                <a:cs typeface="Times New Roman" panose="02020603050405020304" pitchFamily="18" charset="0"/>
+              </a:rPr>
+              <a:t>liệu</a:t>
+            </a:r>
+            <a:r>
+              <a:rPr lang="en-US" dirty="0">
+                <a:latin typeface="Segoe UI Black" panose="020B0A02040204020203" pitchFamily="34" charset="0"/>
+                <a:ea typeface="Segoe UI Black" panose="020B0A02040204020203" pitchFamily="34" charset="0"/>
+                <a:cs typeface="Times New Roman" panose="02020603050405020304" pitchFamily="18" charset="0"/>
+              </a:rPr>
+              <a:t> </a:t>
+            </a:r>
+            <a:r>
+              <a:rPr lang="en-US" dirty="0" err="1">
+                <a:latin typeface="Segoe UI Black" panose="020B0A02040204020203" pitchFamily="34" charset="0"/>
+                <a:ea typeface="Segoe UI Black" panose="020B0A02040204020203" pitchFamily="34" charset="0"/>
+                <a:cs typeface="Times New Roman" panose="02020603050405020304" pitchFamily="18" charset="0"/>
+              </a:rPr>
+              <a:t>đã</a:t>
+            </a:r>
+            <a:r>
+              <a:rPr lang="en-US" dirty="0">
+                <a:latin typeface="Segoe UI Black" panose="020B0A02040204020203" pitchFamily="34" charset="0"/>
+                <a:ea typeface="Segoe UI Black" panose="020B0A02040204020203" pitchFamily="34" charset="0"/>
+                <a:cs typeface="Times New Roman" panose="02020603050405020304" pitchFamily="18" charset="0"/>
+              </a:rPr>
+              <a:t> </a:t>
+            </a:r>
+            <a:r>
+              <a:rPr lang="en-US" dirty="0" err="1">
+                <a:latin typeface="Segoe UI Black" panose="020B0A02040204020203" pitchFamily="34" charset="0"/>
+                <a:ea typeface="Segoe UI Black" panose="020B0A02040204020203" pitchFamily="34" charset="0"/>
+                <a:cs typeface="Times New Roman" panose="02020603050405020304" pitchFamily="18" charset="0"/>
+              </a:rPr>
+              <a:t>đăng</a:t>
+            </a:r>
+            <a:r>
+              <a:rPr lang="en-US" dirty="0">
+                <a:latin typeface="Segoe UI Black" panose="020B0A02040204020203" pitchFamily="34" charset="0"/>
+                <a:ea typeface="Segoe UI Black" panose="020B0A02040204020203" pitchFamily="34" charset="0"/>
+                <a:cs typeface="Times New Roman" panose="02020603050405020304" pitchFamily="18" charset="0"/>
+              </a:rPr>
+              <a:t> </a:t>
+            </a:r>
+            <a:r>
+              <a:rPr lang="en-US" dirty="0" err="1">
+                <a:latin typeface="Segoe UI Black" panose="020B0A02040204020203" pitchFamily="34" charset="0"/>
+                <a:ea typeface="Segoe UI Black" panose="020B0A02040204020203" pitchFamily="34" charset="0"/>
+                <a:cs typeface="Times New Roman" panose="02020603050405020304" pitchFamily="18" charset="0"/>
+              </a:rPr>
+              <a:t>và</a:t>
+            </a:r>
+            <a:r>
+              <a:rPr lang="en-US" dirty="0">
+                <a:latin typeface="Segoe UI Black" panose="020B0A02040204020203" pitchFamily="34" charset="0"/>
+                <a:ea typeface="Segoe UI Black" panose="020B0A02040204020203" pitchFamily="34" charset="0"/>
+                <a:cs typeface="Times New Roman" panose="02020603050405020304" pitchFamily="18" charset="0"/>
+              </a:rPr>
+              <a:t> </a:t>
+            </a:r>
+            <a:r>
+              <a:rPr lang="en-US" dirty="0" err="1">
+                <a:latin typeface="Segoe UI Black" panose="020B0A02040204020203" pitchFamily="34" charset="0"/>
+                <a:ea typeface="Segoe UI Black" panose="020B0A02040204020203" pitchFamily="34" charset="0"/>
+                <a:cs typeface="Times New Roman" panose="02020603050405020304" pitchFamily="18" charset="0"/>
+              </a:rPr>
+              <a:t>xử</a:t>
+            </a:r>
+            <a:r>
+              <a:rPr lang="en-US" dirty="0">
+                <a:latin typeface="Segoe UI Black" panose="020B0A02040204020203" pitchFamily="34" charset="0"/>
+                <a:ea typeface="Segoe UI Black" panose="020B0A02040204020203" pitchFamily="34" charset="0"/>
+                <a:cs typeface="Times New Roman" panose="02020603050405020304" pitchFamily="18" charset="0"/>
+              </a:rPr>
+              <a:t> </a:t>
+            </a:r>
+            <a:r>
+              <a:rPr lang="en-US" dirty="0" err="1">
+                <a:latin typeface="Segoe UI Black" panose="020B0A02040204020203" pitchFamily="34" charset="0"/>
+                <a:ea typeface="Segoe UI Black" panose="020B0A02040204020203" pitchFamily="34" charset="0"/>
+                <a:cs typeface="Times New Roman" panose="02020603050405020304" pitchFamily="18" charset="0"/>
+              </a:rPr>
+              <a:t>lí</a:t>
+            </a:r>
+            <a:r>
+              <a:rPr lang="en-US" dirty="0">
+                <a:latin typeface="Segoe UI Black" panose="020B0A02040204020203" pitchFamily="34" charset="0"/>
+                <a:ea typeface="Segoe UI Black" panose="020B0A02040204020203" pitchFamily="34" charset="0"/>
+                <a:cs typeface="Times New Roman" panose="02020603050405020304" pitchFamily="18" charset="0"/>
+              </a:rPr>
+              <a:t>. Khi </a:t>
+            </a:r>
+            <a:r>
+              <a:rPr lang="en-US" dirty="0" err="1">
+                <a:latin typeface="Segoe UI Black" panose="020B0A02040204020203" pitchFamily="34" charset="0"/>
+                <a:ea typeface="Segoe UI Black" panose="020B0A02040204020203" pitchFamily="34" charset="0"/>
+                <a:cs typeface="Times New Roman" panose="02020603050405020304" pitchFamily="18" charset="0"/>
+              </a:rPr>
+              <a:t>đọc</a:t>
+            </a:r>
+            <a:r>
+              <a:rPr lang="en-US" dirty="0">
+                <a:latin typeface="Segoe UI Black" panose="020B0A02040204020203" pitchFamily="34" charset="0"/>
+                <a:ea typeface="Segoe UI Black" panose="020B0A02040204020203" pitchFamily="34" charset="0"/>
+                <a:cs typeface="Times New Roman" panose="02020603050405020304" pitchFamily="18" charset="0"/>
+              </a:rPr>
+              <a:t> </a:t>
+            </a:r>
+            <a:r>
+              <a:rPr lang="en-US" dirty="0" err="1">
+                <a:latin typeface="Segoe UI Black" panose="020B0A02040204020203" pitchFamily="34" charset="0"/>
+                <a:ea typeface="Segoe UI Black" panose="020B0A02040204020203" pitchFamily="34" charset="0"/>
+                <a:cs typeface="Times New Roman" panose="02020603050405020304" pitchFamily="18" charset="0"/>
+              </a:rPr>
+              <a:t>xong</a:t>
+            </a:r>
+            <a:r>
+              <a:rPr lang="en-US" dirty="0">
+                <a:latin typeface="Segoe UI Black" panose="020B0A02040204020203" pitchFamily="34" charset="0"/>
+                <a:ea typeface="Segoe UI Black" panose="020B0A02040204020203" pitchFamily="34" charset="0"/>
+                <a:cs typeface="Times New Roman" panose="02020603050405020304" pitchFamily="18" charset="0"/>
+              </a:rPr>
+              <a:t> </a:t>
+            </a:r>
+            <a:r>
+              <a:rPr lang="en-US" dirty="0" err="1">
+                <a:latin typeface="Segoe UI Black" panose="020B0A02040204020203" pitchFamily="34" charset="0"/>
+                <a:ea typeface="Segoe UI Black" panose="020B0A02040204020203" pitchFamily="34" charset="0"/>
+                <a:cs typeface="Times New Roman" panose="02020603050405020304" pitchFamily="18" charset="0"/>
+              </a:rPr>
+              <a:t>sẽ</a:t>
+            </a:r>
+            <a:r>
+              <a:rPr lang="en-US" dirty="0">
+                <a:latin typeface="Segoe UI Black" panose="020B0A02040204020203" pitchFamily="34" charset="0"/>
+                <a:ea typeface="Segoe UI Black" panose="020B0A02040204020203" pitchFamily="34" charset="0"/>
+                <a:cs typeface="Times New Roman" panose="02020603050405020304" pitchFamily="18" charset="0"/>
+              </a:rPr>
+              <a:t> </a:t>
+            </a:r>
+            <a:r>
+              <a:rPr lang="en-US" dirty="0" err="1">
+                <a:latin typeface="Segoe UI Black" panose="020B0A02040204020203" pitchFamily="34" charset="0"/>
+                <a:ea typeface="Segoe UI Black" panose="020B0A02040204020203" pitchFamily="34" charset="0"/>
+                <a:cs typeface="Times New Roman" panose="02020603050405020304" pitchFamily="18" charset="0"/>
+              </a:rPr>
+              <a:t>hiển</a:t>
+            </a:r>
+            <a:r>
+              <a:rPr lang="en-US" dirty="0">
+                <a:latin typeface="Segoe UI Black" panose="020B0A02040204020203" pitchFamily="34" charset="0"/>
+                <a:ea typeface="Segoe UI Black" panose="020B0A02040204020203" pitchFamily="34" charset="0"/>
+                <a:cs typeface="Times New Roman" panose="02020603050405020304" pitchFamily="18" charset="0"/>
+              </a:rPr>
+              <a:t> </a:t>
+            </a:r>
+            <a:r>
+              <a:rPr lang="en-US" dirty="0" err="1">
+                <a:latin typeface="Segoe UI Black" panose="020B0A02040204020203" pitchFamily="34" charset="0"/>
+                <a:ea typeface="Segoe UI Black" panose="020B0A02040204020203" pitchFamily="34" charset="0"/>
+                <a:cs typeface="Times New Roman" panose="02020603050405020304" pitchFamily="18" charset="0"/>
+              </a:rPr>
+              <a:t>thị</a:t>
+            </a:r>
+            <a:r>
+              <a:rPr lang="en-US" dirty="0">
+                <a:latin typeface="Segoe UI Black" panose="020B0A02040204020203" pitchFamily="34" charset="0"/>
+                <a:ea typeface="Segoe UI Black" panose="020B0A02040204020203" pitchFamily="34" charset="0"/>
+                <a:cs typeface="Times New Roman" panose="02020603050405020304" pitchFamily="18" charset="0"/>
+              </a:rPr>
+              <a:t> </a:t>
+            </a:r>
+            <a:r>
+              <a:rPr lang="en-US" dirty="0" err="1">
+                <a:latin typeface="Segoe UI Black" panose="020B0A02040204020203" pitchFamily="34" charset="0"/>
+                <a:ea typeface="Segoe UI Black" panose="020B0A02040204020203" pitchFamily="34" charset="0"/>
+                <a:cs typeface="Times New Roman" panose="02020603050405020304" pitchFamily="18" charset="0"/>
+              </a:rPr>
+              <a:t>lên</a:t>
+            </a:r>
+            <a:r>
+              <a:rPr lang="en-US" dirty="0">
+                <a:latin typeface="Segoe UI Black" panose="020B0A02040204020203" pitchFamily="34" charset="0"/>
+                <a:ea typeface="Segoe UI Black" panose="020B0A02040204020203" pitchFamily="34" charset="0"/>
+                <a:cs typeface="Times New Roman" panose="02020603050405020304" pitchFamily="18" charset="0"/>
+              </a:rPr>
+              <a:t> </a:t>
+            </a:r>
+            <a:r>
+              <a:rPr lang="en-US" dirty="0" err="1">
+                <a:latin typeface="Segoe UI Black" panose="020B0A02040204020203" pitchFamily="34" charset="0"/>
+                <a:ea typeface="Segoe UI Black" panose="020B0A02040204020203" pitchFamily="34" charset="0"/>
+                <a:cs typeface="Times New Roman" panose="02020603050405020304" pitchFamily="18" charset="0"/>
+              </a:rPr>
+              <a:t>máy</a:t>
+            </a:r>
+            <a:r>
+              <a:rPr lang="en-US" dirty="0">
+                <a:latin typeface="Segoe UI Black" panose="020B0A02040204020203" pitchFamily="34" charset="0"/>
+                <a:ea typeface="Segoe UI Black" panose="020B0A02040204020203" pitchFamily="34" charset="0"/>
+                <a:cs typeface="Times New Roman" panose="02020603050405020304" pitchFamily="18" charset="0"/>
+              </a:rPr>
+              <a:t> </a:t>
+            </a:r>
+            <a:r>
+              <a:rPr lang="en-US" dirty="0" err="1">
+                <a:latin typeface="Segoe UI Black" panose="020B0A02040204020203" pitchFamily="34" charset="0"/>
+                <a:ea typeface="Segoe UI Black" panose="020B0A02040204020203" pitchFamily="34" charset="0"/>
+                <a:cs typeface="Times New Roman" panose="02020603050405020304" pitchFamily="18" charset="0"/>
+              </a:rPr>
+              <a:t>chủ</a:t>
+            </a:r>
+            <a:r>
+              <a:rPr lang="en-US" dirty="0">
+                <a:latin typeface="Segoe UI Black" panose="020B0A02040204020203" pitchFamily="34" charset="0"/>
+                <a:ea typeface="Segoe UI Black" panose="020B0A02040204020203" pitchFamily="34" charset="0"/>
+                <a:cs typeface="Times New Roman" panose="02020603050405020304" pitchFamily="18" charset="0"/>
+              </a:rPr>
+              <a:t> </a:t>
+            </a:r>
+            <a:r>
+              <a:rPr lang="en-US" dirty="0" err="1">
+                <a:latin typeface="Segoe UI Black" panose="020B0A02040204020203" pitchFamily="34" charset="0"/>
+                <a:ea typeface="Segoe UI Black" panose="020B0A02040204020203" pitchFamily="34" charset="0"/>
+                <a:cs typeface="Times New Roman" panose="02020603050405020304" pitchFamily="18" charset="0"/>
+              </a:rPr>
+              <a:t>và</a:t>
+            </a:r>
+            <a:r>
+              <a:rPr lang="en-US" dirty="0">
+                <a:latin typeface="Segoe UI Black" panose="020B0A02040204020203" pitchFamily="34" charset="0"/>
+                <a:ea typeface="Segoe UI Black" panose="020B0A02040204020203" pitchFamily="34" charset="0"/>
+                <a:cs typeface="Times New Roman" panose="02020603050405020304" pitchFamily="18" charset="0"/>
+              </a:rPr>
+              <a:t> </a:t>
+            </a:r>
+            <a:r>
+              <a:rPr lang="en-US" dirty="0" err="1">
+                <a:latin typeface="Segoe UI Black" panose="020B0A02040204020203" pitchFamily="34" charset="0"/>
+                <a:ea typeface="Segoe UI Black" panose="020B0A02040204020203" pitchFamily="34" charset="0"/>
+                <a:cs typeface="Times New Roman" panose="02020603050405020304" pitchFamily="18" charset="0"/>
+              </a:rPr>
+              <a:t>phản</a:t>
+            </a:r>
+            <a:r>
+              <a:rPr lang="en-US" dirty="0">
+                <a:latin typeface="Segoe UI Black" panose="020B0A02040204020203" pitchFamily="34" charset="0"/>
+                <a:ea typeface="Segoe UI Black" panose="020B0A02040204020203" pitchFamily="34" charset="0"/>
+                <a:cs typeface="Times New Roman" panose="02020603050405020304" pitchFamily="18" charset="0"/>
+              </a:rPr>
+              <a:t> </a:t>
+            </a:r>
+            <a:r>
+              <a:rPr lang="en-US" dirty="0" err="1">
+                <a:latin typeface="Segoe UI Black" panose="020B0A02040204020203" pitchFamily="34" charset="0"/>
+                <a:ea typeface="Segoe UI Black" panose="020B0A02040204020203" pitchFamily="34" charset="0"/>
+                <a:cs typeface="Times New Roman" panose="02020603050405020304" pitchFamily="18" charset="0"/>
+              </a:rPr>
+              <a:t>hồi</a:t>
+            </a:r>
+            <a:r>
+              <a:rPr lang="en-US" dirty="0">
+                <a:latin typeface="Segoe UI Black" panose="020B0A02040204020203" pitchFamily="34" charset="0"/>
+                <a:ea typeface="Segoe UI Black" panose="020B0A02040204020203" pitchFamily="34" charset="0"/>
+                <a:cs typeface="Times New Roman" panose="02020603050405020304" pitchFamily="18" charset="0"/>
+              </a:rPr>
+              <a:t> </a:t>
+            </a:r>
+            <a:r>
+              <a:rPr lang="en-US" dirty="0" err="1">
+                <a:latin typeface="Segoe UI Black" panose="020B0A02040204020203" pitchFamily="34" charset="0"/>
+                <a:ea typeface="Segoe UI Black" panose="020B0A02040204020203" pitchFamily="34" charset="0"/>
+                <a:cs typeface="Times New Roman" panose="02020603050405020304" pitchFamily="18" charset="0"/>
+              </a:rPr>
+              <a:t>lại</a:t>
+            </a:r>
+            <a:r>
+              <a:rPr lang="en-US" dirty="0">
+                <a:latin typeface="Segoe UI Black" panose="020B0A02040204020203" pitchFamily="34" charset="0"/>
+                <a:ea typeface="Segoe UI Black" panose="020B0A02040204020203" pitchFamily="34" charset="0"/>
+                <a:cs typeface="Times New Roman" panose="02020603050405020304" pitchFamily="18" charset="0"/>
+              </a:rPr>
+              <a:t> client</a:t>
             </a:r>
           </a:p>
         </p:txBody>
@@ -5228,7 +7885,7 @@
         </p:blipFill>
         <p:spPr>
           <a:xfrm>
-            <a:off x="3204127" y="2838367"/>
+            <a:off x="3357180" y="2435696"/>
             <a:ext cx="5477639" cy="1181265"/>
           </a:xfrm>
           <a:prstGeom prst="rect">
@@ -5264,7 +7921,7 @@
         </p:blipFill>
         <p:spPr>
           <a:xfrm>
-            <a:off x="3204127" y="5190291"/>
+            <a:off x="3204127" y="4754063"/>
             <a:ext cx="6416951" cy="1181265"/>
           </a:xfrm>
           <a:prstGeom prst="rect">
@@ -5282,13 +7939,13 @@
   <p:clrMapOvr>
     <a:masterClrMapping/>
   </p:clrMapOvr>
-  <mc:AlternateContent xmlns:mc="http://schemas.openxmlformats.org/markup-compatibility/2006">
-    <mc:Choice xmlns:p15="http://schemas.microsoft.com/office/powerpoint/2012/main" Requires="p15">
+  <mc:AlternateContent xmlns:mc="http://schemas.openxmlformats.org/markup-compatibility/2006" xmlns:p15="http://schemas.microsoft.com/office/powerpoint/2012/main">
+    <mc:Choice Requires="p15">
       <p:transition xmlns:p14="http://schemas.microsoft.com/office/powerpoint/2010/main" spd="slow" p14:dur="1250">
         <p15:prstTrans prst="peelOff"/>
       </p:transition>
     </mc:Choice>
-    <mc:Fallback>
+    <mc:Fallback xmlns="">
       <p:transition spd="slow">
         <p:fade/>
       </p:transition>
@@ -5335,8 +7992,9 @@
           <a:lstStyle/>
           <a:p>
             <a:r>
-              <a:rPr lang="en-US" b="1">
-                <a:latin typeface="Times New Roman" panose="02020603050405020304" pitchFamily="18" charset="0"/>
+              <a:rPr lang="en-US" sz="3000" b="1" dirty="0">
+                <a:latin typeface="Segoe UI Black" panose="020B0A02040204020203" pitchFamily="34" charset="0"/>
+                <a:ea typeface="Segoe UI Black" panose="020B0A02040204020203" pitchFamily="34" charset="0"/>
                 <a:cs typeface="Times New Roman" panose="02020603050405020304" pitchFamily="18" charset="0"/>
               </a:rPr>
               <a:t>NODEJS XỬ LÍ GET-POST</a:t>
@@ -5367,22 +8025,117 @@
           <a:lstStyle/>
           <a:p>
             <a:r>
-              <a:rPr lang="en-US" sz="2200" b="1">
-                <a:latin typeface="Times New Roman" panose="02020603050405020304" pitchFamily="18" charset="0"/>
-                <a:cs typeface="Times New Roman" panose="02020603050405020304" pitchFamily="18" charset="0"/>
-              </a:rPr>
-              <a:t>Bước 3: thiết lập cổng kết nối</a:t>
-            </a:r>
-          </a:p>
-          <a:p>
-            <a:endParaRPr lang="en-US" sz="2200" b="1">
-              <a:latin typeface="Times New Roman" panose="02020603050405020304" pitchFamily="18" charset="0"/>
+              <a:rPr lang="en-US" b="1" dirty="0" err="1">
+                <a:latin typeface="Segoe UI Black" panose="020B0A02040204020203" pitchFamily="34" charset="0"/>
+                <a:ea typeface="Segoe UI Black" panose="020B0A02040204020203" pitchFamily="34" charset="0"/>
+                <a:cs typeface="Times New Roman" panose="02020603050405020304" pitchFamily="18" charset="0"/>
+              </a:rPr>
+              <a:t>Bước</a:t>
+            </a:r>
+            <a:r>
+              <a:rPr lang="en-US" b="1" dirty="0">
+                <a:latin typeface="Segoe UI Black" panose="020B0A02040204020203" pitchFamily="34" charset="0"/>
+                <a:ea typeface="Segoe UI Black" panose="020B0A02040204020203" pitchFamily="34" charset="0"/>
+                <a:cs typeface="Times New Roman" panose="02020603050405020304" pitchFamily="18" charset="0"/>
+              </a:rPr>
+              <a:t> 3: </a:t>
+            </a:r>
+            <a:r>
+              <a:rPr lang="en-US" b="1" dirty="0" err="1">
+                <a:latin typeface="Segoe UI Black" panose="020B0A02040204020203" pitchFamily="34" charset="0"/>
+                <a:ea typeface="Segoe UI Black" panose="020B0A02040204020203" pitchFamily="34" charset="0"/>
+                <a:cs typeface="Times New Roman" panose="02020603050405020304" pitchFamily="18" charset="0"/>
+              </a:rPr>
+              <a:t>thiết</a:t>
+            </a:r>
+            <a:r>
+              <a:rPr lang="en-US" b="1" dirty="0">
+                <a:latin typeface="Segoe UI Black" panose="020B0A02040204020203" pitchFamily="34" charset="0"/>
+                <a:ea typeface="Segoe UI Black" panose="020B0A02040204020203" pitchFamily="34" charset="0"/>
+                <a:cs typeface="Times New Roman" panose="02020603050405020304" pitchFamily="18" charset="0"/>
+              </a:rPr>
+              <a:t> </a:t>
+            </a:r>
+            <a:r>
+              <a:rPr lang="en-US" b="1" dirty="0" err="1">
+                <a:latin typeface="Segoe UI Black" panose="020B0A02040204020203" pitchFamily="34" charset="0"/>
+                <a:ea typeface="Segoe UI Black" panose="020B0A02040204020203" pitchFamily="34" charset="0"/>
+                <a:cs typeface="Times New Roman" panose="02020603050405020304" pitchFamily="18" charset="0"/>
+              </a:rPr>
+              <a:t>lập</a:t>
+            </a:r>
+            <a:r>
+              <a:rPr lang="en-US" b="1" dirty="0">
+                <a:latin typeface="Segoe UI Black" panose="020B0A02040204020203" pitchFamily="34" charset="0"/>
+                <a:ea typeface="Segoe UI Black" panose="020B0A02040204020203" pitchFamily="34" charset="0"/>
+                <a:cs typeface="Times New Roman" panose="02020603050405020304" pitchFamily="18" charset="0"/>
+              </a:rPr>
+              <a:t> </a:t>
+            </a:r>
+            <a:r>
+              <a:rPr lang="en-US" b="1" dirty="0" err="1">
+                <a:latin typeface="Segoe UI Black" panose="020B0A02040204020203" pitchFamily="34" charset="0"/>
+                <a:ea typeface="Segoe UI Black" panose="020B0A02040204020203" pitchFamily="34" charset="0"/>
+                <a:cs typeface="Times New Roman" panose="02020603050405020304" pitchFamily="18" charset="0"/>
+              </a:rPr>
+              <a:t>cổng</a:t>
+            </a:r>
+            <a:r>
+              <a:rPr lang="en-US" b="1" dirty="0">
+                <a:latin typeface="Segoe UI Black" panose="020B0A02040204020203" pitchFamily="34" charset="0"/>
+                <a:ea typeface="Segoe UI Black" panose="020B0A02040204020203" pitchFamily="34" charset="0"/>
+                <a:cs typeface="Times New Roman" panose="02020603050405020304" pitchFamily="18" charset="0"/>
+              </a:rPr>
+              <a:t> </a:t>
+            </a:r>
+            <a:r>
+              <a:rPr lang="en-US" b="1" dirty="0" err="1">
+                <a:latin typeface="Segoe UI Black" panose="020B0A02040204020203" pitchFamily="34" charset="0"/>
+                <a:ea typeface="Segoe UI Black" panose="020B0A02040204020203" pitchFamily="34" charset="0"/>
+                <a:cs typeface="Times New Roman" panose="02020603050405020304" pitchFamily="18" charset="0"/>
+              </a:rPr>
+              <a:t>kết</a:t>
+            </a:r>
+            <a:r>
+              <a:rPr lang="en-US" b="1" dirty="0">
+                <a:latin typeface="Segoe UI Black" panose="020B0A02040204020203" pitchFamily="34" charset="0"/>
+                <a:ea typeface="Segoe UI Black" panose="020B0A02040204020203" pitchFamily="34" charset="0"/>
+                <a:cs typeface="Times New Roman" panose="02020603050405020304" pitchFamily="18" charset="0"/>
+              </a:rPr>
+              <a:t> </a:t>
+            </a:r>
+            <a:r>
+              <a:rPr lang="en-US" b="1" dirty="0" err="1">
+                <a:latin typeface="Segoe UI Black" panose="020B0A02040204020203" pitchFamily="34" charset="0"/>
+                <a:ea typeface="Segoe UI Black" panose="020B0A02040204020203" pitchFamily="34" charset="0"/>
+                <a:cs typeface="Times New Roman" panose="02020603050405020304" pitchFamily="18" charset="0"/>
+              </a:rPr>
+              <a:t>nối</a:t>
+            </a:r>
+            <a:endParaRPr lang="en-US" b="1" dirty="0">
+              <a:latin typeface="Segoe UI Black" panose="020B0A02040204020203" pitchFamily="34" charset="0"/>
+              <a:ea typeface="Segoe UI Black" panose="020B0A02040204020203" pitchFamily="34" charset="0"/>
               <a:cs typeface="Times New Roman" panose="02020603050405020304" pitchFamily="18" charset="0"/>
             </a:endParaRPr>
           </a:p>
           <a:p>
-            <a:endParaRPr lang="en-US" sz="2200">
-              <a:latin typeface="Times New Roman" panose="02020603050405020304" pitchFamily="18" charset="0"/>
+            <a:endParaRPr lang="en-US" b="1" dirty="0">
+              <a:latin typeface="Segoe UI Black" panose="020B0A02040204020203" pitchFamily="34" charset="0"/>
+              <a:ea typeface="Segoe UI Black" panose="020B0A02040204020203" pitchFamily="34" charset="0"/>
+              <a:cs typeface="Times New Roman" panose="02020603050405020304" pitchFamily="18" charset="0"/>
+            </a:endParaRPr>
+          </a:p>
+          <a:p>
+            <a:endParaRPr lang="en-US" dirty="0">
+              <a:latin typeface="Segoe UI Black" panose="020B0A02040204020203" pitchFamily="34" charset="0"/>
+              <a:ea typeface="Segoe UI Black" panose="020B0A02040204020203" pitchFamily="34" charset="0"/>
+              <a:cs typeface="Times New Roman" panose="02020603050405020304" pitchFamily="18" charset="0"/>
+            </a:endParaRPr>
+          </a:p>
+          <a:p>
+            <a:endParaRPr lang="en-US" dirty="0">
+              <a:latin typeface="Segoe UI Black" panose="020B0A02040204020203" pitchFamily="34" charset="0"/>
+              <a:ea typeface="Segoe UI Black" panose="020B0A02040204020203" pitchFamily="34" charset="0"/>
               <a:cs typeface="Times New Roman" panose="02020603050405020304" pitchFamily="18" charset="0"/>
             </a:endParaRPr>
           </a:p>
@@ -5392,28 +8145,104 @@
               <a:buChar char="q"/>
             </a:pPr>
             <a:r>
-              <a:rPr lang="en-US" sz="2200">
-                <a:latin typeface="Times New Roman" panose="02020603050405020304" pitchFamily="18" charset="0"/>
-                <a:cs typeface="Times New Roman" panose="02020603050405020304" pitchFamily="18" charset="0"/>
-              </a:rPr>
-              <a:t>Các bạn tham khảo code trên git</a:t>
-            </a:r>
-          </a:p>
-          <a:p>
-            <a:endParaRPr lang="en-US" sz="2200">
-              <a:latin typeface="Times New Roman" panose="02020603050405020304" pitchFamily="18" charset="0"/>
+              <a:rPr lang="en-US" dirty="0" err="1">
+                <a:latin typeface="Segoe UI Black" panose="020B0A02040204020203" pitchFamily="34" charset="0"/>
+                <a:ea typeface="Segoe UI Black" panose="020B0A02040204020203" pitchFamily="34" charset="0"/>
+                <a:cs typeface="Times New Roman" panose="02020603050405020304" pitchFamily="18" charset="0"/>
+              </a:rPr>
+              <a:t>Các</a:t>
+            </a:r>
+            <a:r>
+              <a:rPr lang="en-US" dirty="0">
+                <a:latin typeface="Segoe UI Black" panose="020B0A02040204020203" pitchFamily="34" charset="0"/>
+                <a:ea typeface="Segoe UI Black" panose="020B0A02040204020203" pitchFamily="34" charset="0"/>
+                <a:cs typeface="Times New Roman" panose="02020603050405020304" pitchFamily="18" charset="0"/>
+              </a:rPr>
+              <a:t> </a:t>
+            </a:r>
+            <a:r>
+              <a:rPr lang="en-US" dirty="0" err="1">
+                <a:latin typeface="Segoe UI Black" panose="020B0A02040204020203" pitchFamily="34" charset="0"/>
+                <a:ea typeface="Segoe UI Black" panose="020B0A02040204020203" pitchFamily="34" charset="0"/>
+                <a:cs typeface="Times New Roman" panose="02020603050405020304" pitchFamily="18" charset="0"/>
+              </a:rPr>
+              <a:t>bạn</a:t>
+            </a:r>
+            <a:r>
+              <a:rPr lang="en-US" dirty="0">
+                <a:latin typeface="Segoe UI Black" panose="020B0A02040204020203" pitchFamily="34" charset="0"/>
+                <a:ea typeface="Segoe UI Black" panose="020B0A02040204020203" pitchFamily="34" charset="0"/>
+                <a:cs typeface="Times New Roman" panose="02020603050405020304" pitchFamily="18" charset="0"/>
+              </a:rPr>
+              <a:t> </a:t>
+            </a:r>
+            <a:r>
+              <a:rPr lang="en-US" dirty="0" err="1">
+                <a:latin typeface="Segoe UI Black" panose="020B0A02040204020203" pitchFamily="34" charset="0"/>
+                <a:ea typeface="Segoe UI Black" panose="020B0A02040204020203" pitchFamily="34" charset="0"/>
+                <a:cs typeface="Times New Roman" panose="02020603050405020304" pitchFamily="18" charset="0"/>
+              </a:rPr>
+              <a:t>tham</a:t>
+            </a:r>
+            <a:r>
+              <a:rPr lang="en-US" dirty="0">
+                <a:latin typeface="Segoe UI Black" panose="020B0A02040204020203" pitchFamily="34" charset="0"/>
+                <a:ea typeface="Segoe UI Black" panose="020B0A02040204020203" pitchFamily="34" charset="0"/>
+                <a:cs typeface="Times New Roman" panose="02020603050405020304" pitchFamily="18" charset="0"/>
+              </a:rPr>
+              <a:t> </a:t>
+            </a:r>
+            <a:r>
+              <a:rPr lang="en-US" dirty="0" err="1">
+                <a:latin typeface="Segoe UI Black" panose="020B0A02040204020203" pitchFamily="34" charset="0"/>
+                <a:ea typeface="Segoe UI Black" panose="020B0A02040204020203" pitchFamily="34" charset="0"/>
+                <a:cs typeface="Times New Roman" panose="02020603050405020304" pitchFamily="18" charset="0"/>
+              </a:rPr>
+              <a:t>khảo</a:t>
+            </a:r>
+            <a:r>
+              <a:rPr lang="en-US" dirty="0">
+                <a:latin typeface="Segoe UI Black" panose="020B0A02040204020203" pitchFamily="34" charset="0"/>
+                <a:ea typeface="Segoe UI Black" panose="020B0A02040204020203" pitchFamily="34" charset="0"/>
+                <a:cs typeface="Times New Roman" panose="02020603050405020304" pitchFamily="18" charset="0"/>
+              </a:rPr>
+              <a:t> code </a:t>
+            </a:r>
+            <a:r>
+              <a:rPr lang="en-US" dirty="0" err="1">
+                <a:latin typeface="Segoe UI Black" panose="020B0A02040204020203" pitchFamily="34" charset="0"/>
+                <a:ea typeface="Segoe UI Black" panose="020B0A02040204020203" pitchFamily="34" charset="0"/>
+                <a:cs typeface="Times New Roman" panose="02020603050405020304" pitchFamily="18" charset="0"/>
+              </a:rPr>
+              <a:t>trên</a:t>
+            </a:r>
+            <a:r>
+              <a:rPr lang="en-US" dirty="0">
+                <a:latin typeface="Segoe UI Black" panose="020B0A02040204020203" pitchFamily="34" charset="0"/>
+                <a:ea typeface="Segoe UI Black" panose="020B0A02040204020203" pitchFamily="34" charset="0"/>
+                <a:cs typeface="Times New Roman" panose="02020603050405020304" pitchFamily="18" charset="0"/>
+              </a:rPr>
+              <a:t> git</a:t>
+            </a:r>
+          </a:p>
+          <a:p>
+            <a:endParaRPr lang="en-US" dirty="0">
+              <a:latin typeface="Segoe UI Black" panose="020B0A02040204020203" pitchFamily="34" charset="0"/>
+              <a:ea typeface="Segoe UI Black" panose="020B0A02040204020203" pitchFamily="34" charset="0"/>
               <a:cs typeface="Times New Roman" panose="02020603050405020304" pitchFamily="18" charset="0"/>
             </a:endParaRPr>
           </a:p>
           <a:p>
-            <a:endParaRPr lang="en-US" sz="2200">
-              <a:latin typeface="Times New Roman" panose="02020603050405020304" pitchFamily="18" charset="0"/>
+            <a:endParaRPr lang="en-US" dirty="0">
+              <a:latin typeface="Segoe UI Black" panose="020B0A02040204020203" pitchFamily="34" charset="0"/>
+              <a:ea typeface="Segoe UI Black" panose="020B0A02040204020203" pitchFamily="34" charset="0"/>
               <a:cs typeface="Times New Roman" panose="02020603050405020304" pitchFamily="18" charset="0"/>
             </a:endParaRPr>
           </a:p>
           <a:p>
-            <a:endParaRPr lang="en-US" sz="2200">
-              <a:latin typeface="Times New Roman" panose="02020603050405020304" pitchFamily="18" charset="0"/>
+            <a:endParaRPr lang="en-US" dirty="0">
+              <a:latin typeface="Segoe UI Black" panose="020B0A02040204020203" pitchFamily="34" charset="0"/>
+              <a:ea typeface="Segoe UI Black" panose="020B0A02040204020203" pitchFamily="34" charset="0"/>
               <a:cs typeface="Times New Roman" panose="02020603050405020304" pitchFamily="18" charset="0"/>
             </a:endParaRPr>
           </a:p>
@@ -5465,13 +8294,13 @@
   <p:clrMapOvr>
     <a:masterClrMapping/>
   </p:clrMapOvr>
-  <mc:AlternateContent xmlns:mc="http://schemas.openxmlformats.org/markup-compatibility/2006">
-    <mc:Choice xmlns:p15="http://schemas.microsoft.com/office/powerpoint/2012/main" Requires="p15">
+  <mc:AlternateContent xmlns:mc="http://schemas.openxmlformats.org/markup-compatibility/2006" xmlns:p15="http://schemas.microsoft.com/office/powerpoint/2012/main">
+    <mc:Choice Requires="p15">
       <p:transition xmlns:p14="http://schemas.microsoft.com/office/powerpoint/2010/main" spd="slow" p14:dur="1250">
         <p15:prstTrans prst="peelOff"/>
       </p:transition>
     </mc:Choice>
-    <mc:Fallback>
+    <mc:Fallback xmlns="">
       <p:transition spd="slow">
         <p:fade/>
       </p:transition>
@@ -5518,8 +8347,9 @@
           <a:lstStyle/>
           <a:p>
             <a:r>
-              <a:rPr lang="en-US" b="1">
-                <a:latin typeface="Times New Roman" panose="02020603050405020304" pitchFamily="18" charset="0"/>
+              <a:rPr lang="en-US" sz="3000" b="1" dirty="0">
+                <a:latin typeface="Segoe UI Black" panose="020B0A02040204020203" pitchFamily="34" charset="0"/>
+                <a:ea typeface="Segoe UI Black" panose="020B0A02040204020203" pitchFamily="34" charset="0"/>
                 <a:cs typeface="Times New Roman" panose="02020603050405020304" pitchFamily="18" charset="0"/>
               </a:rPr>
               <a:t>NODEJS XỬ LÍ GET-POST</a:t>
@@ -5550,58 +8380,265 @@
           <a:lstStyle/>
           <a:p>
             <a:r>
-              <a:rPr lang="en-US" sz="2200">
-                <a:latin typeface="Times New Roman" panose="02020603050405020304" pitchFamily="18" charset="0"/>
-                <a:cs typeface="Times New Roman" panose="02020603050405020304" pitchFamily="18" charset="0"/>
-              </a:rPr>
-              <a:t>Kết quả:</a:t>
-            </a:r>
-          </a:p>
-          <a:p>
-            <a:endParaRPr lang="en-US" sz="2200">
-              <a:latin typeface="Times New Roman" panose="02020603050405020304" pitchFamily="18" charset="0"/>
+              <a:rPr lang="en-US" dirty="0" err="1">
+                <a:latin typeface="Segoe UI Black" panose="020B0A02040204020203" pitchFamily="34" charset="0"/>
+                <a:ea typeface="Segoe UI Black" panose="020B0A02040204020203" pitchFamily="34" charset="0"/>
+                <a:cs typeface="Times New Roman" panose="02020603050405020304" pitchFamily="18" charset="0"/>
+              </a:rPr>
+              <a:t>Kết</a:t>
+            </a:r>
+            <a:r>
+              <a:rPr lang="en-US" dirty="0">
+                <a:latin typeface="Segoe UI Black" panose="020B0A02040204020203" pitchFamily="34" charset="0"/>
+                <a:ea typeface="Segoe UI Black" panose="020B0A02040204020203" pitchFamily="34" charset="0"/>
+                <a:cs typeface="Times New Roman" panose="02020603050405020304" pitchFamily="18" charset="0"/>
+              </a:rPr>
+              <a:t> </a:t>
+            </a:r>
+            <a:r>
+              <a:rPr lang="en-US" dirty="0" err="1">
+                <a:latin typeface="Segoe UI Black" panose="020B0A02040204020203" pitchFamily="34" charset="0"/>
+                <a:ea typeface="Segoe UI Black" panose="020B0A02040204020203" pitchFamily="34" charset="0"/>
+                <a:cs typeface="Times New Roman" panose="02020603050405020304" pitchFamily="18" charset="0"/>
+              </a:rPr>
+              <a:t>quả</a:t>
+            </a:r>
+            <a:r>
+              <a:rPr lang="en-US" dirty="0">
+                <a:latin typeface="Segoe UI Black" panose="020B0A02040204020203" pitchFamily="34" charset="0"/>
+                <a:ea typeface="Segoe UI Black" panose="020B0A02040204020203" pitchFamily="34" charset="0"/>
+                <a:cs typeface="Times New Roman" panose="02020603050405020304" pitchFamily="18" charset="0"/>
+              </a:rPr>
+              <a:t>:</a:t>
+            </a:r>
+          </a:p>
+          <a:p>
+            <a:endParaRPr lang="en-US" dirty="0">
+              <a:latin typeface="Segoe UI Black" panose="020B0A02040204020203" pitchFamily="34" charset="0"/>
+              <a:ea typeface="Segoe UI Black" panose="020B0A02040204020203" pitchFamily="34" charset="0"/>
               <a:cs typeface="Times New Roman" panose="02020603050405020304" pitchFamily="18" charset="0"/>
             </a:endParaRPr>
           </a:p>
           <a:p>
-            <a:endParaRPr lang="en-US" sz="2200">
-              <a:latin typeface="Times New Roman" panose="02020603050405020304" pitchFamily="18" charset="0"/>
+            <a:endParaRPr lang="en-US" dirty="0">
+              <a:latin typeface="Segoe UI Black" panose="020B0A02040204020203" pitchFamily="34" charset="0"/>
+              <a:ea typeface="Segoe UI Black" panose="020B0A02040204020203" pitchFamily="34" charset="0"/>
               <a:cs typeface="Times New Roman" panose="02020603050405020304" pitchFamily="18" charset="0"/>
             </a:endParaRPr>
           </a:p>
           <a:p>
-            <a:endParaRPr lang="en-US" sz="2200">
-              <a:latin typeface="Times New Roman" panose="02020603050405020304" pitchFamily="18" charset="0"/>
+            <a:endParaRPr lang="en-US" dirty="0">
+              <a:latin typeface="Segoe UI Black" panose="020B0A02040204020203" pitchFamily="34" charset="0"/>
+              <a:ea typeface="Segoe UI Black" panose="020B0A02040204020203" pitchFamily="34" charset="0"/>
               <a:cs typeface="Times New Roman" panose="02020603050405020304" pitchFamily="18" charset="0"/>
             </a:endParaRPr>
           </a:p>
           <a:p>
-            <a:endParaRPr lang="en-US" sz="2200">
-              <a:latin typeface="Times New Roman" panose="02020603050405020304" pitchFamily="18" charset="0"/>
+            <a:endParaRPr lang="en-US" dirty="0">
+              <a:latin typeface="Segoe UI Black" panose="020B0A02040204020203" pitchFamily="34" charset="0"/>
+              <a:ea typeface="Segoe UI Black" panose="020B0A02040204020203" pitchFamily="34" charset="0"/>
               <a:cs typeface="Times New Roman" panose="02020603050405020304" pitchFamily="18" charset="0"/>
             </a:endParaRPr>
           </a:p>
           <a:p>
-            <a:r>
-              <a:rPr lang="en-US" sz="2200">
-                <a:latin typeface="Times New Roman" panose="02020603050405020304" pitchFamily="18" charset="0"/>
-                <a:cs typeface="Times New Roman" panose="02020603050405020304" pitchFamily="18" charset="0"/>
-              </a:rPr>
-              <a:t>Sau khi nhập sẽ phản hồi về client</a:t>
-            </a:r>
-          </a:p>
-          <a:p>
-            <a:r>
-              <a:rPr lang="en-US" sz="2200">
-                <a:latin typeface="Times New Roman" panose="02020603050405020304" pitchFamily="18" charset="0"/>
-                <a:cs typeface="Times New Roman" panose="02020603050405020304" pitchFamily="18" charset="0"/>
-              </a:rPr>
-              <a:t>Đồng thời, hiển thị trên server </a:t>
-            </a:r>
-          </a:p>
-          <a:p>
-            <a:endParaRPr lang="en-US" sz="2200">
-              <a:latin typeface="Times New Roman" panose="02020603050405020304" pitchFamily="18" charset="0"/>
+            <a:endParaRPr lang="en-US" dirty="0">
+              <a:latin typeface="Segoe UI Black" panose="020B0A02040204020203" pitchFamily="34" charset="0"/>
+              <a:ea typeface="Segoe UI Black" panose="020B0A02040204020203" pitchFamily="34" charset="0"/>
+              <a:cs typeface="Times New Roman" panose="02020603050405020304" pitchFamily="18" charset="0"/>
+            </a:endParaRPr>
+          </a:p>
+          <a:p>
+            <a:r>
+              <a:rPr lang="en-US" dirty="0">
+                <a:latin typeface="Segoe UI Black" panose="020B0A02040204020203" pitchFamily="34" charset="0"/>
+                <a:ea typeface="Segoe UI Black" panose="020B0A02040204020203" pitchFamily="34" charset="0"/>
+                <a:cs typeface="Times New Roman" panose="02020603050405020304" pitchFamily="18" charset="0"/>
+              </a:rPr>
+              <a:t>Sau </a:t>
+            </a:r>
+            <a:r>
+              <a:rPr lang="en-US" dirty="0" err="1">
+                <a:latin typeface="Segoe UI Black" panose="020B0A02040204020203" pitchFamily="34" charset="0"/>
+                <a:ea typeface="Segoe UI Black" panose="020B0A02040204020203" pitchFamily="34" charset="0"/>
+                <a:cs typeface="Times New Roman" panose="02020603050405020304" pitchFamily="18" charset="0"/>
+              </a:rPr>
+              <a:t>khi</a:t>
+            </a:r>
+            <a:r>
+              <a:rPr lang="en-US" dirty="0">
+                <a:latin typeface="Segoe UI Black" panose="020B0A02040204020203" pitchFamily="34" charset="0"/>
+                <a:ea typeface="Segoe UI Black" panose="020B0A02040204020203" pitchFamily="34" charset="0"/>
+                <a:cs typeface="Times New Roman" panose="02020603050405020304" pitchFamily="18" charset="0"/>
+              </a:rPr>
+              <a:t> </a:t>
+            </a:r>
+            <a:r>
+              <a:rPr lang="en-US" dirty="0" err="1">
+                <a:latin typeface="Segoe UI Black" panose="020B0A02040204020203" pitchFamily="34" charset="0"/>
+                <a:ea typeface="Segoe UI Black" panose="020B0A02040204020203" pitchFamily="34" charset="0"/>
+                <a:cs typeface="Times New Roman" panose="02020603050405020304" pitchFamily="18" charset="0"/>
+              </a:rPr>
+              <a:t>nhập</a:t>
+            </a:r>
+            <a:r>
+              <a:rPr lang="en-US" dirty="0">
+                <a:latin typeface="Segoe UI Black" panose="020B0A02040204020203" pitchFamily="34" charset="0"/>
+                <a:ea typeface="Segoe UI Black" panose="020B0A02040204020203" pitchFamily="34" charset="0"/>
+                <a:cs typeface="Times New Roman" panose="02020603050405020304" pitchFamily="18" charset="0"/>
+              </a:rPr>
+              <a:t> </a:t>
+            </a:r>
+            <a:r>
+              <a:rPr lang="en-US" dirty="0" err="1">
+                <a:latin typeface="Segoe UI Black" panose="020B0A02040204020203" pitchFamily="34" charset="0"/>
+                <a:ea typeface="Segoe UI Black" panose="020B0A02040204020203" pitchFamily="34" charset="0"/>
+                <a:cs typeface="Times New Roman" panose="02020603050405020304" pitchFamily="18" charset="0"/>
+              </a:rPr>
+              <a:t>sẽ</a:t>
+            </a:r>
+            <a:r>
+              <a:rPr lang="en-US" dirty="0">
+                <a:latin typeface="Segoe UI Black" panose="020B0A02040204020203" pitchFamily="34" charset="0"/>
+                <a:ea typeface="Segoe UI Black" panose="020B0A02040204020203" pitchFamily="34" charset="0"/>
+                <a:cs typeface="Times New Roman" panose="02020603050405020304" pitchFamily="18" charset="0"/>
+              </a:rPr>
+              <a:t> </a:t>
+            </a:r>
+            <a:r>
+              <a:rPr lang="en-US" dirty="0" err="1">
+                <a:latin typeface="Segoe UI Black" panose="020B0A02040204020203" pitchFamily="34" charset="0"/>
+                <a:ea typeface="Segoe UI Black" panose="020B0A02040204020203" pitchFamily="34" charset="0"/>
+                <a:cs typeface="Times New Roman" panose="02020603050405020304" pitchFamily="18" charset="0"/>
+              </a:rPr>
+              <a:t>phản</a:t>
+            </a:r>
+            <a:r>
+              <a:rPr lang="en-US" dirty="0">
+                <a:latin typeface="Segoe UI Black" panose="020B0A02040204020203" pitchFamily="34" charset="0"/>
+                <a:ea typeface="Segoe UI Black" panose="020B0A02040204020203" pitchFamily="34" charset="0"/>
+                <a:cs typeface="Times New Roman" panose="02020603050405020304" pitchFamily="18" charset="0"/>
+              </a:rPr>
+              <a:t> </a:t>
+            </a:r>
+            <a:r>
+              <a:rPr lang="en-US" dirty="0" err="1">
+                <a:latin typeface="Segoe UI Black" panose="020B0A02040204020203" pitchFamily="34" charset="0"/>
+                <a:ea typeface="Segoe UI Black" panose="020B0A02040204020203" pitchFamily="34" charset="0"/>
+                <a:cs typeface="Times New Roman" panose="02020603050405020304" pitchFamily="18" charset="0"/>
+              </a:rPr>
+              <a:t>hồi</a:t>
+            </a:r>
+            <a:r>
+              <a:rPr lang="en-US" dirty="0">
+                <a:latin typeface="Segoe UI Black" panose="020B0A02040204020203" pitchFamily="34" charset="0"/>
+                <a:ea typeface="Segoe UI Black" panose="020B0A02040204020203" pitchFamily="34" charset="0"/>
+                <a:cs typeface="Times New Roman" panose="02020603050405020304" pitchFamily="18" charset="0"/>
+              </a:rPr>
+              <a:t> </a:t>
+            </a:r>
+            <a:r>
+              <a:rPr lang="en-US" dirty="0" err="1">
+                <a:latin typeface="Segoe UI Black" panose="020B0A02040204020203" pitchFamily="34" charset="0"/>
+                <a:ea typeface="Segoe UI Black" panose="020B0A02040204020203" pitchFamily="34" charset="0"/>
+                <a:cs typeface="Times New Roman" panose="02020603050405020304" pitchFamily="18" charset="0"/>
+              </a:rPr>
+              <a:t>về</a:t>
+            </a:r>
+            <a:r>
+              <a:rPr lang="en-US" dirty="0">
+                <a:latin typeface="Segoe UI Black" panose="020B0A02040204020203" pitchFamily="34" charset="0"/>
+                <a:ea typeface="Segoe UI Black" panose="020B0A02040204020203" pitchFamily="34" charset="0"/>
+                <a:cs typeface="Times New Roman" panose="02020603050405020304" pitchFamily="18" charset="0"/>
+              </a:rPr>
+              <a:t> client</a:t>
+            </a:r>
+          </a:p>
+          <a:p>
+            <a:r>
+              <a:rPr lang="en-US" dirty="0" err="1">
+                <a:latin typeface="Segoe UI Black" panose="020B0A02040204020203" pitchFamily="34" charset="0"/>
+                <a:ea typeface="Segoe UI Black" panose="020B0A02040204020203" pitchFamily="34" charset="0"/>
+                <a:cs typeface="Times New Roman" panose="02020603050405020304" pitchFamily="18" charset="0"/>
+              </a:rPr>
+              <a:t>Đồng</a:t>
+            </a:r>
+            <a:r>
+              <a:rPr lang="en-US" dirty="0">
+                <a:latin typeface="Segoe UI Black" panose="020B0A02040204020203" pitchFamily="34" charset="0"/>
+                <a:ea typeface="Segoe UI Black" panose="020B0A02040204020203" pitchFamily="34" charset="0"/>
+                <a:cs typeface="Times New Roman" panose="02020603050405020304" pitchFamily="18" charset="0"/>
+              </a:rPr>
+              <a:t> </a:t>
+            </a:r>
+            <a:r>
+              <a:rPr lang="en-US" dirty="0" err="1">
+                <a:latin typeface="Segoe UI Black" panose="020B0A02040204020203" pitchFamily="34" charset="0"/>
+                <a:ea typeface="Segoe UI Black" panose="020B0A02040204020203" pitchFamily="34" charset="0"/>
+                <a:cs typeface="Times New Roman" panose="02020603050405020304" pitchFamily="18" charset="0"/>
+              </a:rPr>
+              <a:t>thời</a:t>
+            </a:r>
+            <a:r>
+              <a:rPr lang="en-US" dirty="0">
+                <a:latin typeface="Segoe UI Black" panose="020B0A02040204020203" pitchFamily="34" charset="0"/>
+                <a:ea typeface="Segoe UI Black" panose="020B0A02040204020203" pitchFamily="34" charset="0"/>
+                <a:cs typeface="Times New Roman" panose="02020603050405020304" pitchFamily="18" charset="0"/>
+              </a:rPr>
+              <a:t>, </a:t>
+            </a:r>
+            <a:r>
+              <a:rPr lang="en-US" dirty="0" err="1">
+                <a:latin typeface="Segoe UI Black" panose="020B0A02040204020203" pitchFamily="34" charset="0"/>
+                <a:ea typeface="Segoe UI Black" panose="020B0A02040204020203" pitchFamily="34" charset="0"/>
+                <a:cs typeface="Times New Roman" panose="02020603050405020304" pitchFamily="18" charset="0"/>
+              </a:rPr>
+              <a:t>hiển</a:t>
+            </a:r>
+            <a:r>
+              <a:rPr lang="en-US" dirty="0">
+                <a:latin typeface="Segoe UI Black" panose="020B0A02040204020203" pitchFamily="34" charset="0"/>
+                <a:ea typeface="Segoe UI Black" panose="020B0A02040204020203" pitchFamily="34" charset="0"/>
+                <a:cs typeface="Times New Roman" panose="02020603050405020304" pitchFamily="18" charset="0"/>
+              </a:rPr>
+              <a:t> </a:t>
+            </a:r>
+            <a:r>
+              <a:rPr lang="en-US" dirty="0" err="1">
+                <a:latin typeface="Segoe UI Black" panose="020B0A02040204020203" pitchFamily="34" charset="0"/>
+                <a:ea typeface="Segoe UI Black" panose="020B0A02040204020203" pitchFamily="34" charset="0"/>
+                <a:cs typeface="Times New Roman" panose="02020603050405020304" pitchFamily="18" charset="0"/>
+              </a:rPr>
+              <a:t>thị</a:t>
+            </a:r>
+            <a:r>
+              <a:rPr lang="en-US" dirty="0">
+                <a:latin typeface="Segoe UI Black" panose="020B0A02040204020203" pitchFamily="34" charset="0"/>
+                <a:ea typeface="Segoe UI Black" panose="020B0A02040204020203" pitchFamily="34" charset="0"/>
+                <a:cs typeface="Times New Roman" panose="02020603050405020304" pitchFamily="18" charset="0"/>
+              </a:rPr>
+              <a:t> </a:t>
+            </a:r>
+            <a:r>
+              <a:rPr lang="en-US" dirty="0" err="1">
+                <a:latin typeface="Segoe UI Black" panose="020B0A02040204020203" pitchFamily="34" charset="0"/>
+                <a:ea typeface="Segoe UI Black" panose="020B0A02040204020203" pitchFamily="34" charset="0"/>
+                <a:cs typeface="Times New Roman" panose="02020603050405020304" pitchFamily="18" charset="0"/>
+              </a:rPr>
+              <a:t>trên</a:t>
+            </a:r>
+            <a:r>
+              <a:rPr lang="en-US" dirty="0">
+                <a:latin typeface="Segoe UI Black" panose="020B0A02040204020203" pitchFamily="34" charset="0"/>
+                <a:ea typeface="Segoe UI Black" panose="020B0A02040204020203" pitchFamily="34" charset="0"/>
+                <a:cs typeface="Times New Roman" panose="02020603050405020304" pitchFamily="18" charset="0"/>
+              </a:rPr>
+              <a:t> server </a:t>
+            </a:r>
+          </a:p>
+          <a:p>
+            <a:endParaRPr lang="en-US" dirty="0">
+              <a:latin typeface="Segoe UI Black" panose="020B0A02040204020203" pitchFamily="34" charset="0"/>
+              <a:ea typeface="Segoe UI Black" panose="020B0A02040204020203" pitchFamily="34" charset="0"/>
               <a:cs typeface="Times New Roman" panose="02020603050405020304" pitchFamily="18" charset="0"/>
             </a:endParaRPr>
           </a:p>
@@ -5725,13 +8762,13 @@
   <p:clrMapOvr>
     <a:masterClrMapping/>
   </p:clrMapOvr>
-  <mc:AlternateContent xmlns:mc="http://schemas.openxmlformats.org/markup-compatibility/2006">
-    <mc:Choice xmlns:p15="http://schemas.microsoft.com/office/powerpoint/2012/main" Requires="p15">
+  <mc:AlternateContent xmlns:mc="http://schemas.openxmlformats.org/markup-compatibility/2006" xmlns:p15="http://schemas.microsoft.com/office/powerpoint/2012/main">
+    <mc:Choice Requires="p15">
       <p:transition xmlns:p14="http://schemas.microsoft.com/office/powerpoint/2010/main" spd="slow" p14:dur="1250">
         <p15:prstTrans prst="peelOff"/>
       </p:transition>
     </mc:Choice>
-    <mc:Fallback>
+    <mc:Fallback xmlns="">
       <p:transition spd="slow">
         <p:fade/>
       </p:transition>
@@ -5782,20 +8819,20 @@
       </p:sp>
       <p:sp>
         <p:nvSpPr>
-          <p:cNvPr id="9" name="Rectangle 8">
+          <p:cNvPr id="5" name="TextBox 4">
             <a:extLst>
               <a:ext uri="{FF2B5EF4-FFF2-40B4-BE49-F238E27FC236}">
-                <a16:creationId xmlns:a16="http://schemas.microsoft.com/office/drawing/2014/main" id="{F56889FF-12BD-4755-AE06-653F9EC0663E}"/>
+                <a16:creationId xmlns:a16="http://schemas.microsoft.com/office/drawing/2014/main" id="{09E571FC-42F1-4601-82FD-402709830CC2}"/>
               </a:ext>
             </a:extLst>
           </p:cNvPr>
-          <p:cNvSpPr/>
+          <p:cNvSpPr txBox="1"/>
           <p:nvPr/>
         </p:nvSpPr>
         <p:spPr>
           <a:xfrm>
-            <a:off x="742121" y="2821561"/>
-            <a:ext cx="6202017" cy="923330"/>
+            <a:off x="2787242" y="2598003"/>
+            <a:ext cx="6094602" cy="830997"/>
           </a:xfrm>
           <a:prstGeom prst="rect">
             <a:avLst/>
@@ -5803,43 +8840,27 @@
           <a:noFill/>
         </p:spPr>
         <p:txBody>
-          <a:bodyPr wrap="square" lIns="91440" tIns="45720" rIns="91440" bIns="45720">
+          <a:bodyPr wrap="square">
             <a:spAutoFit/>
           </a:bodyPr>
           <a:lstStyle/>
           <a:p>
-            <a:pPr algn="ctr"/>
-            <a:r>
-              <a:rPr lang="en-US" sz="5400" b="1">
-                <a:ln w="22225">
-                  <a:solidFill>
-                    <a:schemeClr val="accent2"/>
-                  </a:solidFill>
-                  <a:prstDash val="solid"/>
-                </a:ln>
+            <a:r>
+              <a:rPr lang="en-US" sz="4800" dirty="0">
                 <a:solidFill>
-                  <a:schemeClr val="accent2">
-                    <a:lumMod val="40000"/>
-                    <a:lumOff val="60000"/>
-                  </a:schemeClr>
+                  <a:schemeClr val="bg1"/>
                 </a:solidFill>
+                <a:latin typeface="Segoe UI Black" panose="020B0A02040204020203" pitchFamily="34" charset="0"/>
+                <a:ea typeface="Segoe UI Black" panose="020B0A02040204020203" pitchFamily="34" charset="0"/>
               </a:rPr>
               <a:t>NODEJS</a:t>
             </a:r>
-            <a:endParaRPr lang="en-US" sz="5400" b="1" cap="none" spc="0">
-              <a:ln w="22225">
-                <a:solidFill>
-                  <a:schemeClr val="accent2"/>
-                </a:solidFill>
-                <a:prstDash val="solid"/>
-              </a:ln>
+            <a:endParaRPr lang="en-GB" sz="4800" dirty="0">
               <a:solidFill>
-                <a:schemeClr val="accent2">
-                  <a:lumMod val="40000"/>
-                  <a:lumOff val="60000"/>
-                </a:schemeClr>
+                <a:schemeClr val="bg1"/>
               </a:solidFill>
-              <a:effectLst/>
+              <a:latin typeface="Segoe UI Black" panose="020B0A02040204020203" pitchFamily="34" charset="0"/>
+              <a:ea typeface="Segoe UI Black" panose="020B0A02040204020203" pitchFamily="34" charset="0"/>
             </a:endParaRPr>
           </a:p>
         </p:txBody>
@@ -5854,13 +8875,13 @@
   <p:clrMapOvr>
     <a:masterClrMapping/>
   </p:clrMapOvr>
-  <mc:AlternateContent xmlns:mc="http://schemas.openxmlformats.org/markup-compatibility/2006">
-    <mc:Choice xmlns:p15="http://schemas.microsoft.com/office/powerpoint/2012/main" Requires="p15">
+  <mc:AlternateContent xmlns:mc="http://schemas.openxmlformats.org/markup-compatibility/2006" xmlns:p15="http://schemas.microsoft.com/office/powerpoint/2012/main">
+    <mc:Choice Requires="p15">
       <p:transition xmlns:p14="http://schemas.microsoft.com/office/powerpoint/2010/main" spd="slow" p14:dur="1250">
         <p15:prstTrans prst="peelOff"/>
       </p:transition>
     </mc:Choice>
-    <mc:Fallback>
+    <mc:Fallback xmlns="">
       <p:transition spd="slow">
         <p:fade/>
       </p:transition>
@@ -5901,7 +8922,10 @@
           <a:bodyPr/>
           <a:lstStyle/>
           <a:p>
-            <a:endParaRPr lang="en-US"/>
+            <a:endParaRPr lang="en-US" sz="4800" dirty="0">
+              <a:latin typeface="Segoe UI Black" panose="020B0A02040204020203" pitchFamily="34" charset="0"/>
+              <a:ea typeface="Segoe UI Black" panose="020B0A02040204020203" pitchFamily="34" charset="0"/>
+            </a:endParaRPr>
           </a:p>
         </p:txBody>
       </p:sp>
@@ -5938,13 +8962,13 @@
   <p:clrMapOvr>
     <a:masterClrMapping/>
   </p:clrMapOvr>
-  <mc:AlternateContent xmlns:mc="http://schemas.openxmlformats.org/markup-compatibility/2006">
-    <mc:Choice xmlns:p15="http://schemas.microsoft.com/office/powerpoint/2012/main" Requires="p15">
+  <mc:AlternateContent xmlns:mc="http://schemas.openxmlformats.org/markup-compatibility/2006" xmlns:p15="http://schemas.microsoft.com/office/powerpoint/2012/main">
+    <mc:Choice Requires="p15">
       <p:transition xmlns:p14="http://schemas.microsoft.com/office/powerpoint/2010/main" spd="slow" p14:dur="1250">
         <p15:prstTrans prst="peelOff"/>
       </p:transition>
     </mc:Choice>
-    <mc:Fallback>
+    <mc:Fallback xmlns="">
       <p:transition spd="slow">
         <p:fade/>
       </p:transition>
@@ -5991,8 +9015,9 @@
           <a:lstStyle/>
           <a:p>
             <a:r>
-              <a:rPr lang="en-US" b="1">
-                <a:latin typeface="Times New Roman" panose="02020603050405020304" pitchFamily="18" charset="0"/>
+              <a:rPr lang="en-US" sz="3000" b="1" dirty="0">
+                <a:latin typeface="Segoe UI Black" panose="020B0A02040204020203" pitchFamily="34" charset="0"/>
+                <a:ea typeface="Segoe UI Black" panose="020B0A02040204020203" pitchFamily="34" charset="0"/>
                 <a:cs typeface="Times New Roman" panose="02020603050405020304" pitchFamily="18" charset="0"/>
               </a:rPr>
               <a:t>TẠO PROJECT CHO NODEJS BẰNG CMD</a:t>
@@ -6023,12 +9048,202 @@
           <a:lstStyle/>
           <a:p>
             <a:r>
-              <a:rPr lang="en-US" sz="2200">
-                <a:latin typeface="Times New Roman" panose="02020603050405020304" pitchFamily="18" charset="0"/>
-                <a:cs typeface="Times New Roman" panose="02020603050405020304" pitchFamily="18" charset="0"/>
-              </a:rPr>
-              <a:t>1. Tạo nơi lưu bằng cmd: chọn ổ đĩa E và tạo file mới bằng mkdir</a:t>
-            </a:r>
+              <a:rPr lang="en-US" dirty="0">
+                <a:latin typeface="Segoe UI Black" panose="020B0A02040204020203" pitchFamily="34" charset="0"/>
+                <a:ea typeface="Segoe UI Black" panose="020B0A02040204020203" pitchFamily="34" charset="0"/>
+                <a:cs typeface="Times New Roman" panose="02020603050405020304" pitchFamily="18" charset="0"/>
+              </a:rPr>
+              <a:t>1. </a:t>
+            </a:r>
+            <a:r>
+              <a:rPr lang="en-US" dirty="0" err="1">
+                <a:latin typeface="Segoe UI Black" panose="020B0A02040204020203" pitchFamily="34" charset="0"/>
+                <a:ea typeface="Segoe UI Black" panose="020B0A02040204020203" pitchFamily="34" charset="0"/>
+                <a:cs typeface="Times New Roman" panose="02020603050405020304" pitchFamily="18" charset="0"/>
+              </a:rPr>
+              <a:t>Tạo</a:t>
+            </a:r>
+            <a:r>
+              <a:rPr lang="en-US" dirty="0">
+                <a:latin typeface="Segoe UI Black" panose="020B0A02040204020203" pitchFamily="34" charset="0"/>
+                <a:ea typeface="Segoe UI Black" panose="020B0A02040204020203" pitchFamily="34" charset="0"/>
+                <a:cs typeface="Times New Roman" panose="02020603050405020304" pitchFamily="18" charset="0"/>
+              </a:rPr>
+              <a:t> </a:t>
+            </a:r>
+            <a:r>
+              <a:rPr lang="en-US" dirty="0" err="1">
+                <a:latin typeface="Segoe UI Black" panose="020B0A02040204020203" pitchFamily="34" charset="0"/>
+                <a:ea typeface="Segoe UI Black" panose="020B0A02040204020203" pitchFamily="34" charset="0"/>
+                <a:cs typeface="Times New Roman" panose="02020603050405020304" pitchFamily="18" charset="0"/>
+              </a:rPr>
+              <a:t>nơi</a:t>
+            </a:r>
+            <a:r>
+              <a:rPr lang="en-US" dirty="0">
+                <a:latin typeface="Segoe UI Black" panose="020B0A02040204020203" pitchFamily="34" charset="0"/>
+                <a:ea typeface="Segoe UI Black" panose="020B0A02040204020203" pitchFamily="34" charset="0"/>
+                <a:cs typeface="Times New Roman" panose="02020603050405020304" pitchFamily="18" charset="0"/>
+              </a:rPr>
+              <a:t> </a:t>
+            </a:r>
+            <a:r>
+              <a:rPr lang="en-US" dirty="0" err="1">
+                <a:latin typeface="Segoe UI Black" panose="020B0A02040204020203" pitchFamily="34" charset="0"/>
+                <a:ea typeface="Segoe UI Black" panose="020B0A02040204020203" pitchFamily="34" charset="0"/>
+                <a:cs typeface="Times New Roman" panose="02020603050405020304" pitchFamily="18" charset="0"/>
+              </a:rPr>
+              <a:t>lưu</a:t>
+            </a:r>
+            <a:r>
+              <a:rPr lang="en-US" dirty="0">
+                <a:latin typeface="Segoe UI Black" panose="020B0A02040204020203" pitchFamily="34" charset="0"/>
+                <a:ea typeface="Segoe UI Black" panose="020B0A02040204020203" pitchFamily="34" charset="0"/>
+                <a:cs typeface="Times New Roman" panose="02020603050405020304" pitchFamily="18" charset="0"/>
+              </a:rPr>
+              <a:t> </a:t>
+            </a:r>
+            <a:r>
+              <a:rPr lang="en-US" dirty="0" err="1">
+                <a:latin typeface="Segoe UI Black" panose="020B0A02040204020203" pitchFamily="34" charset="0"/>
+                <a:ea typeface="Segoe UI Black" panose="020B0A02040204020203" pitchFamily="34" charset="0"/>
+                <a:cs typeface="Times New Roman" panose="02020603050405020304" pitchFamily="18" charset="0"/>
+              </a:rPr>
+              <a:t>bằng</a:t>
+            </a:r>
+            <a:r>
+              <a:rPr lang="en-US" dirty="0">
+                <a:latin typeface="Segoe UI Black" panose="020B0A02040204020203" pitchFamily="34" charset="0"/>
+                <a:ea typeface="Segoe UI Black" panose="020B0A02040204020203" pitchFamily="34" charset="0"/>
+                <a:cs typeface="Times New Roman" panose="02020603050405020304" pitchFamily="18" charset="0"/>
+              </a:rPr>
+              <a:t> </a:t>
+            </a:r>
+            <a:r>
+              <a:rPr lang="en-US" dirty="0" err="1">
+                <a:latin typeface="Segoe UI Black" panose="020B0A02040204020203" pitchFamily="34" charset="0"/>
+                <a:ea typeface="Segoe UI Black" panose="020B0A02040204020203" pitchFamily="34" charset="0"/>
+                <a:cs typeface="Times New Roman" panose="02020603050405020304" pitchFamily="18" charset="0"/>
+              </a:rPr>
+              <a:t>cmd</a:t>
+            </a:r>
+            <a:r>
+              <a:rPr lang="en-US" dirty="0">
+                <a:latin typeface="Segoe UI Black" panose="020B0A02040204020203" pitchFamily="34" charset="0"/>
+                <a:ea typeface="Segoe UI Black" panose="020B0A02040204020203" pitchFamily="34" charset="0"/>
+                <a:cs typeface="Times New Roman" panose="02020603050405020304" pitchFamily="18" charset="0"/>
+              </a:rPr>
+              <a:t>: </a:t>
+            </a:r>
+            <a:r>
+              <a:rPr lang="en-US" dirty="0" err="1">
+                <a:latin typeface="Segoe UI Black" panose="020B0A02040204020203" pitchFamily="34" charset="0"/>
+                <a:ea typeface="Segoe UI Black" panose="020B0A02040204020203" pitchFamily="34" charset="0"/>
+                <a:cs typeface="Times New Roman" panose="02020603050405020304" pitchFamily="18" charset="0"/>
+              </a:rPr>
+              <a:t>chọn</a:t>
+            </a:r>
+            <a:r>
+              <a:rPr lang="en-US" dirty="0">
+                <a:latin typeface="Segoe UI Black" panose="020B0A02040204020203" pitchFamily="34" charset="0"/>
+                <a:ea typeface="Segoe UI Black" panose="020B0A02040204020203" pitchFamily="34" charset="0"/>
+                <a:cs typeface="Times New Roman" panose="02020603050405020304" pitchFamily="18" charset="0"/>
+              </a:rPr>
+              <a:t> ổ </a:t>
+            </a:r>
+            <a:r>
+              <a:rPr lang="en-US" dirty="0" err="1">
+                <a:latin typeface="Segoe UI Black" panose="020B0A02040204020203" pitchFamily="34" charset="0"/>
+                <a:ea typeface="Segoe UI Black" panose="020B0A02040204020203" pitchFamily="34" charset="0"/>
+                <a:cs typeface="Times New Roman" panose="02020603050405020304" pitchFamily="18" charset="0"/>
+              </a:rPr>
+              <a:t>đĩa</a:t>
+            </a:r>
+            <a:r>
+              <a:rPr lang="en-US" dirty="0">
+                <a:latin typeface="Segoe UI Black" panose="020B0A02040204020203" pitchFamily="34" charset="0"/>
+                <a:ea typeface="Segoe UI Black" panose="020B0A02040204020203" pitchFamily="34" charset="0"/>
+                <a:cs typeface="Times New Roman" panose="02020603050405020304" pitchFamily="18" charset="0"/>
+              </a:rPr>
+              <a:t> E </a:t>
+            </a:r>
+            <a:r>
+              <a:rPr lang="en-US" dirty="0" err="1">
+                <a:latin typeface="Segoe UI Black" panose="020B0A02040204020203" pitchFamily="34" charset="0"/>
+                <a:ea typeface="Segoe UI Black" panose="020B0A02040204020203" pitchFamily="34" charset="0"/>
+                <a:cs typeface="Times New Roman" panose="02020603050405020304" pitchFamily="18" charset="0"/>
+              </a:rPr>
+              <a:t>và</a:t>
+            </a:r>
+            <a:r>
+              <a:rPr lang="en-US" dirty="0">
+                <a:latin typeface="Segoe UI Black" panose="020B0A02040204020203" pitchFamily="34" charset="0"/>
+                <a:ea typeface="Segoe UI Black" panose="020B0A02040204020203" pitchFamily="34" charset="0"/>
+                <a:cs typeface="Times New Roman" panose="02020603050405020304" pitchFamily="18" charset="0"/>
+              </a:rPr>
+              <a:t> </a:t>
+            </a:r>
+            <a:r>
+              <a:rPr lang="en-US" dirty="0" err="1">
+                <a:latin typeface="Segoe UI Black" panose="020B0A02040204020203" pitchFamily="34" charset="0"/>
+                <a:ea typeface="Segoe UI Black" panose="020B0A02040204020203" pitchFamily="34" charset="0"/>
+                <a:cs typeface="Times New Roman" panose="02020603050405020304" pitchFamily="18" charset="0"/>
+              </a:rPr>
+              <a:t>tạo</a:t>
+            </a:r>
+            <a:r>
+              <a:rPr lang="en-US" dirty="0">
+                <a:latin typeface="Segoe UI Black" panose="020B0A02040204020203" pitchFamily="34" charset="0"/>
+                <a:ea typeface="Segoe UI Black" panose="020B0A02040204020203" pitchFamily="34" charset="0"/>
+                <a:cs typeface="Times New Roman" panose="02020603050405020304" pitchFamily="18" charset="0"/>
+              </a:rPr>
+              <a:t> file </a:t>
+            </a:r>
+            <a:r>
+              <a:rPr lang="en-US" dirty="0" err="1">
+                <a:latin typeface="Segoe UI Black" panose="020B0A02040204020203" pitchFamily="34" charset="0"/>
+                <a:ea typeface="Segoe UI Black" panose="020B0A02040204020203" pitchFamily="34" charset="0"/>
+                <a:cs typeface="Times New Roman" panose="02020603050405020304" pitchFamily="18" charset="0"/>
+              </a:rPr>
+              <a:t>mới</a:t>
+            </a:r>
+            <a:r>
+              <a:rPr lang="en-US" dirty="0">
+                <a:latin typeface="Segoe UI Black" panose="020B0A02040204020203" pitchFamily="34" charset="0"/>
+                <a:ea typeface="Segoe UI Black" panose="020B0A02040204020203" pitchFamily="34" charset="0"/>
+                <a:cs typeface="Times New Roman" panose="02020603050405020304" pitchFamily="18" charset="0"/>
+              </a:rPr>
+              <a:t> </a:t>
+            </a:r>
+            <a:r>
+              <a:rPr lang="en-US" dirty="0" err="1">
+                <a:latin typeface="Segoe UI Black" panose="020B0A02040204020203" pitchFamily="34" charset="0"/>
+                <a:ea typeface="Segoe UI Black" panose="020B0A02040204020203" pitchFamily="34" charset="0"/>
+                <a:cs typeface="Times New Roman" panose="02020603050405020304" pitchFamily="18" charset="0"/>
+              </a:rPr>
+              <a:t>bằng</a:t>
+            </a:r>
+            <a:r>
+              <a:rPr lang="en-US" dirty="0">
+                <a:latin typeface="Segoe UI Black" panose="020B0A02040204020203" pitchFamily="34" charset="0"/>
+                <a:ea typeface="Segoe UI Black" panose="020B0A02040204020203" pitchFamily="34" charset="0"/>
+                <a:cs typeface="Times New Roman" panose="02020603050405020304" pitchFamily="18" charset="0"/>
+              </a:rPr>
+              <a:t> </a:t>
+            </a:r>
+            <a:r>
+              <a:rPr lang="en-US" dirty="0" err="1">
+                <a:latin typeface="Segoe UI Black" panose="020B0A02040204020203" pitchFamily="34" charset="0"/>
+                <a:ea typeface="Segoe UI Black" panose="020B0A02040204020203" pitchFamily="34" charset="0"/>
+                <a:cs typeface="Times New Roman" panose="02020603050405020304" pitchFamily="18" charset="0"/>
+              </a:rPr>
+              <a:t>mkdir</a:t>
+            </a:r>
+            <a:endParaRPr lang="en-US" dirty="0">
+              <a:latin typeface="Segoe UI Black" panose="020B0A02040204020203" pitchFamily="34" charset="0"/>
+              <a:ea typeface="Segoe UI Black" panose="020B0A02040204020203" pitchFamily="34" charset="0"/>
+              <a:cs typeface="Times New Roman" panose="02020603050405020304" pitchFamily="18" charset="0"/>
+            </a:endParaRPr>
           </a:p>
         </p:txBody>
       </p:sp>
@@ -6060,8 +9275,8 @@
         </p:blipFill>
         <p:spPr>
           <a:xfrm>
-            <a:off x="3488182" y="2721849"/>
-            <a:ext cx="6732143" cy="3296110"/>
+            <a:off x="3328791" y="2730237"/>
+            <a:ext cx="7274199" cy="3561505"/>
           </a:xfrm>
           <a:prstGeom prst="rect">
             <a:avLst/>
@@ -6078,13 +9293,13 @@
   <p:clrMapOvr>
     <a:masterClrMapping/>
   </p:clrMapOvr>
-  <mc:AlternateContent xmlns:mc="http://schemas.openxmlformats.org/markup-compatibility/2006">
-    <mc:Choice xmlns:p15="http://schemas.microsoft.com/office/powerpoint/2012/main" Requires="p15">
+  <mc:AlternateContent xmlns:mc="http://schemas.openxmlformats.org/markup-compatibility/2006" xmlns:p15="http://schemas.microsoft.com/office/powerpoint/2012/main">
+    <mc:Choice Requires="p15">
       <p:transition xmlns:p14="http://schemas.microsoft.com/office/powerpoint/2010/main" spd="slow" p14:dur="1250">
         <p15:prstTrans prst="peelOff"/>
       </p:transition>
     </mc:Choice>
-    <mc:Fallback>
+    <mc:Fallback xmlns="">
       <p:transition spd="slow">
         <p:fade/>
       </p:transition>
@@ -6131,8 +9346,9 @@
           <a:lstStyle/>
           <a:p>
             <a:r>
-              <a:rPr lang="en-US" b="1">
-                <a:latin typeface="Times New Roman" panose="02020603050405020304" pitchFamily="18" charset="0"/>
+              <a:rPr lang="en-US" sz="3000" b="1" dirty="0">
+                <a:latin typeface="Segoe UI Black" panose="020B0A02040204020203" pitchFamily="34" charset="0"/>
+                <a:ea typeface="Segoe UI Black" panose="020B0A02040204020203" pitchFamily="34" charset="0"/>
                 <a:cs typeface="Times New Roman" panose="02020603050405020304" pitchFamily="18" charset="0"/>
               </a:rPr>
               <a:t>TẠO PROJECT CHO NODEJS BẰNG CMD</a:t>
@@ -6163,20 +9379,206 @@
           <a:lstStyle/>
           <a:p>
             <a:r>
-              <a:rPr lang="en-US" sz="2200">
-                <a:latin typeface="Times New Roman" panose="02020603050405020304" pitchFamily="18" charset="0"/>
-                <a:cs typeface="Times New Roman" panose="02020603050405020304" pitchFamily="18" charset="0"/>
-              </a:rPr>
-              <a:t>2. Tạo file package.json để lưu trữ thông tin về project.</a:t>
-            </a:r>
-          </a:p>
-          <a:p>
-            <a:r>
-              <a:rPr lang="en-US" sz="2200">
-                <a:latin typeface="Times New Roman" panose="02020603050405020304" pitchFamily="18" charset="0"/>
-                <a:cs typeface="Times New Roman" panose="02020603050405020304" pitchFamily="18" charset="0"/>
-              </a:rPr>
-              <a:t>Nhập thông tin và bấm yes nếu OK</a:t>
+              <a:rPr lang="en-US" dirty="0">
+                <a:latin typeface="Segoe UI Black" panose="020B0A02040204020203" pitchFamily="34" charset="0"/>
+                <a:ea typeface="Segoe UI Black" panose="020B0A02040204020203" pitchFamily="34" charset="0"/>
+                <a:cs typeface="Times New Roman" panose="02020603050405020304" pitchFamily="18" charset="0"/>
+              </a:rPr>
+              <a:t>2. </a:t>
+            </a:r>
+            <a:r>
+              <a:rPr lang="en-US" dirty="0" err="1">
+                <a:latin typeface="Segoe UI Black" panose="020B0A02040204020203" pitchFamily="34" charset="0"/>
+                <a:ea typeface="Segoe UI Black" panose="020B0A02040204020203" pitchFamily="34" charset="0"/>
+                <a:cs typeface="Times New Roman" panose="02020603050405020304" pitchFamily="18" charset="0"/>
+              </a:rPr>
+              <a:t>Tạo</a:t>
+            </a:r>
+            <a:r>
+              <a:rPr lang="en-US" dirty="0">
+                <a:latin typeface="Segoe UI Black" panose="020B0A02040204020203" pitchFamily="34" charset="0"/>
+                <a:ea typeface="Segoe UI Black" panose="020B0A02040204020203" pitchFamily="34" charset="0"/>
+                <a:cs typeface="Times New Roman" panose="02020603050405020304" pitchFamily="18" charset="0"/>
+              </a:rPr>
+              <a:t> file </a:t>
+            </a:r>
+            <a:r>
+              <a:rPr lang="en-US" dirty="0" err="1">
+                <a:latin typeface="Segoe UI Black" panose="020B0A02040204020203" pitchFamily="34" charset="0"/>
+                <a:ea typeface="Segoe UI Black" panose="020B0A02040204020203" pitchFamily="34" charset="0"/>
+                <a:cs typeface="Times New Roman" panose="02020603050405020304" pitchFamily="18" charset="0"/>
+              </a:rPr>
+              <a:t>package.json</a:t>
+            </a:r>
+            <a:r>
+              <a:rPr lang="en-US" dirty="0">
+                <a:latin typeface="Segoe UI Black" panose="020B0A02040204020203" pitchFamily="34" charset="0"/>
+                <a:ea typeface="Segoe UI Black" panose="020B0A02040204020203" pitchFamily="34" charset="0"/>
+                <a:cs typeface="Times New Roman" panose="02020603050405020304" pitchFamily="18" charset="0"/>
+              </a:rPr>
+              <a:t> </a:t>
+            </a:r>
+            <a:r>
+              <a:rPr lang="en-US" dirty="0" err="1">
+                <a:latin typeface="Segoe UI Black" panose="020B0A02040204020203" pitchFamily="34" charset="0"/>
+                <a:ea typeface="Segoe UI Black" panose="020B0A02040204020203" pitchFamily="34" charset="0"/>
+                <a:cs typeface="Times New Roman" panose="02020603050405020304" pitchFamily="18" charset="0"/>
+              </a:rPr>
+              <a:t>để</a:t>
+            </a:r>
+            <a:r>
+              <a:rPr lang="en-US" dirty="0">
+                <a:latin typeface="Segoe UI Black" panose="020B0A02040204020203" pitchFamily="34" charset="0"/>
+                <a:ea typeface="Segoe UI Black" panose="020B0A02040204020203" pitchFamily="34" charset="0"/>
+                <a:cs typeface="Times New Roman" panose="02020603050405020304" pitchFamily="18" charset="0"/>
+              </a:rPr>
+              <a:t> </a:t>
+            </a:r>
+            <a:r>
+              <a:rPr lang="en-US" dirty="0" err="1">
+                <a:latin typeface="Segoe UI Black" panose="020B0A02040204020203" pitchFamily="34" charset="0"/>
+                <a:ea typeface="Segoe UI Black" panose="020B0A02040204020203" pitchFamily="34" charset="0"/>
+                <a:cs typeface="Times New Roman" panose="02020603050405020304" pitchFamily="18" charset="0"/>
+              </a:rPr>
+              <a:t>lưu</a:t>
+            </a:r>
+            <a:r>
+              <a:rPr lang="en-US" dirty="0">
+                <a:latin typeface="Segoe UI Black" panose="020B0A02040204020203" pitchFamily="34" charset="0"/>
+                <a:ea typeface="Segoe UI Black" panose="020B0A02040204020203" pitchFamily="34" charset="0"/>
+                <a:cs typeface="Times New Roman" panose="02020603050405020304" pitchFamily="18" charset="0"/>
+              </a:rPr>
+              <a:t> </a:t>
+            </a:r>
+            <a:r>
+              <a:rPr lang="en-US" dirty="0" err="1">
+                <a:latin typeface="Segoe UI Black" panose="020B0A02040204020203" pitchFamily="34" charset="0"/>
+                <a:ea typeface="Segoe UI Black" panose="020B0A02040204020203" pitchFamily="34" charset="0"/>
+                <a:cs typeface="Times New Roman" panose="02020603050405020304" pitchFamily="18" charset="0"/>
+              </a:rPr>
+              <a:t>trữ</a:t>
+            </a:r>
+            <a:r>
+              <a:rPr lang="en-US" dirty="0">
+                <a:latin typeface="Segoe UI Black" panose="020B0A02040204020203" pitchFamily="34" charset="0"/>
+                <a:ea typeface="Segoe UI Black" panose="020B0A02040204020203" pitchFamily="34" charset="0"/>
+                <a:cs typeface="Times New Roman" panose="02020603050405020304" pitchFamily="18" charset="0"/>
+              </a:rPr>
+              <a:t> </a:t>
+            </a:r>
+            <a:r>
+              <a:rPr lang="en-US" dirty="0" err="1">
+                <a:latin typeface="Segoe UI Black" panose="020B0A02040204020203" pitchFamily="34" charset="0"/>
+                <a:ea typeface="Segoe UI Black" panose="020B0A02040204020203" pitchFamily="34" charset="0"/>
+                <a:cs typeface="Times New Roman" panose="02020603050405020304" pitchFamily="18" charset="0"/>
+              </a:rPr>
+              <a:t>thông</a:t>
+            </a:r>
+            <a:r>
+              <a:rPr lang="en-US" dirty="0">
+                <a:latin typeface="Segoe UI Black" panose="020B0A02040204020203" pitchFamily="34" charset="0"/>
+                <a:ea typeface="Segoe UI Black" panose="020B0A02040204020203" pitchFamily="34" charset="0"/>
+                <a:cs typeface="Times New Roman" panose="02020603050405020304" pitchFamily="18" charset="0"/>
+              </a:rPr>
+              <a:t> tin </a:t>
+            </a:r>
+            <a:r>
+              <a:rPr lang="en-US" dirty="0" err="1">
+                <a:latin typeface="Segoe UI Black" panose="020B0A02040204020203" pitchFamily="34" charset="0"/>
+                <a:ea typeface="Segoe UI Black" panose="020B0A02040204020203" pitchFamily="34" charset="0"/>
+                <a:cs typeface="Times New Roman" panose="02020603050405020304" pitchFamily="18" charset="0"/>
+              </a:rPr>
+              <a:t>về</a:t>
+            </a:r>
+            <a:r>
+              <a:rPr lang="en-US" dirty="0">
+                <a:latin typeface="Segoe UI Black" panose="020B0A02040204020203" pitchFamily="34" charset="0"/>
+                <a:ea typeface="Segoe UI Black" panose="020B0A02040204020203" pitchFamily="34" charset="0"/>
+                <a:cs typeface="Times New Roman" panose="02020603050405020304" pitchFamily="18" charset="0"/>
+              </a:rPr>
+              <a:t> project.</a:t>
+            </a:r>
+          </a:p>
+          <a:p>
+            <a:r>
+              <a:rPr lang="en-US" dirty="0" err="1">
+                <a:latin typeface="Segoe UI Black" panose="020B0A02040204020203" pitchFamily="34" charset="0"/>
+                <a:ea typeface="Segoe UI Black" panose="020B0A02040204020203" pitchFamily="34" charset="0"/>
+                <a:cs typeface="Times New Roman" panose="02020603050405020304" pitchFamily="18" charset="0"/>
+              </a:rPr>
+              <a:t>Nhập</a:t>
+            </a:r>
+            <a:r>
+              <a:rPr lang="en-US" dirty="0">
+                <a:latin typeface="Segoe UI Black" panose="020B0A02040204020203" pitchFamily="34" charset="0"/>
+                <a:ea typeface="Segoe UI Black" panose="020B0A02040204020203" pitchFamily="34" charset="0"/>
+                <a:cs typeface="Times New Roman" panose="02020603050405020304" pitchFamily="18" charset="0"/>
+              </a:rPr>
+              <a:t> </a:t>
+            </a:r>
+            <a:r>
+              <a:rPr lang="en-US" dirty="0" err="1">
+                <a:latin typeface="Segoe UI Black" panose="020B0A02040204020203" pitchFamily="34" charset="0"/>
+                <a:ea typeface="Segoe UI Black" panose="020B0A02040204020203" pitchFamily="34" charset="0"/>
+                <a:cs typeface="Times New Roman" panose="02020603050405020304" pitchFamily="18" charset="0"/>
+              </a:rPr>
+              <a:t>thông</a:t>
+            </a:r>
+            <a:r>
+              <a:rPr lang="en-US" dirty="0">
+                <a:latin typeface="Segoe UI Black" panose="020B0A02040204020203" pitchFamily="34" charset="0"/>
+                <a:ea typeface="Segoe UI Black" panose="020B0A02040204020203" pitchFamily="34" charset="0"/>
+                <a:cs typeface="Times New Roman" panose="02020603050405020304" pitchFamily="18" charset="0"/>
+              </a:rPr>
+              <a:t> tin </a:t>
+            </a:r>
+            <a:r>
+              <a:rPr lang="en-US" dirty="0" err="1">
+                <a:latin typeface="Segoe UI Black" panose="020B0A02040204020203" pitchFamily="34" charset="0"/>
+                <a:ea typeface="Segoe UI Black" panose="020B0A02040204020203" pitchFamily="34" charset="0"/>
+                <a:cs typeface="Times New Roman" panose="02020603050405020304" pitchFamily="18" charset="0"/>
+              </a:rPr>
+              <a:t>và</a:t>
+            </a:r>
+            <a:r>
+              <a:rPr lang="en-US" dirty="0">
+                <a:latin typeface="Segoe UI Black" panose="020B0A02040204020203" pitchFamily="34" charset="0"/>
+                <a:ea typeface="Segoe UI Black" panose="020B0A02040204020203" pitchFamily="34" charset="0"/>
+                <a:cs typeface="Times New Roman" panose="02020603050405020304" pitchFamily="18" charset="0"/>
+              </a:rPr>
+              <a:t> </a:t>
+            </a:r>
+            <a:r>
+              <a:rPr lang="en-US" dirty="0" err="1">
+                <a:latin typeface="Segoe UI Black" panose="020B0A02040204020203" pitchFamily="34" charset="0"/>
+                <a:ea typeface="Segoe UI Black" panose="020B0A02040204020203" pitchFamily="34" charset="0"/>
+                <a:cs typeface="Times New Roman" panose="02020603050405020304" pitchFamily="18" charset="0"/>
+              </a:rPr>
+              <a:t>bấm</a:t>
+            </a:r>
+            <a:r>
+              <a:rPr lang="en-US" dirty="0">
+                <a:latin typeface="Segoe UI Black" panose="020B0A02040204020203" pitchFamily="34" charset="0"/>
+                <a:ea typeface="Segoe UI Black" panose="020B0A02040204020203" pitchFamily="34" charset="0"/>
+                <a:cs typeface="Times New Roman" panose="02020603050405020304" pitchFamily="18" charset="0"/>
+              </a:rPr>
+              <a:t> yes </a:t>
+            </a:r>
+            <a:r>
+              <a:rPr lang="en-US" dirty="0" err="1">
+                <a:latin typeface="Segoe UI Black" panose="020B0A02040204020203" pitchFamily="34" charset="0"/>
+                <a:ea typeface="Segoe UI Black" panose="020B0A02040204020203" pitchFamily="34" charset="0"/>
+                <a:cs typeface="Times New Roman" panose="02020603050405020304" pitchFamily="18" charset="0"/>
+              </a:rPr>
+              <a:t>nếu</a:t>
+            </a:r>
+            <a:r>
+              <a:rPr lang="en-US" dirty="0">
+                <a:latin typeface="Segoe UI Black" panose="020B0A02040204020203" pitchFamily="34" charset="0"/>
+                <a:ea typeface="Segoe UI Black" panose="020B0A02040204020203" pitchFamily="34" charset="0"/>
+                <a:cs typeface="Times New Roman" panose="02020603050405020304" pitchFamily="18" charset="0"/>
+              </a:rPr>
+              <a:t> OK</a:t>
             </a:r>
           </a:p>
         </p:txBody>
@@ -6209,8 +9611,8 @@
         </p:blipFill>
         <p:spPr>
           <a:xfrm>
-            <a:off x="3228114" y="2942832"/>
-            <a:ext cx="6392167" cy="3248478"/>
+            <a:off x="3312004" y="2758274"/>
+            <a:ext cx="7107123" cy="3611816"/>
           </a:xfrm>
           <a:prstGeom prst="rect">
             <a:avLst/>
@@ -6227,13 +9629,13 @@
   <p:clrMapOvr>
     <a:masterClrMapping/>
   </p:clrMapOvr>
-  <mc:AlternateContent xmlns:mc="http://schemas.openxmlformats.org/markup-compatibility/2006">
-    <mc:Choice xmlns:p15="http://schemas.microsoft.com/office/powerpoint/2012/main" Requires="p15">
+  <mc:AlternateContent xmlns:mc="http://schemas.openxmlformats.org/markup-compatibility/2006" xmlns:p15="http://schemas.microsoft.com/office/powerpoint/2012/main">
+    <mc:Choice Requires="p15">
       <p:transition xmlns:p14="http://schemas.microsoft.com/office/powerpoint/2010/main" spd="slow" p14:dur="1250">
         <p15:prstTrans prst="peelOff"/>
       </p:transition>
     </mc:Choice>
-    <mc:Fallback>
+    <mc:Fallback xmlns="">
       <p:transition spd="slow">
         <p:fade/>
       </p:transition>
@@ -6280,8 +9682,9 @@
           <a:lstStyle/>
           <a:p>
             <a:r>
-              <a:rPr lang="en-US" b="1">
-                <a:latin typeface="Times New Roman" panose="02020603050405020304" pitchFamily="18" charset="0"/>
+              <a:rPr lang="en-US" sz="3000" b="1" dirty="0">
+                <a:latin typeface="Segoe UI Black" panose="020B0A02040204020203" pitchFamily="34" charset="0"/>
+                <a:ea typeface="Segoe UI Black" panose="020B0A02040204020203" pitchFamily="34" charset="0"/>
                 <a:cs typeface="Times New Roman" panose="02020603050405020304" pitchFamily="18" charset="0"/>
               </a:rPr>
               <a:t>TẠO PROJECT CHO NODEJS BẰNG CMD</a:t>
@@ -6312,20 +9715,174 @@
           <a:lstStyle/>
           <a:p>
             <a:r>
-              <a:rPr lang="en-US" sz="2200">
-                <a:latin typeface="Times New Roman" panose="02020603050405020304" pitchFamily="18" charset="0"/>
-                <a:cs typeface="Times New Roman" panose="02020603050405020304" pitchFamily="18" charset="0"/>
-              </a:rPr>
-              <a:t>3. Cài đặt module bằng câu lệnh:npm install --save &lt;tên module&gt;</a:t>
-            </a:r>
-          </a:p>
-          <a:p>
-            <a:r>
-              <a:rPr lang="en-US" sz="2200">
-                <a:latin typeface="Times New Roman" panose="02020603050405020304" pitchFamily="18" charset="0"/>
-                <a:cs typeface="Times New Roman" panose="02020603050405020304" pitchFamily="18" charset="0"/>
-              </a:rPr>
-              <a:t>Ví dụ cài module express: npm install --save express</a:t>
+              <a:rPr lang="en-US" dirty="0">
+                <a:latin typeface="Segoe UI Black" panose="020B0A02040204020203" pitchFamily="34" charset="0"/>
+                <a:ea typeface="Segoe UI Black" panose="020B0A02040204020203" pitchFamily="34" charset="0"/>
+                <a:cs typeface="Times New Roman" panose="02020603050405020304" pitchFamily="18" charset="0"/>
+              </a:rPr>
+              <a:t>3. </a:t>
+            </a:r>
+            <a:r>
+              <a:rPr lang="en-US" dirty="0" err="1">
+                <a:latin typeface="Segoe UI Black" panose="020B0A02040204020203" pitchFamily="34" charset="0"/>
+                <a:ea typeface="Segoe UI Black" panose="020B0A02040204020203" pitchFamily="34" charset="0"/>
+                <a:cs typeface="Times New Roman" panose="02020603050405020304" pitchFamily="18" charset="0"/>
+              </a:rPr>
+              <a:t>Cài</a:t>
+            </a:r>
+            <a:r>
+              <a:rPr lang="en-US" dirty="0">
+                <a:latin typeface="Segoe UI Black" panose="020B0A02040204020203" pitchFamily="34" charset="0"/>
+                <a:ea typeface="Segoe UI Black" panose="020B0A02040204020203" pitchFamily="34" charset="0"/>
+                <a:cs typeface="Times New Roman" panose="02020603050405020304" pitchFamily="18" charset="0"/>
+              </a:rPr>
+              <a:t> </a:t>
+            </a:r>
+            <a:r>
+              <a:rPr lang="en-US" dirty="0" err="1">
+                <a:latin typeface="Segoe UI Black" panose="020B0A02040204020203" pitchFamily="34" charset="0"/>
+                <a:ea typeface="Segoe UI Black" panose="020B0A02040204020203" pitchFamily="34" charset="0"/>
+                <a:cs typeface="Times New Roman" panose="02020603050405020304" pitchFamily="18" charset="0"/>
+              </a:rPr>
+              <a:t>đặt</a:t>
+            </a:r>
+            <a:r>
+              <a:rPr lang="en-US" dirty="0">
+                <a:latin typeface="Segoe UI Black" panose="020B0A02040204020203" pitchFamily="34" charset="0"/>
+                <a:ea typeface="Segoe UI Black" panose="020B0A02040204020203" pitchFamily="34" charset="0"/>
+                <a:cs typeface="Times New Roman" panose="02020603050405020304" pitchFamily="18" charset="0"/>
+              </a:rPr>
+              <a:t> module </a:t>
+            </a:r>
+            <a:r>
+              <a:rPr lang="en-US" dirty="0" err="1">
+                <a:latin typeface="Segoe UI Black" panose="020B0A02040204020203" pitchFamily="34" charset="0"/>
+                <a:ea typeface="Segoe UI Black" panose="020B0A02040204020203" pitchFamily="34" charset="0"/>
+                <a:cs typeface="Times New Roman" panose="02020603050405020304" pitchFamily="18" charset="0"/>
+              </a:rPr>
+              <a:t>bằng</a:t>
+            </a:r>
+            <a:r>
+              <a:rPr lang="en-US" dirty="0">
+                <a:latin typeface="Segoe UI Black" panose="020B0A02040204020203" pitchFamily="34" charset="0"/>
+                <a:ea typeface="Segoe UI Black" panose="020B0A02040204020203" pitchFamily="34" charset="0"/>
+                <a:cs typeface="Times New Roman" panose="02020603050405020304" pitchFamily="18" charset="0"/>
+              </a:rPr>
+              <a:t> </a:t>
+            </a:r>
+            <a:r>
+              <a:rPr lang="en-US" dirty="0" err="1">
+                <a:latin typeface="Segoe UI Black" panose="020B0A02040204020203" pitchFamily="34" charset="0"/>
+                <a:ea typeface="Segoe UI Black" panose="020B0A02040204020203" pitchFamily="34" charset="0"/>
+                <a:cs typeface="Times New Roman" panose="02020603050405020304" pitchFamily="18" charset="0"/>
+              </a:rPr>
+              <a:t>câu</a:t>
+            </a:r>
+            <a:r>
+              <a:rPr lang="en-US" dirty="0">
+                <a:latin typeface="Segoe UI Black" panose="020B0A02040204020203" pitchFamily="34" charset="0"/>
+                <a:ea typeface="Segoe UI Black" panose="020B0A02040204020203" pitchFamily="34" charset="0"/>
+                <a:cs typeface="Times New Roman" panose="02020603050405020304" pitchFamily="18" charset="0"/>
+              </a:rPr>
+              <a:t> </a:t>
+            </a:r>
+            <a:r>
+              <a:rPr lang="en-US" dirty="0" err="1">
+                <a:latin typeface="Segoe UI Black" panose="020B0A02040204020203" pitchFamily="34" charset="0"/>
+                <a:ea typeface="Segoe UI Black" panose="020B0A02040204020203" pitchFamily="34" charset="0"/>
+                <a:cs typeface="Times New Roman" panose="02020603050405020304" pitchFamily="18" charset="0"/>
+              </a:rPr>
+              <a:t>lệnh:npm</a:t>
+            </a:r>
+            <a:r>
+              <a:rPr lang="en-US" dirty="0">
+                <a:latin typeface="Segoe UI Black" panose="020B0A02040204020203" pitchFamily="34" charset="0"/>
+                <a:ea typeface="Segoe UI Black" panose="020B0A02040204020203" pitchFamily="34" charset="0"/>
+                <a:cs typeface="Times New Roman" panose="02020603050405020304" pitchFamily="18" charset="0"/>
+              </a:rPr>
+              <a:t> install --save &lt;</a:t>
+            </a:r>
+            <a:r>
+              <a:rPr lang="en-US" dirty="0" err="1">
+                <a:latin typeface="Segoe UI Black" panose="020B0A02040204020203" pitchFamily="34" charset="0"/>
+                <a:ea typeface="Segoe UI Black" panose="020B0A02040204020203" pitchFamily="34" charset="0"/>
+                <a:cs typeface="Times New Roman" panose="02020603050405020304" pitchFamily="18" charset="0"/>
+              </a:rPr>
+              <a:t>tên</a:t>
+            </a:r>
+            <a:r>
+              <a:rPr lang="en-US" dirty="0">
+                <a:latin typeface="Segoe UI Black" panose="020B0A02040204020203" pitchFamily="34" charset="0"/>
+                <a:ea typeface="Segoe UI Black" panose="020B0A02040204020203" pitchFamily="34" charset="0"/>
+                <a:cs typeface="Times New Roman" panose="02020603050405020304" pitchFamily="18" charset="0"/>
+              </a:rPr>
+              <a:t> module&gt;</a:t>
+            </a:r>
+          </a:p>
+          <a:p>
+            <a:r>
+              <a:rPr lang="en-US" dirty="0" err="1">
+                <a:latin typeface="Segoe UI Black" panose="020B0A02040204020203" pitchFamily="34" charset="0"/>
+                <a:ea typeface="Segoe UI Black" panose="020B0A02040204020203" pitchFamily="34" charset="0"/>
+                <a:cs typeface="Times New Roman" panose="02020603050405020304" pitchFamily="18" charset="0"/>
+              </a:rPr>
+              <a:t>Ví</a:t>
+            </a:r>
+            <a:r>
+              <a:rPr lang="en-US" dirty="0">
+                <a:latin typeface="Segoe UI Black" panose="020B0A02040204020203" pitchFamily="34" charset="0"/>
+                <a:ea typeface="Segoe UI Black" panose="020B0A02040204020203" pitchFamily="34" charset="0"/>
+                <a:cs typeface="Times New Roman" panose="02020603050405020304" pitchFamily="18" charset="0"/>
+              </a:rPr>
+              <a:t> </a:t>
+            </a:r>
+            <a:r>
+              <a:rPr lang="en-US" dirty="0" err="1">
+                <a:latin typeface="Segoe UI Black" panose="020B0A02040204020203" pitchFamily="34" charset="0"/>
+                <a:ea typeface="Segoe UI Black" panose="020B0A02040204020203" pitchFamily="34" charset="0"/>
+                <a:cs typeface="Times New Roman" panose="02020603050405020304" pitchFamily="18" charset="0"/>
+              </a:rPr>
+              <a:t>dụ</a:t>
+            </a:r>
+            <a:r>
+              <a:rPr lang="en-US" dirty="0">
+                <a:latin typeface="Segoe UI Black" panose="020B0A02040204020203" pitchFamily="34" charset="0"/>
+                <a:ea typeface="Segoe UI Black" panose="020B0A02040204020203" pitchFamily="34" charset="0"/>
+                <a:cs typeface="Times New Roman" panose="02020603050405020304" pitchFamily="18" charset="0"/>
+              </a:rPr>
+              <a:t> </a:t>
+            </a:r>
+            <a:r>
+              <a:rPr lang="en-US" dirty="0" err="1">
+                <a:latin typeface="Segoe UI Black" panose="020B0A02040204020203" pitchFamily="34" charset="0"/>
+                <a:ea typeface="Segoe UI Black" panose="020B0A02040204020203" pitchFamily="34" charset="0"/>
+                <a:cs typeface="Times New Roman" panose="02020603050405020304" pitchFamily="18" charset="0"/>
+              </a:rPr>
+              <a:t>cài</a:t>
+            </a:r>
+            <a:r>
+              <a:rPr lang="en-US" dirty="0">
+                <a:latin typeface="Segoe UI Black" panose="020B0A02040204020203" pitchFamily="34" charset="0"/>
+                <a:ea typeface="Segoe UI Black" panose="020B0A02040204020203" pitchFamily="34" charset="0"/>
+                <a:cs typeface="Times New Roman" panose="02020603050405020304" pitchFamily="18" charset="0"/>
+              </a:rPr>
+              <a:t> module express: </a:t>
+            </a:r>
+            <a:r>
+              <a:rPr lang="en-US" dirty="0" err="1">
+                <a:latin typeface="Segoe UI Black" panose="020B0A02040204020203" pitchFamily="34" charset="0"/>
+                <a:ea typeface="Segoe UI Black" panose="020B0A02040204020203" pitchFamily="34" charset="0"/>
+                <a:cs typeface="Times New Roman" panose="02020603050405020304" pitchFamily="18" charset="0"/>
+              </a:rPr>
+              <a:t>npm</a:t>
+            </a:r>
+            <a:r>
+              <a:rPr lang="en-US" dirty="0">
+                <a:latin typeface="Segoe UI Black" panose="020B0A02040204020203" pitchFamily="34" charset="0"/>
+                <a:ea typeface="Segoe UI Black" panose="020B0A02040204020203" pitchFamily="34" charset="0"/>
+                <a:cs typeface="Times New Roman" panose="02020603050405020304" pitchFamily="18" charset="0"/>
+              </a:rPr>
+              <a:t> install --save express</a:t>
             </a:r>
           </a:p>
         </p:txBody>
@@ -6358,8 +9915,8 @@
         </p:blipFill>
         <p:spPr>
           <a:xfrm>
-            <a:off x="3541403" y="3124636"/>
-            <a:ext cx="6401693" cy="3238952"/>
+            <a:off x="3197454" y="2801923"/>
+            <a:ext cx="7056106" cy="3570054"/>
           </a:xfrm>
           <a:prstGeom prst="rect">
             <a:avLst/>
@@ -6376,13 +9933,13 @@
   <p:clrMapOvr>
     <a:masterClrMapping/>
   </p:clrMapOvr>
-  <mc:AlternateContent xmlns:mc="http://schemas.openxmlformats.org/markup-compatibility/2006">
-    <mc:Choice xmlns:p15="http://schemas.microsoft.com/office/powerpoint/2012/main" Requires="p15">
+  <mc:AlternateContent xmlns:mc="http://schemas.openxmlformats.org/markup-compatibility/2006" xmlns:p15="http://schemas.microsoft.com/office/powerpoint/2012/main">
+    <mc:Choice Requires="p15">
       <p:transition xmlns:p14="http://schemas.microsoft.com/office/powerpoint/2010/main" spd="slow" p14:dur="1250">
         <p15:prstTrans prst="peelOff"/>
       </p:transition>
     </mc:Choice>
-    <mc:Fallback>
+    <mc:Fallback xmlns="">
       <p:transition spd="slow">
         <p:fade/>
       </p:transition>
@@ -6429,8 +9986,9 @@
           <a:lstStyle/>
           <a:p>
             <a:r>
-              <a:rPr lang="en-US" b="1">
-                <a:latin typeface="Times New Roman" panose="02020603050405020304" pitchFamily="18" charset="0"/>
+              <a:rPr lang="en-US" sz="3000" b="1" dirty="0">
+                <a:latin typeface="Segoe UI Black" panose="020B0A02040204020203" pitchFamily="34" charset="0"/>
+                <a:ea typeface="Segoe UI Black" panose="020B0A02040204020203" pitchFamily="34" charset="0"/>
                 <a:cs typeface="Times New Roman" panose="02020603050405020304" pitchFamily="18" charset="0"/>
               </a:rPr>
               <a:t>TẠO PROJECT CHO NODEJS BẰNG CMD</a:t>
@@ -6461,12 +10019,218 @@
           <a:lstStyle/>
           <a:p>
             <a:r>
-              <a:rPr lang="en-US" sz="2200">
-                <a:latin typeface="Times New Roman" panose="02020603050405020304" pitchFamily="18" charset="0"/>
-                <a:cs typeface="Times New Roman" panose="02020603050405020304" pitchFamily="18" charset="0"/>
-              </a:rPr>
-              <a:t>4. Code trên vs code: tao file demo.js và run bằng tổ hợp ctrt + `. Cửa sổ terminal hiện ra, ta chọn: node &lt;file&gt; để chạy</a:t>
-            </a:r>
+              <a:rPr lang="en-US" dirty="0">
+                <a:latin typeface="Segoe UI Black" panose="020B0A02040204020203" pitchFamily="34" charset="0"/>
+                <a:ea typeface="Segoe UI Black" panose="020B0A02040204020203" pitchFamily="34" charset="0"/>
+                <a:cs typeface="Times New Roman" panose="02020603050405020304" pitchFamily="18" charset="0"/>
+              </a:rPr>
+              <a:t>4. Code </a:t>
+            </a:r>
+            <a:r>
+              <a:rPr lang="en-US" dirty="0" err="1">
+                <a:latin typeface="Segoe UI Black" panose="020B0A02040204020203" pitchFamily="34" charset="0"/>
+                <a:ea typeface="Segoe UI Black" panose="020B0A02040204020203" pitchFamily="34" charset="0"/>
+                <a:cs typeface="Times New Roman" panose="02020603050405020304" pitchFamily="18" charset="0"/>
+              </a:rPr>
+              <a:t>trên</a:t>
+            </a:r>
+            <a:r>
+              <a:rPr lang="en-US" dirty="0">
+                <a:latin typeface="Segoe UI Black" panose="020B0A02040204020203" pitchFamily="34" charset="0"/>
+                <a:ea typeface="Segoe UI Black" panose="020B0A02040204020203" pitchFamily="34" charset="0"/>
+                <a:cs typeface="Times New Roman" panose="02020603050405020304" pitchFamily="18" charset="0"/>
+              </a:rPr>
+              <a:t> vs code: </a:t>
+            </a:r>
+            <a:r>
+              <a:rPr lang="en-US" dirty="0" err="1">
+                <a:latin typeface="Segoe UI Black" panose="020B0A02040204020203" pitchFamily="34" charset="0"/>
+                <a:ea typeface="Segoe UI Black" panose="020B0A02040204020203" pitchFamily="34" charset="0"/>
+                <a:cs typeface="Times New Roman" panose="02020603050405020304" pitchFamily="18" charset="0"/>
+              </a:rPr>
+              <a:t>tao</a:t>
+            </a:r>
+            <a:r>
+              <a:rPr lang="en-US" dirty="0">
+                <a:latin typeface="Segoe UI Black" panose="020B0A02040204020203" pitchFamily="34" charset="0"/>
+                <a:ea typeface="Segoe UI Black" panose="020B0A02040204020203" pitchFamily="34" charset="0"/>
+                <a:cs typeface="Times New Roman" panose="02020603050405020304" pitchFamily="18" charset="0"/>
+              </a:rPr>
+              <a:t> file demo.js </a:t>
+            </a:r>
+            <a:r>
+              <a:rPr lang="en-US" dirty="0" err="1">
+                <a:latin typeface="Segoe UI Black" panose="020B0A02040204020203" pitchFamily="34" charset="0"/>
+                <a:ea typeface="Segoe UI Black" panose="020B0A02040204020203" pitchFamily="34" charset="0"/>
+                <a:cs typeface="Times New Roman" panose="02020603050405020304" pitchFamily="18" charset="0"/>
+              </a:rPr>
+              <a:t>và</a:t>
+            </a:r>
+            <a:r>
+              <a:rPr lang="en-US" dirty="0">
+                <a:latin typeface="Segoe UI Black" panose="020B0A02040204020203" pitchFamily="34" charset="0"/>
+                <a:ea typeface="Segoe UI Black" panose="020B0A02040204020203" pitchFamily="34" charset="0"/>
+                <a:cs typeface="Times New Roman" panose="02020603050405020304" pitchFamily="18" charset="0"/>
+              </a:rPr>
+              <a:t> run </a:t>
+            </a:r>
+            <a:r>
+              <a:rPr lang="en-US" dirty="0" err="1">
+                <a:latin typeface="Segoe UI Black" panose="020B0A02040204020203" pitchFamily="34" charset="0"/>
+                <a:ea typeface="Segoe UI Black" panose="020B0A02040204020203" pitchFamily="34" charset="0"/>
+                <a:cs typeface="Times New Roman" panose="02020603050405020304" pitchFamily="18" charset="0"/>
+              </a:rPr>
+              <a:t>bằng</a:t>
+            </a:r>
+            <a:r>
+              <a:rPr lang="en-US" dirty="0">
+                <a:latin typeface="Segoe UI Black" panose="020B0A02040204020203" pitchFamily="34" charset="0"/>
+                <a:ea typeface="Segoe UI Black" panose="020B0A02040204020203" pitchFamily="34" charset="0"/>
+                <a:cs typeface="Times New Roman" panose="02020603050405020304" pitchFamily="18" charset="0"/>
+              </a:rPr>
+              <a:t> </a:t>
+            </a:r>
+            <a:r>
+              <a:rPr lang="en-US" dirty="0" err="1">
+                <a:latin typeface="Segoe UI Black" panose="020B0A02040204020203" pitchFamily="34" charset="0"/>
+                <a:ea typeface="Segoe UI Black" panose="020B0A02040204020203" pitchFamily="34" charset="0"/>
+                <a:cs typeface="Times New Roman" panose="02020603050405020304" pitchFamily="18" charset="0"/>
+              </a:rPr>
+              <a:t>tổ</a:t>
+            </a:r>
+            <a:r>
+              <a:rPr lang="en-US" dirty="0">
+                <a:latin typeface="Segoe UI Black" panose="020B0A02040204020203" pitchFamily="34" charset="0"/>
+                <a:ea typeface="Segoe UI Black" panose="020B0A02040204020203" pitchFamily="34" charset="0"/>
+                <a:cs typeface="Times New Roman" panose="02020603050405020304" pitchFamily="18" charset="0"/>
+              </a:rPr>
+              <a:t> </a:t>
+            </a:r>
+            <a:r>
+              <a:rPr lang="en-US" dirty="0" err="1">
+                <a:latin typeface="Segoe UI Black" panose="020B0A02040204020203" pitchFamily="34" charset="0"/>
+                <a:ea typeface="Segoe UI Black" panose="020B0A02040204020203" pitchFamily="34" charset="0"/>
+                <a:cs typeface="Times New Roman" panose="02020603050405020304" pitchFamily="18" charset="0"/>
+              </a:rPr>
+              <a:t>hợp</a:t>
+            </a:r>
+            <a:r>
+              <a:rPr lang="en-US" dirty="0">
+                <a:latin typeface="Segoe UI Black" panose="020B0A02040204020203" pitchFamily="34" charset="0"/>
+                <a:ea typeface="Segoe UI Black" panose="020B0A02040204020203" pitchFamily="34" charset="0"/>
+                <a:cs typeface="Times New Roman" panose="02020603050405020304" pitchFamily="18" charset="0"/>
+              </a:rPr>
+              <a:t> </a:t>
+            </a:r>
+            <a:r>
+              <a:rPr lang="en-US" dirty="0" err="1">
+                <a:latin typeface="Segoe UI Black" panose="020B0A02040204020203" pitchFamily="34" charset="0"/>
+                <a:ea typeface="Segoe UI Black" panose="020B0A02040204020203" pitchFamily="34" charset="0"/>
+                <a:cs typeface="Times New Roman" panose="02020603050405020304" pitchFamily="18" charset="0"/>
+              </a:rPr>
+              <a:t>ctrt</a:t>
+            </a:r>
+            <a:r>
+              <a:rPr lang="en-US" dirty="0">
+                <a:latin typeface="Segoe UI Black" panose="020B0A02040204020203" pitchFamily="34" charset="0"/>
+                <a:ea typeface="Segoe UI Black" panose="020B0A02040204020203" pitchFamily="34" charset="0"/>
+                <a:cs typeface="Times New Roman" panose="02020603050405020304" pitchFamily="18" charset="0"/>
+              </a:rPr>
+              <a:t> + `. </a:t>
+            </a:r>
+            <a:r>
+              <a:rPr lang="en-US" dirty="0" err="1">
+                <a:latin typeface="Segoe UI Black" panose="020B0A02040204020203" pitchFamily="34" charset="0"/>
+                <a:ea typeface="Segoe UI Black" panose="020B0A02040204020203" pitchFamily="34" charset="0"/>
+                <a:cs typeface="Times New Roman" panose="02020603050405020304" pitchFamily="18" charset="0"/>
+              </a:rPr>
+              <a:t>Cửa</a:t>
+            </a:r>
+            <a:r>
+              <a:rPr lang="en-US" dirty="0">
+                <a:latin typeface="Segoe UI Black" panose="020B0A02040204020203" pitchFamily="34" charset="0"/>
+                <a:ea typeface="Segoe UI Black" panose="020B0A02040204020203" pitchFamily="34" charset="0"/>
+                <a:cs typeface="Times New Roman" panose="02020603050405020304" pitchFamily="18" charset="0"/>
+              </a:rPr>
+              <a:t> </a:t>
+            </a:r>
+            <a:r>
+              <a:rPr lang="en-US" dirty="0" err="1">
+                <a:latin typeface="Segoe UI Black" panose="020B0A02040204020203" pitchFamily="34" charset="0"/>
+                <a:ea typeface="Segoe UI Black" panose="020B0A02040204020203" pitchFamily="34" charset="0"/>
+                <a:cs typeface="Times New Roman" panose="02020603050405020304" pitchFamily="18" charset="0"/>
+              </a:rPr>
+              <a:t>sổ</a:t>
+            </a:r>
+            <a:r>
+              <a:rPr lang="en-US" dirty="0">
+                <a:latin typeface="Segoe UI Black" panose="020B0A02040204020203" pitchFamily="34" charset="0"/>
+                <a:ea typeface="Segoe UI Black" panose="020B0A02040204020203" pitchFamily="34" charset="0"/>
+                <a:cs typeface="Times New Roman" panose="02020603050405020304" pitchFamily="18" charset="0"/>
+              </a:rPr>
+              <a:t> terminal </a:t>
+            </a:r>
+            <a:r>
+              <a:rPr lang="en-US" dirty="0" err="1">
+                <a:latin typeface="Segoe UI Black" panose="020B0A02040204020203" pitchFamily="34" charset="0"/>
+                <a:ea typeface="Segoe UI Black" panose="020B0A02040204020203" pitchFamily="34" charset="0"/>
+                <a:cs typeface="Times New Roman" panose="02020603050405020304" pitchFamily="18" charset="0"/>
+              </a:rPr>
+              <a:t>hiện</a:t>
+            </a:r>
+            <a:r>
+              <a:rPr lang="en-US" dirty="0">
+                <a:latin typeface="Segoe UI Black" panose="020B0A02040204020203" pitchFamily="34" charset="0"/>
+                <a:ea typeface="Segoe UI Black" panose="020B0A02040204020203" pitchFamily="34" charset="0"/>
+                <a:cs typeface="Times New Roman" panose="02020603050405020304" pitchFamily="18" charset="0"/>
+              </a:rPr>
+              <a:t> ra, ta </a:t>
+            </a:r>
+            <a:r>
+              <a:rPr lang="en-US" dirty="0" err="1">
+                <a:latin typeface="Segoe UI Black" panose="020B0A02040204020203" pitchFamily="34" charset="0"/>
+                <a:ea typeface="Segoe UI Black" panose="020B0A02040204020203" pitchFamily="34" charset="0"/>
+                <a:cs typeface="Times New Roman" panose="02020603050405020304" pitchFamily="18" charset="0"/>
+              </a:rPr>
+              <a:t>chọn</a:t>
+            </a:r>
+            <a:r>
+              <a:rPr lang="en-US" dirty="0">
+                <a:latin typeface="Segoe UI Black" panose="020B0A02040204020203" pitchFamily="34" charset="0"/>
+                <a:ea typeface="Segoe UI Black" panose="020B0A02040204020203" pitchFamily="34" charset="0"/>
+                <a:cs typeface="Times New Roman" panose="02020603050405020304" pitchFamily="18" charset="0"/>
+              </a:rPr>
+              <a:t>: node &lt;file&gt; </a:t>
+            </a:r>
+            <a:r>
+              <a:rPr lang="en-US" dirty="0" err="1">
+                <a:latin typeface="Segoe UI Black" panose="020B0A02040204020203" pitchFamily="34" charset="0"/>
+                <a:ea typeface="Segoe UI Black" panose="020B0A02040204020203" pitchFamily="34" charset="0"/>
+                <a:cs typeface="Times New Roman" panose="02020603050405020304" pitchFamily="18" charset="0"/>
+              </a:rPr>
+              <a:t>để</a:t>
+            </a:r>
+            <a:r>
+              <a:rPr lang="en-US" dirty="0">
+                <a:latin typeface="Segoe UI Black" panose="020B0A02040204020203" pitchFamily="34" charset="0"/>
+                <a:ea typeface="Segoe UI Black" panose="020B0A02040204020203" pitchFamily="34" charset="0"/>
+                <a:cs typeface="Times New Roman" panose="02020603050405020304" pitchFamily="18" charset="0"/>
+              </a:rPr>
+              <a:t> </a:t>
+            </a:r>
+            <a:r>
+              <a:rPr lang="en-US" dirty="0" err="1">
+                <a:latin typeface="Segoe UI Black" panose="020B0A02040204020203" pitchFamily="34" charset="0"/>
+                <a:ea typeface="Segoe UI Black" panose="020B0A02040204020203" pitchFamily="34" charset="0"/>
+                <a:cs typeface="Times New Roman" panose="02020603050405020304" pitchFamily="18" charset="0"/>
+              </a:rPr>
+              <a:t>chạy</a:t>
+            </a:r>
+            <a:endParaRPr lang="en-US" dirty="0">
+              <a:latin typeface="Segoe UI Black" panose="020B0A02040204020203" pitchFamily="34" charset="0"/>
+              <a:ea typeface="Segoe UI Black" panose="020B0A02040204020203" pitchFamily="34" charset="0"/>
+              <a:cs typeface="Times New Roman" panose="02020603050405020304" pitchFamily="18" charset="0"/>
+            </a:endParaRPr>
           </a:p>
         </p:txBody>
       </p:sp>
@@ -6516,13 +10280,13 @@
   <p:clrMapOvr>
     <a:masterClrMapping/>
   </p:clrMapOvr>
-  <mc:AlternateContent xmlns:mc="http://schemas.openxmlformats.org/markup-compatibility/2006">
-    <mc:Choice xmlns:p15="http://schemas.microsoft.com/office/powerpoint/2012/main" Requires="p15">
+  <mc:AlternateContent xmlns:mc="http://schemas.openxmlformats.org/markup-compatibility/2006" xmlns:p15="http://schemas.microsoft.com/office/powerpoint/2012/main">
+    <mc:Choice Requires="p15">
       <p:transition xmlns:p14="http://schemas.microsoft.com/office/powerpoint/2010/main" spd="slow" p14:dur="1250">
         <p15:prstTrans prst="peelOff"/>
       </p:transition>
     </mc:Choice>
-    <mc:Fallback>
+    <mc:Fallback xmlns="">
       <p:transition spd="slow">
         <p:fade/>
       </p:transition>
@@ -6569,8 +10333,9 @@
           <a:lstStyle/>
           <a:p>
             <a:r>
-              <a:rPr lang="en-US" b="1">
-                <a:latin typeface="Times New Roman" panose="02020603050405020304" pitchFamily="18" charset="0"/>
+              <a:rPr lang="en-US" sz="3000" b="1" dirty="0">
+                <a:latin typeface="Segoe UI Black" panose="020B0A02040204020203" pitchFamily="34" charset="0"/>
+                <a:ea typeface="Segoe UI Black" panose="020B0A02040204020203" pitchFamily="34" charset="0"/>
                 <a:cs typeface="Times New Roman" panose="02020603050405020304" pitchFamily="18" charset="0"/>
               </a:rPr>
               <a:t>TẠO SERVER ĐƠN GIẢN</a:t>
@@ -6601,60 +10366,173 @@
           <a:lstStyle/>
           <a:p>
             <a:r>
-              <a:rPr lang="en-US" sz="2200">
-                <a:latin typeface="Times New Roman" panose="02020603050405020304" pitchFamily="18" charset="0"/>
-                <a:cs typeface="Times New Roman" panose="02020603050405020304" pitchFamily="18" charset="0"/>
-              </a:rPr>
-              <a:t>Các bước cần làm:</a:t>
-            </a:r>
-          </a:p>
-          <a:p>
-            <a:r>
-              <a:rPr lang="vi-VN" sz="2200">
-                <a:latin typeface="+mj-lt"/>
+              <a:rPr lang="en-US" dirty="0" err="1">
+                <a:latin typeface="Segoe UI Black" panose="020B0A02040204020203" pitchFamily="34" charset="0"/>
+                <a:ea typeface="Segoe UI Black" panose="020B0A02040204020203" pitchFamily="34" charset="0"/>
+                <a:cs typeface="Times New Roman" panose="02020603050405020304" pitchFamily="18" charset="0"/>
+              </a:rPr>
+              <a:t>Các</a:t>
+            </a:r>
+            <a:r>
+              <a:rPr lang="en-US" dirty="0">
+                <a:latin typeface="Segoe UI Black" panose="020B0A02040204020203" pitchFamily="34" charset="0"/>
+                <a:ea typeface="Segoe UI Black" panose="020B0A02040204020203" pitchFamily="34" charset="0"/>
+                <a:cs typeface="Times New Roman" panose="02020603050405020304" pitchFamily="18" charset="0"/>
+              </a:rPr>
+              <a:t> </a:t>
+            </a:r>
+            <a:r>
+              <a:rPr lang="en-US" dirty="0" err="1">
+                <a:latin typeface="Segoe UI Black" panose="020B0A02040204020203" pitchFamily="34" charset="0"/>
+                <a:ea typeface="Segoe UI Black" panose="020B0A02040204020203" pitchFamily="34" charset="0"/>
+                <a:cs typeface="Times New Roman" panose="02020603050405020304" pitchFamily="18" charset="0"/>
+              </a:rPr>
+              <a:t>bước</a:t>
+            </a:r>
+            <a:r>
+              <a:rPr lang="en-US" dirty="0">
+                <a:latin typeface="Segoe UI Black" panose="020B0A02040204020203" pitchFamily="34" charset="0"/>
+                <a:ea typeface="Segoe UI Black" panose="020B0A02040204020203" pitchFamily="34" charset="0"/>
+                <a:cs typeface="Times New Roman" panose="02020603050405020304" pitchFamily="18" charset="0"/>
+              </a:rPr>
+              <a:t> </a:t>
+            </a:r>
+            <a:r>
+              <a:rPr lang="en-US" dirty="0" err="1">
+                <a:latin typeface="Segoe UI Black" panose="020B0A02040204020203" pitchFamily="34" charset="0"/>
+                <a:ea typeface="Segoe UI Black" panose="020B0A02040204020203" pitchFamily="34" charset="0"/>
+                <a:cs typeface="Times New Roman" panose="02020603050405020304" pitchFamily="18" charset="0"/>
+              </a:rPr>
+              <a:t>cần</a:t>
+            </a:r>
+            <a:r>
+              <a:rPr lang="en-US" dirty="0">
+                <a:latin typeface="Segoe UI Black" panose="020B0A02040204020203" pitchFamily="34" charset="0"/>
+                <a:ea typeface="Segoe UI Black" panose="020B0A02040204020203" pitchFamily="34" charset="0"/>
+                <a:cs typeface="Times New Roman" panose="02020603050405020304" pitchFamily="18" charset="0"/>
+              </a:rPr>
+              <a:t> </a:t>
+            </a:r>
+            <a:r>
+              <a:rPr lang="en-US" dirty="0" err="1">
+                <a:latin typeface="Segoe UI Black" panose="020B0A02040204020203" pitchFamily="34" charset="0"/>
+                <a:ea typeface="Segoe UI Black" panose="020B0A02040204020203" pitchFamily="34" charset="0"/>
+                <a:cs typeface="Times New Roman" panose="02020603050405020304" pitchFamily="18" charset="0"/>
+              </a:rPr>
+              <a:t>làm</a:t>
+            </a:r>
+            <a:r>
+              <a:rPr lang="en-US" dirty="0">
+                <a:latin typeface="Segoe UI Black" panose="020B0A02040204020203" pitchFamily="34" charset="0"/>
+                <a:ea typeface="Segoe UI Black" panose="020B0A02040204020203" pitchFamily="34" charset="0"/>
+                <a:cs typeface="Times New Roman" panose="02020603050405020304" pitchFamily="18" charset="0"/>
+              </a:rPr>
+              <a:t>:</a:t>
+            </a:r>
+          </a:p>
+          <a:p>
+            <a:r>
+              <a:rPr lang="vi-VN" dirty="0">
+                <a:latin typeface="Segoe UI Black" panose="020B0A02040204020203" pitchFamily="34" charset="0"/>
+                <a:ea typeface="Segoe UI Black" panose="020B0A02040204020203" pitchFamily="34" charset="0"/>
               </a:rPr>
               <a:t>Bước 1: Import thư viện http</a:t>
             </a:r>
             <a:r>
-              <a:rPr lang="en-US" sz="2200">
-                <a:latin typeface="+mj-lt"/>
-              </a:rPr>
-              <a:t> </a:t>
-            </a:r>
-            <a:r>
-              <a:rPr lang="en-US" sz="2200">
-                <a:latin typeface="Times New Roman" panose="02020603050405020304" pitchFamily="18" charset="0"/>
-                <a:cs typeface="Times New Roman" panose="02020603050405020304" pitchFamily="18" charset="0"/>
-              </a:rPr>
-              <a:t>và những file cần thiết</a:t>
-            </a:r>
-            <a:endParaRPr lang="vi-VN" sz="2200">
-              <a:latin typeface="Times New Roman" panose="02020603050405020304" pitchFamily="18" charset="0"/>
+              <a:rPr lang="en-US" dirty="0">
+                <a:latin typeface="Segoe UI Black" panose="020B0A02040204020203" pitchFamily="34" charset="0"/>
+                <a:ea typeface="Segoe UI Black" panose="020B0A02040204020203" pitchFamily="34" charset="0"/>
+              </a:rPr>
+              <a:t> </a:t>
+            </a:r>
+            <a:r>
+              <a:rPr lang="en-US" dirty="0" err="1">
+                <a:latin typeface="Segoe UI Black" panose="020B0A02040204020203" pitchFamily="34" charset="0"/>
+                <a:ea typeface="Segoe UI Black" panose="020B0A02040204020203" pitchFamily="34" charset="0"/>
+                <a:cs typeface="Times New Roman" panose="02020603050405020304" pitchFamily="18" charset="0"/>
+              </a:rPr>
+              <a:t>và</a:t>
+            </a:r>
+            <a:r>
+              <a:rPr lang="en-US" dirty="0">
+                <a:latin typeface="Segoe UI Black" panose="020B0A02040204020203" pitchFamily="34" charset="0"/>
+                <a:ea typeface="Segoe UI Black" panose="020B0A02040204020203" pitchFamily="34" charset="0"/>
+                <a:cs typeface="Times New Roman" panose="02020603050405020304" pitchFamily="18" charset="0"/>
+              </a:rPr>
+              <a:t> </a:t>
+            </a:r>
+            <a:r>
+              <a:rPr lang="en-US" dirty="0" err="1">
+                <a:latin typeface="Segoe UI Black" panose="020B0A02040204020203" pitchFamily="34" charset="0"/>
+                <a:ea typeface="Segoe UI Black" panose="020B0A02040204020203" pitchFamily="34" charset="0"/>
+                <a:cs typeface="Times New Roman" panose="02020603050405020304" pitchFamily="18" charset="0"/>
+              </a:rPr>
+              <a:t>những</a:t>
+            </a:r>
+            <a:r>
+              <a:rPr lang="en-US" dirty="0">
+                <a:latin typeface="Segoe UI Black" panose="020B0A02040204020203" pitchFamily="34" charset="0"/>
+                <a:ea typeface="Segoe UI Black" panose="020B0A02040204020203" pitchFamily="34" charset="0"/>
+                <a:cs typeface="Times New Roman" panose="02020603050405020304" pitchFamily="18" charset="0"/>
+              </a:rPr>
+              <a:t> file </a:t>
+            </a:r>
+            <a:r>
+              <a:rPr lang="en-US" dirty="0" err="1">
+                <a:latin typeface="Segoe UI Black" panose="020B0A02040204020203" pitchFamily="34" charset="0"/>
+                <a:ea typeface="Segoe UI Black" panose="020B0A02040204020203" pitchFamily="34" charset="0"/>
+                <a:cs typeface="Times New Roman" panose="02020603050405020304" pitchFamily="18" charset="0"/>
+              </a:rPr>
+              <a:t>cần</a:t>
+            </a:r>
+            <a:r>
+              <a:rPr lang="en-US" dirty="0">
+                <a:latin typeface="Segoe UI Black" panose="020B0A02040204020203" pitchFamily="34" charset="0"/>
+                <a:ea typeface="Segoe UI Black" panose="020B0A02040204020203" pitchFamily="34" charset="0"/>
+                <a:cs typeface="Times New Roman" panose="02020603050405020304" pitchFamily="18" charset="0"/>
+              </a:rPr>
+              <a:t> </a:t>
+            </a:r>
+            <a:r>
+              <a:rPr lang="en-US" dirty="0" err="1">
+                <a:latin typeface="Segoe UI Black" panose="020B0A02040204020203" pitchFamily="34" charset="0"/>
+                <a:ea typeface="Segoe UI Black" panose="020B0A02040204020203" pitchFamily="34" charset="0"/>
+                <a:cs typeface="Times New Roman" panose="02020603050405020304" pitchFamily="18" charset="0"/>
+              </a:rPr>
+              <a:t>thiết</a:t>
+            </a:r>
+            <a:endParaRPr lang="vi-VN" dirty="0">
+              <a:latin typeface="Segoe UI Black" panose="020B0A02040204020203" pitchFamily="34" charset="0"/>
+              <a:ea typeface="Segoe UI Black" panose="020B0A02040204020203" pitchFamily="34" charset="0"/>
               <a:cs typeface="Times New Roman" panose="02020603050405020304" pitchFamily="18" charset="0"/>
             </a:endParaRPr>
           </a:p>
           <a:p>
             <a:r>
-              <a:rPr lang="vi-VN" sz="2200">
-                <a:latin typeface="+mj-lt"/>
+              <a:rPr lang="vi-VN" dirty="0">
+                <a:latin typeface="Segoe UI Black" panose="020B0A02040204020203" pitchFamily="34" charset="0"/>
+                <a:ea typeface="Segoe UI Black" panose="020B0A02040204020203" pitchFamily="34" charset="0"/>
               </a:rPr>
               <a:t>Bước 2: Khởi tạo server</a:t>
             </a:r>
-            <a:endParaRPr lang="en-US" sz="2200">
-              <a:latin typeface="+mj-lt"/>
+            <a:endParaRPr lang="en-US" dirty="0">
+              <a:latin typeface="Segoe UI Black" panose="020B0A02040204020203" pitchFamily="34" charset="0"/>
+              <a:ea typeface="Segoe UI Black" panose="020B0A02040204020203" pitchFamily="34" charset="0"/>
             </a:endParaRPr>
           </a:p>
           <a:p>
             <a:r>
-              <a:rPr lang="vi-VN" sz="2200">
-                <a:latin typeface="+mj-lt"/>
+              <a:rPr lang="vi-VN" dirty="0">
+                <a:latin typeface="Segoe UI Black" panose="020B0A02040204020203" pitchFamily="34" charset="0"/>
+                <a:ea typeface="Segoe UI Black" panose="020B0A02040204020203" pitchFamily="34" charset="0"/>
               </a:rPr>
               <a:t>Bước 3: Thiết lập cổng kết nối</a:t>
             </a:r>
           </a:p>
           <a:p>
-            <a:endParaRPr lang="en-US" sz="2200">
-              <a:latin typeface="Times New Roman" panose="02020603050405020304" pitchFamily="18" charset="0"/>
+            <a:endParaRPr lang="en-US" dirty="0">
+              <a:latin typeface="Segoe UI Black" panose="020B0A02040204020203" pitchFamily="34" charset="0"/>
+              <a:ea typeface="Segoe UI Black" panose="020B0A02040204020203" pitchFamily="34" charset="0"/>
               <a:cs typeface="Times New Roman" panose="02020603050405020304" pitchFamily="18" charset="0"/>
             </a:endParaRPr>
           </a:p>
@@ -6670,13 +10548,13 @@
   <p:clrMapOvr>
     <a:masterClrMapping/>
   </p:clrMapOvr>
-  <mc:AlternateContent xmlns:mc="http://schemas.openxmlformats.org/markup-compatibility/2006">
-    <mc:Choice xmlns:p15="http://schemas.microsoft.com/office/powerpoint/2012/main" Requires="p15">
+  <mc:AlternateContent xmlns:mc="http://schemas.openxmlformats.org/markup-compatibility/2006" xmlns:p15="http://schemas.microsoft.com/office/powerpoint/2012/main">
+    <mc:Choice Requires="p15">
       <p:transition xmlns:p14="http://schemas.microsoft.com/office/powerpoint/2010/main" spd="slow" p14:dur="1250">
         <p15:prstTrans prst="peelOff"/>
       </p:transition>
     </mc:Choice>
-    <mc:Fallback>
+    <mc:Fallback xmlns="">
       <p:transition spd="slow">
         <p:fade/>
       </p:transition>
@@ -6729,8 +10607,9 @@
           <a:lstStyle/>
           <a:p>
             <a:r>
-              <a:rPr lang="en-US" b="1">
-                <a:latin typeface="Times New Roman" panose="02020603050405020304" pitchFamily="18" charset="0"/>
+              <a:rPr lang="en-US" sz="3000" b="1" dirty="0">
+                <a:latin typeface="Segoe UI Black" panose="020B0A02040204020203" pitchFamily="34" charset="0"/>
+                <a:ea typeface="Segoe UI Black" panose="020B0A02040204020203" pitchFamily="34" charset="0"/>
                 <a:cs typeface="Times New Roman" panose="02020603050405020304" pitchFamily="18" charset="0"/>
               </a:rPr>
               <a:t>TẠO SERVER ĐƠN GIẢN SỬ DỤNG HTTP</a:t>
@@ -6761,11 +10640,20 @@
           <a:lstStyle/>
           <a:p>
             <a:r>
-              <a:rPr lang="en-US" sz="2200" b="1">
-                <a:latin typeface="Times New Roman" panose="02020603050405020304" pitchFamily="18" charset="0"/>
-                <a:cs typeface="Times New Roman" panose="02020603050405020304" pitchFamily="18" charset="0"/>
-              </a:rPr>
-              <a:t>Bước 1: import module</a:t>
+              <a:rPr lang="en-US" b="1" dirty="0" err="1">
+                <a:latin typeface="Segoe UI Black" panose="020B0A02040204020203" pitchFamily="34" charset="0"/>
+                <a:ea typeface="Segoe UI Black" panose="020B0A02040204020203" pitchFamily="34" charset="0"/>
+                <a:cs typeface="Times New Roman" panose="02020603050405020304" pitchFamily="18" charset="0"/>
+              </a:rPr>
+              <a:t>Bước</a:t>
+            </a:r>
+            <a:r>
+              <a:rPr lang="en-US" b="1" dirty="0">
+                <a:latin typeface="Segoe UI Black" panose="020B0A02040204020203" pitchFamily="34" charset="0"/>
+                <a:ea typeface="Segoe UI Black" panose="020B0A02040204020203" pitchFamily="34" charset="0"/>
+                <a:cs typeface="Times New Roman" panose="02020603050405020304" pitchFamily="18" charset="0"/>
+              </a:rPr>
+              <a:t> 1: import module</a:t>
             </a:r>
           </a:p>
           <a:p>
@@ -6774,8 +10662,9 @@
               <a:buChar char="•"/>
             </a:pPr>
             <a:r>
-              <a:rPr lang="en-US" sz="2200" i="1">
-                <a:latin typeface="Times New Roman" panose="02020603050405020304" pitchFamily="18" charset="0"/>
+              <a:rPr lang="en-US" sz="1600" i="1" dirty="0">
+                <a:latin typeface="Segoe UI Black" panose="020B0A02040204020203" pitchFamily="34" charset="0"/>
+                <a:ea typeface="Segoe UI Black" panose="020B0A02040204020203" pitchFamily="34" charset="0"/>
                 <a:cs typeface="Times New Roman" panose="02020603050405020304" pitchFamily="18" charset="0"/>
               </a:rPr>
               <a:t>var http = require('http’); var fs = require('fs’);</a:t>
@@ -6783,36 +10672,224 @@
           </a:p>
           <a:p>
             <a:r>
-              <a:rPr lang="en-US" sz="2200">
-                <a:latin typeface="Times New Roman" panose="02020603050405020304" pitchFamily="18" charset="0"/>
-                <a:cs typeface="Times New Roman" panose="02020603050405020304" pitchFamily="18" charset="0"/>
-              </a:rPr>
-              <a:t>Các module này để tạo máy chủ webserver</a:t>
-            </a:r>
-          </a:p>
-          <a:p>
-            <a:r>
-              <a:rPr lang="en-US" sz="2200" b="1">
-                <a:latin typeface="Times New Roman" panose="02020603050405020304" pitchFamily="18" charset="0"/>
-                <a:cs typeface="Times New Roman" panose="02020603050405020304" pitchFamily="18" charset="0"/>
-              </a:rPr>
-              <a:t>Bước 2: khởi tạo server</a:t>
-            </a:r>
-          </a:p>
-          <a:p>
-            <a:r>
-              <a:rPr lang="en-US" sz="2200">
-                <a:latin typeface="Times New Roman" panose="02020603050405020304" pitchFamily="18" charset="0"/>
-                <a:cs typeface="Times New Roman" panose="02020603050405020304" pitchFamily="18" charset="0"/>
-              </a:rPr>
-              <a:t>Chúng ta sử dụng hàm</a:t>
-            </a:r>
-            <a:r>
-              <a:rPr lang="en-US" sz="2200" i="1">
-                <a:latin typeface="Times New Roman" panose="02020603050405020304" pitchFamily="18" charset="0"/>
-                <a:cs typeface="Times New Roman" panose="02020603050405020304" pitchFamily="18" charset="0"/>
-              </a:rPr>
-              <a:t>:http.createServer(function(request, response)</a:t>
+              <a:rPr lang="en-US" dirty="0" err="1">
+                <a:latin typeface="Segoe UI Black" panose="020B0A02040204020203" pitchFamily="34" charset="0"/>
+                <a:ea typeface="Segoe UI Black" panose="020B0A02040204020203" pitchFamily="34" charset="0"/>
+                <a:cs typeface="Times New Roman" panose="02020603050405020304" pitchFamily="18" charset="0"/>
+              </a:rPr>
+              <a:t>Các</a:t>
+            </a:r>
+            <a:r>
+              <a:rPr lang="en-US" dirty="0">
+                <a:latin typeface="Segoe UI Black" panose="020B0A02040204020203" pitchFamily="34" charset="0"/>
+                <a:ea typeface="Segoe UI Black" panose="020B0A02040204020203" pitchFamily="34" charset="0"/>
+                <a:cs typeface="Times New Roman" panose="02020603050405020304" pitchFamily="18" charset="0"/>
+              </a:rPr>
+              <a:t> module </a:t>
+            </a:r>
+            <a:r>
+              <a:rPr lang="en-US" dirty="0" err="1">
+                <a:latin typeface="Segoe UI Black" panose="020B0A02040204020203" pitchFamily="34" charset="0"/>
+                <a:ea typeface="Segoe UI Black" panose="020B0A02040204020203" pitchFamily="34" charset="0"/>
+                <a:cs typeface="Times New Roman" panose="02020603050405020304" pitchFamily="18" charset="0"/>
+              </a:rPr>
+              <a:t>này</a:t>
+            </a:r>
+            <a:r>
+              <a:rPr lang="en-US" dirty="0">
+                <a:latin typeface="Segoe UI Black" panose="020B0A02040204020203" pitchFamily="34" charset="0"/>
+                <a:ea typeface="Segoe UI Black" panose="020B0A02040204020203" pitchFamily="34" charset="0"/>
+                <a:cs typeface="Times New Roman" panose="02020603050405020304" pitchFamily="18" charset="0"/>
+              </a:rPr>
+              <a:t> </a:t>
+            </a:r>
+            <a:r>
+              <a:rPr lang="en-US" dirty="0" err="1">
+                <a:latin typeface="Segoe UI Black" panose="020B0A02040204020203" pitchFamily="34" charset="0"/>
+                <a:ea typeface="Segoe UI Black" panose="020B0A02040204020203" pitchFamily="34" charset="0"/>
+                <a:cs typeface="Times New Roman" panose="02020603050405020304" pitchFamily="18" charset="0"/>
+              </a:rPr>
+              <a:t>để</a:t>
+            </a:r>
+            <a:r>
+              <a:rPr lang="en-US" dirty="0">
+                <a:latin typeface="Segoe UI Black" panose="020B0A02040204020203" pitchFamily="34" charset="0"/>
+                <a:ea typeface="Segoe UI Black" panose="020B0A02040204020203" pitchFamily="34" charset="0"/>
+                <a:cs typeface="Times New Roman" panose="02020603050405020304" pitchFamily="18" charset="0"/>
+              </a:rPr>
+              <a:t> </a:t>
+            </a:r>
+            <a:r>
+              <a:rPr lang="en-US" dirty="0" err="1">
+                <a:latin typeface="Segoe UI Black" panose="020B0A02040204020203" pitchFamily="34" charset="0"/>
+                <a:ea typeface="Segoe UI Black" panose="020B0A02040204020203" pitchFamily="34" charset="0"/>
+                <a:cs typeface="Times New Roman" panose="02020603050405020304" pitchFamily="18" charset="0"/>
+              </a:rPr>
+              <a:t>tạo</a:t>
+            </a:r>
+            <a:r>
+              <a:rPr lang="en-US" dirty="0">
+                <a:latin typeface="Segoe UI Black" panose="020B0A02040204020203" pitchFamily="34" charset="0"/>
+                <a:ea typeface="Segoe UI Black" panose="020B0A02040204020203" pitchFamily="34" charset="0"/>
+                <a:cs typeface="Times New Roman" panose="02020603050405020304" pitchFamily="18" charset="0"/>
+              </a:rPr>
+              <a:t> </a:t>
+            </a:r>
+            <a:r>
+              <a:rPr lang="en-US" dirty="0" err="1">
+                <a:latin typeface="Segoe UI Black" panose="020B0A02040204020203" pitchFamily="34" charset="0"/>
+                <a:ea typeface="Segoe UI Black" panose="020B0A02040204020203" pitchFamily="34" charset="0"/>
+                <a:cs typeface="Times New Roman" panose="02020603050405020304" pitchFamily="18" charset="0"/>
+              </a:rPr>
+              <a:t>máy</a:t>
+            </a:r>
+            <a:r>
+              <a:rPr lang="en-US" dirty="0">
+                <a:latin typeface="Segoe UI Black" panose="020B0A02040204020203" pitchFamily="34" charset="0"/>
+                <a:ea typeface="Segoe UI Black" panose="020B0A02040204020203" pitchFamily="34" charset="0"/>
+                <a:cs typeface="Times New Roman" panose="02020603050405020304" pitchFamily="18" charset="0"/>
+              </a:rPr>
+              <a:t> </a:t>
+            </a:r>
+            <a:r>
+              <a:rPr lang="en-US" dirty="0" err="1">
+                <a:latin typeface="Segoe UI Black" panose="020B0A02040204020203" pitchFamily="34" charset="0"/>
+                <a:ea typeface="Segoe UI Black" panose="020B0A02040204020203" pitchFamily="34" charset="0"/>
+                <a:cs typeface="Times New Roman" panose="02020603050405020304" pitchFamily="18" charset="0"/>
+              </a:rPr>
+              <a:t>chủ</a:t>
+            </a:r>
+            <a:r>
+              <a:rPr lang="en-US" dirty="0">
+                <a:latin typeface="Segoe UI Black" panose="020B0A02040204020203" pitchFamily="34" charset="0"/>
+                <a:ea typeface="Segoe UI Black" panose="020B0A02040204020203" pitchFamily="34" charset="0"/>
+                <a:cs typeface="Times New Roman" panose="02020603050405020304" pitchFamily="18" charset="0"/>
+              </a:rPr>
+              <a:t> webserver</a:t>
+            </a:r>
+          </a:p>
+          <a:p>
+            <a:r>
+              <a:rPr lang="en-US" b="1" dirty="0" err="1">
+                <a:latin typeface="Segoe UI Black" panose="020B0A02040204020203" pitchFamily="34" charset="0"/>
+                <a:ea typeface="Segoe UI Black" panose="020B0A02040204020203" pitchFamily="34" charset="0"/>
+                <a:cs typeface="Times New Roman" panose="02020603050405020304" pitchFamily="18" charset="0"/>
+              </a:rPr>
+              <a:t>Bước</a:t>
+            </a:r>
+            <a:r>
+              <a:rPr lang="en-US" b="1" dirty="0">
+                <a:latin typeface="Segoe UI Black" panose="020B0A02040204020203" pitchFamily="34" charset="0"/>
+                <a:ea typeface="Segoe UI Black" panose="020B0A02040204020203" pitchFamily="34" charset="0"/>
+                <a:cs typeface="Times New Roman" panose="02020603050405020304" pitchFamily="18" charset="0"/>
+              </a:rPr>
+              <a:t> 2: </a:t>
+            </a:r>
+            <a:r>
+              <a:rPr lang="en-US" b="1" dirty="0" err="1">
+                <a:latin typeface="Segoe UI Black" panose="020B0A02040204020203" pitchFamily="34" charset="0"/>
+                <a:ea typeface="Segoe UI Black" panose="020B0A02040204020203" pitchFamily="34" charset="0"/>
+                <a:cs typeface="Times New Roman" panose="02020603050405020304" pitchFamily="18" charset="0"/>
+              </a:rPr>
+              <a:t>khởi</a:t>
+            </a:r>
+            <a:r>
+              <a:rPr lang="en-US" b="1" dirty="0">
+                <a:latin typeface="Segoe UI Black" panose="020B0A02040204020203" pitchFamily="34" charset="0"/>
+                <a:ea typeface="Segoe UI Black" panose="020B0A02040204020203" pitchFamily="34" charset="0"/>
+                <a:cs typeface="Times New Roman" panose="02020603050405020304" pitchFamily="18" charset="0"/>
+              </a:rPr>
+              <a:t> </a:t>
+            </a:r>
+            <a:r>
+              <a:rPr lang="en-US" b="1" dirty="0" err="1">
+                <a:latin typeface="Segoe UI Black" panose="020B0A02040204020203" pitchFamily="34" charset="0"/>
+                <a:ea typeface="Segoe UI Black" panose="020B0A02040204020203" pitchFamily="34" charset="0"/>
+                <a:cs typeface="Times New Roman" panose="02020603050405020304" pitchFamily="18" charset="0"/>
+              </a:rPr>
+              <a:t>tạo</a:t>
+            </a:r>
+            <a:r>
+              <a:rPr lang="en-US" b="1" dirty="0">
+                <a:latin typeface="Segoe UI Black" panose="020B0A02040204020203" pitchFamily="34" charset="0"/>
+                <a:ea typeface="Segoe UI Black" panose="020B0A02040204020203" pitchFamily="34" charset="0"/>
+                <a:cs typeface="Times New Roman" panose="02020603050405020304" pitchFamily="18" charset="0"/>
+              </a:rPr>
+              <a:t> server</a:t>
+            </a:r>
+          </a:p>
+          <a:p>
+            <a:r>
+              <a:rPr lang="en-US" dirty="0" err="1">
+                <a:latin typeface="Segoe UI Black" panose="020B0A02040204020203" pitchFamily="34" charset="0"/>
+                <a:ea typeface="Segoe UI Black" panose="020B0A02040204020203" pitchFamily="34" charset="0"/>
+                <a:cs typeface="Times New Roman" panose="02020603050405020304" pitchFamily="18" charset="0"/>
+              </a:rPr>
+              <a:t>Chúng</a:t>
+            </a:r>
+            <a:r>
+              <a:rPr lang="en-US" dirty="0">
+                <a:latin typeface="Segoe UI Black" panose="020B0A02040204020203" pitchFamily="34" charset="0"/>
+                <a:ea typeface="Segoe UI Black" panose="020B0A02040204020203" pitchFamily="34" charset="0"/>
+                <a:cs typeface="Times New Roman" panose="02020603050405020304" pitchFamily="18" charset="0"/>
+              </a:rPr>
+              <a:t> ta </a:t>
+            </a:r>
+            <a:r>
+              <a:rPr lang="en-US" dirty="0" err="1">
+                <a:latin typeface="Segoe UI Black" panose="020B0A02040204020203" pitchFamily="34" charset="0"/>
+                <a:ea typeface="Segoe UI Black" panose="020B0A02040204020203" pitchFamily="34" charset="0"/>
+                <a:cs typeface="Times New Roman" panose="02020603050405020304" pitchFamily="18" charset="0"/>
+              </a:rPr>
+              <a:t>sử</a:t>
+            </a:r>
+            <a:r>
+              <a:rPr lang="en-US" dirty="0">
+                <a:latin typeface="Segoe UI Black" panose="020B0A02040204020203" pitchFamily="34" charset="0"/>
+                <a:ea typeface="Segoe UI Black" panose="020B0A02040204020203" pitchFamily="34" charset="0"/>
+                <a:cs typeface="Times New Roman" panose="02020603050405020304" pitchFamily="18" charset="0"/>
+              </a:rPr>
+              <a:t> </a:t>
+            </a:r>
+            <a:r>
+              <a:rPr lang="en-US" dirty="0" err="1">
+                <a:latin typeface="Segoe UI Black" panose="020B0A02040204020203" pitchFamily="34" charset="0"/>
+                <a:ea typeface="Segoe UI Black" panose="020B0A02040204020203" pitchFamily="34" charset="0"/>
+                <a:cs typeface="Times New Roman" panose="02020603050405020304" pitchFamily="18" charset="0"/>
+              </a:rPr>
+              <a:t>dụng</a:t>
+            </a:r>
+            <a:r>
+              <a:rPr lang="en-US" dirty="0">
+                <a:latin typeface="Segoe UI Black" panose="020B0A02040204020203" pitchFamily="34" charset="0"/>
+                <a:ea typeface="Segoe UI Black" panose="020B0A02040204020203" pitchFamily="34" charset="0"/>
+                <a:cs typeface="Times New Roman" panose="02020603050405020304" pitchFamily="18" charset="0"/>
+              </a:rPr>
+              <a:t> </a:t>
+            </a:r>
+            <a:r>
+              <a:rPr lang="en-US" dirty="0" err="1">
+                <a:latin typeface="Segoe UI Black" panose="020B0A02040204020203" pitchFamily="34" charset="0"/>
+                <a:ea typeface="Segoe UI Black" panose="020B0A02040204020203" pitchFamily="34" charset="0"/>
+                <a:cs typeface="Times New Roman" panose="02020603050405020304" pitchFamily="18" charset="0"/>
+              </a:rPr>
+              <a:t>hàm</a:t>
+            </a:r>
+            <a:r>
+              <a:rPr lang="en-US" i="1" dirty="0" err="1">
+                <a:latin typeface="Segoe UI Black" panose="020B0A02040204020203" pitchFamily="34" charset="0"/>
+                <a:ea typeface="Segoe UI Black" panose="020B0A02040204020203" pitchFamily="34" charset="0"/>
+                <a:cs typeface="Times New Roman" panose="02020603050405020304" pitchFamily="18" charset="0"/>
+              </a:rPr>
+              <a:t>:http.createServer</a:t>
+            </a:r>
+            <a:r>
+              <a:rPr lang="en-US" i="1" dirty="0">
+                <a:latin typeface="Segoe UI Black" panose="020B0A02040204020203" pitchFamily="34" charset="0"/>
+                <a:ea typeface="Segoe UI Black" panose="020B0A02040204020203" pitchFamily="34" charset="0"/>
+                <a:cs typeface="Times New Roman" panose="02020603050405020304" pitchFamily="18" charset="0"/>
+              </a:rPr>
+              <a:t>(function(request, response)</a:t>
             </a:r>
           </a:p>
           <a:p>
@@ -6821,11 +10898,108 @@
               <a:buChar char="•"/>
             </a:pPr>
             <a:r>
-              <a:rPr lang="en-US" sz="2200">
-                <a:latin typeface="Times New Roman" panose="02020603050405020304" pitchFamily="18" charset="0"/>
-                <a:cs typeface="Times New Roman" panose="02020603050405020304" pitchFamily="18" charset="0"/>
-              </a:rPr>
-              <a:t>Request: lưu trữ thông tin gửi lên của request</a:t>
+              <a:rPr lang="en-US" sz="1600" dirty="0">
+                <a:latin typeface="Segoe UI Black" panose="020B0A02040204020203" pitchFamily="34" charset="0"/>
+                <a:ea typeface="Segoe UI Black" panose="020B0A02040204020203" pitchFamily="34" charset="0"/>
+                <a:cs typeface="Times New Roman" panose="02020603050405020304" pitchFamily="18" charset="0"/>
+              </a:rPr>
+              <a:t>Request: </a:t>
+            </a:r>
+            <a:r>
+              <a:rPr lang="en-US" sz="1600" dirty="0" err="1">
+                <a:latin typeface="Segoe UI Black" panose="020B0A02040204020203" pitchFamily="34" charset="0"/>
+                <a:ea typeface="Segoe UI Black" panose="020B0A02040204020203" pitchFamily="34" charset="0"/>
+                <a:cs typeface="Times New Roman" panose="02020603050405020304" pitchFamily="18" charset="0"/>
+              </a:rPr>
+              <a:t>lưu</a:t>
+            </a:r>
+            <a:r>
+              <a:rPr lang="en-US" sz="1600" dirty="0">
+                <a:latin typeface="Segoe UI Black" panose="020B0A02040204020203" pitchFamily="34" charset="0"/>
+                <a:ea typeface="Segoe UI Black" panose="020B0A02040204020203" pitchFamily="34" charset="0"/>
+                <a:cs typeface="Times New Roman" panose="02020603050405020304" pitchFamily="18" charset="0"/>
+              </a:rPr>
+              <a:t> </a:t>
+            </a:r>
+            <a:r>
+              <a:rPr lang="en-US" sz="1600" dirty="0" err="1">
+                <a:latin typeface="Segoe UI Black" panose="020B0A02040204020203" pitchFamily="34" charset="0"/>
+                <a:ea typeface="Segoe UI Black" panose="020B0A02040204020203" pitchFamily="34" charset="0"/>
+                <a:cs typeface="Times New Roman" panose="02020603050405020304" pitchFamily="18" charset="0"/>
+              </a:rPr>
+              <a:t>trữ</a:t>
+            </a:r>
+            <a:r>
+              <a:rPr lang="en-US" sz="1600" dirty="0">
+                <a:latin typeface="Segoe UI Black" panose="020B0A02040204020203" pitchFamily="34" charset="0"/>
+                <a:ea typeface="Segoe UI Black" panose="020B0A02040204020203" pitchFamily="34" charset="0"/>
+                <a:cs typeface="Times New Roman" panose="02020603050405020304" pitchFamily="18" charset="0"/>
+              </a:rPr>
+              <a:t> </a:t>
+            </a:r>
+            <a:r>
+              <a:rPr lang="en-US" sz="1600" dirty="0" err="1">
+                <a:latin typeface="Segoe UI Black" panose="020B0A02040204020203" pitchFamily="34" charset="0"/>
+                <a:ea typeface="Segoe UI Black" panose="020B0A02040204020203" pitchFamily="34" charset="0"/>
+                <a:cs typeface="Times New Roman" panose="02020603050405020304" pitchFamily="18" charset="0"/>
+              </a:rPr>
+              <a:t>thông</a:t>
+            </a:r>
+            <a:r>
+              <a:rPr lang="en-US" sz="1600" dirty="0">
+                <a:latin typeface="Segoe UI Black" panose="020B0A02040204020203" pitchFamily="34" charset="0"/>
+                <a:ea typeface="Segoe UI Black" panose="020B0A02040204020203" pitchFamily="34" charset="0"/>
+                <a:cs typeface="Times New Roman" panose="02020603050405020304" pitchFamily="18" charset="0"/>
+              </a:rPr>
+              <a:t> tin </a:t>
+            </a:r>
+            <a:r>
+              <a:rPr lang="en-US" sz="1600" dirty="0" err="1">
+                <a:latin typeface="Segoe UI Black" panose="020B0A02040204020203" pitchFamily="34" charset="0"/>
+                <a:ea typeface="Segoe UI Black" panose="020B0A02040204020203" pitchFamily="34" charset="0"/>
+                <a:cs typeface="Times New Roman" panose="02020603050405020304" pitchFamily="18" charset="0"/>
+              </a:rPr>
+              <a:t>gửi</a:t>
+            </a:r>
+            <a:r>
+              <a:rPr lang="en-US" sz="1600" dirty="0">
+                <a:latin typeface="Segoe UI Black" panose="020B0A02040204020203" pitchFamily="34" charset="0"/>
+                <a:ea typeface="Segoe UI Black" panose="020B0A02040204020203" pitchFamily="34" charset="0"/>
+                <a:cs typeface="Times New Roman" panose="02020603050405020304" pitchFamily="18" charset="0"/>
+              </a:rPr>
+              <a:t> </a:t>
+            </a:r>
+            <a:r>
+              <a:rPr lang="en-US" sz="1600" dirty="0" err="1">
+                <a:latin typeface="Segoe UI Black" panose="020B0A02040204020203" pitchFamily="34" charset="0"/>
+                <a:ea typeface="Segoe UI Black" panose="020B0A02040204020203" pitchFamily="34" charset="0"/>
+                <a:cs typeface="Times New Roman" panose="02020603050405020304" pitchFamily="18" charset="0"/>
+              </a:rPr>
+              <a:t>lên</a:t>
+            </a:r>
+            <a:r>
+              <a:rPr lang="en-US" sz="1600" dirty="0">
+                <a:latin typeface="Segoe UI Black" panose="020B0A02040204020203" pitchFamily="34" charset="0"/>
+                <a:ea typeface="Segoe UI Black" panose="020B0A02040204020203" pitchFamily="34" charset="0"/>
+                <a:cs typeface="Times New Roman" panose="02020603050405020304" pitchFamily="18" charset="0"/>
+              </a:rPr>
+              <a:t> </a:t>
+            </a:r>
+            <a:r>
+              <a:rPr lang="en-US" sz="1600" dirty="0" err="1">
+                <a:latin typeface="Segoe UI Black" panose="020B0A02040204020203" pitchFamily="34" charset="0"/>
+                <a:ea typeface="Segoe UI Black" panose="020B0A02040204020203" pitchFamily="34" charset="0"/>
+                <a:cs typeface="Times New Roman" panose="02020603050405020304" pitchFamily="18" charset="0"/>
+              </a:rPr>
+              <a:t>của</a:t>
+            </a:r>
+            <a:r>
+              <a:rPr lang="en-US" sz="1600" dirty="0">
+                <a:latin typeface="Segoe UI Black" panose="020B0A02040204020203" pitchFamily="34" charset="0"/>
+                <a:ea typeface="Segoe UI Black" panose="020B0A02040204020203" pitchFamily="34" charset="0"/>
+                <a:cs typeface="Times New Roman" panose="02020603050405020304" pitchFamily="18" charset="0"/>
+              </a:rPr>
+              <a:t> request</a:t>
             </a:r>
           </a:p>
           <a:p>
@@ -6834,26 +11008,149 @@
               <a:buChar char="•"/>
             </a:pPr>
             <a:r>
-              <a:rPr lang="en-US" sz="2200">
-                <a:latin typeface="Times New Roman" panose="02020603050405020304" pitchFamily="18" charset="0"/>
-                <a:cs typeface="Times New Roman" panose="02020603050405020304" pitchFamily="18" charset="0"/>
-              </a:rPr>
-              <a:t>Response: lưu trữ các thông tin trả về cho client</a:t>
-            </a:r>
-          </a:p>
-          <a:p>
-            <a:r>
-              <a:rPr lang="en-US" sz="2200" i="1">
-                <a:latin typeface="Times New Roman" panose="02020603050405020304" pitchFamily="18" charset="0"/>
-                <a:cs typeface="Times New Roman" panose="02020603050405020304" pitchFamily="18" charset="0"/>
-              </a:rPr>
-              <a:t>response.writeHead(200, {</a:t>
-            </a:r>
-          </a:p>
-          <a:p>
-            <a:r>
-              <a:rPr lang="en-US" sz="2200" i="1">
-                <a:latin typeface="Times New Roman" panose="02020603050405020304" pitchFamily="18" charset="0"/>
+              <a:rPr lang="en-US" sz="1600" dirty="0">
+                <a:latin typeface="Segoe UI Black" panose="020B0A02040204020203" pitchFamily="34" charset="0"/>
+                <a:ea typeface="Segoe UI Black" panose="020B0A02040204020203" pitchFamily="34" charset="0"/>
+                <a:cs typeface="Times New Roman" panose="02020603050405020304" pitchFamily="18" charset="0"/>
+              </a:rPr>
+              <a:t>Response: </a:t>
+            </a:r>
+            <a:r>
+              <a:rPr lang="en-US" sz="1600" dirty="0" err="1">
+                <a:latin typeface="Segoe UI Black" panose="020B0A02040204020203" pitchFamily="34" charset="0"/>
+                <a:ea typeface="Segoe UI Black" panose="020B0A02040204020203" pitchFamily="34" charset="0"/>
+                <a:cs typeface="Times New Roman" panose="02020603050405020304" pitchFamily="18" charset="0"/>
+              </a:rPr>
+              <a:t>lưu</a:t>
+            </a:r>
+            <a:r>
+              <a:rPr lang="en-US" sz="1600" dirty="0">
+                <a:latin typeface="Segoe UI Black" panose="020B0A02040204020203" pitchFamily="34" charset="0"/>
+                <a:ea typeface="Segoe UI Black" panose="020B0A02040204020203" pitchFamily="34" charset="0"/>
+                <a:cs typeface="Times New Roman" panose="02020603050405020304" pitchFamily="18" charset="0"/>
+              </a:rPr>
+              <a:t> </a:t>
+            </a:r>
+            <a:r>
+              <a:rPr lang="en-US" sz="1600" dirty="0" err="1">
+                <a:latin typeface="Segoe UI Black" panose="020B0A02040204020203" pitchFamily="34" charset="0"/>
+                <a:ea typeface="Segoe UI Black" panose="020B0A02040204020203" pitchFamily="34" charset="0"/>
+                <a:cs typeface="Times New Roman" panose="02020603050405020304" pitchFamily="18" charset="0"/>
+              </a:rPr>
+              <a:t>trữ</a:t>
+            </a:r>
+            <a:r>
+              <a:rPr lang="en-US" sz="1600" dirty="0">
+                <a:latin typeface="Segoe UI Black" panose="020B0A02040204020203" pitchFamily="34" charset="0"/>
+                <a:ea typeface="Segoe UI Black" panose="020B0A02040204020203" pitchFamily="34" charset="0"/>
+                <a:cs typeface="Times New Roman" panose="02020603050405020304" pitchFamily="18" charset="0"/>
+              </a:rPr>
+              <a:t> </a:t>
+            </a:r>
+            <a:r>
+              <a:rPr lang="en-US" sz="1600" dirty="0" err="1">
+                <a:latin typeface="Segoe UI Black" panose="020B0A02040204020203" pitchFamily="34" charset="0"/>
+                <a:ea typeface="Segoe UI Black" panose="020B0A02040204020203" pitchFamily="34" charset="0"/>
+                <a:cs typeface="Times New Roman" panose="02020603050405020304" pitchFamily="18" charset="0"/>
+              </a:rPr>
+              <a:t>các</a:t>
+            </a:r>
+            <a:r>
+              <a:rPr lang="en-US" sz="1600" dirty="0">
+                <a:latin typeface="Segoe UI Black" panose="020B0A02040204020203" pitchFamily="34" charset="0"/>
+                <a:ea typeface="Segoe UI Black" panose="020B0A02040204020203" pitchFamily="34" charset="0"/>
+                <a:cs typeface="Times New Roman" panose="02020603050405020304" pitchFamily="18" charset="0"/>
+              </a:rPr>
+              <a:t> </a:t>
+            </a:r>
+            <a:r>
+              <a:rPr lang="en-US" sz="1600" dirty="0" err="1">
+                <a:latin typeface="Segoe UI Black" panose="020B0A02040204020203" pitchFamily="34" charset="0"/>
+                <a:ea typeface="Segoe UI Black" panose="020B0A02040204020203" pitchFamily="34" charset="0"/>
+                <a:cs typeface="Times New Roman" panose="02020603050405020304" pitchFamily="18" charset="0"/>
+              </a:rPr>
+              <a:t>thông</a:t>
+            </a:r>
+            <a:r>
+              <a:rPr lang="en-US" sz="1600" dirty="0">
+                <a:latin typeface="Segoe UI Black" panose="020B0A02040204020203" pitchFamily="34" charset="0"/>
+                <a:ea typeface="Segoe UI Black" panose="020B0A02040204020203" pitchFamily="34" charset="0"/>
+                <a:cs typeface="Times New Roman" panose="02020603050405020304" pitchFamily="18" charset="0"/>
+              </a:rPr>
+              <a:t> tin </a:t>
+            </a:r>
+            <a:r>
+              <a:rPr lang="en-US" sz="1600" dirty="0" err="1">
+                <a:latin typeface="Segoe UI Black" panose="020B0A02040204020203" pitchFamily="34" charset="0"/>
+                <a:ea typeface="Segoe UI Black" panose="020B0A02040204020203" pitchFamily="34" charset="0"/>
+                <a:cs typeface="Times New Roman" panose="02020603050405020304" pitchFamily="18" charset="0"/>
+              </a:rPr>
+              <a:t>trả</a:t>
+            </a:r>
+            <a:r>
+              <a:rPr lang="en-US" sz="1600" dirty="0">
+                <a:latin typeface="Segoe UI Black" panose="020B0A02040204020203" pitchFamily="34" charset="0"/>
+                <a:ea typeface="Segoe UI Black" panose="020B0A02040204020203" pitchFamily="34" charset="0"/>
+                <a:cs typeface="Times New Roman" panose="02020603050405020304" pitchFamily="18" charset="0"/>
+              </a:rPr>
+              <a:t> </a:t>
+            </a:r>
+            <a:r>
+              <a:rPr lang="en-US" sz="1600" dirty="0" err="1">
+                <a:latin typeface="Segoe UI Black" panose="020B0A02040204020203" pitchFamily="34" charset="0"/>
+                <a:ea typeface="Segoe UI Black" panose="020B0A02040204020203" pitchFamily="34" charset="0"/>
+                <a:cs typeface="Times New Roman" panose="02020603050405020304" pitchFamily="18" charset="0"/>
+              </a:rPr>
+              <a:t>về</a:t>
+            </a:r>
+            <a:r>
+              <a:rPr lang="en-US" sz="1600" dirty="0">
+                <a:latin typeface="Segoe UI Black" panose="020B0A02040204020203" pitchFamily="34" charset="0"/>
+                <a:ea typeface="Segoe UI Black" panose="020B0A02040204020203" pitchFamily="34" charset="0"/>
+                <a:cs typeface="Times New Roman" panose="02020603050405020304" pitchFamily="18" charset="0"/>
+              </a:rPr>
+              <a:t> </a:t>
+            </a:r>
+            <a:r>
+              <a:rPr lang="en-US" sz="1600" dirty="0" err="1">
+                <a:latin typeface="Segoe UI Black" panose="020B0A02040204020203" pitchFamily="34" charset="0"/>
+                <a:ea typeface="Segoe UI Black" panose="020B0A02040204020203" pitchFamily="34" charset="0"/>
+                <a:cs typeface="Times New Roman" panose="02020603050405020304" pitchFamily="18" charset="0"/>
+              </a:rPr>
+              <a:t>cho</a:t>
+            </a:r>
+            <a:r>
+              <a:rPr lang="en-US" sz="1600" dirty="0">
+                <a:latin typeface="Segoe UI Black" panose="020B0A02040204020203" pitchFamily="34" charset="0"/>
+                <a:ea typeface="Segoe UI Black" panose="020B0A02040204020203" pitchFamily="34" charset="0"/>
+                <a:cs typeface="Times New Roman" panose="02020603050405020304" pitchFamily="18" charset="0"/>
+              </a:rPr>
+              <a:t> client</a:t>
+            </a:r>
+          </a:p>
+          <a:p>
+            <a:r>
+              <a:rPr lang="en-US" i="1" dirty="0" err="1">
+                <a:latin typeface="Segoe UI Black" panose="020B0A02040204020203" pitchFamily="34" charset="0"/>
+                <a:ea typeface="Segoe UI Black" panose="020B0A02040204020203" pitchFamily="34" charset="0"/>
+                <a:cs typeface="Times New Roman" panose="02020603050405020304" pitchFamily="18" charset="0"/>
+              </a:rPr>
+              <a:t>response.writeHead</a:t>
+            </a:r>
+            <a:r>
+              <a:rPr lang="en-US" i="1" dirty="0">
+                <a:latin typeface="Segoe UI Black" panose="020B0A02040204020203" pitchFamily="34" charset="0"/>
+                <a:ea typeface="Segoe UI Black" panose="020B0A02040204020203" pitchFamily="34" charset="0"/>
+                <a:cs typeface="Times New Roman" panose="02020603050405020304" pitchFamily="18" charset="0"/>
+              </a:rPr>
+              <a:t>(200, {</a:t>
+            </a:r>
+          </a:p>
+          <a:p>
+            <a:r>
+              <a:rPr lang="en-US" i="1" dirty="0">
+                <a:latin typeface="Segoe UI Black" panose="020B0A02040204020203" pitchFamily="34" charset="0"/>
+                <a:ea typeface="Segoe UI Black" panose="020B0A02040204020203" pitchFamily="34" charset="0"/>
                 <a:cs typeface="Times New Roman" panose="02020603050405020304" pitchFamily="18" charset="0"/>
               </a:rPr>
               <a:t>        "Context-type" : "text/plain"</a:t>
@@ -6861,8 +11158,9 @@
           </a:p>
           <a:p>
             <a:r>
-              <a:rPr lang="en-US" sz="2200" i="1">
-                <a:latin typeface="Times New Roman" panose="02020603050405020304" pitchFamily="18" charset="0"/>
+              <a:rPr lang="en-US" i="1" dirty="0">
+                <a:latin typeface="Segoe UI Black" panose="020B0A02040204020203" pitchFamily="34" charset="0"/>
+                <a:ea typeface="Segoe UI Black" panose="020B0A02040204020203" pitchFamily="34" charset="0"/>
                 <a:cs typeface="Times New Roman" panose="02020603050405020304" pitchFamily="18" charset="0"/>
               </a:rPr>
               <a:t>    });</a:t>
@@ -6870,52 +11168,60 @@
           </a:p>
           <a:p>
             <a:r>
-              <a:rPr lang="vi-VN" sz="2200">
-                <a:latin typeface="Times New Roman" panose="02020603050405020304" pitchFamily="18" charset="0"/>
+              <a:rPr lang="vi-VN" dirty="0">
+                <a:latin typeface="Segoe UI Black" panose="020B0A02040204020203" pitchFamily="34" charset="0"/>
+                <a:ea typeface="Segoe UI Black" panose="020B0A02040204020203" pitchFamily="34" charset="0"/>
                 <a:cs typeface="Times New Roman" panose="02020603050405020304" pitchFamily="18" charset="0"/>
               </a:rPr>
               <a:t>phần khai báo các tham số của trang web như</a:t>
             </a:r>
             <a:r>
-              <a:rPr lang="en-US" sz="2200">
-                <a:latin typeface="Times New Roman" panose="02020603050405020304" pitchFamily="18" charset="0"/>
+              <a:rPr lang="en-US" dirty="0">
+                <a:latin typeface="Segoe UI Black" panose="020B0A02040204020203" pitchFamily="34" charset="0"/>
+                <a:ea typeface="Segoe UI Black" panose="020B0A02040204020203" pitchFamily="34" charset="0"/>
                 <a:cs typeface="Times New Roman" panose="02020603050405020304" pitchFamily="18" charset="0"/>
               </a:rPr>
               <a:t>:</a:t>
             </a:r>
             <a:r>
-              <a:rPr lang="vi-VN" sz="2200">
-                <a:latin typeface="Times New Roman" panose="02020603050405020304" pitchFamily="18" charset="0"/>
+              <a:rPr lang="vi-VN" dirty="0">
+                <a:latin typeface="Segoe UI Black" panose="020B0A02040204020203" pitchFamily="34" charset="0"/>
+                <a:ea typeface="Segoe UI Black" panose="020B0A02040204020203" pitchFamily="34" charset="0"/>
                 <a:cs typeface="Times New Roman" panose="02020603050405020304" pitchFamily="18" charset="0"/>
               </a:rPr>
               <a:t> định dạng file trả về, kích thước file ... Còn mã code 200 tức là truy cập thành công.</a:t>
             </a:r>
-            <a:endParaRPr lang="en-US" sz="2200">
-              <a:latin typeface="Times New Roman" panose="02020603050405020304" pitchFamily="18" charset="0"/>
+            <a:endParaRPr lang="en-US" dirty="0">
+              <a:latin typeface="Segoe UI Black" panose="020B0A02040204020203" pitchFamily="34" charset="0"/>
+              <a:ea typeface="Segoe UI Black" panose="020B0A02040204020203" pitchFamily="34" charset="0"/>
               <a:cs typeface="Times New Roman" panose="02020603050405020304" pitchFamily="18" charset="0"/>
             </a:endParaRPr>
           </a:p>
           <a:p>
-            <a:endParaRPr lang="en-US" sz="2200">
-              <a:latin typeface="Times New Roman" panose="02020603050405020304" pitchFamily="18" charset="0"/>
+            <a:endParaRPr lang="en-US" dirty="0">
+              <a:latin typeface="Segoe UI Black" panose="020B0A02040204020203" pitchFamily="34" charset="0"/>
+              <a:ea typeface="Segoe UI Black" panose="020B0A02040204020203" pitchFamily="34" charset="0"/>
               <a:cs typeface="Times New Roman" panose="02020603050405020304" pitchFamily="18" charset="0"/>
             </a:endParaRPr>
           </a:p>
           <a:p>
-            <a:endParaRPr lang="en-US" sz="2200">
-              <a:latin typeface="Times New Roman" panose="02020603050405020304" pitchFamily="18" charset="0"/>
+            <a:endParaRPr lang="en-US" dirty="0">
+              <a:latin typeface="Segoe UI Black" panose="020B0A02040204020203" pitchFamily="34" charset="0"/>
+              <a:ea typeface="Segoe UI Black" panose="020B0A02040204020203" pitchFamily="34" charset="0"/>
               <a:cs typeface="Times New Roman" panose="02020603050405020304" pitchFamily="18" charset="0"/>
             </a:endParaRPr>
           </a:p>
           <a:p>
-            <a:endParaRPr lang="en-US" sz="2200">
-              <a:latin typeface="Times New Roman" panose="02020603050405020304" pitchFamily="18" charset="0"/>
+            <a:endParaRPr lang="en-US" dirty="0">
+              <a:latin typeface="Segoe UI Black" panose="020B0A02040204020203" pitchFamily="34" charset="0"/>
+              <a:ea typeface="Segoe UI Black" panose="020B0A02040204020203" pitchFamily="34" charset="0"/>
               <a:cs typeface="Times New Roman" panose="02020603050405020304" pitchFamily="18" charset="0"/>
             </a:endParaRPr>
           </a:p>
           <a:p>
-            <a:endParaRPr lang="en-US" sz="2200">
-              <a:latin typeface="Times New Roman" panose="02020603050405020304" pitchFamily="18" charset="0"/>
+            <a:endParaRPr lang="en-US" dirty="0">
+              <a:latin typeface="Segoe UI Black" panose="020B0A02040204020203" pitchFamily="34" charset="0"/>
+              <a:ea typeface="Segoe UI Black" panose="020B0A02040204020203" pitchFamily="34" charset="0"/>
               <a:cs typeface="Times New Roman" panose="02020603050405020304" pitchFamily="18" charset="0"/>
             </a:endParaRPr>
           </a:p>
@@ -6931,13 +11237,13 @@
   <p:clrMapOvr>
     <a:masterClrMapping/>
   </p:clrMapOvr>
-  <mc:AlternateContent xmlns:mc="http://schemas.openxmlformats.org/markup-compatibility/2006">
-    <mc:Choice xmlns:p15="http://schemas.microsoft.com/office/powerpoint/2012/main" Requires="p15">
+  <mc:AlternateContent xmlns:mc="http://schemas.openxmlformats.org/markup-compatibility/2006" xmlns:p15="http://schemas.microsoft.com/office/powerpoint/2012/main">
+    <mc:Choice Requires="p15">
       <p:transition xmlns:p14="http://schemas.microsoft.com/office/powerpoint/2010/main" spd="slow" p14:dur="1250">
         <p15:prstTrans prst="peelOff"/>
       </p:transition>
     </mc:Choice>
-    <mc:Fallback>
+    <mc:Fallback xmlns="">
       <p:transition spd="slow">
         <p:fade/>
       </p:transition>
@@ -6984,8 +11290,9 @@
           <a:lstStyle/>
           <a:p>
             <a:r>
-              <a:rPr lang="en-US" b="1">
-                <a:latin typeface="Times New Roman" panose="02020603050405020304" pitchFamily="18" charset="0"/>
+              <a:rPr lang="en-US" sz="3000" b="1" dirty="0">
+                <a:latin typeface="Segoe UI Black" panose="020B0A02040204020203" pitchFamily="34" charset="0"/>
+                <a:ea typeface="Segoe UI Black" panose="020B0A02040204020203" pitchFamily="34" charset="0"/>
                 <a:cs typeface="Times New Roman" panose="02020603050405020304" pitchFamily="18" charset="0"/>
               </a:rPr>
               <a:t>TẠO SERVER ĐƠN GIẢN SỬ DỤNG HTTP</a:t>
@@ -7016,11 +11323,20 @@
           <a:lstStyle/>
           <a:p>
             <a:r>
-              <a:rPr lang="en-US" sz="2200" b="1">
-                <a:latin typeface="Times New Roman" panose="02020603050405020304" pitchFamily="18" charset="0"/>
-                <a:cs typeface="Times New Roman" panose="02020603050405020304" pitchFamily="18" charset="0"/>
-              </a:rPr>
-              <a:t>Bước 1: Import module</a:t>
+              <a:rPr lang="en-US" b="1" dirty="0" err="1">
+                <a:latin typeface="Segoe UI Black" panose="020B0A02040204020203" pitchFamily="34" charset="0"/>
+                <a:ea typeface="Segoe UI Black" panose="020B0A02040204020203" pitchFamily="34" charset="0"/>
+                <a:cs typeface="Times New Roman" panose="02020603050405020304" pitchFamily="18" charset="0"/>
+              </a:rPr>
+              <a:t>Bước</a:t>
+            </a:r>
+            <a:r>
+              <a:rPr lang="en-US" b="1" dirty="0">
+                <a:latin typeface="Segoe UI Black" panose="020B0A02040204020203" pitchFamily="34" charset="0"/>
+                <a:ea typeface="Segoe UI Black" panose="020B0A02040204020203" pitchFamily="34" charset="0"/>
+                <a:cs typeface="Times New Roman" panose="02020603050405020304" pitchFamily="18" charset="0"/>
+              </a:rPr>
+              <a:t> 1: Import module</a:t>
             </a:r>
           </a:p>
           <a:p>
@@ -7029,8 +11345,9 @@
               <a:buChar char="•"/>
             </a:pPr>
             <a:r>
-              <a:rPr lang="en-US" sz="2200" i="1">
-                <a:latin typeface="Times New Roman" panose="02020603050405020304" pitchFamily="18" charset="0"/>
+              <a:rPr lang="en-US" sz="1600" i="1" dirty="0">
+                <a:latin typeface="Segoe UI Black" panose="020B0A02040204020203" pitchFamily="34" charset="0"/>
+                <a:ea typeface="Segoe UI Black" panose="020B0A02040204020203" pitchFamily="34" charset="0"/>
                 <a:cs typeface="Times New Roman" panose="02020603050405020304" pitchFamily="18" charset="0"/>
               </a:rPr>
               <a:t>var http = require('http</a:t>
@@ -7038,11 +11355,124 @@
           </a:p>
           <a:p>
             <a:r>
-              <a:rPr lang="en-US" sz="2200">
-                <a:latin typeface="Times New Roman" panose="02020603050405020304" pitchFamily="18" charset="0"/>
-                <a:cs typeface="Times New Roman" panose="02020603050405020304" pitchFamily="18" charset="0"/>
-              </a:rPr>
-              <a:t>Ở đây ta sử dụng giao thức http để tạo server </a:t>
+              <a:rPr lang="en-US" dirty="0">
+                <a:latin typeface="Segoe UI Black" panose="020B0A02040204020203" pitchFamily="34" charset="0"/>
+                <a:ea typeface="Segoe UI Black" panose="020B0A02040204020203" pitchFamily="34" charset="0"/>
+                <a:cs typeface="Times New Roman" panose="02020603050405020304" pitchFamily="18" charset="0"/>
+              </a:rPr>
+              <a:t>Ở </a:t>
+            </a:r>
+            <a:r>
+              <a:rPr lang="en-US" dirty="0" err="1">
+                <a:latin typeface="Segoe UI Black" panose="020B0A02040204020203" pitchFamily="34" charset="0"/>
+                <a:ea typeface="Segoe UI Black" panose="020B0A02040204020203" pitchFamily="34" charset="0"/>
+                <a:cs typeface="Times New Roman" panose="02020603050405020304" pitchFamily="18" charset="0"/>
+              </a:rPr>
+              <a:t>đây</a:t>
+            </a:r>
+            <a:r>
+              <a:rPr lang="en-US" dirty="0">
+                <a:latin typeface="Segoe UI Black" panose="020B0A02040204020203" pitchFamily="34" charset="0"/>
+                <a:ea typeface="Segoe UI Black" panose="020B0A02040204020203" pitchFamily="34" charset="0"/>
+                <a:cs typeface="Times New Roman" panose="02020603050405020304" pitchFamily="18" charset="0"/>
+              </a:rPr>
+              <a:t> ta </a:t>
+            </a:r>
+            <a:r>
+              <a:rPr lang="en-US" dirty="0" err="1">
+                <a:latin typeface="Segoe UI Black" panose="020B0A02040204020203" pitchFamily="34" charset="0"/>
+                <a:ea typeface="Segoe UI Black" panose="020B0A02040204020203" pitchFamily="34" charset="0"/>
+                <a:cs typeface="Times New Roman" panose="02020603050405020304" pitchFamily="18" charset="0"/>
+              </a:rPr>
+              <a:t>sử</a:t>
+            </a:r>
+            <a:r>
+              <a:rPr lang="en-US" dirty="0">
+                <a:latin typeface="Segoe UI Black" panose="020B0A02040204020203" pitchFamily="34" charset="0"/>
+                <a:ea typeface="Segoe UI Black" panose="020B0A02040204020203" pitchFamily="34" charset="0"/>
+                <a:cs typeface="Times New Roman" panose="02020603050405020304" pitchFamily="18" charset="0"/>
+              </a:rPr>
+              <a:t> </a:t>
+            </a:r>
+            <a:r>
+              <a:rPr lang="en-US" dirty="0" err="1">
+                <a:latin typeface="Segoe UI Black" panose="020B0A02040204020203" pitchFamily="34" charset="0"/>
+                <a:ea typeface="Segoe UI Black" panose="020B0A02040204020203" pitchFamily="34" charset="0"/>
+                <a:cs typeface="Times New Roman" panose="02020603050405020304" pitchFamily="18" charset="0"/>
+              </a:rPr>
+              <a:t>dụng</a:t>
+            </a:r>
+            <a:r>
+              <a:rPr lang="en-US" dirty="0">
+                <a:latin typeface="Segoe UI Black" panose="020B0A02040204020203" pitchFamily="34" charset="0"/>
+                <a:ea typeface="Segoe UI Black" panose="020B0A02040204020203" pitchFamily="34" charset="0"/>
+                <a:cs typeface="Times New Roman" panose="02020603050405020304" pitchFamily="18" charset="0"/>
+              </a:rPr>
+              <a:t> </a:t>
+            </a:r>
+            <a:r>
+              <a:rPr lang="en-US" dirty="0" err="1">
+                <a:latin typeface="Segoe UI Black" panose="020B0A02040204020203" pitchFamily="34" charset="0"/>
+                <a:ea typeface="Segoe UI Black" panose="020B0A02040204020203" pitchFamily="34" charset="0"/>
+                <a:cs typeface="Times New Roman" panose="02020603050405020304" pitchFamily="18" charset="0"/>
+              </a:rPr>
+              <a:t>giao</a:t>
+            </a:r>
+            <a:r>
+              <a:rPr lang="en-US" dirty="0">
+                <a:latin typeface="Segoe UI Black" panose="020B0A02040204020203" pitchFamily="34" charset="0"/>
+                <a:ea typeface="Segoe UI Black" panose="020B0A02040204020203" pitchFamily="34" charset="0"/>
+                <a:cs typeface="Times New Roman" panose="02020603050405020304" pitchFamily="18" charset="0"/>
+              </a:rPr>
+              <a:t> </a:t>
+            </a:r>
+            <a:r>
+              <a:rPr lang="en-US" dirty="0" err="1">
+                <a:latin typeface="Segoe UI Black" panose="020B0A02040204020203" pitchFamily="34" charset="0"/>
+                <a:ea typeface="Segoe UI Black" panose="020B0A02040204020203" pitchFamily="34" charset="0"/>
+                <a:cs typeface="Times New Roman" panose="02020603050405020304" pitchFamily="18" charset="0"/>
+              </a:rPr>
+              <a:t>thức</a:t>
+            </a:r>
+            <a:r>
+              <a:rPr lang="en-US" dirty="0">
+                <a:latin typeface="Segoe UI Black" panose="020B0A02040204020203" pitchFamily="34" charset="0"/>
+                <a:ea typeface="Segoe UI Black" panose="020B0A02040204020203" pitchFamily="34" charset="0"/>
+                <a:cs typeface="Times New Roman" panose="02020603050405020304" pitchFamily="18" charset="0"/>
+              </a:rPr>
+              <a:t> http </a:t>
+            </a:r>
+            <a:r>
+              <a:rPr lang="en-US" dirty="0" err="1">
+                <a:latin typeface="Segoe UI Black" panose="020B0A02040204020203" pitchFamily="34" charset="0"/>
+                <a:ea typeface="Segoe UI Black" panose="020B0A02040204020203" pitchFamily="34" charset="0"/>
+                <a:cs typeface="Times New Roman" panose="02020603050405020304" pitchFamily="18" charset="0"/>
+              </a:rPr>
+              <a:t>để</a:t>
+            </a:r>
+            <a:r>
+              <a:rPr lang="en-US" dirty="0">
+                <a:latin typeface="Segoe UI Black" panose="020B0A02040204020203" pitchFamily="34" charset="0"/>
+                <a:ea typeface="Segoe UI Black" panose="020B0A02040204020203" pitchFamily="34" charset="0"/>
+                <a:cs typeface="Times New Roman" panose="02020603050405020304" pitchFamily="18" charset="0"/>
+              </a:rPr>
+              <a:t> </a:t>
+            </a:r>
+            <a:r>
+              <a:rPr lang="en-US" dirty="0" err="1">
+                <a:latin typeface="Segoe UI Black" panose="020B0A02040204020203" pitchFamily="34" charset="0"/>
+                <a:ea typeface="Segoe UI Black" panose="020B0A02040204020203" pitchFamily="34" charset="0"/>
+                <a:cs typeface="Times New Roman" panose="02020603050405020304" pitchFamily="18" charset="0"/>
+              </a:rPr>
+              <a:t>tạo</a:t>
+            </a:r>
+            <a:r>
+              <a:rPr lang="en-US" dirty="0">
+                <a:latin typeface="Segoe UI Black" panose="020B0A02040204020203" pitchFamily="34" charset="0"/>
+                <a:ea typeface="Segoe UI Black" panose="020B0A02040204020203" pitchFamily="34" charset="0"/>
+                <a:cs typeface="Times New Roman" panose="02020603050405020304" pitchFamily="18" charset="0"/>
+              </a:rPr>
+              <a:t> server </a:t>
             </a:r>
           </a:p>
           <a:p>
@@ -7051,8 +11481,9 @@
               <a:buChar char="•"/>
             </a:pPr>
             <a:r>
-              <a:rPr lang="en-US" sz="2200" i="1">
-                <a:latin typeface="Times New Roman" panose="02020603050405020304" pitchFamily="18" charset="0"/>
+              <a:rPr lang="en-US" sz="1600" i="1" dirty="0">
+                <a:latin typeface="Segoe UI Black" panose="020B0A02040204020203" pitchFamily="34" charset="0"/>
+                <a:ea typeface="Segoe UI Black" panose="020B0A02040204020203" pitchFamily="34" charset="0"/>
                 <a:cs typeface="Times New Roman" panose="02020603050405020304" pitchFamily="18" charset="0"/>
               </a:rPr>
               <a:t>var fs = require('fs’);</a:t>
@@ -7060,28 +11491,112 @@
           </a:p>
           <a:p>
             <a:r>
-              <a:rPr lang="en-US" sz="2200">
-                <a:latin typeface="Times New Roman" panose="02020603050405020304" pitchFamily="18" charset="0"/>
-                <a:cs typeface="Times New Roman" panose="02020603050405020304" pitchFamily="18" charset="0"/>
-              </a:rPr>
-              <a:t>Do ta tạo file html nên import bằng cách trên.</a:t>
-            </a:r>
-          </a:p>
-          <a:p>
-            <a:endParaRPr lang="en-US" sz="2200">
-              <a:latin typeface="Times New Roman" panose="02020603050405020304" pitchFamily="18" charset="0"/>
+              <a:rPr lang="en-US" dirty="0">
+                <a:latin typeface="Segoe UI Black" panose="020B0A02040204020203" pitchFamily="34" charset="0"/>
+                <a:ea typeface="Segoe UI Black" panose="020B0A02040204020203" pitchFamily="34" charset="0"/>
+                <a:cs typeface="Times New Roman" panose="02020603050405020304" pitchFamily="18" charset="0"/>
+              </a:rPr>
+              <a:t>Do ta </a:t>
+            </a:r>
+            <a:r>
+              <a:rPr lang="en-US" dirty="0" err="1">
+                <a:latin typeface="Segoe UI Black" panose="020B0A02040204020203" pitchFamily="34" charset="0"/>
+                <a:ea typeface="Segoe UI Black" panose="020B0A02040204020203" pitchFamily="34" charset="0"/>
+                <a:cs typeface="Times New Roman" panose="02020603050405020304" pitchFamily="18" charset="0"/>
+              </a:rPr>
+              <a:t>tạo</a:t>
+            </a:r>
+            <a:r>
+              <a:rPr lang="en-US" dirty="0">
+                <a:latin typeface="Segoe UI Black" panose="020B0A02040204020203" pitchFamily="34" charset="0"/>
+                <a:ea typeface="Segoe UI Black" panose="020B0A02040204020203" pitchFamily="34" charset="0"/>
+                <a:cs typeface="Times New Roman" panose="02020603050405020304" pitchFamily="18" charset="0"/>
+              </a:rPr>
+              <a:t> file html </a:t>
+            </a:r>
+            <a:r>
+              <a:rPr lang="en-US" dirty="0" err="1">
+                <a:latin typeface="Segoe UI Black" panose="020B0A02040204020203" pitchFamily="34" charset="0"/>
+                <a:ea typeface="Segoe UI Black" panose="020B0A02040204020203" pitchFamily="34" charset="0"/>
+                <a:cs typeface="Times New Roman" panose="02020603050405020304" pitchFamily="18" charset="0"/>
+              </a:rPr>
+              <a:t>nên</a:t>
+            </a:r>
+            <a:r>
+              <a:rPr lang="en-US" dirty="0">
+                <a:latin typeface="Segoe UI Black" panose="020B0A02040204020203" pitchFamily="34" charset="0"/>
+                <a:ea typeface="Segoe UI Black" panose="020B0A02040204020203" pitchFamily="34" charset="0"/>
+                <a:cs typeface="Times New Roman" panose="02020603050405020304" pitchFamily="18" charset="0"/>
+              </a:rPr>
+              <a:t> import </a:t>
+            </a:r>
+            <a:r>
+              <a:rPr lang="en-US" dirty="0" err="1">
+                <a:latin typeface="Segoe UI Black" panose="020B0A02040204020203" pitchFamily="34" charset="0"/>
+                <a:ea typeface="Segoe UI Black" panose="020B0A02040204020203" pitchFamily="34" charset="0"/>
+                <a:cs typeface="Times New Roman" panose="02020603050405020304" pitchFamily="18" charset="0"/>
+              </a:rPr>
+              <a:t>bằng</a:t>
+            </a:r>
+            <a:r>
+              <a:rPr lang="en-US" dirty="0">
+                <a:latin typeface="Segoe UI Black" panose="020B0A02040204020203" pitchFamily="34" charset="0"/>
+                <a:ea typeface="Segoe UI Black" panose="020B0A02040204020203" pitchFamily="34" charset="0"/>
+                <a:cs typeface="Times New Roman" panose="02020603050405020304" pitchFamily="18" charset="0"/>
+              </a:rPr>
+              <a:t> </a:t>
+            </a:r>
+            <a:r>
+              <a:rPr lang="en-US" dirty="0" err="1">
+                <a:latin typeface="Segoe UI Black" panose="020B0A02040204020203" pitchFamily="34" charset="0"/>
+                <a:ea typeface="Segoe UI Black" panose="020B0A02040204020203" pitchFamily="34" charset="0"/>
+                <a:cs typeface="Times New Roman" panose="02020603050405020304" pitchFamily="18" charset="0"/>
+              </a:rPr>
+              <a:t>cách</a:t>
+            </a:r>
+            <a:r>
+              <a:rPr lang="en-US" dirty="0">
+                <a:latin typeface="Segoe UI Black" panose="020B0A02040204020203" pitchFamily="34" charset="0"/>
+                <a:ea typeface="Segoe UI Black" panose="020B0A02040204020203" pitchFamily="34" charset="0"/>
+                <a:cs typeface="Times New Roman" panose="02020603050405020304" pitchFamily="18" charset="0"/>
+              </a:rPr>
+              <a:t> </a:t>
+            </a:r>
+            <a:r>
+              <a:rPr lang="en-US" dirty="0" err="1">
+                <a:latin typeface="Segoe UI Black" panose="020B0A02040204020203" pitchFamily="34" charset="0"/>
+                <a:ea typeface="Segoe UI Black" panose="020B0A02040204020203" pitchFamily="34" charset="0"/>
+                <a:cs typeface="Times New Roman" panose="02020603050405020304" pitchFamily="18" charset="0"/>
+              </a:rPr>
+              <a:t>trên</a:t>
+            </a:r>
+            <a:r>
+              <a:rPr lang="en-US" dirty="0">
+                <a:latin typeface="Segoe UI Black" panose="020B0A02040204020203" pitchFamily="34" charset="0"/>
+                <a:ea typeface="Segoe UI Black" panose="020B0A02040204020203" pitchFamily="34" charset="0"/>
+                <a:cs typeface="Times New Roman" panose="02020603050405020304" pitchFamily="18" charset="0"/>
+              </a:rPr>
+              <a:t>.</a:t>
+            </a:r>
+          </a:p>
+          <a:p>
+            <a:endParaRPr lang="en-US" dirty="0">
+              <a:latin typeface="Segoe UI Black" panose="020B0A02040204020203" pitchFamily="34" charset="0"/>
+              <a:ea typeface="Segoe UI Black" panose="020B0A02040204020203" pitchFamily="34" charset="0"/>
               <a:cs typeface="Times New Roman" panose="02020603050405020304" pitchFamily="18" charset="0"/>
             </a:endParaRPr>
           </a:p>
           <a:p>
-            <a:endParaRPr lang="en-US" sz="2200">
-              <a:latin typeface="Times New Roman" panose="02020603050405020304" pitchFamily="18" charset="0"/>
+            <a:endParaRPr lang="en-US" dirty="0">
+              <a:latin typeface="Segoe UI Black" panose="020B0A02040204020203" pitchFamily="34" charset="0"/>
+              <a:ea typeface="Segoe UI Black" panose="020B0A02040204020203" pitchFamily="34" charset="0"/>
               <a:cs typeface="Times New Roman" panose="02020603050405020304" pitchFamily="18" charset="0"/>
             </a:endParaRPr>
           </a:p>
           <a:p>
-            <a:endParaRPr lang="en-US" sz="2200">
-              <a:latin typeface="Times New Roman" panose="02020603050405020304" pitchFamily="18" charset="0"/>
+            <a:endParaRPr lang="en-US" dirty="0">
+              <a:latin typeface="Segoe UI Black" panose="020B0A02040204020203" pitchFamily="34" charset="0"/>
+              <a:ea typeface="Segoe UI Black" panose="020B0A02040204020203" pitchFamily="34" charset="0"/>
               <a:cs typeface="Times New Roman" panose="02020603050405020304" pitchFamily="18" charset="0"/>
             </a:endParaRPr>
           </a:p>
@@ -7097,13 +11612,13 @@
   <p:clrMapOvr>
     <a:masterClrMapping/>
   </p:clrMapOvr>
-  <mc:AlternateContent xmlns:mc="http://schemas.openxmlformats.org/markup-compatibility/2006">
-    <mc:Choice xmlns:p15="http://schemas.microsoft.com/office/powerpoint/2012/main" Requires="p15">
+  <mc:AlternateContent xmlns:mc="http://schemas.openxmlformats.org/markup-compatibility/2006" xmlns:p15="http://schemas.microsoft.com/office/powerpoint/2012/main">
+    <mc:Choice Requires="p15">
       <p:transition xmlns:p14="http://schemas.microsoft.com/office/powerpoint/2010/main" spd="slow" p14:dur="1250">
         <p15:prstTrans prst="peelOff"/>
       </p:transition>
     </mc:Choice>
-    <mc:Fallback>
+    <mc:Fallback xmlns="">
       <p:transition spd="slow">
         <p:fade/>
       </p:transition>
